--- a/slides/shiny-workshop.pptx
+++ b/slides/shiny-workshop.pptx
@@ -6181,7 +6181,9 @@
           <p:nvPr userDrawn="1"/>
         </p:nvPicPr>
         <p:blipFill>
-          <a:blip r:embed="rId9"/>
+          <a:blip r:embed="rId9">
+            <a:alphaModFix amt="12000"/>
+          </a:blip>
           <a:stretch>
             <a:fillRect/>
           </a:stretch>
@@ -10667,6 +10669,20 @@
             <a:pPr marL="457200" lvl="1" indent="0">
               <a:buNone/>
             </a:pPr>
+            <a:endParaRPr lang="en-US" sz="2000" dirty="0">
+              <a:solidFill>
+                <a:schemeClr val="accent4">
+                  <a:lumMod val="75000"/>
+                </a:schemeClr>
+              </a:solidFill>
+              <a:latin typeface="FuraCode Nerd Font Mono" panose="020B0509050000020004" pitchFamily="50" charset="0"/>
+              <a:ea typeface="FuraCode Nerd Font Mono" panose="020B0509050000020004" pitchFamily="50" charset="0"/>
+            </a:endParaRPr>
+          </a:p>
+          <a:p>
+            <a:pPr marL="457200" lvl="1" indent="0">
+              <a:buNone/>
+            </a:pPr>
             <a:r>
               <a:rPr lang="en-US" sz="2000" dirty="0">
                 <a:solidFill>
@@ -10983,7 +10999,7 @@
         </p:blipFill>
         <p:spPr>
           <a:xfrm>
-            <a:off x="5801805" y="1825533"/>
+            <a:off x="5801805" y="2090509"/>
             <a:ext cx="6655808" cy="1999408"/>
           </a:xfrm>
           <a:prstGeom prst="rect">
@@ -11018,7 +11034,7 @@
         </p:blipFill>
         <p:spPr>
           <a:xfrm>
-            <a:off x="5801805" y="4021079"/>
+            <a:off x="5801805" y="4354801"/>
             <a:ext cx="5486364" cy="1578874"/>
           </a:xfrm>
           <a:prstGeom prst="rect">
@@ -11236,7 +11252,7 @@
             <a:pPr lvl="1"/>
             <a:r>
               <a:rPr lang="en-GB" sz="2000" dirty="0"/>
-              <a:t>Stick to a basic use case – we’ll add complexity later</a:t>
+              <a:t>Stick to a basic use case – you can add complexity later</a:t>
             </a:r>
           </a:p>
           <a:p>
@@ -11254,38 +11270,48 @@
           <a:p>
             <a:pPr lvl="1"/>
             <a:r>
-              <a:rPr lang="en-GB" sz="2000" dirty="0"/>
+              <a:rPr lang="en-GB" dirty="0"/>
               <a:t>Add/change inputs &amp; outputs</a:t>
             </a:r>
           </a:p>
           <a:p>
-            <a:pPr lvl="1"/>
-            <a:r>
-              <a:rPr lang="en-GB" sz="2000" dirty="0"/>
-              <a:t>Change layout, labels, texts</a:t>
-            </a:r>
-          </a:p>
-          <a:p>
-            <a:pPr lvl="1"/>
-            <a:r>
-              <a:rPr lang="en-GB" sz="2000" dirty="0"/>
-              <a:t>You are now allowed to change the title</a:t>
-            </a:r>
-          </a:p>
-          <a:p>
-            <a:r>
-              <a:rPr lang="en-GB" dirty="0"/>
-              <a:t>Server</a:t>
-            </a:r>
-          </a:p>
-          <a:p>
-            <a:pPr lvl="1"/>
-            <a:r>
-              <a:rPr lang="en-GB" sz="2000" dirty="0">
+            <a:pPr lvl="2"/>
+            <a:r>
+              <a:rPr lang="en-GB" sz="1600" dirty="0">
                 <a:latin typeface="FuraCode Nerd Font" panose="020B0509050000020004" pitchFamily="50" charset="0"/>
                 <a:ea typeface="FuraCode Nerd Font" panose="020B0509050000020004" pitchFamily="50" charset="0"/>
               </a:rPr>
-              <a:t>render[Text/Plot/Table]</a:t>
+              <a:t>[xxx]Input(..), [xxx]Output(..)</a:t>
+            </a:r>
+          </a:p>
+          <a:p>
+            <a:pPr lvl="1"/>
+            <a:r>
+              <a:rPr lang="en-GB" dirty="0"/>
+              <a:t>Change layout, labels, texts</a:t>
+            </a:r>
+          </a:p>
+          <a:p>
+            <a:r>
+              <a:rPr lang="en-GB" dirty="0"/>
+              <a:t>Server</a:t>
+            </a:r>
+          </a:p>
+          <a:p>
+            <a:pPr lvl="1"/>
+            <a:r>
+              <a:rPr lang="en-GB" dirty="0"/>
+              <a:t>Create an output for your analysis/visualization</a:t>
+            </a:r>
+          </a:p>
+          <a:p>
+            <a:pPr lvl="2"/>
+            <a:r>
+              <a:rPr lang="en-GB" sz="1600" dirty="0">
+                <a:latin typeface="FuraCode Nerd Font" panose="020B0509050000020004" pitchFamily="50" charset="0"/>
+                <a:ea typeface="FuraCode Nerd Font" panose="020B0509050000020004" pitchFamily="50" charset="0"/>
+              </a:rPr>
+              <a:t>render[xxx](..)</a:t>
             </a:r>
           </a:p>
           <a:p>
@@ -11329,7 +11355,7 @@
           <a:p>
             <a:r>
               <a:rPr lang="en-GB" dirty="0"/>
-              <a:t>3/6/2022</a:t>
+              <a:t>24/10/2022</a:t>
             </a:r>
             <a:endParaRPr lang="en-NL" dirty="0"/>
           </a:p>
@@ -15172,6 +15198,15 @@
 </file>
 
 <file path=customXml/item1.xml><?xml version="1.0" encoding="utf-8"?>
+<?mso-contentType ?>
+<FormTemplates xmlns="http://schemas.microsoft.com/sharepoint/v3/contenttype/forms">
+  <Display>DocumentLibraryForm</Display>
+  <Edit>DocumentLibraryForm</Edit>
+  <New>DocumentLibraryForm</New>
+</FormTemplates>
+</file>
+
+<file path=customXml/item2.xml><?xml version="1.0" encoding="utf-8"?>
 <ct:contentTypeSchema xmlns:ct="http://schemas.microsoft.com/office/2006/metadata/contentType" xmlns:ma="http://schemas.microsoft.com/office/2006/metadata/properties/metaAttributes" ct:_="" ma:_="" ma:contentTypeName="Document" ma:contentTypeID="0x010100C6CAEDC347B3154C9924F629E21BEB80" ma:contentTypeVersion="10" ma:contentTypeDescription="Create a new document." ma:contentTypeScope="" ma:versionID="9747ca1e1dad1116bfb6c4900c6f1e50">
   <xsd:schema xmlns:xsd="http://www.w3.org/2001/XMLSchema" xmlns:xs="http://www.w3.org/2001/XMLSchema" xmlns:p="http://schemas.microsoft.com/office/2006/metadata/properties" xmlns:ns2="2624be63-ebf9-4739-94ef-32159122bcb8" xmlns:ns3="b06909d7-6895-4fb7-bf6a-f9b4b7585c62" targetNamespace="http://schemas.microsoft.com/office/2006/metadata/properties" ma:root="true" ma:fieldsID="a476e8526bb1765c594a6798734553de" ns2:_="" ns3:_="">
     <xsd:import namespace="2624be63-ebf9-4739-94ef-32159122bcb8"/>
@@ -15376,15 +15411,6 @@
 </ct:contentTypeSchema>
 </file>
 
-<file path=customXml/item2.xml><?xml version="1.0" encoding="utf-8"?>
-<?mso-contentType ?>
-<FormTemplates xmlns="http://schemas.microsoft.com/sharepoint/v3/contenttype/forms">
-  <Display>DocumentLibraryForm</Display>
-  <Edit>DocumentLibraryForm</Edit>
-  <New>DocumentLibraryForm</New>
-</FormTemplates>
-</file>
-
 <file path=customXml/item3.xml><?xml version="1.0" encoding="utf-8"?>
 <p:properties xmlns:p="http://schemas.microsoft.com/office/2006/metadata/properties" xmlns:xsi="http://www.w3.org/2001/XMLSchema-instance" xmlns:pc="http://schemas.microsoft.com/office/infopath/2007/PartnerControls">
   <documentManagement/>
@@ -15392,6 +15418,14 @@
 </file>
 
 <file path=customXml/itemProps1.xml><?xml version="1.0" encoding="utf-8"?>
+<ds:datastoreItem xmlns:ds="http://schemas.openxmlformats.org/officeDocument/2006/customXml" ds:itemID="{08B165A8-AC64-4E2D-94ED-9DAA48721EFC}">
+  <ds:schemaRefs>
+    <ds:schemaRef ds:uri="http://schemas.microsoft.com/sharepoint/v3/contenttype/forms"/>
+  </ds:schemaRefs>
+</ds:datastoreItem>
+</file>
+
+<file path=customXml/itemProps2.xml><?xml version="1.0" encoding="utf-8"?>
 <ds:datastoreItem xmlns:ds="http://schemas.openxmlformats.org/officeDocument/2006/customXml" ds:itemID="{B7433C36-043F-46C5-A8F7-2BAFAB869059}">
   <ds:schemaRefs>
     <ds:schemaRef ds:uri="http://schemas.microsoft.com/office/2006/metadata/contentType"/>
@@ -15406,14 +15440,6 @@
     <ds:schemaRef ds:uri="http://purl.org/dc/elements/1.1/"/>
     <ds:schemaRef ds:uri="http://purl.org/dc/terms/"/>
     <ds:schemaRef ds:uri="http://schemas.microsoft.com/internal/obd"/>
-  </ds:schemaRefs>
-</ds:datastoreItem>
-</file>
-
-<file path=customXml/itemProps2.xml><?xml version="1.0" encoding="utf-8"?>
-<ds:datastoreItem xmlns:ds="http://schemas.openxmlformats.org/officeDocument/2006/customXml" ds:itemID="{08B165A8-AC64-4E2D-94ED-9DAA48721EFC}">
-  <ds:schemaRefs>
-    <ds:schemaRef ds:uri="http://schemas.microsoft.com/sharepoint/v3/contenttype/forms"/>
   </ds:schemaRefs>
 </ds:datastoreItem>
 </file>

--- a/slides/shiny-workshop.pptx
+++ b/slides/shiny-workshop.pptx
@@ -6,7 +6,7 @@
     <p:sldMasterId id="2147483666" r:id="rId5"/>
   </p:sldMasterIdLst>
   <p:notesMasterIdLst>
-    <p:notesMasterId r:id="rId24"/>
+    <p:notesMasterId r:id="rId26"/>
   </p:notesMasterIdLst>
   <p:sldIdLst>
     <p:sldId id="256" r:id="rId6"/>
@@ -23,10 +23,12 @@
     <p:sldId id="267" r:id="rId17"/>
     <p:sldId id="266" r:id="rId18"/>
     <p:sldId id="268" r:id="rId19"/>
-    <p:sldId id="277" r:id="rId20"/>
-    <p:sldId id="278" r:id="rId21"/>
-    <p:sldId id="280" r:id="rId22"/>
-    <p:sldId id="279" r:id="rId23"/>
+    <p:sldId id="285" r:id="rId20"/>
+    <p:sldId id="277" r:id="rId21"/>
+    <p:sldId id="284" r:id="rId22"/>
+    <p:sldId id="278" r:id="rId23"/>
+    <p:sldId id="280" r:id="rId24"/>
+    <p:sldId id="279" r:id="rId25"/>
   </p:sldIdLst>
   <p:sldSz cx="12192000" cy="6858000"/>
   <p:notesSz cx="6858000" cy="9144000"/>
@@ -133,6 +135,493 @@
 </p:presentation>
 </file>
 
+<file path=ppt/revisionInfo.xml><?xml version="1.0" encoding="utf-8"?>
+<p1510:revInfo xmlns:a="http://schemas.openxmlformats.org/drawingml/2006/main" xmlns:r="http://schemas.openxmlformats.org/officeDocument/2006/relationships" xmlns:p1510="http://schemas.microsoft.com/office/powerpoint/2015/10/main">
+  <p1510:revLst>
+    <p1510:client id="{96409CF9-C97D-44F8-A3EA-3F6F117A062B}" v="77" dt="2023-10-16T10:05:51.167"/>
+  </p1510:revLst>
+</p1510:revInfo>
+</file>
+
+<file path=ppt/changesInfos/changesInfo1.xml><?xml version="1.0" encoding="utf-8"?>
+<pc:chgInfo xmlns:a="http://schemas.openxmlformats.org/drawingml/2006/main" xmlns:r="http://schemas.openxmlformats.org/officeDocument/2006/relationships" xmlns:ac="http://schemas.microsoft.com/office/drawing/2013/main/command" xmlns:pc="http://schemas.microsoft.com/office/powerpoint/2013/main/command">
+  <pc:docChgLst>
+    <pc:chgData name="Kroeze, Karel (UT-BMS)" userId="f7e72889-5459-48df-bfa5-5c7276a18aae" providerId="ADAL" clId="{96409CF9-C97D-44F8-A3EA-3F6F117A062B}"/>
+    <pc:docChg chg="undo custSel addSld modSld sldOrd">
+      <pc:chgData name="Kroeze, Karel (UT-BMS)" userId="f7e72889-5459-48df-bfa5-5c7276a18aae" providerId="ADAL" clId="{96409CF9-C97D-44F8-A3EA-3F6F117A062B}" dt="2023-10-16T10:05:51.167" v="490"/>
+      <pc:docMkLst>
+        <pc:docMk/>
+      </pc:docMkLst>
+      <pc:sldChg chg="addSp delSp modSp mod">
+        <pc:chgData name="Kroeze, Karel (UT-BMS)" userId="f7e72889-5459-48df-bfa5-5c7276a18aae" providerId="ADAL" clId="{96409CF9-C97D-44F8-A3EA-3F6F117A062B}" dt="2023-10-16T09:28:04.996" v="90" actId="1076"/>
+        <pc:sldMkLst>
+          <pc:docMk/>
+          <pc:sldMk cId="3738341136" sldId="260"/>
+        </pc:sldMkLst>
+        <pc:spChg chg="mod">
+          <ac:chgData name="Kroeze, Karel (UT-BMS)" userId="f7e72889-5459-48df-bfa5-5c7276a18aae" providerId="ADAL" clId="{96409CF9-C97D-44F8-A3EA-3F6F117A062B}" dt="2023-10-16T09:28:04.996" v="90" actId="1076"/>
+          <ac:spMkLst>
+            <pc:docMk/>
+            <pc:sldMk cId="3738341136" sldId="260"/>
+            <ac:spMk id="7" creationId="{22176F0C-35AA-47F3-B84A-7B833AF80BCF}"/>
+          </ac:spMkLst>
+        </pc:spChg>
+        <pc:picChg chg="add del">
+          <ac:chgData name="Kroeze, Karel (UT-BMS)" userId="f7e72889-5459-48df-bfa5-5c7276a18aae" providerId="ADAL" clId="{96409CF9-C97D-44F8-A3EA-3F6F117A062B}" dt="2023-10-16T09:21:16.724" v="5"/>
+          <ac:picMkLst>
+            <pc:docMk/>
+            <pc:sldMk cId="3738341136" sldId="260"/>
+            <ac:picMk id="2" creationId="{7CF36CDD-390C-6356-D8C0-C73FB38A0435}"/>
+          </ac:picMkLst>
+        </pc:picChg>
+        <pc:picChg chg="add del">
+          <ac:chgData name="Kroeze, Karel (UT-BMS)" userId="f7e72889-5459-48df-bfa5-5c7276a18aae" providerId="ADAL" clId="{96409CF9-C97D-44F8-A3EA-3F6F117A062B}" dt="2023-10-16T09:21:52.719" v="7" actId="22"/>
+          <ac:picMkLst>
+            <pc:docMk/>
+            <pc:sldMk cId="3738341136" sldId="260"/>
+            <ac:picMk id="4" creationId="{E1E759D2-3A96-25E8-38B1-2078EF5A0122}"/>
+          </ac:picMkLst>
+        </pc:picChg>
+        <pc:picChg chg="mod">
+          <ac:chgData name="Kroeze, Karel (UT-BMS)" userId="f7e72889-5459-48df-bfa5-5c7276a18aae" providerId="ADAL" clId="{96409CF9-C97D-44F8-A3EA-3F6F117A062B}" dt="2023-10-16T09:27:49.350" v="85" actId="1076"/>
+          <ac:picMkLst>
+            <pc:docMk/>
+            <pc:sldMk cId="3738341136" sldId="260"/>
+            <ac:picMk id="5" creationId="{8DE11605-BB2E-43CA-BB54-E4B6480F7CCA}"/>
+          </ac:picMkLst>
+        </pc:picChg>
+        <pc:picChg chg="add del mod">
+          <ac:chgData name="Kroeze, Karel (UT-BMS)" userId="f7e72889-5459-48df-bfa5-5c7276a18aae" providerId="ADAL" clId="{96409CF9-C97D-44F8-A3EA-3F6F117A062B}" dt="2023-10-16T09:25:43.505" v="11" actId="478"/>
+          <ac:picMkLst>
+            <pc:docMk/>
+            <pc:sldMk cId="3738341136" sldId="260"/>
+            <ac:picMk id="9" creationId="{BAC51134-C618-7839-29FC-9F6762570BF1}"/>
+          </ac:picMkLst>
+        </pc:picChg>
+        <pc:picChg chg="add mod">
+          <ac:chgData name="Kroeze, Karel (UT-BMS)" userId="f7e72889-5459-48df-bfa5-5c7276a18aae" providerId="ADAL" clId="{96409CF9-C97D-44F8-A3EA-3F6F117A062B}" dt="2023-10-16T09:28:04.134" v="89" actId="1076"/>
+          <ac:picMkLst>
+            <pc:docMk/>
+            <pc:sldMk cId="3738341136" sldId="260"/>
+            <ac:picMk id="11" creationId="{53AA340E-6562-0260-FBE4-0C34F2999576}"/>
+          </ac:picMkLst>
+        </pc:picChg>
+        <pc:picChg chg="add del mod">
+          <ac:chgData name="Kroeze, Karel (UT-BMS)" userId="f7e72889-5459-48df-bfa5-5c7276a18aae" providerId="ADAL" clId="{96409CF9-C97D-44F8-A3EA-3F6F117A062B}" dt="2023-10-16T09:25:33.835" v="8" actId="478"/>
+          <ac:picMkLst>
+            <pc:docMk/>
+            <pc:sldMk cId="3738341136" sldId="260"/>
+            <ac:picMk id="1026" creationId="{36C83CBE-B85E-4174-EAF1-2F0068AA470E}"/>
+          </ac:picMkLst>
+        </pc:picChg>
+      </pc:sldChg>
+      <pc:sldChg chg="addSp delSp modSp mod">
+        <pc:chgData name="Kroeze, Karel (UT-BMS)" userId="f7e72889-5459-48df-bfa5-5c7276a18aae" providerId="ADAL" clId="{96409CF9-C97D-44F8-A3EA-3F6F117A062B}" dt="2023-10-16T09:39:08.408" v="219" actId="1076"/>
+        <pc:sldMkLst>
+          <pc:docMk/>
+          <pc:sldMk cId="1495240266" sldId="277"/>
+        </pc:sldMkLst>
+        <pc:spChg chg="mod">
+          <ac:chgData name="Kroeze, Karel (UT-BMS)" userId="f7e72889-5459-48df-bfa5-5c7276a18aae" providerId="ADAL" clId="{96409CF9-C97D-44F8-A3EA-3F6F117A062B}" dt="2023-10-16T09:38:47.988" v="214" actId="5793"/>
+          <ac:spMkLst>
+            <pc:docMk/>
+            <pc:sldMk cId="1495240266" sldId="277"/>
+            <ac:spMk id="3" creationId="{53955285-5F23-4DBC-8F2C-B5AF06D4975D}"/>
+          </ac:spMkLst>
+        </pc:spChg>
+        <pc:grpChg chg="del">
+          <ac:chgData name="Kroeze, Karel (UT-BMS)" userId="f7e72889-5459-48df-bfa5-5c7276a18aae" providerId="ADAL" clId="{96409CF9-C97D-44F8-A3EA-3F6F117A062B}" dt="2023-10-16T09:38:52.651" v="216" actId="478"/>
+          <ac:grpSpMkLst>
+            <pc:docMk/>
+            <pc:sldMk cId="1495240266" sldId="277"/>
+            <ac:grpSpMk id="11" creationId="{C51F17C6-D2E8-4516-BEF4-EF7B3ABFD707}"/>
+          </ac:grpSpMkLst>
+        </pc:grpChg>
+        <pc:picChg chg="add mod modCrop">
+          <ac:chgData name="Kroeze, Karel (UT-BMS)" userId="f7e72889-5459-48df-bfa5-5c7276a18aae" providerId="ADAL" clId="{96409CF9-C97D-44F8-A3EA-3F6F117A062B}" dt="2023-10-16T09:39:08.408" v="219" actId="1076"/>
+          <ac:picMkLst>
+            <pc:docMk/>
+            <pc:sldMk cId="1495240266" sldId="277"/>
+            <ac:picMk id="7" creationId="{850E6A02-A5C4-AEC2-C525-6EAE4AC3C862}"/>
+          </ac:picMkLst>
+        </pc:picChg>
+      </pc:sldChg>
+      <pc:sldChg chg="addSp delSp modSp mod">
+        <pc:chgData name="Kroeze, Karel (UT-BMS)" userId="f7e72889-5459-48df-bfa5-5c7276a18aae" providerId="ADAL" clId="{96409CF9-C97D-44F8-A3EA-3F6F117A062B}" dt="2023-10-16T09:44:51.007" v="371" actId="1076"/>
+        <pc:sldMkLst>
+          <pc:docMk/>
+          <pc:sldMk cId="776796449" sldId="278"/>
+        </pc:sldMkLst>
+        <pc:spChg chg="mod">
+          <ac:chgData name="Kroeze, Karel (UT-BMS)" userId="f7e72889-5459-48df-bfa5-5c7276a18aae" providerId="ADAL" clId="{96409CF9-C97D-44F8-A3EA-3F6F117A062B}" dt="2023-10-16T09:43:53.148" v="364" actId="20577"/>
+          <ac:spMkLst>
+            <pc:docMk/>
+            <pc:sldMk cId="776796449" sldId="278"/>
+            <ac:spMk id="3" creationId="{53955285-5F23-4DBC-8F2C-B5AF06D4975D}"/>
+          </ac:spMkLst>
+        </pc:spChg>
+        <pc:spChg chg="del">
+          <ac:chgData name="Kroeze, Karel (UT-BMS)" userId="f7e72889-5459-48df-bfa5-5c7276a18aae" providerId="ADAL" clId="{96409CF9-C97D-44F8-A3EA-3F6F117A062B}" dt="2023-10-16T09:44:31.839" v="365" actId="478"/>
+          <ac:spMkLst>
+            <pc:docMk/>
+            <pc:sldMk cId="776796449" sldId="278"/>
+            <ac:spMk id="6" creationId="{E5B6359E-D4EB-4C1D-AC37-23A99FEB194A}"/>
+          </ac:spMkLst>
+        </pc:spChg>
+        <pc:picChg chg="add mod">
+          <ac:chgData name="Kroeze, Karel (UT-BMS)" userId="f7e72889-5459-48df-bfa5-5c7276a18aae" providerId="ADAL" clId="{96409CF9-C97D-44F8-A3EA-3F6F117A062B}" dt="2023-10-16T09:44:51.007" v="371" actId="1076"/>
+          <ac:picMkLst>
+            <pc:docMk/>
+            <pc:sldMk cId="776796449" sldId="278"/>
+            <ac:picMk id="8" creationId="{4670703B-CC38-8881-122A-D36394A9EC8C}"/>
+          </ac:picMkLst>
+        </pc:picChg>
+      </pc:sldChg>
+      <pc:sldChg chg="addSp delSp modSp mod modAnim">
+        <pc:chgData name="Kroeze, Karel (UT-BMS)" userId="f7e72889-5459-48df-bfa5-5c7276a18aae" providerId="ADAL" clId="{96409CF9-C97D-44F8-A3EA-3F6F117A062B}" dt="2023-10-16T10:05:51.167" v="490"/>
+        <pc:sldMkLst>
+          <pc:docMk/>
+          <pc:sldMk cId="2943126073" sldId="279"/>
+        </pc:sldMkLst>
+        <pc:spChg chg="mod">
+          <ac:chgData name="Kroeze, Karel (UT-BMS)" userId="f7e72889-5459-48df-bfa5-5c7276a18aae" providerId="ADAL" clId="{96409CF9-C97D-44F8-A3EA-3F6F117A062B}" dt="2023-10-16T10:05:36.012" v="487" actId="1076"/>
+          <ac:spMkLst>
+            <pc:docMk/>
+            <pc:sldMk cId="2943126073" sldId="279"/>
+            <ac:spMk id="2" creationId="{DC65E524-C514-45D7-BC6C-D11A108C5A11}"/>
+          </ac:spMkLst>
+        </pc:spChg>
+        <pc:grpChg chg="del mod">
+          <ac:chgData name="Kroeze, Karel (UT-BMS)" userId="f7e72889-5459-48df-bfa5-5c7276a18aae" providerId="ADAL" clId="{96409CF9-C97D-44F8-A3EA-3F6F117A062B}" dt="2023-10-16T09:46:06.415" v="380"/>
+          <ac:grpSpMkLst>
+            <pc:docMk/>
+            <pc:sldMk cId="2943126073" sldId="279"/>
+            <ac:grpSpMk id="10" creationId="{2E64A9FD-6D1F-FCFF-AB6F-3F965C0EB936}"/>
+          </ac:grpSpMkLst>
+        </pc:grpChg>
+        <pc:grpChg chg="mod">
+          <ac:chgData name="Kroeze, Karel (UT-BMS)" userId="f7e72889-5459-48df-bfa5-5c7276a18aae" providerId="ADAL" clId="{96409CF9-C97D-44F8-A3EA-3F6F117A062B}" dt="2023-10-16T09:46:06.415" v="380"/>
+          <ac:grpSpMkLst>
+            <pc:docMk/>
+            <pc:sldMk cId="2943126073" sldId="279"/>
+            <ac:grpSpMk id="14" creationId="{F697C212-547C-BDF6-677D-D79359A1E716}"/>
+          </ac:grpSpMkLst>
+        </pc:grpChg>
+        <pc:grpChg chg="del mod">
+          <ac:chgData name="Kroeze, Karel (UT-BMS)" userId="f7e72889-5459-48df-bfa5-5c7276a18aae" providerId="ADAL" clId="{96409CF9-C97D-44F8-A3EA-3F6F117A062B}" dt="2023-10-16T09:46:12.822" v="385"/>
+          <ac:grpSpMkLst>
+            <pc:docMk/>
+            <pc:sldMk cId="2943126073" sldId="279"/>
+            <ac:grpSpMk id="17" creationId="{C273130F-2D81-1CDC-69F9-60AABFE6B13F}"/>
+          </ac:grpSpMkLst>
+        </pc:grpChg>
+        <pc:grpChg chg="del mod">
+          <ac:chgData name="Kroeze, Karel (UT-BMS)" userId="f7e72889-5459-48df-bfa5-5c7276a18aae" providerId="ADAL" clId="{96409CF9-C97D-44F8-A3EA-3F6F117A062B}" dt="2023-10-16T09:55:07.850" v="455" actId="478"/>
+          <ac:grpSpMkLst>
+            <pc:docMk/>
+            <pc:sldMk cId="2943126073" sldId="279"/>
+            <ac:grpSpMk id="19" creationId="{A5C0B758-945D-CED0-3E62-0D53511C79D5}"/>
+          </ac:grpSpMkLst>
+        </pc:grpChg>
+        <pc:inkChg chg="add del">
+          <ac:chgData name="Kroeze, Karel (UT-BMS)" userId="f7e72889-5459-48df-bfa5-5c7276a18aae" providerId="ADAL" clId="{96409CF9-C97D-44F8-A3EA-3F6F117A062B}" dt="2023-10-16T09:45:52.059" v="373" actId="9405"/>
+          <ac:inkMkLst>
+            <pc:docMk/>
+            <pc:sldMk cId="2943126073" sldId="279"/>
+            <ac:inkMk id="6" creationId="{E870DFD6-82E3-355F-9313-4919B7A20078}"/>
+          </ac:inkMkLst>
+        </pc:inkChg>
+        <pc:inkChg chg="add mod">
+          <ac:chgData name="Kroeze, Karel (UT-BMS)" userId="f7e72889-5459-48df-bfa5-5c7276a18aae" providerId="ADAL" clId="{96409CF9-C97D-44F8-A3EA-3F6F117A062B}" dt="2023-10-16T09:53:27.460" v="431" actId="1076"/>
+          <ac:inkMkLst>
+            <pc:docMk/>
+            <pc:sldMk cId="2943126073" sldId="279"/>
+            <ac:inkMk id="7" creationId="{C841DFD6-E7F0-3937-8BCF-8ADDC2AE880B}"/>
+          </ac:inkMkLst>
+        </pc:inkChg>
+        <pc:inkChg chg="add mod">
+          <ac:chgData name="Kroeze, Karel (UT-BMS)" userId="f7e72889-5459-48df-bfa5-5c7276a18aae" providerId="ADAL" clId="{96409CF9-C97D-44F8-A3EA-3F6F117A062B}" dt="2023-10-16T09:46:06.415" v="380"/>
+          <ac:inkMkLst>
+            <pc:docMk/>
+            <pc:sldMk cId="2943126073" sldId="279"/>
+            <ac:inkMk id="8" creationId="{4AE70AF9-1F14-B2D7-8F98-4B4B61F26451}"/>
+          </ac:inkMkLst>
+        </pc:inkChg>
+        <pc:inkChg chg="add mod">
+          <ac:chgData name="Kroeze, Karel (UT-BMS)" userId="f7e72889-5459-48df-bfa5-5c7276a18aae" providerId="ADAL" clId="{96409CF9-C97D-44F8-A3EA-3F6F117A062B}" dt="2023-10-16T09:46:06.415" v="380"/>
+          <ac:inkMkLst>
+            <pc:docMk/>
+            <pc:sldMk cId="2943126073" sldId="279"/>
+            <ac:inkMk id="9" creationId="{5EC1E851-7996-C73D-0213-2DE96B4E0F71}"/>
+          </ac:inkMkLst>
+        </pc:inkChg>
+        <pc:inkChg chg="add del mod">
+          <ac:chgData name="Kroeze, Karel (UT-BMS)" userId="f7e72889-5459-48df-bfa5-5c7276a18aae" providerId="ADAL" clId="{96409CF9-C97D-44F8-A3EA-3F6F117A062B}" dt="2023-10-16T09:55:13.065" v="457" actId="478"/>
+          <ac:inkMkLst>
+            <pc:docMk/>
+            <pc:sldMk cId="2943126073" sldId="279"/>
+            <ac:inkMk id="11" creationId="{1F18C148-9546-B9E3-1AC0-0ED9057E80ED}"/>
+          </ac:inkMkLst>
+        </pc:inkChg>
+        <pc:inkChg chg="add del mod">
+          <ac:chgData name="Kroeze, Karel (UT-BMS)" userId="f7e72889-5459-48df-bfa5-5c7276a18aae" providerId="ADAL" clId="{96409CF9-C97D-44F8-A3EA-3F6F117A062B}" dt="2023-10-16T09:55:10.470" v="456" actId="478"/>
+          <ac:inkMkLst>
+            <pc:docMk/>
+            <pc:sldMk cId="2943126073" sldId="279"/>
+            <ac:inkMk id="13" creationId="{0763FC67-D568-B61D-1200-468130497640}"/>
+          </ac:inkMkLst>
+        </pc:inkChg>
+        <pc:inkChg chg="add del mod">
+          <ac:chgData name="Kroeze, Karel (UT-BMS)" userId="f7e72889-5459-48df-bfa5-5c7276a18aae" providerId="ADAL" clId="{96409CF9-C97D-44F8-A3EA-3F6F117A062B}" dt="2023-10-16T09:55:05.125" v="454" actId="478"/>
+          <ac:inkMkLst>
+            <pc:docMk/>
+            <pc:sldMk cId="2943126073" sldId="279"/>
+            <ac:inkMk id="15" creationId="{BA120FA4-8386-2069-51AD-3C03D7741535}"/>
+          </ac:inkMkLst>
+        </pc:inkChg>
+        <pc:inkChg chg="add del mod topLvl">
+          <ac:chgData name="Kroeze, Karel (UT-BMS)" userId="f7e72889-5459-48df-bfa5-5c7276a18aae" providerId="ADAL" clId="{96409CF9-C97D-44F8-A3EA-3F6F117A062B}" dt="2023-10-16T09:55:07.850" v="455" actId="478"/>
+          <ac:inkMkLst>
+            <pc:docMk/>
+            <pc:sldMk cId="2943126073" sldId="279"/>
+            <ac:inkMk id="16" creationId="{FD600D0B-68A9-DC9E-5304-8B32EDC12567}"/>
+          </ac:inkMkLst>
+        </pc:inkChg>
+        <pc:inkChg chg="add mod topLvl">
+          <ac:chgData name="Kroeze, Karel (UT-BMS)" userId="f7e72889-5459-48df-bfa5-5c7276a18aae" providerId="ADAL" clId="{96409CF9-C97D-44F8-A3EA-3F6F117A062B}" dt="2023-10-16T09:55:07.850" v="455" actId="478"/>
+          <ac:inkMkLst>
+            <pc:docMk/>
+            <pc:sldMk cId="2943126073" sldId="279"/>
+            <ac:inkMk id="18" creationId="{BAED29BD-1DA3-934E-49B7-F495F7A7195B}"/>
+          </ac:inkMkLst>
+        </pc:inkChg>
+      </pc:sldChg>
+      <pc:sldChg chg="delSp modSp mod">
+        <pc:chgData name="Kroeze, Karel (UT-BMS)" userId="f7e72889-5459-48df-bfa5-5c7276a18aae" providerId="ADAL" clId="{96409CF9-C97D-44F8-A3EA-3F6F117A062B}" dt="2023-10-16T09:52:08.970" v="428" actId="1076"/>
+        <pc:sldMkLst>
+          <pc:docMk/>
+          <pc:sldMk cId="3626636867" sldId="280"/>
+        </pc:sldMkLst>
+        <pc:spChg chg="mod">
+          <ac:chgData name="Kroeze, Karel (UT-BMS)" userId="f7e72889-5459-48df-bfa5-5c7276a18aae" providerId="ADAL" clId="{96409CF9-C97D-44F8-A3EA-3F6F117A062B}" dt="2023-10-16T09:51:00.894" v="418" actId="5793"/>
+          <ac:spMkLst>
+            <pc:docMk/>
+            <pc:sldMk cId="3626636867" sldId="280"/>
+            <ac:spMk id="3" creationId="{53955285-5F23-4DBC-8F2C-B5AF06D4975D}"/>
+          </ac:spMkLst>
+        </pc:spChg>
+        <pc:spChg chg="del">
+          <ac:chgData name="Kroeze, Karel (UT-BMS)" userId="f7e72889-5459-48df-bfa5-5c7276a18aae" providerId="ADAL" clId="{96409CF9-C97D-44F8-A3EA-3F6F117A062B}" dt="2023-10-16T09:49:49.210" v="394" actId="478"/>
+          <ac:spMkLst>
+            <pc:docMk/>
+            <pc:sldMk cId="3626636867" sldId="280"/>
+            <ac:spMk id="15" creationId="{C43C087E-D5E1-41BA-B4F1-6CB3633545AE}"/>
+          </ac:spMkLst>
+        </pc:spChg>
+        <pc:picChg chg="mod modCrop">
+          <ac:chgData name="Kroeze, Karel (UT-BMS)" userId="f7e72889-5459-48df-bfa5-5c7276a18aae" providerId="ADAL" clId="{96409CF9-C97D-44F8-A3EA-3F6F117A062B}" dt="2023-10-16T09:51:50.671" v="425" actId="1076"/>
+          <ac:picMkLst>
+            <pc:docMk/>
+            <pc:sldMk cId="3626636867" sldId="280"/>
+            <ac:picMk id="12" creationId="{BCB9C76C-3C26-47FA-9156-215ECCFE8915}"/>
+          </ac:picMkLst>
+        </pc:picChg>
+        <pc:picChg chg="mod modCrop">
+          <ac:chgData name="Kroeze, Karel (UT-BMS)" userId="f7e72889-5459-48df-bfa5-5c7276a18aae" providerId="ADAL" clId="{96409CF9-C97D-44F8-A3EA-3F6F117A062B}" dt="2023-10-16T09:52:08.970" v="428" actId="1076"/>
+          <ac:picMkLst>
+            <pc:docMk/>
+            <pc:sldMk cId="3626636867" sldId="280"/>
+            <ac:picMk id="14" creationId="{CC2C35FC-AF82-498B-89F5-E09D354BE3F8}"/>
+          </ac:picMkLst>
+        </pc:picChg>
+      </pc:sldChg>
+      <pc:sldChg chg="addSp delSp modSp add mod">
+        <pc:chgData name="Kroeze, Karel (UT-BMS)" userId="f7e72889-5459-48df-bfa5-5c7276a18aae" providerId="ADAL" clId="{96409CF9-C97D-44F8-A3EA-3F6F117A062B}" dt="2023-10-16T09:43:16.378" v="354" actId="255"/>
+        <pc:sldMkLst>
+          <pc:docMk/>
+          <pc:sldMk cId="1361209070" sldId="284"/>
+        </pc:sldMkLst>
+        <pc:spChg chg="mod">
+          <ac:chgData name="Kroeze, Karel (UT-BMS)" userId="f7e72889-5459-48df-bfa5-5c7276a18aae" providerId="ADAL" clId="{96409CF9-C97D-44F8-A3EA-3F6F117A062B}" dt="2023-10-16T09:43:16.378" v="354" actId="255"/>
+          <ac:spMkLst>
+            <pc:docMk/>
+            <pc:sldMk cId="1361209070" sldId="284"/>
+            <ac:spMk id="3" creationId="{53955285-5F23-4DBC-8F2C-B5AF06D4975D}"/>
+          </ac:spMkLst>
+        </pc:spChg>
+        <pc:grpChg chg="del mod">
+          <ac:chgData name="Kroeze, Karel (UT-BMS)" userId="f7e72889-5459-48df-bfa5-5c7276a18aae" providerId="ADAL" clId="{96409CF9-C97D-44F8-A3EA-3F6F117A062B}" dt="2023-10-16T09:39:37.391" v="223" actId="478"/>
+          <ac:grpSpMkLst>
+            <pc:docMk/>
+            <pc:sldMk cId="1361209070" sldId="284"/>
+            <ac:grpSpMk id="11" creationId="{C51F17C6-D2E8-4516-BEF4-EF7B3ABFD707}"/>
+          </ac:grpSpMkLst>
+        </pc:grpChg>
+        <pc:grpChg chg="del mod">
+          <ac:chgData name="Kroeze, Karel (UT-BMS)" userId="f7e72889-5459-48df-bfa5-5c7276a18aae" providerId="ADAL" clId="{96409CF9-C97D-44F8-A3EA-3F6F117A062B}" dt="2023-10-16T09:41:19.745" v="243"/>
+          <ac:grpSpMkLst>
+            <pc:docMk/>
+            <pc:sldMk cId="1361209070" sldId="284"/>
+            <ac:grpSpMk id="18" creationId="{E30704EF-2FF5-8230-C702-C79C07CA0A85}"/>
+          </ac:grpSpMkLst>
+        </pc:grpChg>
+        <pc:grpChg chg="mod">
+          <ac:chgData name="Kroeze, Karel (UT-BMS)" userId="f7e72889-5459-48df-bfa5-5c7276a18aae" providerId="ADAL" clId="{96409CF9-C97D-44F8-A3EA-3F6F117A062B}" dt="2023-10-16T09:41:19.745" v="243"/>
+          <ac:grpSpMkLst>
+            <pc:docMk/>
+            <pc:sldMk cId="1361209070" sldId="284"/>
+            <ac:grpSpMk id="24" creationId="{CEDAA618-F646-3C24-6B06-3882A11B7807}"/>
+          </ac:grpSpMkLst>
+        </pc:grpChg>
+        <pc:picChg chg="add mod modCrop">
+          <ac:chgData name="Kroeze, Karel (UT-BMS)" userId="f7e72889-5459-48df-bfa5-5c7276a18aae" providerId="ADAL" clId="{96409CF9-C97D-44F8-A3EA-3F6F117A062B}" dt="2023-10-16T09:40:28.321" v="227" actId="732"/>
+          <ac:picMkLst>
+            <pc:docMk/>
+            <pc:sldMk cId="1361209070" sldId="284"/>
+            <ac:picMk id="7" creationId="{FFA53E35-871E-1EDD-3714-8F7C4924F8CF}"/>
+          </ac:picMkLst>
+        </pc:picChg>
+        <pc:picChg chg="add mod modCrop">
+          <ac:chgData name="Kroeze, Karel (UT-BMS)" userId="f7e72889-5459-48df-bfa5-5c7276a18aae" providerId="ADAL" clId="{96409CF9-C97D-44F8-A3EA-3F6F117A062B}" dt="2023-10-16T09:40:39.687" v="229" actId="1076"/>
+          <ac:picMkLst>
+            <pc:docMk/>
+            <pc:sldMk cId="1361209070" sldId="284"/>
+            <ac:picMk id="12" creationId="{3187B1E3-08E9-9B2A-5136-A7993866D639}"/>
+          </ac:picMkLst>
+        </pc:picChg>
+        <pc:inkChg chg="add del">
+          <ac:chgData name="Kroeze, Karel (UT-BMS)" userId="f7e72889-5459-48df-bfa5-5c7276a18aae" providerId="ADAL" clId="{96409CF9-C97D-44F8-A3EA-3F6F117A062B}" dt="2023-10-16T09:40:51.508" v="231" actId="9405"/>
+          <ac:inkMkLst>
+            <pc:docMk/>
+            <pc:sldMk cId="1361209070" sldId="284"/>
+            <ac:inkMk id="13" creationId="{62E9A659-210B-0B47-6FE3-050F9579ED7B}"/>
+          </ac:inkMkLst>
+        </pc:inkChg>
+        <pc:inkChg chg="add mod">
+          <ac:chgData name="Kroeze, Karel (UT-BMS)" userId="f7e72889-5459-48df-bfa5-5c7276a18aae" providerId="ADAL" clId="{96409CF9-C97D-44F8-A3EA-3F6F117A062B}" dt="2023-10-16T09:41:19.745" v="243"/>
+          <ac:inkMkLst>
+            <pc:docMk/>
+            <pc:sldMk cId="1361209070" sldId="284"/>
+            <ac:inkMk id="14" creationId="{93037999-CB6F-A97D-C6F7-E4CF11AB562A}"/>
+          </ac:inkMkLst>
+        </pc:inkChg>
+        <pc:inkChg chg="add mod">
+          <ac:chgData name="Kroeze, Karel (UT-BMS)" userId="f7e72889-5459-48df-bfa5-5c7276a18aae" providerId="ADAL" clId="{96409CF9-C97D-44F8-A3EA-3F6F117A062B}" dt="2023-10-16T09:41:19.745" v="243"/>
+          <ac:inkMkLst>
+            <pc:docMk/>
+            <pc:sldMk cId="1361209070" sldId="284"/>
+            <ac:inkMk id="15" creationId="{37958E6B-E5C7-E3D4-1CA1-77D93203AB84}"/>
+          </ac:inkMkLst>
+        </pc:inkChg>
+        <pc:inkChg chg="add mod">
+          <ac:chgData name="Kroeze, Karel (UT-BMS)" userId="f7e72889-5459-48df-bfa5-5c7276a18aae" providerId="ADAL" clId="{96409CF9-C97D-44F8-A3EA-3F6F117A062B}" dt="2023-10-16T09:41:19.745" v="243"/>
+          <ac:inkMkLst>
+            <pc:docMk/>
+            <pc:sldMk cId="1361209070" sldId="284"/>
+            <ac:inkMk id="16" creationId="{BB383934-AFF8-782E-3A93-4C22E341FBFA}"/>
+          </ac:inkMkLst>
+        </pc:inkChg>
+        <pc:inkChg chg="add mod">
+          <ac:chgData name="Kroeze, Karel (UT-BMS)" userId="f7e72889-5459-48df-bfa5-5c7276a18aae" providerId="ADAL" clId="{96409CF9-C97D-44F8-A3EA-3F6F117A062B}" dt="2023-10-16T09:41:19.745" v="243"/>
+          <ac:inkMkLst>
+            <pc:docMk/>
+            <pc:sldMk cId="1361209070" sldId="284"/>
+            <ac:inkMk id="17" creationId="{B2E4BA31-AB73-8B11-1D5D-BEB0C7295453}"/>
+          </ac:inkMkLst>
+        </pc:inkChg>
+        <pc:inkChg chg="add mod">
+          <ac:chgData name="Kroeze, Karel (UT-BMS)" userId="f7e72889-5459-48df-bfa5-5c7276a18aae" providerId="ADAL" clId="{96409CF9-C97D-44F8-A3EA-3F6F117A062B}" dt="2023-10-16T09:41:19.745" v="243"/>
+          <ac:inkMkLst>
+            <pc:docMk/>
+            <pc:sldMk cId="1361209070" sldId="284"/>
+            <ac:inkMk id="19" creationId="{B0F965E6-0252-4535-08F0-2AD080F99C03}"/>
+          </ac:inkMkLst>
+        </pc:inkChg>
+        <pc:inkChg chg="add">
+          <ac:chgData name="Kroeze, Karel (UT-BMS)" userId="f7e72889-5459-48df-bfa5-5c7276a18aae" providerId="ADAL" clId="{96409CF9-C97D-44F8-A3EA-3F6F117A062B}" dt="2023-10-16T09:41:07.920" v="238" actId="9405"/>
+          <ac:inkMkLst>
+            <pc:docMk/>
+            <pc:sldMk cId="1361209070" sldId="284"/>
+            <ac:inkMk id="20" creationId="{9376DEC4-65CC-1710-4A90-727F1AFE3273}"/>
+          </ac:inkMkLst>
+        </pc:inkChg>
+        <pc:inkChg chg="add mod">
+          <ac:chgData name="Kroeze, Karel (UT-BMS)" userId="f7e72889-5459-48df-bfa5-5c7276a18aae" providerId="ADAL" clId="{96409CF9-C97D-44F8-A3EA-3F6F117A062B}" dt="2023-10-16T09:41:19.745" v="243"/>
+          <ac:inkMkLst>
+            <pc:docMk/>
+            <pc:sldMk cId="1361209070" sldId="284"/>
+            <ac:inkMk id="21" creationId="{66D28C72-1FC1-AF1F-3338-16C77CFBA1C2}"/>
+          </ac:inkMkLst>
+        </pc:inkChg>
+        <pc:inkChg chg="add mod">
+          <ac:chgData name="Kroeze, Karel (UT-BMS)" userId="f7e72889-5459-48df-bfa5-5c7276a18aae" providerId="ADAL" clId="{96409CF9-C97D-44F8-A3EA-3F6F117A062B}" dt="2023-10-16T09:41:19.745" v="243"/>
+          <ac:inkMkLst>
+            <pc:docMk/>
+            <pc:sldMk cId="1361209070" sldId="284"/>
+            <ac:inkMk id="22" creationId="{C75A1093-D93D-941C-AD3D-AB9B594E6479}"/>
+          </ac:inkMkLst>
+        </pc:inkChg>
+        <pc:inkChg chg="add del">
+          <ac:chgData name="Kroeze, Karel (UT-BMS)" userId="f7e72889-5459-48df-bfa5-5c7276a18aae" providerId="ADAL" clId="{96409CF9-C97D-44F8-A3EA-3F6F117A062B}" dt="2023-10-16T09:41:19.708" v="242" actId="9405"/>
+          <ac:inkMkLst>
+            <pc:docMk/>
+            <pc:sldMk cId="1361209070" sldId="284"/>
+            <ac:inkMk id="23" creationId="{B947FAB8-0B97-E5B3-6145-465E40DCC148}"/>
+          </ac:inkMkLst>
+        </pc:inkChg>
+        <pc:inkChg chg="add">
+          <ac:chgData name="Kroeze, Karel (UT-BMS)" userId="f7e72889-5459-48df-bfa5-5c7276a18aae" providerId="ADAL" clId="{96409CF9-C97D-44F8-A3EA-3F6F117A062B}" dt="2023-10-16T09:41:24.434" v="244" actId="9405"/>
+          <ac:inkMkLst>
+            <pc:docMk/>
+            <pc:sldMk cId="1361209070" sldId="284"/>
+            <ac:inkMk id="25" creationId="{D9269CDF-FC56-4D36-1ED7-FA62BA13A975}"/>
+          </ac:inkMkLst>
+        </pc:inkChg>
+        <pc:inkChg chg="add">
+          <ac:chgData name="Kroeze, Karel (UT-BMS)" userId="f7e72889-5459-48df-bfa5-5c7276a18aae" providerId="ADAL" clId="{96409CF9-C97D-44F8-A3EA-3F6F117A062B}" dt="2023-10-16T09:41:27.736" v="245" actId="9405"/>
+          <ac:inkMkLst>
+            <pc:docMk/>
+            <pc:sldMk cId="1361209070" sldId="284"/>
+            <ac:inkMk id="26" creationId="{1240769C-D154-B1AA-D83D-A0D17733F975}"/>
+          </ac:inkMkLst>
+        </pc:inkChg>
+      </pc:sldChg>
+      <pc:sldChg chg="addSp delSp modSp add mod ord">
+        <pc:chgData name="Kroeze, Karel (UT-BMS)" userId="f7e72889-5459-48df-bfa5-5c7276a18aae" providerId="ADAL" clId="{96409CF9-C97D-44F8-A3EA-3F6F117A062B}" dt="2023-10-16T09:42:28.799" v="273" actId="1076"/>
+        <pc:sldMkLst>
+          <pc:docMk/>
+          <pc:sldMk cId="801706623" sldId="285"/>
+        </pc:sldMkLst>
+        <pc:spChg chg="mod">
+          <ac:chgData name="Kroeze, Karel (UT-BMS)" userId="f7e72889-5459-48df-bfa5-5c7276a18aae" providerId="ADAL" clId="{96409CF9-C97D-44F8-A3EA-3F6F117A062B}" dt="2023-10-16T09:42:16.375" v="271" actId="6549"/>
+          <ac:spMkLst>
+            <pc:docMk/>
+            <pc:sldMk cId="801706623" sldId="285"/>
+            <ac:spMk id="3" creationId="{53955285-5F23-4DBC-8F2C-B5AF06D4975D}"/>
+          </ac:spMkLst>
+        </pc:spChg>
+        <pc:grpChg chg="del">
+          <ac:chgData name="Kroeze, Karel (UT-BMS)" userId="f7e72889-5459-48df-bfa5-5c7276a18aae" providerId="ADAL" clId="{96409CF9-C97D-44F8-A3EA-3F6F117A062B}" dt="2023-10-16T09:35:24.247" v="93" actId="478"/>
+          <ac:grpSpMkLst>
+            <pc:docMk/>
+            <pc:sldMk cId="801706623" sldId="285"/>
+            <ac:grpSpMk id="11" creationId="{C51F17C6-D2E8-4516-BEF4-EF7B3ABFD707}"/>
+          </ac:grpSpMkLst>
+        </pc:grpChg>
+        <pc:picChg chg="add mod modCrop">
+          <ac:chgData name="Kroeze, Karel (UT-BMS)" userId="f7e72889-5459-48df-bfa5-5c7276a18aae" providerId="ADAL" clId="{96409CF9-C97D-44F8-A3EA-3F6F117A062B}" dt="2023-10-16T09:42:28.799" v="273" actId="1076"/>
+          <ac:picMkLst>
+            <pc:docMk/>
+            <pc:sldMk cId="801706623" sldId="285"/>
+            <ac:picMk id="7" creationId="{A03CA454-9131-DE78-B5C6-102B26378D1C}"/>
+          </ac:picMkLst>
+        </pc:picChg>
+      </pc:sldChg>
+    </pc:docChg>
+  </pc:docChgLst>
+</pc:chgInfo>
+</file>
+
 <file path=ppt/ink/ink1.xml><?xml version="1.0" encoding="utf-8"?>
 <inkml:ink xmlns:inkml="http://www.w3.org/2003/InkML">
   <inkml:definitions>
@@ -149,15 +638,379 @@
           <inkml:channelProperty channel="F" name="resolution" value="0" units="1/dev"/>
         </inkml:channelProperties>
       </inkml:inkSource>
-      <inkml:timestamp xml:id="ts0" timeString="2022-06-02T09:58:39.683"/>
+      <inkml:timestamp xml:id="ts0" timeString="2023-10-16T09:41:07.920"/>
     </inkml:context>
     <inkml:brush xml:id="br0">
-      <inkml:brushProperty name="width" value="0.05" units="cm"/>
-      <inkml:brushProperty name="height" value="0.05" units="cm"/>
+      <inkml:brushProperty name="width" value="0.035" units="cm"/>
+      <inkml:brushProperty name="height" value="0.035" units="cm"/>
       <inkml:brushProperty name="color" value="#E71224"/>
     </inkml:brush>
   </inkml:definitions>
-  <inkml:trace contextRef="#ctx0" brushRef="#br0">2976 784 24575,'-16'-1'0,"0"0"0,0-1 0,0 0 0,0-2 0,1 0 0,-1 0 0,1-2 0,0 1 0,0-2 0,-17-10 0,-2 2 0,0 1 0,0 2 0,-2 2 0,1 1 0,-51-6 0,-187-5 0,87 10 0,-107-22 0,-248-13 0,-192 31 0,715 14 0,1 1 0,-1 1 0,1 0 0,0 1 0,-1 1 0,1 1 0,1 0 0,-33 16 0,24-8 0,1 1 0,0 1 0,1 1 0,-38 35 0,53-42 0,0 0 0,0 0 0,2 1 0,-1 0 0,1 0 0,0 0 0,1 1 0,0 0 0,1 0 0,0 1 0,-2 12 0,-3 21 0,-5 70 0,11-83 0,0-14 0,2 0 0,0-1 0,1 1 0,1 0 0,6 34 0,-5-45 0,0-1 0,0 1 0,1-1 0,0 0 0,0 1 0,0-2 0,1 1 0,0 0 0,0-1 0,0 1 0,1-1 0,0-1 0,0 1 0,0 0 0,1-1 0,-1 0 0,1-1 0,11 6 0,44 17 0,0-4 0,2-2 0,66 12 0,-29-7 0,464 94 0,247-8 0,-172-62 0,-1-35 0,-544-12 0,-15 1 0,1-4 0,149-19 0,-216 16 0,0 0 0,-1-1 0,0 0 0,0-1 0,0-1 0,-1 0 0,0 0 0,0-1 0,-1 0 0,0-1 0,16-17 0,-5 7 0,-16 12 0,1 1 0,-1-1 0,0 0 0,-1 0 0,0-1 0,0 1 0,0-1 0,-1 0 0,0 0 0,0 0 0,-1 0 0,0 0 0,-1-1 0,0 1 0,0 0 0,-1-1 0,0 1 0,0-1 0,-1 1 0,-2-14 0,-1 3 0,0 1 0,-1-1 0,-1 1 0,-1 0 0,0 0 0,-2 0 0,0 1 0,-11-16 0,-3 4 0,-1 0 0,-1 2 0,-1 1 0,-1 1 0,-1 2 0,-2 0 0,0 2 0,-39-20 0,-33-12 0,-140-51 0,15 21 0,-260-57 0,-248-19 0,357 82 0,-933-231-1365,1224 284-5461</inkml:trace>
+  <inkml:trace contextRef="#ctx0" brushRef="#br0">1111 61 24575,'-5'2'0,"0"-1"0,0 1 0,0 0 0,0 0 0,1 0 0,-1 1 0,1 0 0,-1 0 0,1 0 0,-5 5 0,-11 7 0,-132 63 0,103-55 0,0 2 0,-46 33 0,13 0 0,-323 212 0,202-143 0,340-198 0,-52 30 0,96-64 0,-1-10 0,28-20 0,-144 85 0,-48 36 0,0 0 0,1 1 0,0 1 0,1 1 0,0 1 0,1 0 0,0 1 0,29-9 0,-45 18 0,-1-1 0,0 1 0,0-1 0,1 0 0,-1 0 0,0 0 0,0 0 0,0 0 0,0 0 0,0 0 0,0-1 0,0 1 0,0-1 0,-1 1 0,1-1 0,0 0 0,-1 0 0,2-2 0,-3 3 0,1 1 0,-1-1 0,0 1 0,0-1 0,0 0 0,0 1 0,0-1 0,0 1 0,0-1 0,0 0 0,0 1 0,-1-1 0,1 1 0,0-1 0,0 1 0,0-1 0,-1 1 0,1-1 0,0 1 0,-1-1 0,1 1 0,0-1 0,-1 1 0,1-1 0,0 1 0,-2-1 0,-25-11 0,-60 4 0,69 8 0,-1-2 0,1 0 0,-34-7 0,14 2 0,-76-4 0,107 11 0,10 0 0,37 3 0,-2 2 0,1 1 0,61 18 0,32 7 0,-115-28 0,0 2 0,-1 0 0,20 10 0,7 2 0,-41-16 0,1 0 0,-1 0 0,0 0 0,0 0 0,-1 0 0,1 1 0,0-1 0,0 1 0,-1-1 0,1 1 0,-1 0 0,1-1 0,-1 1 0,0 0 0,1 0 0,-1 0 0,0 0 0,0 3 0,2 1 0,-1 1 0,-1-1 0,0 1 0,1 0 0,-2-1 0,1 9 0,-1 3 0,-2 0 0,1 0 0,-9 33 0,7-44 0,0-10 0,0-20 0,1-34 0,11-28 0,-5 58 0,-1 0 0,-1 0 0,-3-38 0,1 64 0,0 0 0,0 0 0,0 0 0,0-1 0,-1 1 0,1 0 0,0 0 0,-1 0 0,1 0 0,0 1 0,-1-1 0,1 0 0,-1 0 0,0 0 0,1 0 0,-1 0 0,0 1 0,0-1 0,1 0 0,-1 0 0,0 1 0,0-1 0,0 1 0,0-1 0,0 1 0,0-1 0,-1 0 0,-1 1 0,0-1 0,0 1 0,1 0 0,-1 0 0,0 0 0,0 0 0,0 1 0,0-1 0,0 1 0,-3 1 0,-9 3 0,0 1 0,-27 16 0,37-20 0,2 0-76,1 0 24,0-1 1,0 0-1,0 1 1,0-1-1,0 0 1,0 0-1,0 0 1,0 0-1,-1-1 0,1 1 1,0 0-1,-1-1 1,1 0-1,0 1 1,-1-1-1,1 0 0,0 0 1,-1-1-1,1 1 1,0 0-1,-1-1 1,1 1-1,0-1 1,-5-2-1,1-3-6774</inkml:trace>
+</inkml:ink>
+</file>
+
+<file path=ppt/ink/ink10.xml><?xml version="1.0" encoding="utf-8"?>
+<inkml:ink xmlns:inkml="http://www.w3.org/2003/InkML">
+  <inkml:definitions>
+    <inkml:context xml:id="ctx0">
+      <inkml:inkSource xml:id="inkSrc0">
+        <inkml:traceFormat>
+          <inkml:channel name="X" type="integer" min="-2.14748E9" max="2.14748E9" units="cm"/>
+          <inkml:channel name="Y" type="integer" min="-2.14748E9" max="2.14748E9" units="cm"/>
+          <inkml:channel name="F" type="integer" max="32767" units="dev"/>
+        </inkml:traceFormat>
+        <inkml:channelProperties>
+          <inkml:channelProperty channel="X" name="resolution" value="1000" units="1/cm"/>
+          <inkml:channelProperty channel="Y" name="resolution" value="1000" units="1/cm"/>
+          <inkml:channelProperty channel="F" name="resolution" value="0" units="1/dev"/>
+        </inkml:channelProperties>
+      </inkml:inkSource>
+      <inkml:timestamp xml:id="ts0" timeString="2023-10-16T09:41:27.736"/>
+    </inkml:context>
+    <inkml:brush xml:id="br0">
+      <inkml:brushProperty name="width" value="0.035" units="cm"/>
+      <inkml:brushProperty name="height" value="0.035" units="cm"/>
+      <inkml:brushProperty name="color" value="#E71224"/>
+    </inkml:brush>
+  </inkml:definitions>
+  <inkml:trace contextRef="#ctx0" brushRef="#br0">36 375 24575,'0'-4'0,"1"0"0,0 0 0,0 0 0,0 0 0,0 0 0,1 0 0,-1 0 0,1 1 0,0-1 0,0 1 0,4-5 0,34-39 0,-24 29 0,0-4 0,0 0 0,-1-1 0,15-33 0,-23 45 0,1 1 0,-1 0 0,2 0 0,0 0 0,0 1 0,0 1 0,1 0 0,0 0 0,1 0 0,0 2 0,0-1 0,0 1 0,1 1 0,0 0 0,0 1 0,0 0 0,18-3 0,-49 7 0,0 0 0,0 1 0,0 0 0,1 2 0,-1 0 0,1 2 0,0 0 0,-24 10 0,32-10 0,0 0 0,0 1 0,1 0 0,0 1 0,0 0 0,1 1 0,-1-1 0,2 2 0,-1-1 0,1 1 0,1 0 0,-1 0 0,2 1 0,-1 0 0,-5 14 0,-9 12-81,14-26-80,-1 1 1,1 1-1,1-1 1,0 1-1,0 0 1,2 0-1,-6 24 1,8-22-6666</inkml:trace>
+</inkml:ink>
+</file>
+
+<file path=ppt/ink/ink11.xml><?xml version="1.0" encoding="utf-8"?>
+<inkml:ink xmlns:inkml="http://www.w3.org/2003/InkML">
+  <inkml:definitions>
+    <inkml:context xml:id="ctx0">
+      <inkml:inkSource xml:id="inkSrc0">
+        <inkml:traceFormat>
+          <inkml:channel name="X" type="integer" min="-2.14748E9" max="2.14748E9" units="cm"/>
+          <inkml:channel name="Y" type="integer" min="-2.14748E9" max="2.14748E9" units="cm"/>
+          <inkml:channel name="F" type="integer" max="32767" units="dev"/>
+        </inkml:traceFormat>
+        <inkml:channelProperties>
+          <inkml:channelProperty channel="X" name="resolution" value="1000" units="1/cm"/>
+          <inkml:channelProperty channel="Y" name="resolution" value="1000" units="1/cm"/>
+          <inkml:channelProperty channel="F" name="resolution" value="0" units="1/dev"/>
+        </inkml:channelProperties>
+      </inkml:inkSource>
+      <inkml:timestamp xml:id="ts0" timeString="2023-10-16T09:45:54.507"/>
+    </inkml:context>
+    <inkml:brush xml:id="br0">
+      <inkml:brushProperty name="width" value="0.035" units="cm"/>
+      <inkml:brushProperty name="height" value="0.035" units="cm"/>
+      <inkml:brushProperty name="color" value="#E71224"/>
+    </inkml:brush>
+  </inkml:definitions>
+  <inkml:trace contextRef="#ctx0" brushRef="#br0">1 206 24575,'53'-16'0,"0"2"0,73-9 0,113-1 0,-215 22 0,784-37-746,8 32-507,-267 4 867,-435 1 386,1172-36-26,-1109 21 221,133-3 2021,3 19-2216,638 9 0,5 50 0,1269 124 0,-715-69 0,-430-44 0,2-42 0,976-73 0,-1919 40 0,253-13 0,418-9 0,-690 29 0,267-6 0,-308 0 0,0-4 0,146-36 0,434-124 0,-513 119 0,-46 13 0,-86 34 0,0 1 0,-1 0 0,1 1 0,0 1 0,0 0 0,17 2 0,10 0 0,177-1-1365,-203-1-5461</inkml:trace>
+</inkml:ink>
+</file>
+
+<file path=ppt/ink/ink12.xml><?xml version="1.0" encoding="utf-8"?>
+<inkml:ink xmlns:inkml="http://www.w3.org/2003/InkML">
+  <inkml:definitions>
+    <inkml:context xml:id="ctx0">
+      <inkml:inkSource xml:id="inkSrc0">
+        <inkml:traceFormat>
+          <inkml:channel name="X" type="integer" min="-2.14748E9" max="2.14748E9" units="cm"/>
+          <inkml:channel name="Y" type="integer" min="-2.14748E9" max="2.14748E9" units="cm"/>
+          <inkml:channel name="F" type="integer" max="32767" units="dev"/>
+        </inkml:traceFormat>
+        <inkml:channelProperties>
+          <inkml:channelProperty channel="X" name="resolution" value="1000" units="1/cm"/>
+          <inkml:channelProperty channel="Y" name="resolution" value="1000" units="1/cm"/>
+          <inkml:channelProperty channel="F" name="resolution" value="0" units="1/dev"/>
+        </inkml:channelProperties>
+      </inkml:inkSource>
+      <inkml:timestamp xml:id="ts0" timeString="2023-10-16T09:45:58.093"/>
+    </inkml:context>
+    <inkml:brush xml:id="br0">
+      <inkml:brushProperty name="width" value="0.035" units="cm"/>
+      <inkml:brushProperty name="height" value="0.035" units="cm"/>
+      <inkml:brushProperty name="color" value="#E71224"/>
+    </inkml:brush>
+  </inkml:definitions>
+  <inkml:trace contextRef="#ctx0" brushRef="#br0">1 303 24575,'64'-15'0,"75"-1"0,39-2 0,165-11 0,-307 26 0,234-5 0,-17 2 0,-126-2 0,145 10 0,-178 6 0,41 1 0,-124-9 0,0 0 0,0 0 0,0-1 0,-1-1 0,1 1 0,-1-2 0,1 0 0,-1 0 0,0-1 0,0 0 0,10-6 0,-14 7 0,0 0 0,0 0 0,0-1 0,-1 0 0,0 0 0,0-1 0,9-9 0,-13 13 0,0-1 0,-1 1 0,1-1 0,0 1 0,-1 0 0,1-1 0,-1 1 0,1-1 0,-1 0 0,0 1 0,0-1 0,1 1 0,-1-1 0,0 1 0,-1-1 0,1 0 0,0 1 0,0-1 0,-1 1 0,1-1 0,-1 1 0,1-1 0,-1 1 0,1-1 0,-1 1 0,0 0 0,0-1 0,0 1 0,0 0 0,0 0 0,0 0 0,0-1 0,0 1 0,0 0 0,-1 0 0,1 1 0,0-1 0,-3-1 0,-5-4 0,1 1 0,-1 0 0,0 1 0,-1 0 0,1 1 0,-1 0 0,1 0 0,-1 1 0,-12-2 0,-16 0 0,-41 1 0,36 2 0,-146-14 0,-43-3 0,-156 29 0,272-6 0,87-5 0,-1-2 0,1-1 0,-33-7 0,39 5 0,1 1 0,0 1 0,-1 1 0,1 1 0,-1 1 0,-34 4 0,-37 7 0,70-10 0,0 2 0,-1 0 0,-41 12 0,53-11-227,-1-1-1,1-1 1,0 0-1,-1 0 1,-19-2-1,18 0-6598</inkml:trace>
+</inkml:ink>
+</file>
+
+<file path=ppt/ink/ink13.xml><?xml version="1.0" encoding="utf-8"?>
+<inkml:ink xmlns:inkml="http://www.w3.org/2003/InkML">
+  <inkml:definitions>
+    <inkml:context xml:id="ctx0">
+      <inkml:inkSource xml:id="inkSrc0">
+        <inkml:traceFormat>
+          <inkml:channel name="X" type="integer" min="-2.14748E9" max="2.14748E9" units="cm"/>
+          <inkml:channel name="Y" type="integer" min="-2.14748E9" max="2.14748E9" units="cm"/>
+          <inkml:channel name="F" type="integer" max="32767" units="dev"/>
+        </inkml:traceFormat>
+        <inkml:channelProperties>
+          <inkml:channelProperty channel="X" name="resolution" value="1000" units="1/cm"/>
+          <inkml:channelProperty channel="Y" name="resolution" value="1000" units="1/cm"/>
+          <inkml:channelProperty channel="F" name="resolution" value="0" units="1/dev"/>
+        </inkml:channelProperties>
+      </inkml:inkSource>
+      <inkml:timestamp xml:id="ts0" timeString="2023-10-16T09:45:59.045"/>
+    </inkml:context>
+    <inkml:brush xml:id="br0">
+      <inkml:brushProperty name="width" value="0.035" units="cm"/>
+      <inkml:brushProperty name="height" value="0.035" units="cm"/>
+      <inkml:brushProperty name="color" value="#E71224"/>
+    </inkml:brush>
+  </inkml:definitions>
+  <inkml:trace contextRef="#ctx0" brushRef="#br0">1 137 24575,'161'1'0,"327"-6"0,-330-4 0,170-31 0,101-37 0,-397 73 0,-1 3 0,1 0 0,-1 2 0,42 6 0,-30-2 0,56-1 0,64-21-1365,-149 17-5461</inkml:trace>
+</inkml:ink>
+</file>
+
+<file path=ppt/ink/ink14.xml><?xml version="1.0" encoding="utf-8"?>
+<inkml:ink xmlns:inkml="http://www.w3.org/2003/InkML">
+  <inkml:definitions>
+    <inkml:context xml:id="ctx0">
+      <inkml:inkSource xml:id="inkSrc0">
+        <inkml:traceFormat>
+          <inkml:channel name="X" type="integer" min="-2.14748E9" max="2.14748E9" units="cm"/>
+          <inkml:channel name="Y" type="integer" min="-2.14748E9" max="2.14748E9" units="cm"/>
+          <inkml:channel name="F" type="integer" max="32767" units="dev"/>
+        </inkml:traceFormat>
+        <inkml:channelProperties>
+          <inkml:channelProperty channel="X" name="resolution" value="1000" units="1/cm"/>
+          <inkml:channelProperty channel="Y" name="resolution" value="1000" units="1/cm"/>
+          <inkml:channelProperty channel="F" name="resolution" value="0" units="1/dev"/>
+        </inkml:channelProperties>
+      </inkml:inkSource>
+      <inkml:timestamp xml:id="ts0" timeString="2023-10-16T09:46:12.320"/>
+    </inkml:context>
+    <inkml:brush xml:id="br0">
+      <inkml:brushProperty name="width" value="0.035" units="cm"/>
+      <inkml:brushProperty name="height" value="0.035" units="cm"/>
+      <inkml:brushProperty name="color" value="#E71224"/>
+    </inkml:brush>
+  </inkml:definitions>
+  <inkml:trace contextRef="#ctx0" brushRef="#br0">95 227 24575,'-32'-26'0,"-7"-7"0,36 28 0,0 1 0,0-1 0,1 1 0,0-1 0,0 0 0,0 0 0,0 1 0,1-1 0,0-1 0,0 1 0,0 0 0,1 0 0,0 0 0,0 0 0,0 0 0,0-1 0,1 1 0,0 0 0,2-8 0,-2 10 0,0 0 0,0 1 0,0-1 0,0 1 0,1-1 0,-1 1 0,0-1 0,1 1 0,0 0 0,0 0 0,0 0 0,0 0 0,0 0 0,0 0 0,0 0 0,0 0 0,1 1 0,-1 0 0,1-1 0,-1 1 0,1 0 0,0 0 0,-1 0 0,1 0 0,0 1 0,0-1 0,-1 1 0,1 0 0,0 0 0,0 0 0,0 0 0,-1 0 0,1 0 0,0 1 0,0-1 0,-1 1 0,4 1 0,-4-1 0,0 0 0,0-1 0,0 1 0,0 0 0,-1 1 0,1-1 0,0 0 0,-1 0 0,1 1 0,-1-1 0,1 1 0,-1-1 0,0 1 0,1 0 0,-1-1 0,0 1 0,0 0 0,0 0 0,-1 0 0,1 0 0,0 0 0,0 2 0,7 15 0,-8-19 0,0 0 0,1 1 0,-1-1 0,0 0 0,1 1 0,-1-1 0,1 0 0,-1 0 0,0 0 0,1 1 0,-1-1 0,0 0 0,1 0 0,-1 0 0,1 0 0,-1 0 0,1 0 0,-1 0 0,0 0 0,1 0 0,-1 0 0,1 0 0,-1 0 0,1 0 0,-1 0 0,0 0 0,1 0 0,-1 0 0,1 0 0,-1-1 0,0 1 0,1 0 0,-1 0 0,1 0 0,-1-1 0,0 1 0,1 0 0,-1-1 0,0 1 0,0 0 0,1-1 0,-1 1 0,0 0 0,0-1 0,1 1 0,-1-1 0,0 1 0,0 0 0,0-1 0,18-27 0,-13 20 0,-3 6 0,0-1 0,0 1 0,0 0 0,0-1 0,0 1 0,0 0 0,1 1 0,-1-1 0,1 0 0,0 1 0,-1-1 0,1 1 0,0 0 0,0 0 0,0 0 0,0 0 0,0 1 0,0-1 0,0 1 0,5-1 0,-6 2 0,0-1 0,0 0 0,0 1 0,0-1 0,0 1 0,0 0 0,0-1 0,-1 1 0,1 0 0,0 0 0,0 0 0,-1 1 0,1-1 0,-1 0 0,1 1 0,-1-1 0,1 1 0,-1-1 0,0 1 0,0 0 0,0-1 0,0 1 0,0 0 0,0 0 0,0 0 0,-1-1 0,1 1 0,-1 0 0,1 0 0,-1 0 0,0 0 0,0 2 0,1 5-52,-1-1-1,0 0 1,0 1-1,-1-1 1,0 0-1,-1 0 1,0 1-1,0-1 1,0-1-1,-1 1 1,-1 0-1,1-1 1,-1 1-1,0-1 1,-1 0-1,0 0 1,0-1-1,0 1 1,-1-1-1,0 0 1,0-1-1,-1 0 1,1 0-1,-1 0 0,-13 7 1,10-8-6774</inkml:trace>
+</inkml:ink>
+</file>
+
+<file path=ppt/ink/ink2.xml><?xml version="1.0" encoding="utf-8"?>
+<inkml:ink xmlns:inkml="http://www.w3.org/2003/InkML">
+  <inkml:definitions>
+    <inkml:context xml:id="ctx0">
+      <inkml:inkSource xml:id="inkSrc0">
+        <inkml:traceFormat>
+          <inkml:channel name="X" type="integer" min="-2.14748E9" max="2.14748E9" units="cm"/>
+          <inkml:channel name="Y" type="integer" min="-2.14748E9" max="2.14748E9" units="cm"/>
+          <inkml:channel name="F" type="integer" max="32767" units="dev"/>
+        </inkml:traceFormat>
+        <inkml:channelProperties>
+          <inkml:channelProperty channel="X" name="resolution" value="1000" units="1/cm"/>
+          <inkml:channelProperty channel="Y" name="resolution" value="1000" units="1/cm"/>
+          <inkml:channelProperty channel="F" name="resolution" value="0" units="1/dev"/>
+        </inkml:channelProperties>
+      </inkml:inkSource>
+      <inkml:timestamp xml:id="ts0" timeString="2023-10-16T09:40:54.474"/>
+    </inkml:context>
+    <inkml:brush xml:id="br0">
+      <inkml:brushProperty name="width" value="0.035" units="cm"/>
+      <inkml:brushProperty name="height" value="0.035" units="cm"/>
+      <inkml:brushProperty name="color" value="#E71224"/>
+    </inkml:brush>
+  </inkml:definitions>
+  <inkml:trace contextRef="#ctx0" brushRef="#br0">9 1 24575,'2'15'0,"1"0"0,1 0 0,0 0 0,0 0 0,2-1 0,0 0 0,1 0 0,0 0 0,10 14 0,22 46 0,60 149 0,15 35 0,-101-226 0,-3-2 0,2-1 0,0-1 0,3 0 0,0 0 0,37 49 0,-51-76 0,-1-1 0,1 1 0,-1 0 0,1-1 0,-1 1 0,1 0 0,0-1 0,-1 1 0,1-1 0,0 1 0,0-1 0,-1 1 0,1-1 0,0 0 0,0 1 0,0-1 0,-1 0 0,1 0 0,0 0 0,0 1 0,0-1 0,0 0 0,0 0 0,-1 0 0,1 0 0,0-1 0,0 1 0,0 0 0,1-1 0,0 0 0,0 0 0,0 0 0,-1-1 0,1 1 0,-1-1 0,1 1 0,-1-1 0,0 0 0,0 1 0,1-1 0,-1 0 0,1-2 0,21-64 0,-22 62 0,25-97 0,39-127 0,-39 162 0,-39 142 0,-23 5 0,25-59 0,1 1 0,1 0 0,2 0 0,-9 35 0,14-43 0,-1 0 0,0-1 0,-1 1 0,-1-1 0,0 0 0,0 0 0,-1 0 0,0-1 0,-12 16 0,14-22 0,-1 0 0,0 0 0,0 0 0,-1-1 0,1 1 0,-1-1 0,0 0 0,0-1 0,0 0 0,0 0 0,-1 0 0,0 0 0,1-1 0,-1 0 0,0-1 0,0 0 0,0 0 0,-13 0 0,-8 0 0,-162-4 0,183 1-19,-1 0-1,1 0 0,-1-1 1,1 0-1,0-1 0,1 1 1,-1-1-1,0-1 1,1 1-1,0-1 0,0 0 1,1-1-1,-8-8 0,-6-4-1070,9 9-5736</inkml:trace>
+</inkml:ink>
+</file>
+
+<file path=ppt/ink/ink3.xml><?xml version="1.0" encoding="utf-8"?>
+<inkml:ink xmlns:inkml="http://www.w3.org/2003/InkML">
+  <inkml:definitions>
+    <inkml:context xml:id="ctx0">
+      <inkml:inkSource xml:id="inkSrc0">
+        <inkml:traceFormat>
+          <inkml:channel name="X" type="integer" min="-2.14748E9" max="2.14748E9" units="cm"/>
+          <inkml:channel name="Y" type="integer" min="-2.14748E9" max="2.14748E9" units="cm"/>
+          <inkml:channel name="F" type="integer" max="32767" units="dev"/>
+        </inkml:traceFormat>
+        <inkml:channelProperties>
+          <inkml:channelProperty channel="X" name="resolution" value="1000" units="1/cm"/>
+          <inkml:channelProperty channel="Y" name="resolution" value="1000" units="1/cm"/>
+          <inkml:channelProperty channel="F" name="resolution" value="0" units="1/dev"/>
+        </inkml:channelProperties>
+      </inkml:inkSource>
+      <inkml:timestamp xml:id="ts0" timeString="2023-10-16T09:40:56.375"/>
+    </inkml:context>
+    <inkml:brush xml:id="br0">
+      <inkml:brushProperty name="width" value="0.035" units="cm"/>
+      <inkml:brushProperty name="height" value="0.035" units="cm"/>
+      <inkml:brushProperty name="color" value="#E71224"/>
+    </inkml:brush>
+  </inkml:definitions>
+  <inkml:trace contextRef="#ctx0" brushRef="#br0">270 0 24575,'-21'458'0,"11"-339"0,10-88 0,-2 1 0,-1 0 0,-2-1 0,-1 0 0,-20 60 0,16-63 0,1 1 0,1 0 0,1 1 0,2-1 0,1 1 0,1 1 0,2-1 0,2 33 0,-5-25 0,4-37 0,0-1 0,0 0 0,0 1 0,-1-1 0,1 0 0,0 1 0,0-1 0,0 0 0,0 1 0,-1-1 0,1 0 0,0 1 0,0-1 0,-1 0 0,1 0 0,0 1 0,-1-1 0,1 0 0,0 0 0,0 1 0,-1-1 0,1 0 0,-1 0 0,1 0 0,0 0 0,-1 0 0,1 0 0,0 1 0,-1-1 0,0 0 0,-14-15 0,-11-24 0,2-2 0,2 0 0,-21-57 0,36 77 0,11 31 0,16 37 0,-20-47 0,29 74 0,-4-8 0,3-1 0,46 76 0,-73-138 0,1 0 0,0 0 0,0 0 0,0-1 0,0 1 0,1-1 0,-1 1 0,1-1 0,-1 0 0,1 0 0,0 0 0,0-1 0,0 1 0,0 0 0,0-1 0,0 0 0,0 0 0,1 0 0,-1 0 0,5 0 0,-3-1 0,1 0 0,-1-1 0,0 0 0,1 1 0,-1-2 0,0 1 0,0-1 0,0 0 0,0 0 0,0 0 0,8-5 0,5-6 0,0 0 0,-1-1 0,0-1 0,-1 0 0,15-20 0,15-17-67,-16 20-366,-1-2 1,33-51-1,-54 71-6393</inkml:trace>
+</inkml:ink>
+</file>
+
+<file path=ppt/ink/ink4.xml><?xml version="1.0" encoding="utf-8"?>
+<inkml:ink xmlns:inkml="http://www.w3.org/2003/InkML">
+  <inkml:definitions>
+    <inkml:context xml:id="ctx0">
+      <inkml:inkSource xml:id="inkSrc0">
+        <inkml:traceFormat>
+          <inkml:channel name="X" type="integer" min="-2.14748E9" max="2.14748E9" units="cm"/>
+          <inkml:channel name="Y" type="integer" min="-2.14748E9" max="2.14748E9" units="cm"/>
+          <inkml:channel name="F" type="integer" max="32767" units="dev"/>
+        </inkml:traceFormat>
+        <inkml:channelProperties>
+          <inkml:channelProperty channel="X" name="resolution" value="1000" units="1/cm"/>
+          <inkml:channelProperty channel="Y" name="resolution" value="1000" units="1/cm"/>
+          <inkml:channelProperty channel="F" name="resolution" value="0" units="1/dev"/>
+        </inkml:channelProperties>
+      </inkml:inkSource>
+      <inkml:timestamp xml:id="ts0" timeString="2023-10-16T09:40:59.661"/>
+    </inkml:context>
+    <inkml:brush xml:id="br0">
+      <inkml:brushProperty name="width" value="0.035" units="cm"/>
+      <inkml:brushProperty name="height" value="0.035" units="cm"/>
+      <inkml:brushProperty name="color" value="#E71224"/>
+    </inkml:brush>
+  </inkml:definitions>
+  <inkml:trace contextRef="#ctx0" brushRef="#br0">1289 1 24575,'-8'0'0,"-1"1"0,1 1 0,-1 0 0,1 0 0,-1 0 0,1 1 0,0 0 0,0 1 0,0 0 0,-10 7 0,-12 9 0,-33 30 0,22-17 0,-178 153 0,20-16 0,165-143 0,-29 22 0,-80 80 0,-150 166 0,258-248 0,30-38 0,-1-1 0,0 1 0,0-1 0,-1-1 0,-13 13 0,20-20 0,0 0 0,0 0 0,-1 0 0,1 1 0,0-1 0,0 0 0,-1 0 0,1 0 0,0 0 0,0 0 0,-1 0 0,1 1 0,0-1 0,-1 0 0,1 0 0,0 0 0,0 0 0,-1 0 0,1 0 0,0 0 0,-1 0 0,1 0 0,0 0 0,-1-1 0,1 1 0,0 0 0,0 0 0,-1 0 0,1 0 0,0 0 0,0 0 0,-1-1 0,1 1 0,0 0 0,0 0 0,0 0 0,-1-1 0,1 1 0,0 0 0,0 0 0,0 0 0,-1-1 0,1 1 0,-5-20 0,3-24 0,2 42 0,3-35 0,1 0 0,2 0 0,1 0 0,24-67 0,-13 46 0,-11 28 0,6-47 0,-11 54 0,1 1 0,2 0 0,0-1 0,9-22 0,-10 108 0,-4-48 0,-14 419 0,13-426 0,-2 17 0,1 0 0,1 1 0,5 49 0,-4-74 0,0 1 0,1 0 0,-1 0 0,1-1 0,0 1 0,-1-1 0,1 1 0,0 0 0,0-1 0,0 1 0,0-1 0,0 0 0,0 1 0,0-1 0,1 0 0,-1 0 0,0 0 0,1 0 0,-1 0 0,1 0 0,2 1 0,0 0 0,0-1 0,0 0 0,0 0 0,0 0 0,0-1 0,0 1 0,1-1 0,6-1 0,5 0 0,0-2 0,-1 0 0,26-8 0,26-13 0,50-14 0,-85 31 0,50-15 0,-82 22 0,0 0 0,0 0 0,0 0 0,0 0 0,1 0 0,-1 0 0,0 0 0,0 0 0,0 0 0,0 0 0,1 0 0,-1 0 0,0 0 0,0 0 0,0 0 0,0-1 0,0 1 0,0 0 0,1 0 0,-1 0 0,0 0 0,0 0 0,0 0 0,0 0 0,0 0 0,0-1 0,0 1 0,0 0 0,0 0 0,1 0 0,-1 0 0,0 0 0,0-1 0,0 1 0,0 0 0,0 0 0,0 0 0,0 0 0,0 0 0,0-1 0,0 1 0,0 0 0,0 0 0,0 0 0,0 0 0,0 0 0,0-1 0,0 1 0,-1 0 0,1 0 0,0 0 0,0 0 0,0 0 0,0 0 0,0-1 0,-12-5 0,-18-2 0,-50-4-146,-1 2-1,-1 5 1,-89 5 0,115 0-634,42 0-6046</inkml:trace>
+</inkml:ink>
+</file>
+
+<file path=ppt/ink/ink5.xml><?xml version="1.0" encoding="utf-8"?>
+<inkml:ink xmlns:inkml="http://www.w3.org/2003/InkML">
+  <inkml:definitions>
+    <inkml:context xml:id="ctx0">
+      <inkml:inkSource xml:id="inkSrc0">
+        <inkml:traceFormat>
+          <inkml:channel name="X" type="integer" min="-2.14748E9" max="2.14748E9" units="cm"/>
+          <inkml:channel name="Y" type="integer" min="-2.14748E9" max="2.14748E9" units="cm"/>
+          <inkml:channel name="F" type="integer" max="32767" units="dev"/>
+        </inkml:traceFormat>
+        <inkml:channelProperties>
+          <inkml:channelProperty channel="X" name="resolution" value="1000" units="1/cm"/>
+          <inkml:channelProperty channel="Y" name="resolution" value="1000" units="1/cm"/>
+          <inkml:channelProperty channel="F" name="resolution" value="0" units="1/dev"/>
+        </inkml:channelProperties>
+      </inkml:inkSource>
+      <inkml:timestamp xml:id="ts0" timeString="2023-10-16T09:41:02.049"/>
+    </inkml:context>
+    <inkml:brush xml:id="br0">
+      <inkml:brushProperty name="width" value="0.035" units="cm"/>
+      <inkml:brushProperty name="height" value="0.035" units="cm"/>
+      <inkml:brushProperty name="color" value="#E71224"/>
+    </inkml:brush>
+  </inkml:definitions>
+  <inkml:trace contextRef="#ctx0" brushRef="#br0">274 57 24575,'1'6'0,"0"0"0,0 0 0,0 0 0,1-1 0,-1 1 0,1 0 0,1-1 0,-1 1 0,1-1 0,4 7 0,40 51 0,-34-47 0,33 35 0,1-2 0,105 83 0,-96-88 0,-3 3 0,72 81 0,-47-19 0,-100-140 0,-1 1 0,-50-48 0,-74-56 0,104 96 0,-142-155 0,46 42 0,114 123 0,21 22 0,0 1 0,0 0 0,-1 0 0,0 0 0,0 0 0,0 1 0,0 0 0,-1 0 0,-8-5 0,12 9 0,1 0 0,-1-1 0,1 1 0,-1 0 0,1 0 0,-1 0 0,1 0 0,-1 1 0,1-1 0,-1 0 0,1 0 0,0 1 0,-1-1 0,1 1 0,0 0 0,-1-1 0,1 1 0,0 0 0,-1 0 0,1 0 0,0 0 0,-1 1 0,-27 28 0,23-22 0,-18 19 0,1 1 0,-24 40 0,42-60 0,0 1 0,0 0 0,1 0 0,0 0 0,1 0 0,0 1 0,0-1 0,1 1 0,0 0 0,1-1 0,0 1 0,0 0 0,2 15 0,-1-25 0,0 0 0,0-1 0,0 1 0,1 0 0,-1 0 0,0 0 0,0 0 0,0 0 0,0 0 0,0 0 0,1 0 0,-1 0 0,0-1 0,0 1 0,0 0 0,0 0 0,1 0 0,-1 0 0,0 0 0,0 0 0,0 0 0,0 0 0,1 0 0,-1 0 0,0 0 0,0 0 0,0 0 0,0 0 0,1 1 0,-1-1 0,0 0 0,0 0 0,0 0 0,0 0 0,0 0 0,1 0 0,-1 0 0,0 0 0,0 0 0,0 1 0,0-1 0,0 0 0,0 0 0,1 0 0,-1 0 0,0 0 0,0 1 0,0-1 0,0 0 0,0 0 0,0 0 0,0 0 0,0 1 0,0-1 0,0 0 0,0 0 0,0 0 0,0 0 0,0 1 0,0-1 0,0 0 0,0 0 0,0 0 0,0 0 0,0 1 0,0-1 0,0 0 0,0 0 0,-1 0 0,11-18 0,6-27 0,-5 10 0,-2 2 0,1 0 0,2 0 0,1 1 0,25-43 0,-35 71 0,0 0 0,1 1 0,-1 0 0,0-1 0,1 1 0,0 1 0,-1-1 0,1 0 0,1 1 0,-1 0 0,0 0 0,0 0 0,1 1 0,-1-1 0,1 1 0,-1 0 0,1 0 0,5 0 0,14 0 0,-1 0 0,36 4 0,-12-1 0,-25 0 19,1 1-1,-1 0 0,0 2 1,0 1-1,28 11 0,44 10-1493,-80-24-5351</inkml:trace>
+</inkml:ink>
+</file>
+
+<file path=ppt/ink/ink6.xml><?xml version="1.0" encoding="utf-8"?>
+<inkml:ink xmlns:inkml="http://www.w3.org/2003/InkML">
+  <inkml:definitions>
+    <inkml:context xml:id="ctx0">
+      <inkml:inkSource xml:id="inkSrc0">
+        <inkml:traceFormat>
+          <inkml:channel name="X" type="integer" min="-2.14748E9" max="2.14748E9" units="cm"/>
+          <inkml:channel name="Y" type="integer" min="-2.14748E9" max="2.14748E9" units="cm"/>
+          <inkml:channel name="F" type="integer" max="32767" units="dev"/>
+        </inkml:traceFormat>
+        <inkml:channelProperties>
+          <inkml:channelProperty channel="X" name="resolution" value="1000" units="1/cm"/>
+          <inkml:channelProperty channel="Y" name="resolution" value="1000" units="1/cm"/>
+          <inkml:channelProperty channel="F" name="resolution" value="0" units="1/dev"/>
+        </inkml:channelProperties>
+      </inkml:inkSource>
+      <inkml:timestamp xml:id="ts0" timeString="2023-10-16T09:41:04.334"/>
+    </inkml:context>
+    <inkml:brush xml:id="br0">
+      <inkml:brushProperty name="width" value="0.035" units="cm"/>
+      <inkml:brushProperty name="height" value="0.035" units="cm"/>
+      <inkml:brushProperty name="color" value="#E71224"/>
+    </inkml:brush>
+  </inkml:definitions>
+  <inkml:trace contextRef="#ctx0" brushRef="#br0">271 14 24575,'-19'394'0,"2"-129"0,14-235 0,-2 0 0,-1 0 0,-15 45 0,3-13 0,5-22 0,13-40 0,0 1 0,0-1 0,0 0 0,0 0 0,0 1 0,0-1 0,-1 0 0,1 0 0,0 1 0,0-1 0,0 0 0,0 0 0,0 0 0,-1 1 0,1-1 0,0 0 0,0 0 0,0 0 0,-1 1 0,1-1 0,0 0 0,0 0 0,0 0 0,-1 0 0,1 0 0,0 0 0,0 0 0,-1 1 0,1-1 0,0 0 0,-1 0 0,1 0 0,0 0 0,0 0 0,-1 0 0,1 0 0,0 0 0,-1-1 0,-5-20 0,4-31 0,1 0 0,3 0 0,3 0 0,15-75 0,5-56 0,-8-93 0,-11 246 0,1 0 0,11-29 0,-36 98 0,-2 0 0,-1-1 0,-2-2 0,-1 0 0,-43 47 0,58-71 0,-1 0 0,-1-1 0,0 0 0,-14 10 0,25-20 0,-1-1 0,1 0 0,0 0 0,0 0 0,0 1 0,-1-1 0,1 0 0,0 0 0,0 0 0,-1 0 0,1 0 0,0 0 0,0 0 0,-1 1 0,1-1 0,0 0 0,0 0 0,-1 0 0,1 0 0,0 0 0,0 0 0,-1 0 0,1 0 0,0 0 0,0 0 0,-1-1 0,1 1 0,0 0 0,-1 0 0,1 0 0,0 0 0,0 0 0,0 0 0,-1-1 0,1 1 0,0 0 0,0 0 0,0 0 0,-1 0 0,1-1 0,0 1 0,0 0 0,0 0 0,-1-1 0,0-16 0,7-16 0,7 5 0,1 1 0,2 1 0,0 0 0,2 1 0,1 1 0,0 0 0,45-39 0,-46 43 0,-15 16 0,1 0 0,-1 0 0,1 1 0,-1-1 0,1 1 0,0 0 0,5-3 0,-7 5 0,0 1 0,0-1 0,0 0 0,0 1 0,1 0 0,-1-1 0,0 1 0,0 0 0,1 0 0,-1 0 0,0 0 0,0 1 0,1-1 0,-1 1 0,0-1 0,0 1 0,0 0 0,0 0 0,4 2 0,22 13-151,0 1-1,-2 2 0,0 0 0,-1 2 1,-1 1-1,-1 1 0,-1 1 1,36 51-1,-50-64-6674</inkml:trace>
+</inkml:ink>
+</file>
+
+<file path=ppt/ink/ink7.xml><?xml version="1.0" encoding="utf-8"?>
+<inkml:ink xmlns:inkml="http://www.w3.org/2003/InkML">
+  <inkml:definitions>
+    <inkml:context xml:id="ctx0">
+      <inkml:inkSource xml:id="inkSrc0">
+        <inkml:traceFormat>
+          <inkml:channel name="X" type="integer" min="-2.14748E9" max="2.14748E9" units="cm"/>
+          <inkml:channel name="Y" type="integer" min="-2.14748E9" max="2.14748E9" units="cm"/>
+          <inkml:channel name="F" type="integer" max="32767" units="dev"/>
+        </inkml:traceFormat>
+        <inkml:channelProperties>
+          <inkml:channelProperty channel="X" name="resolution" value="1000" units="1/cm"/>
+          <inkml:channelProperty channel="Y" name="resolution" value="1000" units="1/cm"/>
+          <inkml:channelProperty channel="F" name="resolution" value="0" units="1/dev"/>
+        </inkml:channelProperties>
+      </inkml:inkSource>
+      <inkml:timestamp xml:id="ts0" timeString="2023-10-16T09:41:11.088"/>
+    </inkml:context>
+    <inkml:brush xml:id="br0">
+      <inkml:brushProperty name="width" value="0.035" units="cm"/>
+      <inkml:brushProperty name="height" value="0.035" units="cm"/>
+      <inkml:brushProperty name="color" value="#E71224"/>
+    </inkml:brush>
+  </inkml:definitions>
+  <inkml:trace contextRef="#ctx0" brushRef="#br0">1618 458 24575,'-1'1'0,"0"0"0,0 1 0,0-1 0,0-1 0,0 1 0,0 0 0,-1 0 0,1 0 0,0 0 0,0-1 0,-1 1 0,1-1 0,0 1 0,-1-1 0,1 1 0,-1-1 0,1 0 0,0 0 0,-1 0 0,1 1 0,-1-1 0,1-1 0,-1 1 0,-1 0 0,1 0 0,-64 0 0,1-2 0,-1-3 0,1-3 0,-95-24 0,68-2 0,70 24 0,-1 1 0,-42-10 0,-4 5 0,-205-46 0,207 41 0,1-2 0,-66-31 0,-46-47 0,73 38 0,97 56 0,-1 1 0,0 0 0,0 0 0,-12-3 0,21 7 0,0 0 0,-1 0 0,1 0 0,0 0 0,0-1 0,-1 1 0,1 0 0,0 0 0,0 0 0,-1 0 0,1 0 0,0 0 0,-1 0 0,1 0 0,0 0 0,0 0 0,-1 0 0,1 0 0,0 0 0,-1 0 0,1 0 0,0 0 0,0 0 0,-1 0 0,1 1 0,0-1 0,0 0 0,-1 0 0,1 0 0,0 0 0,0 1 0,-1-1 0,1 0 0,0 0 0,0 0 0,0 1 0,-1-1 0,1 0 0,0 0 0,0 1 0,0-1 0,6 13 0,21 15 0,13 4 0,1-2 0,2-1 0,1-3 0,80 36 0,204 59 0,-178-67 0,46 13 0,-152-58 0,1-1 0,63 2 0,13 2 0,-77-8 0,88-4 0,-58-1 0,-72 1 0,-1 0 0,1 0 0,0 0 0,0 0 0,0 0 0,0 0 0,0 0 0,0-1 0,-1 1 0,1-1 0,0 1 0,0-1 0,0 0 0,-1 0 0,1 1 0,-1-1 0,1-1 0,0 1 0,-1 0 0,0 0 0,1 0 0,-1-1 0,0 1 0,2-3 0,-3 2 0,1 0 0,-1 0 0,1 0 0,-1-1 0,0 1 0,0 0 0,0-1 0,-1 1 0,1 0 0,0 0 0,-1 0 0,1-1 0,-1 1 0,0 0 0,0 0 0,0 0 0,0 0 0,0 0 0,0 0 0,-2-2 0,-20-32 0,14 24 0,0 0 0,2-1 0,-1 1 0,2-2 0,0 1 0,0-1 0,1 0 0,-3-18 0,4 17 0,-2-14 0,8 26 0,7 16 0,8 21 0,-1 1 0,-2 0 0,18 69 0,-27-70 0,-1 0 0,-2 1 0,-1-1 0,-7 64 0,6-96 0,-1 0 0,0 1 0,1-1 0,-1 0 0,0 1 0,0-1 0,-1 0 0,1 0 0,0 0 0,-1 0 0,1 0 0,-1 0 0,1 0 0,-1-1 0,0 1 0,0-1 0,0 1 0,0-1 0,-2 2 0,-3 1 0,0-1 0,0 1 0,0-2 0,0 1 0,-12 2 0,-25 0 0,37-8 0,15-3 0,22-7 0,-21 10 0,-1 0 0,0 0 0,0-1 0,0 0 0,-1 0 0,1-1 0,-1 0 0,0 0 0,0-1 0,-1 0 0,0 0 0,11-13 0,-13 11 7,0 0 0,0 0-1,-1 0 1,0 0 0,-1 0-1,0-1 1,0 1-1,0-1 1,-1 1 0,-1-1-1,1 0 1,-1 0 0,-1 1-1,0-1 1,0 0 0,-1 1-1,-3-13 1,-5-9-378,0 1-1,-2 0 1,-23-42 0,29 61-6455</inkml:trace>
+</inkml:ink>
+</file>
+
+<file path=ppt/ink/ink8.xml><?xml version="1.0" encoding="utf-8"?>
+<inkml:ink xmlns:inkml="http://www.w3.org/2003/InkML">
+  <inkml:definitions>
+    <inkml:context xml:id="ctx0">
+      <inkml:inkSource xml:id="inkSrc0">
+        <inkml:traceFormat>
+          <inkml:channel name="X" type="integer" min="-2.14748E9" max="2.14748E9" units="cm"/>
+          <inkml:channel name="Y" type="integer" min="-2.14748E9" max="2.14748E9" units="cm"/>
+          <inkml:channel name="F" type="integer" max="32767" units="dev"/>
+        </inkml:traceFormat>
+        <inkml:channelProperties>
+          <inkml:channelProperty channel="X" name="resolution" value="1000" units="1/cm"/>
+          <inkml:channelProperty channel="Y" name="resolution" value="1000" units="1/cm"/>
+          <inkml:channelProperty channel="F" name="resolution" value="0" units="1/dev"/>
+        </inkml:channelProperties>
+      </inkml:inkSource>
+      <inkml:timestamp xml:id="ts0" timeString="2023-10-16T09:41:13.791"/>
+    </inkml:context>
+    <inkml:brush xml:id="br0">
+      <inkml:brushProperty name="width" value="0.035" units="cm"/>
+      <inkml:brushProperty name="height" value="0.035" units="cm"/>
+      <inkml:brushProperty name="color" value="#E71224"/>
+    </inkml:brush>
+  </inkml:definitions>
+  <inkml:trace contextRef="#ctx0" brushRef="#br0">34 0 24575,'1'11'0,"1"0"0,1-1 0,0 1 0,0-1 0,1 0 0,1 0 0,9 17 0,4 9 0,134 291 0,-145-308 0,-1 0 0,-1 0 0,3 22 0,-5-23 0,1 0 0,1 0 0,13 32 0,6 8 0,-15-34 0,0 0 0,2-1 0,21 34 0,-29-52 0,1-1 0,-1 1 0,1-1 0,0 1 0,0-1 0,0 0 0,1-1 0,-1 1 0,1-1 0,0 1 0,0-2 0,0 1 0,1 0 0,-1-1 0,1 0 0,-1 0 0,1-1 0,-1 0 0,1 0 0,10 1 0,-12-2 0,-1-1 0,1 1 0,-1-1 0,1 0 0,-1 0 0,1 0 0,-1 0 0,0 0 0,1-1 0,-1 0 0,0 0 0,0 1 0,0-2 0,0 1 0,-1 0 0,1-1 0,0 1 0,-1-1 0,0 0 0,0 1 0,0-1 0,0 0 0,0-1 0,0 1 0,-1 0 0,3-7 0,2-9 0,0 0 0,-1 0 0,4-34 0,-5 24 0,-3 27 0,6-30 0,-7 31 0,0 0 0,0 0 0,0 0 0,1 0 0,-1 0 0,0 0 0,1 0 0,-1 0 0,1 0 0,-1 0 0,1 0 0,0 0 0,-1 0 0,1 0 0,0 0 0,0 1 0,-1-1 0,1 0 0,0 1 0,0-1 0,0 0 0,1 0 0,0 4 0,-1 1 0,0-1 0,0 1 0,0-1 0,0 1 0,0-1 0,0 1 0,-1 0 0,0-1 0,0 1 0,0-1 0,-1 6 0,1-5 0,1 10 0,-1 1 0,-1 0 0,0-1 0,-1 1 0,-1-1 0,0 1 0,-6 14 0,5-19 0,-1-1 0,0 0 0,0 0 0,-1-1 0,0 0 0,-1 0 0,0 0 0,0-1 0,0 0 0,-17 12 0,18-13 0,0-1 0,0 0 0,-1 0 0,0-1 0,0 0 0,0 0 0,-1-1 0,1 1 0,-1-2 0,0 1 0,0-1 0,0 0 0,0-1 0,0 0 0,0 0 0,-12-1 0,1 1 0,1 1 0,0 0 0,0 2 0,-18 4 0,-50 9 0,70-15 31,0 1 1,0 1-1,-28 11 0,28-9-404,-1 0 1,1-2-1,-24 4 1,28-6-6454</inkml:trace>
+</inkml:ink>
+</file>
+
+<file path=ppt/ink/ink9.xml><?xml version="1.0" encoding="utf-8"?>
+<inkml:ink xmlns:inkml="http://www.w3.org/2003/InkML">
+  <inkml:definitions>
+    <inkml:context xml:id="ctx0">
+      <inkml:inkSource xml:id="inkSrc0">
+        <inkml:traceFormat>
+          <inkml:channel name="X" type="integer" min="-2.14748E9" max="2.14748E9" units="cm"/>
+          <inkml:channel name="Y" type="integer" min="-2.14748E9" max="2.14748E9" units="cm"/>
+          <inkml:channel name="F" type="integer" max="32767" units="dev"/>
+        </inkml:traceFormat>
+        <inkml:channelProperties>
+          <inkml:channelProperty channel="X" name="resolution" value="1000" units="1/cm"/>
+          <inkml:channelProperty channel="Y" name="resolution" value="1000" units="1/cm"/>
+          <inkml:channelProperty channel="F" name="resolution" value="0" units="1/dev"/>
+        </inkml:channelProperties>
+      </inkml:inkSource>
+      <inkml:timestamp xml:id="ts0" timeString="2023-10-16T09:41:24.434"/>
+    </inkml:context>
+    <inkml:brush xml:id="br0">
+      <inkml:brushProperty name="width" value="0.035" units="cm"/>
+      <inkml:brushProperty name="height" value="0.035" units="cm"/>
+      <inkml:brushProperty name="color" value="#E71224"/>
+    </inkml:brush>
+  </inkml:definitions>
+  <inkml:trace contextRef="#ctx0" brushRef="#br0">199 1153 24575,'9'-73'0,"-1"21"0,9-160 0,-14 188 0,1 1 0,0-1 0,11-27 0,-9 29 0,0-1 0,-1 0 0,3-36 0,-7 45 0,0-20 0,1-1 0,10-49 0,24-143 0,-33 199 0,-2 23 0,0 1 0,0-1 0,0 1 0,-1-1 0,0 0 0,0 1 0,0-1 0,0 0 0,-1 1 0,0-1 0,0 0 0,0 1 0,-1-1 0,1 1 0,-1 0 0,0-1 0,0 1 0,0 0 0,-1 0 0,0 1 0,-3-5 0,0 0 0,3 3 0,-1 1 0,0-1 0,0 1 0,0 0 0,0 0 0,-9-6 0,13 10 0,-1 0 0,1 0 0,-1 1 0,1-1 0,-1 0 0,1 0 0,-1 0 0,1 1 0,-1-1 0,1 0 0,0 0 0,-1 1 0,1-1 0,0 0 0,-1 1 0,1-1 0,0 1 0,-1-1 0,1 0 0,0 1 0,-1-1 0,1 1 0,0-1 0,0 1 0,0-1 0,0 0 0,-1 1 0,1-1 0,0 1 0,0-1 0,0 1 0,0-1 0,0 1 0,0-1 0,0 1 0,0-1 0,0 1 0,1-1 0,-1 1 0,-1 26 0,1-25 0,-4 86 0,-20 114 0,8-81 0,8-13 0,9 134 0,1-95 0,-2-100 0,-1-5 0,1 1 0,2 0 0,2-1 0,15 62 0,-14-71 0,-5-27 0,0 0 0,1-1 0,0 1 0,0-1 0,1 1 0,2 7 0,-3-13 0,-1 1 0,1-1 0,-1 0 0,1 1 0,0-1 0,-1 1 0,1-1 0,-1 0 0,1 0 0,-1 1 0,1-1 0,0 0 0,-1 0 0,1 0 0,0 0 0,-1 1 0,1-1 0,0 0 0,-1 0 0,1 0 0,0-1 0,-1 1 0,1 0 0,0 0 0,-1 0 0,1 0 0,-1-1 0,1 1 0,0 0 0,-1 0 0,1-1 0,-1 1 0,1-1 0,-1 1 0,1 0 0,-1-1 0,1 1 0,-1-1 0,1 1 0,-1-1 0,0 1 0,1-2 0,22-23 0,-22 24 0,22-31 0,23-44 0,-33 52 0,1 1 0,1 1 0,1 0 0,36-38 0,-49 57 0,25-27 0,-27 19 0,-21 10 0,9 5 0,-1 0 0,1 1 0,0 0 0,1 0 0,-1 1 0,-17 14 0,-35 17 0,57-33 0,1 1 0,-1 0 0,1 0 0,0 0 0,0 0 0,0 1 0,1-1 0,0 1 0,0 1 0,0-1 0,1 0 0,0 1 0,0 0 0,-3 11 0,-19 36 0,19-46 0,-18 28 0,23-34 0,0-1 0,0 0 0,0 0 0,-1 1 0,1-1 0,0 0 0,0 0 0,-1 0 0,1 0 0,-1 0 0,1 0 0,-1-1 0,1 1 0,-1 0 0,0-1 0,1 1 0,-1-1 0,0 0 0,1 1 0,-3-1 0,3-1 0,0 1 0,0-1 0,0 0 0,0 1 0,0-1 0,0 0 0,0 0 0,0 0 0,0 0 0,0 0 0,1 0 0,-1 0 0,0 0 0,1 0 0,-1 0 0,0 0 0,1-1 0,0 1 0,-1 0 0,1 0 0,0-1 0,-1 1 0,1 0 0,0 0 0,0-3 0,-2-39 0,2 35 0,0-10 0,-1-1 0,-1 1 0,0 0 0,-2 0 0,0 0 0,-1 0 0,-1 1 0,-1-1 0,0 2 0,-1-1 0,-18-27 0,11 18 62,-22-56 0,5 11-1551,27 60-5337</inkml:trace>
 </inkml:ink>
 </file>
 
@@ -243,7 +1096,7 @@
           <a:p>
             <a:fld id="{C192C1EE-9FB9-4797-86C2-7306F5547C9A}" type="datetimeFigureOut">
               <a:rPr lang="en-NL" smtClean="0"/>
-              <a:t>10/18/2022</a:t>
+              <a:t>10/16/2023</a:t>
             </a:fld>
             <a:endParaRPr lang="en-NL"/>
           </a:p>
@@ -9965,52 +10818,87 @@
                   <a:schemeClr val="accent1"/>
                 </a:solidFill>
               </a:rPr>
-              <a:t>Shiny App Project</a:t>
-            </a:r>
+              <a:t>Shiny App</a:t>
+            </a:r>
+          </a:p>
+          <a:p>
+            <a:pPr lvl="1"/>
+            <a:r>
+              <a:rPr lang="en-GB" sz="1600" dirty="0"/>
+              <a:t>File -&gt; new file -&gt; Shiny Web App</a:t>
+            </a:r>
+            <a:endParaRPr lang="en-GB" dirty="0"/>
+          </a:p>
+          <a:p>
+            <a:pPr lvl="1"/>
+            <a:r>
+              <a:rPr lang="en-GB" sz="1600" dirty="0"/>
+              <a:t>Choose a </a:t>
+            </a:r>
+            <a:r>
+              <a:rPr lang="en-GB" sz="1600" dirty="0">
+                <a:solidFill>
+                  <a:schemeClr val="accent1"/>
+                </a:solidFill>
+              </a:rPr>
+              <a:t>Single File</a:t>
+            </a:r>
+            <a:r>
+              <a:rPr lang="en-GB" sz="1600" dirty="0"/>
+              <a:t> app</a:t>
+            </a:r>
+          </a:p>
+          <a:p>
+            <a:pPr lvl="1"/>
+            <a:r>
+              <a:rPr lang="en-GB" sz="1600" dirty="0"/>
+              <a:t>Open </a:t>
+            </a:r>
+            <a:r>
+              <a:rPr lang="en-GB" sz="1600" dirty="0" err="1">
+                <a:solidFill>
+                  <a:schemeClr val="accent1"/>
+                </a:solidFill>
+              </a:rPr>
+              <a:t>app.R</a:t>
+            </a:r>
+            <a:r>
+              <a:rPr lang="en-GB" sz="1600" dirty="0">
+                <a:solidFill>
+                  <a:schemeClr val="accent1"/>
+                </a:solidFill>
+              </a:rPr>
+              <a:t> </a:t>
+            </a:r>
+            <a:r>
+              <a:rPr lang="en-GB" sz="1600" dirty="0">
+                <a:solidFill>
+                  <a:schemeClr val="tx1">
+                    <a:lumMod val="75000"/>
+                    <a:lumOff val="25000"/>
+                  </a:schemeClr>
+                </a:solidFill>
+              </a:rPr>
+              <a:t>(if it wasn’t already)</a:t>
+            </a:r>
+          </a:p>
+          <a:p>
+            <a:pPr lvl="1"/>
+            <a:endParaRPr lang="en-GB" sz="1600" dirty="0">
+              <a:solidFill>
+                <a:schemeClr val="accent1"/>
+              </a:solidFill>
+            </a:endParaRPr>
           </a:p>
           <a:p>
             <a:pPr marL="457200" lvl="1" indent="0">
               <a:buNone/>
             </a:pPr>
-            <a:endParaRPr lang="en-GB" sz="1600" dirty="0"/>
-          </a:p>
-          <a:p>
-            <a:r>
-              <a:rPr lang="en-GB" dirty="0"/>
-              <a:t>Change the title to </a:t>
-            </a:r>
-            <a:br>
-              <a:rPr lang="en-GB" dirty="0"/>
-            </a:br>
-            <a:r>
-              <a:rPr lang="en-GB" i="1" dirty="0"/>
-              <a:t>“Hello, World!”</a:t>
-            </a:r>
-          </a:p>
-          <a:p>
-            <a:pPr lvl="1"/>
-            <a:r>
-              <a:rPr lang="en-GB" sz="1400" dirty="0"/>
-              <a:t>This is traditional, other titles are </a:t>
-            </a:r>
-            <a:r>
-              <a:rPr lang="en-GB" sz="1400" b="1" u="sng" dirty="0"/>
-              <a:t>not</a:t>
-            </a:r>
-            <a:r>
-              <a:rPr lang="en-GB" sz="1400" dirty="0"/>
-              <a:t> acceptable.</a:t>
-            </a:r>
-          </a:p>
-          <a:p>
-            <a:r>
-              <a:rPr lang="en-GB" dirty="0"/>
-              <a:t>Run your app</a:t>
-            </a:r>
-          </a:p>
-          <a:p>
-            <a:pPr lvl="1"/>
-            <a:endParaRPr lang="en-GB" dirty="0"/>
+            <a:endParaRPr lang="en-GB" sz="1600" dirty="0">
+              <a:solidFill>
+                <a:schemeClr val="accent1"/>
+              </a:solidFill>
+            </a:endParaRPr>
           </a:p>
         </p:txBody>
       </p:sp>
@@ -10072,112 +10960,39 @@
           </a:p>
         </p:txBody>
       </p:sp>
-      <p:grpSp>
-        <p:nvGrpSpPr>
-          <p:cNvPr id="11" name="Group 10">
-            <a:extLst>
-              <a:ext uri="{FF2B5EF4-FFF2-40B4-BE49-F238E27FC236}">
-                <a16:creationId xmlns:a16="http://schemas.microsoft.com/office/drawing/2014/main" id="{C51F17C6-D2E8-4516-BEF4-EF7B3ABFD707}"/>
-              </a:ext>
-            </a:extLst>
-          </p:cNvPr>
-          <p:cNvGrpSpPr/>
+      <p:pic>
+        <p:nvPicPr>
+          <p:cNvPr id="7" name="Picture 6">
+            <a:extLst>
+              <a:ext uri="{FF2B5EF4-FFF2-40B4-BE49-F238E27FC236}">
+                <a16:creationId xmlns:a16="http://schemas.microsoft.com/office/drawing/2014/main" id="{A03CA454-9131-DE78-B5C6-102B26378D1C}"/>
+              </a:ext>
+            </a:extLst>
+          </p:cNvPr>
+          <p:cNvPicPr>
+            <a:picLocks noChangeAspect="1"/>
+          </p:cNvPicPr>
           <p:nvPr/>
-        </p:nvGrpSpPr>
-        <p:grpSpPr>
+        </p:nvPicPr>
+        <p:blipFill rotWithShape="1">
+          <a:blip r:embed="rId2"/>
+          <a:srcRect t="6714" b="35211"/>
+          <a:stretch/>
+        </p:blipFill>
+        <p:spPr>
           <a:xfrm>
-            <a:off x="1573228" y="4164261"/>
-            <a:ext cx="4379335" cy="1236994"/>
-            <a:chOff x="6796664" y="2209955"/>
-            <a:chExt cx="4379335" cy="1236994"/>
+            <a:off x="1333405" y="3182316"/>
+            <a:ext cx="9593014" cy="1405218"/>
           </a:xfrm>
-        </p:grpSpPr>
-        <p:pic>
-          <p:nvPicPr>
-            <p:cNvPr id="8" name="Picture 7">
-              <a:extLst>
-                <a:ext uri="{FF2B5EF4-FFF2-40B4-BE49-F238E27FC236}">
-                  <a16:creationId xmlns:a16="http://schemas.microsoft.com/office/drawing/2014/main" id="{F90FF638-5BFD-43A0-B187-AAEC90256204}"/>
-                </a:ext>
-              </a:extLst>
-            </p:cNvPr>
-            <p:cNvPicPr>
-              <a:picLocks noChangeAspect="1"/>
-            </p:cNvPicPr>
-            <p:nvPr/>
-          </p:nvPicPr>
-          <p:blipFill>
-            <a:blip r:embed="rId2"/>
-            <a:stretch>
-              <a:fillRect/>
-            </a:stretch>
-          </p:blipFill>
-          <p:spPr>
-            <a:xfrm>
-              <a:off x="6796664" y="2293810"/>
-              <a:ext cx="4379335" cy="1153139"/>
-            </a:xfrm>
-            <a:prstGeom prst="rect">
-              <a:avLst/>
-            </a:prstGeom>
-          </p:spPr>
-        </p:pic>
-        <mc:AlternateContent xmlns:mc="http://schemas.openxmlformats.org/markup-compatibility/2006" xmlns:p14="http://schemas.microsoft.com/office/powerpoint/2010/main">
-          <mc:Choice Requires="p14">
-            <p:contentPart p14:bwMode="auto" r:id="rId3">
-              <p14:nvContentPartPr>
-                <p14:cNvPr id="9" name="Ink 8">
-                  <a:extLst>
-                    <a:ext uri="{FF2B5EF4-FFF2-40B4-BE49-F238E27FC236}">
-                      <a16:creationId xmlns:a16="http://schemas.microsoft.com/office/drawing/2014/main" id="{33B5B2A9-BDFE-4942-B594-B2C3C04AA6A8}"/>
-                    </a:ext>
-                  </a:extLst>
-                </p14:cNvPr>
-                <p14:cNvContentPartPr/>
-                <p14:nvPr/>
-              </p14:nvContentPartPr>
-              <p14:xfrm>
-                <a:off x="9489075" y="2209955"/>
-                <a:ext cx="1413720" cy="606600"/>
-              </p14:xfrm>
-            </p:contentPart>
-          </mc:Choice>
-          <mc:Fallback xmlns="">
-            <p:pic>
-              <p:nvPicPr>
-                <p:cNvPr id="9" name="Ink 8">
-                  <a:extLst>
-                    <a:ext uri="{FF2B5EF4-FFF2-40B4-BE49-F238E27FC236}">
-                      <a16:creationId xmlns:a16="http://schemas.microsoft.com/office/drawing/2014/main" id="{33B5B2A9-BDFE-4942-B594-B2C3C04AA6A8}"/>
-                    </a:ext>
-                  </a:extLst>
-                </p:cNvPr>
-                <p:cNvPicPr/>
-                <p:nvPr/>
-              </p:nvPicPr>
-              <p:blipFill>
-                <a:blip r:embed="rId4"/>
-                <a:stretch>
-                  <a:fillRect/>
-                </a:stretch>
-              </p:blipFill>
-              <p:spPr>
-                <a:xfrm>
-                  <a:off x="9480075" y="2201315"/>
-                  <a:ext cx="1431360" cy="624240"/>
-                </a:xfrm>
-                <a:prstGeom prst="rect">
-                  <a:avLst/>
-                </a:prstGeom>
-              </p:spPr>
-            </p:pic>
-          </mc:Fallback>
-        </mc:AlternateContent>
-      </p:grpSp>
+          <a:prstGeom prst="rect">
+            <a:avLst/>
+          </a:prstGeom>
+        </p:spPr>
+      </p:pic>
     </p:spTree>
     <p:extLst>
       <p:ext uri="{BB962C8B-B14F-4D97-AF65-F5344CB8AC3E}">
-        <p14:creationId xmlns:p14="http://schemas.microsoft.com/office/powerpoint/2010/main" val="1495240266"/>
+        <p14:creationId xmlns:p14="http://schemas.microsoft.com/office/powerpoint/2010/main" val="801706623"/>
       </p:ext>
     </p:extLst>
   </p:cSld>
@@ -10268,30 +11083,36 @@
           <a:p>
             <a:r>
               <a:rPr lang="en-GB" dirty="0"/>
-              <a:t>Change lines 48-49 to:</a:t>
-            </a:r>
-          </a:p>
-          <a:p>
-            <a:endParaRPr lang="en-US" dirty="0"/>
-          </a:p>
-          <a:p>
-            <a:endParaRPr lang="en-US" dirty="0"/>
-          </a:p>
-          <a:p>
-            <a:endParaRPr lang="en-US" dirty="0"/>
-          </a:p>
-          <a:p>
-            <a:r>
-              <a:rPr lang="en-US" dirty="0"/>
-              <a:t>Restart the app</a:t>
+              <a:t>Change the title to </a:t>
+            </a:r>
+            <a:br>
+              <a:rPr lang="en-GB" dirty="0"/>
+            </a:br>
+            <a:r>
+              <a:rPr lang="en-GB" i="1" dirty="0"/>
+              <a:t>“Hello, World!”</a:t>
             </a:r>
           </a:p>
           <a:p>
             <a:pPr lvl="1"/>
             <a:r>
-              <a:rPr lang="en-US" dirty="0"/>
-              <a:t>Change the input, see the output update.</a:t>
-            </a:r>
+              <a:rPr lang="en-GB" sz="1400" dirty="0"/>
+              <a:t>This is traditional, other titles are </a:t>
+            </a:r>
+            <a:r>
+              <a:rPr lang="en-GB" sz="1400" b="1" u="sng" dirty="0"/>
+              <a:t>not</a:t>
+            </a:r>
+            <a:r>
+              <a:rPr lang="en-GB" sz="1400" dirty="0"/>
+              <a:t> acceptable.</a:t>
+            </a:r>
+          </a:p>
+          <a:p>
+            <a:pPr marL="457200" lvl="1" indent="0">
+              <a:buNone/>
+            </a:pPr>
+            <a:endParaRPr lang="en-GB" dirty="0"/>
           </a:p>
         </p:txBody>
       </p:sp>
@@ -10353,143 +11174,39 @@
           </a:p>
         </p:txBody>
       </p:sp>
-      <p:sp>
-        <p:nvSpPr>
-          <p:cNvPr id="6" name="TextBox 5">
-            <a:extLst>
-              <a:ext uri="{FF2B5EF4-FFF2-40B4-BE49-F238E27FC236}">
-                <a16:creationId xmlns:a16="http://schemas.microsoft.com/office/drawing/2014/main" id="{E5B6359E-D4EB-4C1D-AC37-23A99FEB194A}"/>
-              </a:ext>
-            </a:extLst>
-          </p:cNvPr>
-          <p:cNvSpPr txBox="1"/>
+      <p:pic>
+        <p:nvPicPr>
+          <p:cNvPr id="7" name="Picture 6">
+            <a:extLst>
+              <a:ext uri="{FF2B5EF4-FFF2-40B4-BE49-F238E27FC236}">
+                <a16:creationId xmlns:a16="http://schemas.microsoft.com/office/drawing/2014/main" id="{850E6A02-A5C4-AEC2-C525-6EAE4AC3C862}"/>
+              </a:ext>
+            </a:extLst>
+          </p:cNvPr>
+          <p:cNvPicPr>
+            <a:picLocks noChangeAspect="1"/>
+          </p:cNvPicPr>
           <p:nvPr/>
-        </p:nvSpPr>
+        </p:nvPicPr>
+        <p:blipFill rotWithShape="1">
+          <a:blip r:embed="rId2"/>
+          <a:srcRect r="30139"/>
+          <a:stretch/>
+        </p:blipFill>
         <p:spPr>
           <a:xfrm>
-            <a:off x="1410447" y="2396566"/>
-            <a:ext cx="7410823" cy="923330"/>
+            <a:off x="1265581" y="3067504"/>
+            <a:ext cx="6848195" cy="1686160"/>
           </a:xfrm>
           <a:prstGeom prst="rect">
             <a:avLst/>
           </a:prstGeom>
-          <a:solidFill>
-            <a:schemeClr val="bg1"/>
-          </a:solidFill>
-          <a:effectLst>
-            <a:outerShdw blurRad="50800" dist="38100" dir="2700000" algn="tl" rotWithShape="0">
-              <a:prstClr val="black">
-                <a:alpha val="40000"/>
-              </a:prstClr>
-            </a:outerShdw>
-          </a:effectLst>
         </p:spPr>
-        <p:txBody>
-          <a:bodyPr wrap="square" rtlCol="0">
-            <a:spAutoFit/>
-          </a:bodyPr>
-          <a:lstStyle/>
-          <a:p>
-            <a:pPr marL="0" indent="0">
-              <a:buNone/>
-            </a:pPr>
-            <a:r>
-              <a:rPr lang="en-US" sz="1800" dirty="0">
-                <a:solidFill>
-                  <a:schemeClr val="bg1">
-                    <a:lumMod val="50000"/>
-                  </a:schemeClr>
-                </a:solidFill>
-                <a:latin typeface="FuraCode Nerd Font" panose="020B0509050000020004" pitchFamily="50" charset="0"/>
-                <a:ea typeface="FuraCode Nerd Font" panose="020B0509050000020004" pitchFamily="50" charset="0"/>
-              </a:rPr>
-              <a:t># Run the application </a:t>
-            </a:r>
-          </a:p>
-          <a:p>
-            <a:pPr marL="0" indent="0">
-              <a:buNone/>
-            </a:pPr>
-            <a:r>
-              <a:rPr lang="en-US" sz="1800" dirty="0" err="1">
-                <a:latin typeface="FuraCode Nerd Font" panose="020B0509050000020004" pitchFamily="50" charset="0"/>
-                <a:ea typeface="FuraCode Nerd Font" panose="020B0509050000020004" pitchFamily="50" charset="0"/>
-              </a:rPr>
-              <a:t>shinyApp</a:t>
-            </a:r>
-            <a:r>
-              <a:rPr lang="en-US" sz="1800" dirty="0">
-                <a:latin typeface="FuraCode Nerd Font" panose="020B0509050000020004" pitchFamily="50" charset="0"/>
-                <a:ea typeface="FuraCode Nerd Font" panose="020B0509050000020004" pitchFamily="50" charset="0"/>
-              </a:rPr>
-              <a:t>(</a:t>
-            </a:r>
-            <a:r>
-              <a:rPr lang="en-US" sz="1800" dirty="0" err="1">
-                <a:latin typeface="FuraCode Nerd Font" panose="020B0509050000020004" pitchFamily="50" charset="0"/>
-                <a:ea typeface="FuraCode Nerd Font" panose="020B0509050000020004" pitchFamily="50" charset="0"/>
-              </a:rPr>
-              <a:t>ui</a:t>
-            </a:r>
-            <a:r>
-              <a:rPr lang="en-US" sz="1800" dirty="0">
-                <a:latin typeface="FuraCode Nerd Font" panose="020B0509050000020004" pitchFamily="50" charset="0"/>
-                <a:ea typeface="FuraCode Nerd Font" panose="020B0509050000020004" pitchFamily="50" charset="0"/>
-              </a:rPr>
-              <a:t> = </a:t>
-            </a:r>
-            <a:r>
-              <a:rPr lang="en-US" sz="1800" dirty="0" err="1">
-                <a:latin typeface="FuraCode Nerd Font" panose="020B0509050000020004" pitchFamily="50" charset="0"/>
-                <a:ea typeface="FuraCode Nerd Font" panose="020B0509050000020004" pitchFamily="50" charset="0"/>
-              </a:rPr>
-              <a:t>ui</a:t>
-            </a:r>
-            <a:r>
-              <a:rPr lang="en-US" sz="1800" dirty="0">
-                <a:latin typeface="FuraCode Nerd Font" panose="020B0509050000020004" pitchFamily="50" charset="0"/>
-                <a:ea typeface="FuraCode Nerd Font" panose="020B0509050000020004" pitchFamily="50" charset="0"/>
-              </a:rPr>
-              <a:t>, server = server, </a:t>
-            </a:r>
-            <a:br>
-              <a:rPr lang="en-US" sz="1800" dirty="0">
-                <a:latin typeface="FuraCode Nerd Font" panose="020B0509050000020004" pitchFamily="50" charset="0"/>
-                <a:ea typeface="FuraCode Nerd Font" panose="020B0509050000020004" pitchFamily="50" charset="0"/>
-              </a:rPr>
-            </a:br>
-            <a:r>
-              <a:rPr lang="en-US" sz="1800" dirty="0">
-                <a:latin typeface="FuraCode Nerd Font" panose="020B0509050000020004" pitchFamily="50" charset="0"/>
-                <a:ea typeface="FuraCode Nerd Font" panose="020B0509050000020004" pitchFamily="50" charset="0"/>
-              </a:rPr>
-              <a:t>	   options = list(</a:t>
-            </a:r>
-            <a:r>
-              <a:rPr lang="en-US" sz="1800" dirty="0" err="1">
-                <a:latin typeface="FuraCode Nerd Font" panose="020B0509050000020004" pitchFamily="50" charset="0"/>
-                <a:ea typeface="FuraCode Nerd Font" panose="020B0509050000020004" pitchFamily="50" charset="0"/>
-              </a:rPr>
-              <a:t>display.mode</a:t>
-            </a:r>
-            <a:r>
-              <a:rPr lang="en-US" sz="1800" dirty="0">
-                <a:latin typeface="FuraCode Nerd Font" panose="020B0509050000020004" pitchFamily="50" charset="0"/>
-                <a:ea typeface="FuraCode Nerd Font" panose="020B0509050000020004" pitchFamily="50" charset="0"/>
-              </a:rPr>
-              <a:t> = "showcase"))</a:t>
-            </a:r>
-            <a:endParaRPr lang="en-GB" sz="1800" dirty="0">
-              <a:latin typeface="FuraCode Nerd Font" panose="020B0509050000020004" pitchFamily="50" charset="0"/>
-              <a:ea typeface="FuraCode Nerd Font" panose="020B0509050000020004" pitchFamily="50" charset="0"/>
-            </a:endParaRPr>
-          </a:p>
-        </p:txBody>
-      </p:sp>
+      </p:pic>
     </p:spTree>
     <p:extLst>
       <p:ext uri="{BB962C8B-B14F-4D97-AF65-F5344CB8AC3E}">
-        <p14:creationId xmlns:p14="http://schemas.microsoft.com/office/powerpoint/2010/main" val="776796449"/>
+        <p14:creationId xmlns:p14="http://schemas.microsoft.com/office/powerpoint/2010/main" val="1495240266"/>
       </p:ext>
     </p:extLst>
   </p:cSld>
@@ -10546,7 +11263,7 @@
             </a:br>
             <a:r>
               <a:rPr lang="en-GB" dirty="0"/>
-              <a:t>my first shiny app</a:t>
+              <a:t>MY first shiny app</a:t>
             </a:r>
             <a:endParaRPr lang="nl-NL" dirty="0"/>
           </a:p>
@@ -10579,343 +11296,35 @@
           <a:lstStyle/>
           <a:p>
             <a:r>
-              <a:rPr lang="en-US" dirty="0"/>
-              <a:t>UI</a:t>
-            </a:r>
-          </a:p>
-          <a:p>
-            <a:pPr marL="457200" lvl="1" indent="0">
-              <a:buNone/>
-            </a:pPr>
-            <a:r>
-              <a:rPr lang="en-US" sz="2000" dirty="0">
-                <a:solidFill>
-                  <a:schemeClr val="accent6">
-                    <a:lumMod val="75000"/>
-                  </a:schemeClr>
-                </a:solidFill>
-                <a:latin typeface="FuraCode Nerd Font Mono" panose="020B0509050000020004" pitchFamily="50" charset="0"/>
-                <a:ea typeface="FuraCode Nerd Font Mono" panose="020B0509050000020004" pitchFamily="50" charset="0"/>
-              </a:rPr>
-              <a:t>- </a:t>
-            </a:r>
-            <a:r>
-              <a:rPr lang="en-US" sz="2000" dirty="0" err="1">
-                <a:solidFill>
-                  <a:schemeClr val="accent6">
-                    <a:lumMod val="75000"/>
-                  </a:schemeClr>
-                </a:solidFill>
-                <a:latin typeface="FuraCode Nerd Font Mono" panose="020B0509050000020004" pitchFamily="50" charset="0"/>
-                <a:ea typeface="FuraCode Nerd Font Mono" panose="020B0509050000020004" pitchFamily="50" charset="0"/>
-              </a:rPr>
-              <a:t>sliderInput</a:t>
-            </a:r>
-            <a:r>
-              <a:rPr lang="en-US" sz="2000" dirty="0">
-                <a:solidFill>
-                  <a:schemeClr val="accent6">
-                    <a:lumMod val="75000"/>
-                  </a:schemeClr>
-                </a:solidFill>
-                <a:latin typeface="FuraCode Nerd Font Mono" panose="020B0509050000020004" pitchFamily="50" charset="0"/>
-                <a:ea typeface="FuraCode Nerd Font Mono" panose="020B0509050000020004" pitchFamily="50" charset="0"/>
-              </a:rPr>
-              <a:t>(“bins”)</a:t>
-            </a:r>
-          </a:p>
-          <a:p>
-            <a:pPr marL="457200" lvl="1" indent="0">
-              <a:buNone/>
-            </a:pPr>
-            <a:r>
-              <a:rPr lang="en-US" sz="2000" dirty="0">
-                <a:solidFill>
-                  <a:schemeClr val="accent4">
-                    <a:lumMod val="75000"/>
-                  </a:schemeClr>
-                </a:solidFill>
-                <a:latin typeface="FuraCode Nerd Font Mono" panose="020B0509050000020004" pitchFamily="50" charset="0"/>
-                <a:ea typeface="FuraCode Nerd Font Mono" panose="020B0509050000020004" pitchFamily="50" charset="0"/>
-              </a:rPr>
-              <a:t>+ </a:t>
-            </a:r>
-            <a:r>
-              <a:rPr lang="en-US" sz="2000" dirty="0" err="1">
-                <a:solidFill>
-                  <a:schemeClr val="accent4">
-                    <a:lumMod val="75000"/>
-                  </a:schemeClr>
-                </a:solidFill>
-                <a:latin typeface="FuraCode Nerd Font Mono" panose="020B0509050000020004" pitchFamily="50" charset="0"/>
-                <a:ea typeface="FuraCode Nerd Font Mono" panose="020B0509050000020004" pitchFamily="50" charset="0"/>
-              </a:rPr>
-              <a:t>textInput</a:t>
-            </a:r>
-            <a:r>
-              <a:rPr lang="en-US" sz="2000" dirty="0">
-                <a:solidFill>
-                  <a:schemeClr val="accent4">
-                    <a:lumMod val="75000"/>
-                  </a:schemeClr>
-                </a:solidFill>
-                <a:latin typeface="FuraCode Nerd Font Mono" panose="020B0509050000020004" pitchFamily="50" charset="0"/>
-                <a:ea typeface="FuraCode Nerd Font Mono" panose="020B0509050000020004" pitchFamily="50" charset="0"/>
-              </a:rPr>
-              <a:t>(“name”)</a:t>
-            </a:r>
-          </a:p>
-          <a:p>
-            <a:pPr marL="457200" lvl="1" indent="0">
-              <a:buNone/>
-            </a:pPr>
-            <a:endParaRPr lang="en-US" sz="2000" dirty="0">
-              <a:solidFill>
-                <a:schemeClr val="accent4">
-                  <a:lumMod val="75000"/>
-                </a:schemeClr>
-              </a:solidFill>
-              <a:latin typeface="FuraCode Nerd Font Mono" panose="020B0509050000020004" pitchFamily="50" charset="0"/>
-              <a:ea typeface="FuraCode Nerd Font Mono" panose="020B0509050000020004" pitchFamily="50" charset="0"/>
-            </a:endParaRPr>
-          </a:p>
-          <a:p>
-            <a:pPr marL="457200" lvl="1" indent="0">
-              <a:buNone/>
-            </a:pPr>
-            <a:r>
-              <a:rPr lang="en-US" sz="2000" dirty="0">
-                <a:solidFill>
-                  <a:schemeClr val="accent6">
-                    <a:lumMod val="75000"/>
-                  </a:schemeClr>
-                </a:solidFill>
-                <a:latin typeface="FuraCode Nerd Font Mono" panose="020B0509050000020004" pitchFamily="50" charset="0"/>
-                <a:ea typeface="FuraCode Nerd Font Mono" panose="020B0509050000020004" pitchFamily="50" charset="0"/>
-              </a:rPr>
-              <a:t>- </a:t>
-            </a:r>
-            <a:r>
-              <a:rPr lang="en-US" sz="2000" dirty="0" err="1">
-                <a:solidFill>
-                  <a:schemeClr val="accent6">
-                    <a:lumMod val="75000"/>
-                  </a:schemeClr>
-                </a:solidFill>
-                <a:latin typeface="FuraCode Nerd Font Mono" panose="020B0509050000020004" pitchFamily="50" charset="0"/>
-                <a:ea typeface="FuraCode Nerd Font Mono" panose="020B0509050000020004" pitchFamily="50" charset="0"/>
-              </a:rPr>
-              <a:t>plotOutput</a:t>
-            </a:r>
-            <a:r>
-              <a:rPr lang="en-US" sz="2000" dirty="0">
-                <a:solidFill>
-                  <a:schemeClr val="accent6">
-                    <a:lumMod val="75000"/>
-                  </a:schemeClr>
-                </a:solidFill>
-                <a:latin typeface="FuraCode Nerd Font Mono" panose="020B0509050000020004" pitchFamily="50" charset="0"/>
-                <a:ea typeface="FuraCode Nerd Font Mono" panose="020B0509050000020004" pitchFamily="50" charset="0"/>
-              </a:rPr>
-              <a:t>(“</a:t>
-            </a:r>
-            <a:r>
-              <a:rPr lang="en-US" sz="2000" dirty="0" err="1">
-                <a:solidFill>
-                  <a:schemeClr val="accent6">
-                    <a:lumMod val="75000"/>
-                  </a:schemeClr>
-                </a:solidFill>
-                <a:latin typeface="FuraCode Nerd Font Mono" panose="020B0509050000020004" pitchFamily="50" charset="0"/>
-                <a:ea typeface="FuraCode Nerd Font Mono" panose="020B0509050000020004" pitchFamily="50" charset="0"/>
-              </a:rPr>
-              <a:t>distPlot</a:t>
-            </a:r>
-            <a:r>
-              <a:rPr lang="en-US" sz="2000" dirty="0">
-                <a:solidFill>
-                  <a:schemeClr val="accent6">
-                    <a:lumMod val="75000"/>
-                  </a:schemeClr>
-                </a:solidFill>
-                <a:latin typeface="FuraCode Nerd Font Mono" panose="020B0509050000020004" pitchFamily="50" charset="0"/>
-                <a:ea typeface="FuraCode Nerd Font Mono" panose="020B0509050000020004" pitchFamily="50" charset="0"/>
-              </a:rPr>
-              <a:t>”)</a:t>
-            </a:r>
-          </a:p>
-          <a:p>
-            <a:pPr marL="457200" lvl="1" indent="0">
-              <a:buNone/>
-            </a:pPr>
-            <a:r>
-              <a:rPr lang="en-US" sz="2000" dirty="0">
-                <a:solidFill>
-                  <a:schemeClr val="accent4">
-                    <a:lumMod val="75000"/>
-                  </a:schemeClr>
-                </a:solidFill>
-                <a:latin typeface="FuraCode Nerd Font Mono" panose="020B0509050000020004" pitchFamily="50" charset="0"/>
-                <a:ea typeface="FuraCode Nerd Font Mono" panose="020B0509050000020004" pitchFamily="50" charset="0"/>
-              </a:rPr>
-              <a:t>+ </a:t>
-            </a:r>
-            <a:r>
-              <a:rPr lang="en-US" sz="2000" dirty="0" err="1">
-                <a:solidFill>
-                  <a:schemeClr val="accent4">
-                    <a:lumMod val="75000"/>
-                  </a:schemeClr>
-                </a:solidFill>
-                <a:latin typeface="FuraCode Nerd Font Mono" panose="020B0509050000020004" pitchFamily="50" charset="0"/>
-                <a:ea typeface="FuraCode Nerd Font Mono" panose="020B0509050000020004" pitchFamily="50" charset="0"/>
-              </a:rPr>
-              <a:t>textOutput</a:t>
-            </a:r>
-            <a:r>
-              <a:rPr lang="en-US" sz="2000" dirty="0">
-                <a:solidFill>
-                  <a:schemeClr val="accent4">
-                    <a:lumMod val="75000"/>
-                  </a:schemeClr>
-                </a:solidFill>
-                <a:latin typeface="FuraCode Nerd Font Mono" panose="020B0509050000020004" pitchFamily="50" charset="0"/>
-                <a:ea typeface="FuraCode Nerd Font Mono" panose="020B0509050000020004" pitchFamily="50" charset="0"/>
-              </a:rPr>
-              <a:t>(“welcome”)</a:t>
-            </a:r>
-          </a:p>
-          <a:p>
-            <a:pPr marL="457200" lvl="1" indent="0">
-              <a:buNone/>
-            </a:pPr>
-            <a:endParaRPr lang="en-US" sz="2000" dirty="0">
-              <a:solidFill>
-                <a:schemeClr val="accent4">
-                  <a:lumMod val="75000"/>
-                </a:schemeClr>
-              </a:solidFill>
-              <a:latin typeface="FuraCode Nerd Font Mono" panose="020B0509050000020004" pitchFamily="50" charset="0"/>
-              <a:ea typeface="FuraCode Nerd Font Mono" panose="020B0509050000020004" pitchFamily="50" charset="0"/>
-            </a:endParaRPr>
-          </a:p>
-          <a:p>
-            <a:r>
-              <a:rPr lang="en-US" sz="2400" dirty="0">
-                <a:ea typeface="FuraCode Nerd Font Mono" panose="020B0509050000020004" pitchFamily="50" charset="0"/>
-              </a:rPr>
-              <a:t>Server</a:t>
-            </a:r>
-          </a:p>
-          <a:p>
-            <a:pPr marL="457200" lvl="1" indent="0">
-              <a:buNone/>
-            </a:pPr>
-            <a:r>
-              <a:rPr lang="en-US" sz="2000" dirty="0">
-                <a:solidFill>
-                  <a:schemeClr val="accent6">
-                    <a:lumMod val="75000"/>
-                  </a:schemeClr>
-                </a:solidFill>
-                <a:latin typeface="FuraCode Nerd Font Mono" panose="020B0509050000020004" pitchFamily="50" charset="0"/>
-                <a:ea typeface="FuraCode Nerd Font Mono" panose="020B0509050000020004" pitchFamily="50" charset="0"/>
-              </a:rPr>
-              <a:t>- </a:t>
-            </a:r>
-            <a:r>
-              <a:rPr lang="en-US" sz="2000" dirty="0" err="1">
-                <a:solidFill>
-                  <a:schemeClr val="accent6">
-                    <a:lumMod val="75000"/>
-                  </a:schemeClr>
-                </a:solidFill>
-                <a:latin typeface="FuraCode Nerd Font Mono" panose="020B0509050000020004" pitchFamily="50" charset="0"/>
-                <a:ea typeface="FuraCode Nerd Font Mono" panose="020B0509050000020004" pitchFamily="50" charset="0"/>
-              </a:rPr>
-              <a:t>renderPlot</a:t>
-            </a:r>
-            <a:r>
-              <a:rPr lang="en-US" sz="2000" dirty="0">
-                <a:solidFill>
-                  <a:schemeClr val="accent6">
-                    <a:lumMod val="75000"/>
-                  </a:schemeClr>
-                </a:solidFill>
-                <a:latin typeface="FuraCode Nerd Font Mono" panose="020B0509050000020004" pitchFamily="50" charset="0"/>
-                <a:ea typeface="FuraCode Nerd Font Mono" panose="020B0509050000020004" pitchFamily="50" charset="0"/>
-              </a:rPr>
-              <a:t>(“</a:t>
-            </a:r>
-            <a:r>
-              <a:rPr lang="en-US" sz="2000" dirty="0" err="1">
-                <a:solidFill>
-                  <a:schemeClr val="accent6">
-                    <a:lumMod val="75000"/>
-                  </a:schemeClr>
-                </a:solidFill>
-                <a:latin typeface="FuraCode Nerd Font Mono" panose="020B0509050000020004" pitchFamily="50" charset="0"/>
-                <a:ea typeface="FuraCode Nerd Font Mono" panose="020B0509050000020004" pitchFamily="50" charset="0"/>
-              </a:rPr>
-              <a:t>distPlot</a:t>
-            </a:r>
-            <a:r>
-              <a:rPr lang="en-US" sz="2000" dirty="0">
-                <a:solidFill>
-                  <a:schemeClr val="accent6">
-                    <a:lumMod val="75000"/>
-                  </a:schemeClr>
-                </a:solidFill>
-                <a:latin typeface="FuraCode Nerd Font Mono" panose="020B0509050000020004" pitchFamily="50" charset="0"/>
-                <a:ea typeface="FuraCode Nerd Font Mono" panose="020B0509050000020004" pitchFamily="50" charset="0"/>
-              </a:rPr>
-              <a:t>”)</a:t>
-            </a:r>
-          </a:p>
-          <a:p>
-            <a:pPr marL="457200" lvl="1" indent="0">
-              <a:buNone/>
-            </a:pPr>
-            <a:r>
-              <a:rPr lang="en-US" sz="2000" dirty="0">
-                <a:solidFill>
-                  <a:schemeClr val="accent4">
-                    <a:lumMod val="75000"/>
-                  </a:schemeClr>
-                </a:solidFill>
-                <a:latin typeface="FuraCode Nerd Font Mono" panose="020B0509050000020004" pitchFamily="50" charset="0"/>
-                <a:ea typeface="FuraCode Nerd Font Mono" panose="020B0509050000020004" pitchFamily="50" charset="0"/>
-              </a:rPr>
-              <a:t>+ </a:t>
-            </a:r>
-            <a:r>
-              <a:rPr lang="en-US" sz="2000" dirty="0" err="1">
-                <a:solidFill>
-                  <a:schemeClr val="accent4">
-                    <a:lumMod val="75000"/>
-                  </a:schemeClr>
-                </a:solidFill>
-                <a:latin typeface="FuraCode Nerd Font Mono" panose="020B0509050000020004" pitchFamily="50" charset="0"/>
-                <a:ea typeface="FuraCode Nerd Font Mono" panose="020B0509050000020004" pitchFamily="50" charset="0"/>
-              </a:rPr>
-              <a:t>renderText</a:t>
-            </a:r>
-            <a:r>
-              <a:rPr lang="en-US" sz="2000" dirty="0">
-                <a:solidFill>
-                  <a:schemeClr val="accent4">
-                    <a:lumMod val="75000"/>
-                  </a:schemeClr>
-                </a:solidFill>
-                <a:latin typeface="FuraCode Nerd Font Mono" panose="020B0509050000020004" pitchFamily="50" charset="0"/>
-                <a:ea typeface="FuraCode Nerd Font Mono" panose="020B0509050000020004" pitchFamily="50" charset="0"/>
-              </a:rPr>
-              <a:t>(“welcome”)</a:t>
-            </a:r>
-          </a:p>
-          <a:p>
-            <a:pPr lvl="2"/>
-            <a:endParaRPr lang="en-US" dirty="0"/>
+              <a:rPr lang="en-GB" dirty="0"/>
+              <a:t>Run your app</a:t>
+            </a:r>
+          </a:p>
+          <a:p>
+            <a:endParaRPr lang="en-GB" dirty="0"/>
+          </a:p>
+          <a:p>
+            <a:endParaRPr lang="en-GB" dirty="0"/>
+          </a:p>
+          <a:p>
+            <a:endParaRPr lang="en-GB" dirty="0"/>
+          </a:p>
+          <a:p>
+            <a:r>
+              <a:rPr lang="en-GB" dirty="0"/>
+              <a:t>Congratulations!</a:t>
+            </a:r>
+          </a:p>
+          <a:p>
+            <a:pPr lvl="1"/>
+            <a:r>
+              <a:rPr lang="en-GB" sz="1600" dirty="0"/>
+              <a:t>You’ve made your first shiny app.</a:t>
+            </a:r>
+          </a:p>
+          <a:p>
+            <a:pPr lvl="1"/>
+            <a:endParaRPr lang="en-GB" dirty="0"/>
           </a:p>
         </p:txBody>
       </p:sp>
@@ -10979,10 +11388,10 @@
       </p:sp>
       <p:pic>
         <p:nvPicPr>
-          <p:cNvPr id="12" name="Picture 11">
-            <a:extLst>
-              <a:ext uri="{FF2B5EF4-FFF2-40B4-BE49-F238E27FC236}">
-                <a16:creationId xmlns:a16="http://schemas.microsoft.com/office/drawing/2014/main" id="{BCB9C76C-3C26-47FA-9156-215ECCFE8915}"/>
+          <p:cNvPr id="7" name="Picture 6">
+            <a:extLst>
+              <a:ext uri="{FF2B5EF4-FFF2-40B4-BE49-F238E27FC236}">
+                <a16:creationId xmlns:a16="http://schemas.microsoft.com/office/drawing/2014/main" id="{FFA53E35-871E-1EDD-3714-8F7C4924F8CF}"/>
               </a:ext>
             </a:extLst>
           </p:cNvPr>
@@ -10991,16 +11400,15 @@
           </p:cNvPicPr>
           <p:nvPr/>
         </p:nvPicPr>
-        <p:blipFill>
+        <p:blipFill rotWithShape="1">
           <a:blip r:embed="rId2"/>
-          <a:stretch>
-            <a:fillRect/>
-          </a:stretch>
+          <a:srcRect r="54715"/>
+          <a:stretch/>
         </p:blipFill>
         <p:spPr>
           <a:xfrm>
-            <a:off x="5801805" y="2090509"/>
-            <a:ext cx="6655808" cy="1999408"/>
+            <a:off x="1297027" y="2317345"/>
+            <a:ext cx="4512462" cy="1247949"/>
           </a:xfrm>
           <a:prstGeom prst="rect">
             <a:avLst/>
@@ -11009,10 +11417,10 @@
       </p:pic>
       <p:pic>
         <p:nvPicPr>
-          <p:cNvPr id="14" name="Picture 13">
-            <a:extLst>
-              <a:ext uri="{FF2B5EF4-FFF2-40B4-BE49-F238E27FC236}">
-                <a16:creationId xmlns:a16="http://schemas.microsoft.com/office/drawing/2014/main" id="{CC2C35FC-AF82-498B-89F5-E09D354BE3F8}"/>
+          <p:cNvPr id="12" name="Picture 11">
+            <a:extLst>
+              <a:ext uri="{FF2B5EF4-FFF2-40B4-BE49-F238E27FC236}">
+                <a16:creationId xmlns:a16="http://schemas.microsoft.com/office/drawing/2014/main" id="{3187B1E3-08E9-9B2A-5136-A7993866D639}"/>
               </a:ext>
             </a:extLst>
           </p:cNvPr>
@@ -11021,140 +11429,556 @@
           </p:cNvPicPr>
           <p:nvPr/>
         </p:nvPicPr>
-        <p:blipFill>
-          <a:blip r:embed="rId3">
-            <a:extLst>
-              <a:ext uri="{28A0092B-C50C-407E-A947-70E740481C1C}">
-                <a14:useLocalDpi xmlns:a14="http://schemas.microsoft.com/office/drawing/2010/main" val="0"/>
-              </a:ext>
-            </a:extLst>
-          </a:blip>
-          <a:srcRect/>
+        <p:blipFill rotWithShape="1">
+          <a:blip r:embed="rId2"/>
+          <a:srcRect l="79365"/>
           <a:stretch/>
         </p:blipFill>
         <p:spPr>
           <a:xfrm>
-            <a:off x="5801805" y="4354801"/>
-            <a:ext cx="5486364" cy="1578874"/>
+            <a:off x="5809489" y="2317345"/>
+            <a:ext cx="2056190" cy="1247949"/>
           </a:xfrm>
           <a:prstGeom prst="rect">
             <a:avLst/>
           </a:prstGeom>
         </p:spPr>
       </p:pic>
-      <p:sp>
-        <p:nvSpPr>
-          <p:cNvPr id="15" name="TextBox 14">
-            <a:extLst>
-              <a:ext uri="{FF2B5EF4-FFF2-40B4-BE49-F238E27FC236}">
-                <a16:creationId xmlns:a16="http://schemas.microsoft.com/office/drawing/2014/main" id="{C43C087E-D5E1-41BA-B4F1-6CB3633545AE}"/>
-              </a:ext>
-            </a:extLst>
-          </p:cNvPr>
-          <p:cNvSpPr txBox="1"/>
+      <mc:AlternateContent xmlns:mc="http://schemas.openxmlformats.org/markup-compatibility/2006">
+        <mc:Choice xmlns:p14="http://schemas.microsoft.com/office/powerpoint/2010/main" Requires="p14">
+          <p:contentPart p14:bwMode="auto" r:id="rId3">
+            <p14:nvContentPartPr>
+              <p14:cNvPr id="20" name="Ink 19">
+                <a:extLst>
+                  <a:ext uri="{FF2B5EF4-FFF2-40B4-BE49-F238E27FC236}">
+                    <a16:creationId xmlns:a16="http://schemas.microsoft.com/office/drawing/2014/main" id="{9376DEC4-65CC-1710-4A90-727F1AFE3273}"/>
+                  </a:ext>
+                </a:extLst>
+              </p14:cNvPr>
+              <p14:cNvContentPartPr/>
+              <p14:nvPr/>
+            </p14:nvContentPartPr>
+            <p14:xfrm>
+              <a:off x="5513256" y="3007680"/>
+              <a:ext cx="439200" cy="268920"/>
+            </p14:xfrm>
+          </p:contentPart>
+        </mc:Choice>
+        <mc:Fallback>
+          <p:pic>
+            <p:nvPicPr>
+              <p:cNvPr id="20" name="Ink 19">
+                <a:extLst>
+                  <a:ext uri="{FF2B5EF4-FFF2-40B4-BE49-F238E27FC236}">
+                    <a16:creationId xmlns:a16="http://schemas.microsoft.com/office/drawing/2014/main" id="{9376DEC4-65CC-1710-4A90-727F1AFE3273}"/>
+                  </a:ext>
+                </a:extLst>
+              </p:cNvPr>
+              <p:cNvPicPr/>
+              <p:nvPr/>
+            </p:nvPicPr>
+            <p:blipFill>
+              <a:blip r:embed="rId4"/>
+              <a:stretch>
+                <a:fillRect/>
+              </a:stretch>
+            </p:blipFill>
+            <p:spPr>
+              <a:xfrm>
+                <a:off x="5507136" y="3001560"/>
+                <a:ext cx="451440" cy="281160"/>
+              </a:xfrm>
+              <a:prstGeom prst="rect">
+                <a:avLst/>
+              </a:prstGeom>
+            </p:spPr>
+          </p:pic>
+        </mc:Fallback>
+      </mc:AlternateContent>
+      <p:grpSp>
+        <p:nvGrpSpPr>
+          <p:cNvPr id="24" name="Group 23">
+            <a:extLst>
+              <a:ext uri="{FF2B5EF4-FFF2-40B4-BE49-F238E27FC236}">
+                <a16:creationId xmlns:a16="http://schemas.microsoft.com/office/drawing/2014/main" id="{CEDAA618-F646-3C24-6B06-3882A11B7807}"/>
+              </a:ext>
+            </a:extLst>
+          </p:cNvPr>
+          <p:cNvGrpSpPr/>
           <p:nvPr/>
-        </p:nvSpPr>
-        <p:spPr>
+        </p:nvGrpSpPr>
+        <p:grpSpPr>
           <a:xfrm>
-            <a:off x="5484969" y="998812"/>
-            <a:ext cx="7487803" cy="646331"/>
+            <a:off x="5263776" y="2169960"/>
+            <a:ext cx="2203920" cy="1280880"/>
+            <a:chOff x="5263776" y="2169960"/>
+            <a:chExt cx="2203920" cy="1280880"/>
           </a:xfrm>
-          <a:prstGeom prst="rect">
-            <a:avLst/>
-          </a:prstGeom>
-          <a:noFill/>
-        </p:spPr>
-        <p:txBody>
-          <a:bodyPr wrap="square" rtlCol="0">
-            <a:spAutoFit/>
-          </a:bodyPr>
-          <a:lstStyle/>
-          <a:p>
-            <a:pPr algn="ctr"/>
-            <a:r>
-              <a:rPr lang="en-GB" b="1" dirty="0">
-                <a:solidFill>
-                  <a:schemeClr val="bg1"/>
-                </a:solidFill>
-                <a:latin typeface="Ink Free" panose="03080402000500000000" pitchFamily="66" charset="0"/>
-              </a:rPr>
-              <a:t>Cheat sheets are your </a:t>
-            </a:r>
-            <a:r>
-              <a:rPr lang="en-GB" b="1" u="sng" dirty="0">
-                <a:solidFill>
-                  <a:schemeClr val="bg1"/>
-                </a:solidFill>
-                <a:latin typeface="Ink Free" panose="03080402000500000000" pitchFamily="66" charset="0"/>
-              </a:rPr>
-              <a:t>friend</a:t>
-            </a:r>
-            <a:br>
-              <a:rPr lang="en-GB" b="1" dirty="0">
-                <a:solidFill>
-                  <a:schemeClr val="bg1"/>
-                </a:solidFill>
-                <a:latin typeface="Ink Free" panose="03080402000500000000" pitchFamily="66" charset="0"/>
-              </a:rPr>
-            </a:br>
-            <a:r>
-              <a:rPr lang="en-GB" b="1" dirty="0">
-                <a:solidFill>
-                  <a:schemeClr val="accent1"/>
-                </a:solidFill>
-                <a:latin typeface="Ink Free" panose="03080402000500000000" pitchFamily="66" charset="0"/>
-              </a:rPr>
-              <a:t>Help </a:t>
-            </a:r>
-            <a:r>
-              <a:rPr lang="en-GB" b="1" dirty="0">
-                <a:solidFill>
-                  <a:schemeClr val="bg1"/>
-                </a:solidFill>
-                <a:latin typeface="Ink Free" panose="03080402000500000000" pitchFamily="66" charset="0"/>
-              </a:rPr>
-              <a:t>&gt;</a:t>
-            </a:r>
-            <a:r>
-              <a:rPr lang="en-GB" b="1" dirty="0">
-                <a:solidFill>
-                  <a:schemeClr val="accent1"/>
-                </a:solidFill>
-                <a:latin typeface="Ink Free" panose="03080402000500000000" pitchFamily="66" charset="0"/>
-              </a:rPr>
-              <a:t> Cheat Sheets </a:t>
-            </a:r>
-            <a:r>
-              <a:rPr lang="en-GB" b="1" dirty="0">
-                <a:solidFill>
-                  <a:schemeClr val="bg1"/>
-                </a:solidFill>
-                <a:latin typeface="Ink Free" panose="03080402000500000000" pitchFamily="66" charset="0"/>
-              </a:rPr>
-              <a:t>&gt;</a:t>
-            </a:r>
-            <a:r>
-              <a:rPr lang="en-GB" b="1" dirty="0">
-                <a:solidFill>
-                  <a:schemeClr val="accent1"/>
-                </a:solidFill>
-                <a:latin typeface="Ink Free" panose="03080402000500000000" pitchFamily="66" charset="0"/>
-              </a:rPr>
-              <a:t> Web applications with Shiny</a:t>
-            </a:r>
-            <a:endParaRPr lang="nl-NL" b="1" dirty="0">
-              <a:solidFill>
-                <a:schemeClr val="accent1"/>
-              </a:solidFill>
-              <a:latin typeface="Ink Free" panose="03080402000500000000" pitchFamily="66" charset="0"/>
-            </a:endParaRPr>
-          </a:p>
-        </p:txBody>
-      </p:sp>
+        </p:grpSpPr>
+        <mc:AlternateContent xmlns:mc="http://schemas.openxmlformats.org/markup-compatibility/2006">
+          <mc:Choice xmlns:p14="http://schemas.microsoft.com/office/powerpoint/2010/main" Requires="p14">
+            <p:contentPart p14:bwMode="auto" r:id="rId5">
+              <p14:nvContentPartPr>
+                <p14:cNvPr id="14" name="Ink 13">
+                  <a:extLst>
+                    <a:ext uri="{FF2B5EF4-FFF2-40B4-BE49-F238E27FC236}">
+                      <a16:creationId xmlns:a16="http://schemas.microsoft.com/office/drawing/2014/main" id="{93037999-CB6F-A97D-C6F7-E4CF11AB562A}"/>
+                    </a:ext>
+                  </a:extLst>
+                </p14:cNvPr>
+                <p14:cNvContentPartPr/>
+                <p14:nvPr/>
+              </p14:nvContentPartPr>
+              <p14:xfrm>
+                <a:off x="5909976" y="2200560"/>
+                <a:ext cx="228600" cy="351720"/>
+              </p14:xfrm>
+            </p:contentPart>
+          </mc:Choice>
+          <mc:Fallback>
+            <p:pic>
+              <p:nvPicPr>
+                <p:cNvPr id="14" name="Ink 13">
+                  <a:extLst>
+                    <a:ext uri="{FF2B5EF4-FFF2-40B4-BE49-F238E27FC236}">
+                      <a16:creationId xmlns:a16="http://schemas.microsoft.com/office/drawing/2014/main" id="{93037999-CB6F-A97D-C6F7-E4CF11AB562A}"/>
+                    </a:ext>
+                  </a:extLst>
+                </p:cNvPr>
+                <p:cNvPicPr/>
+                <p:nvPr/>
+              </p:nvPicPr>
+              <p:blipFill>
+                <a:blip r:embed="rId6"/>
+                <a:stretch>
+                  <a:fillRect/>
+                </a:stretch>
+              </p:blipFill>
+              <p:spPr>
+                <a:xfrm>
+                  <a:off x="5903856" y="2194440"/>
+                  <a:ext cx="240840" cy="363960"/>
+                </a:xfrm>
+                <a:prstGeom prst="rect">
+                  <a:avLst/>
+                </a:prstGeom>
+              </p:spPr>
+            </p:pic>
+          </mc:Fallback>
+        </mc:AlternateContent>
+        <mc:AlternateContent xmlns:mc="http://schemas.openxmlformats.org/markup-compatibility/2006">
+          <mc:Choice xmlns:p14="http://schemas.microsoft.com/office/powerpoint/2010/main" Requires="p14">
+            <p:contentPart p14:bwMode="auto" r:id="rId7">
+              <p14:nvContentPartPr>
+                <p14:cNvPr id="15" name="Ink 14">
+                  <a:extLst>
+                    <a:ext uri="{FF2B5EF4-FFF2-40B4-BE49-F238E27FC236}">
+                      <a16:creationId xmlns:a16="http://schemas.microsoft.com/office/drawing/2014/main" id="{37958E6B-E5C7-E3D4-1CA1-77D93203AB84}"/>
+                    </a:ext>
+                  </a:extLst>
+                </p14:cNvPr>
+                <p14:cNvContentPartPr/>
+                <p14:nvPr/>
+              </p14:nvContentPartPr>
+              <p14:xfrm>
+                <a:off x="6480216" y="2169960"/>
+                <a:ext cx="217080" cy="489600"/>
+              </p14:xfrm>
+            </p:contentPart>
+          </mc:Choice>
+          <mc:Fallback>
+            <p:pic>
+              <p:nvPicPr>
+                <p:cNvPr id="15" name="Ink 14">
+                  <a:extLst>
+                    <a:ext uri="{FF2B5EF4-FFF2-40B4-BE49-F238E27FC236}">
+                      <a16:creationId xmlns:a16="http://schemas.microsoft.com/office/drawing/2014/main" id="{37958E6B-E5C7-E3D4-1CA1-77D93203AB84}"/>
+                    </a:ext>
+                  </a:extLst>
+                </p:cNvPr>
+                <p:cNvPicPr/>
+                <p:nvPr/>
+              </p:nvPicPr>
+              <p:blipFill>
+                <a:blip r:embed="rId8"/>
+                <a:stretch>
+                  <a:fillRect/>
+                </a:stretch>
+              </p:blipFill>
+              <p:spPr>
+                <a:xfrm>
+                  <a:off x="6474096" y="2163840"/>
+                  <a:ext cx="229320" cy="501840"/>
+                </a:xfrm>
+                <a:prstGeom prst="rect">
+                  <a:avLst/>
+                </a:prstGeom>
+              </p:spPr>
+            </p:pic>
+          </mc:Fallback>
+        </mc:AlternateContent>
+        <mc:AlternateContent xmlns:mc="http://schemas.openxmlformats.org/markup-compatibility/2006">
+          <mc:Choice xmlns:p14="http://schemas.microsoft.com/office/powerpoint/2010/main" Requires="p14">
+            <p:contentPart p14:bwMode="auto" r:id="rId9">
+              <p14:nvContentPartPr>
+                <p14:cNvPr id="16" name="Ink 15">
+                  <a:extLst>
+                    <a:ext uri="{FF2B5EF4-FFF2-40B4-BE49-F238E27FC236}">
+                      <a16:creationId xmlns:a16="http://schemas.microsoft.com/office/drawing/2014/main" id="{BB383934-AFF8-782E-3A93-4C22E341FBFA}"/>
+                    </a:ext>
+                  </a:extLst>
+                </p14:cNvPr>
+                <p14:cNvContentPartPr/>
+                <p14:nvPr/>
+              </p14:nvContentPartPr>
+              <p14:xfrm>
+                <a:off x="7003296" y="2419800"/>
+                <a:ext cx="464400" cy="428760"/>
+              </p14:xfrm>
+            </p:contentPart>
+          </mc:Choice>
+          <mc:Fallback>
+            <p:pic>
+              <p:nvPicPr>
+                <p:cNvPr id="16" name="Ink 15">
+                  <a:extLst>
+                    <a:ext uri="{FF2B5EF4-FFF2-40B4-BE49-F238E27FC236}">
+                      <a16:creationId xmlns:a16="http://schemas.microsoft.com/office/drawing/2014/main" id="{BB383934-AFF8-782E-3A93-4C22E341FBFA}"/>
+                    </a:ext>
+                  </a:extLst>
+                </p:cNvPr>
+                <p:cNvPicPr/>
+                <p:nvPr/>
+              </p:nvPicPr>
+              <p:blipFill>
+                <a:blip r:embed="rId10"/>
+                <a:stretch>
+                  <a:fillRect/>
+                </a:stretch>
+              </p:blipFill>
+              <p:spPr>
+                <a:xfrm>
+                  <a:off x="6997176" y="2413680"/>
+                  <a:ext cx="476640" cy="441000"/>
+                </a:xfrm>
+                <a:prstGeom prst="rect">
+                  <a:avLst/>
+                </a:prstGeom>
+              </p:spPr>
+            </p:pic>
+          </mc:Fallback>
+        </mc:AlternateContent>
+        <mc:AlternateContent xmlns:mc="http://schemas.openxmlformats.org/markup-compatibility/2006">
+          <mc:Choice xmlns:p14="http://schemas.microsoft.com/office/powerpoint/2010/main" Requires="p14">
+            <p:contentPart p14:bwMode="auto" r:id="rId11">
+              <p14:nvContentPartPr>
+                <p14:cNvPr id="17" name="Ink 16">
+                  <a:extLst>
+                    <a:ext uri="{FF2B5EF4-FFF2-40B4-BE49-F238E27FC236}">
+                      <a16:creationId xmlns:a16="http://schemas.microsoft.com/office/drawing/2014/main" id="{B2E4BA31-AB73-8B11-1D5D-BEB0C7295453}"/>
+                    </a:ext>
+                  </a:extLst>
+                </p14:cNvPr>
+                <p14:cNvContentPartPr/>
+                <p14:nvPr/>
+              </p14:nvContentPartPr>
+              <p14:xfrm>
+                <a:off x="6777576" y="3039720"/>
+                <a:ext cx="329760" cy="275400"/>
+              </p14:xfrm>
+            </p:contentPart>
+          </mc:Choice>
+          <mc:Fallback>
+            <p:pic>
+              <p:nvPicPr>
+                <p:cNvPr id="17" name="Ink 16">
+                  <a:extLst>
+                    <a:ext uri="{FF2B5EF4-FFF2-40B4-BE49-F238E27FC236}">
+                      <a16:creationId xmlns:a16="http://schemas.microsoft.com/office/drawing/2014/main" id="{B2E4BA31-AB73-8B11-1D5D-BEB0C7295453}"/>
+                    </a:ext>
+                  </a:extLst>
+                </p:cNvPr>
+                <p:cNvPicPr/>
+                <p:nvPr/>
+              </p:nvPicPr>
+              <p:blipFill>
+                <a:blip r:embed="rId12"/>
+                <a:stretch>
+                  <a:fillRect/>
+                </a:stretch>
+              </p:blipFill>
+              <p:spPr>
+                <a:xfrm>
+                  <a:off x="6771456" y="3033600"/>
+                  <a:ext cx="342000" cy="287640"/>
+                </a:xfrm>
+                <a:prstGeom prst="rect">
+                  <a:avLst/>
+                </a:prstGeom>
+              </p:spPr>
+            </p:pic>
+          </mc:Fallback>
+        </mc:AlternateContent>
+        <mc:AlternateContent xmlns:mc="http://schemas.openxmlformats.org/markup-compatibility/2006">
+          <mc:Choice xmlns:p14="http://schemas.microsoft.com/office/powerpoint/2010/main" Requires="p14">
+            <p:contentPart p14:bwMode="auto" r:id="rId13">
+              <p14:nvContentPartPr>
+                <p14:cNvPr id="19" name="Ink 18">
+                  <a:extLst>
+                    <a:ext uri="{FF2B5EF4-FFF2-40B4-BE49-F238E27FC236}">
+                      <a16:creationId xmlns:a16="http://schemas.microsoft.com/office/drawing/2014/main" id="{B0F965E6-0252-4535-08F0-2AD080F99C03}"/>
+                    </a:ext>
+                  </a:extLst>
+                </p14:cNvPr>
+                <p14:cNvContentPartPr/>
+                <p14:nvPr/>
+              </p14:nvContentPartPr>
+              <p14:xfrm>
+                <a:off x="6181416" y="3109920"/>
+                <a:ext cx="199080" cy="340920"/>
+              </p14:xfrm>
+            </p:contentPart>
+          </mc:Choice>
+          <mc:Fallback>
+            <p:pic>
+              <p:nvPicPr>
+                <p:cNvPr id="19" name="Ink 18">
+                  <a:extLst>
+                    <a:ext uri="{FF2B5EF4-FFF2-40B4-BE49-F238E27FC236}">
+                      <a16:creationId xmlns:a16="http://schemas.microsoft.com/office/drawing/2014/main" id="{B0F965E6-0252-4535-08F0-2AD080F99C03}"/>
+                    </a:ext>
+                  </a:extLst>
+                </p:cNvPr>
+                <p:cNvPicPr/>
+                <p:nvPr/>
+              </p:nvPicPr>
+              <p:blipFill>
+                <a:blip r:embed="rId14"/>
+                <a:stretch>
+                  <a:fillRect/>
+                </a:stretch>
+              </p:blipFill>
+              <p:spPr>
+                <a:xfrm>
+                  <a:off x="6175296" y="3103800"/>
+                  <a:ext cx="211320" cy="353160"/>
+                </a:xfrm>
+                <a:prstGeom prst="rect">
+                  <a:avLst/>
+                </a:prstGeom>
+              </p:spPr>
+            </p:pic>
+          </mc:Fallback>
+        </mc:AlternateContent>
+        <mc:AlternateContent xmlns:mc="http://schemas.openxmlformats.org/markup-compatibility/2006">
+          <mc:Choice xmlns:p14="http://schemas.microsoft.com/office/powerpoint/2010/main" Requires="p14">
+            <p:contentPart p14:bwMode="auto" r:id="rId15">
+              <p14:nvContentPartPr>
+                <p14:cNvPr id="21" name="Ink 20">
+                  <a:extLst>
+                    <a:ext uri="{FF2B5EF4-FFF2-40B4-BE49-F238E27FC236}">
+                      <a16:creationId xmlns:a16="http://schemas.microsoft.com/office/drawing/2014/main" id="{66D28C72-1FC1-AF1F-3338-16C77CFBA1C2}"/>
+                    </a:ext>
+                  </a:extLst>
+                </p14:cNvPr>
+                <p14:cNvContentPartPr/>
+                <p14:nvPr/>
+              </p14:nvContentPartPr>
+              <p14:xfrm>
+                <a:off x="5263776" y="2608800"/>
+                <a:ext cx="589680" cy="268560"/>
+              </p14:xfrm>
+            </p:contentPart>
+          </mc:Choice>
+          <mc:Fallback>
+            <p:pic>
+              <p:nvPicPr>
+                <p:cNvPr id="21" name="Ink 20">
+                  <a:extLst>
+                    <a:ext uri="{FF2B5EF4-FFF2-40B4-BE49-F238E27FC236}">
+                      <a16:creationId xmlns:a16="http://schemas.microsoft.com/office/drawing/2014/main" id="{66D28C72-1FC1-AF1F-3338-16C77CFBA1C2}"/>
+                    </a:ext>
+                  </a:extLst>
+                </p:cNvPr>
+                <p:cNvPicPr/>
+                <p:nvPr/>
+              </p:nvPicPr>
+              <p:blipFill>
+                <a:blip r:embed="rId16"/>
+                <a:stretch>
+                  <a:fillRect/>
+                </a:stretch>
+              </p:blipFill>
+              <p:spPr>
+                <a:xfrm>
+                  <a:off x="5257656" y="2602680"/>
+                  <a:ext cx="601920" cy="280800"/>
+                </a:xfrm>
+                <a:prstGeom prst="rect">
+                  <a:avLst/>
+                </a:prstGeom>
+              </p:spPr>
+            </p:pic>
+          </mc:Fallback>
+        </mc:AlternateContent>
+        <mc:AlternateContent xmlns:mc="http://schemas.openxmlformats.org/markup-compatibility/2006">
+          <mc:Choice xmlns:p14="http://schemas.microsoft.com/office/powerpoint/2010/main" Requires="p14">
+            <p:contentPart p14:bwMode="auto" r:id="rId17">
+              <p14:nvContentPartPr>
+                <p14:cNvPr id="22" name="Ink 21">
+                  <a:extLst>
+                    <a:ext uri="{FF2B5EF4-FFF2-40B4-BE49-F238E27FC236}">
+                      <a16:creationId xmlns:a16="http://schemas.microsoft.com/office/drawing/2014/main" id="{C75A1093-D93D-941C-AD3D-AB9B594E6479}"/>
+                    </a:ext>
+                  </a:extLst>
+                </p14:cNvPr>
+                <p14:cNvContentPartPr/>
+                <p14:nvPr/>
+              </p14:nvContentPartPr>
+              <p14:xfrm>
+                <a:off x="5919336" y="2194440"/>
+                <a:ext cx="226080" cy="390600"/>
+              </p14:xfrm>
+            </p:contentPart>
+          </mc:Choice>
+          <mc:Fallback>
+            <p:pic>
+              <p:nvPicPr>
+                <p:cNvPr id="22" name="Ink 21">
+                  <a:extLst>
+                    <a:ext uri="{FF2B5EF4-FFF2-40B4-BE49-F238E27FC236}">
+                      <a16:creationId xmlns:a16="http://schemas.microsoft.com/office/drawing/2014/main" id="{C75A1093-D93D-941C-AD3D-AB9B594E6479}"/>
+                    </a:ext>
+                  </a:extLst>
+                </p:cNvPr>
+                <p:cNvPicPr/>
+                <p:nvPr/>
+              </p:nvPicPr>
+              <p:blipFill>
+                <a:blip r:embed="rId18"/>
+                <a:stretch>
+                  <a:fillRect/>
+                </a:stretch>
+              </p:blipFill>
+              <p:spPr>
+                <a:xfrm>
+                  <a:off x="5913216" y="2188320"/>
+                  <a:ext cx="238320" cy="402840"/>
+                </a:xfrm>
+                <a:prstGeom prst="rect">
+                  <a:avLst/>
+                </a:prstGeom>
+              </p:spPr>
+            </p:pic>
+          </mc:Fallback>
+        </mc:AlternateContent>
+      </p:grpSp>
+      <mc:AlternateContent xmlns:mc="http://schemas.openxmlformats.org/markup-compatibility/2006">
+        <mc:Choice xmlns:p14="http://schemas.microsoft.com/office/powerpoint/2010/main" Requires="p14">
+          <p:contentPart p14:bwMode="auto" r:id="rId19">
+            <p14:nvContentPartPr>
+              <p14:cNvPr id="25" name="Ink 24">
+                <a:extLst>
+                  <a:ext uri="{FF2B5EF4-FFF2-40B4-BE49-F238E27FC236}">
+                    <a16:creationId xmlns:a16="http://schemas.microsoft.com/office/drawing/2014/main" id="{D9269CDF-FC56-4D36-1ED7-FA62BA13A975}"/>
+                  </a:ext>
+                </a:extLst>
+              </p14:cNvPr>
+              <p14:cNvContentPartPr/>
+              <p14:nvPr/>
+            </p14:nvContentPartPr>
+            <p14:xfrm>
+              <a:off x="6500016" y="2169600"/>
+              <a:ext cx="185040" cy="488880"/>
+            </p14:xfrm>
+          </p:contentPart>
+        </mc:Choice>
+        <mc:Fallback>
+          <p:pic>
+            <p:nvPicPr>
+              <p:cNvPr id="25" name="Ink 24">
+                <a:extLst>
+                  <a:ext uri="{FF2B5EF4-FFF2-40B4-BE49-F238E27FC236}">
+                    <a16:creationId xmlns:a16="http://schemas.microsoft.com/office/drawing/2014/main" id="{D9269CDF-FC56-4D36-1ED7-FA62BA13A975}"/>
+                  </a:ext>
+                </a:extLst>
+              </p:cNvPr>
+              <p:cNvPicPr/>
+              <p:nvPr/>
+            </p:nvPicPr>
+            <p:blipFill>
+              <a:blip r:embed="rId20"/>
+              <a:stretch>
+                <a:fillRect/>
+              </a:stretch>
+            </p:blipFill>
+            <p:spPr>
+              <a:xfrm>
+                <a:off x="6493896" y="2163480"/>
+                <a:ext cx="197280" cy="501120"/>
+              </a:xfrm>
+              <a:prstGeom prst="rect">
+                <a:avLst/>
+              </a:prstGeom>
+            </p:spPr>
+          </p:pic>
+        </mc:Fallback>
+      </mc:AlternateContent>
+      <mc:AlternateContent xmlns:mc="http://schemas.openxmlformats.org/markup-compatibility/2006">
+        <mc:Choice xmlns:p14="http://schemas.microsoft.com/office/powerpoint/2010/main" Requires="p14">
+          <p:contentPart p14:bwMode="auto" r:id="rId21">
+            <p14:nvContentPartPr>
+              <p14:cNvPr id="26" name="Ink 25">
+                <a:extLst>
+                  <a:ext uri="{FF2B5EF4-FFF2-40B4-BE49-F238E27FC236}">
+                    <a16:creationId xmlns:a16="http://schemas.microsoft.com/office/drawing/2014/main" id="{1240769C-D154-B1AA-D83D-A0D17733F975}"/>
+                  </a:ext>
+                </a:extLst>
+              </p14:cNvPr>
+              <p14:cNvContentPartPr/>
+              <p14:nvPr/>
+            </p14:nvContentPartPr>
+            <p14:xfrm>
+              <a:off x="6802416" y="3028920"/>
+              <a:ext cx="140040" cy="135000"/>
+            </p14:xfrm>
+          </p:contentPart>
+        </mc:Choice>
+        <mc:Fallback>
+          <p:pic>
+            <p:nvPicPr>
+              <p:cNvPr id="26" name="Ink 25">
+                <a:extLst>
+                  <a:ext uri="{FF2B5EF4-FFF2-40B4-BE49-F238E27FC236}">
+                    <a16:creationId xmlns:a16="http://schemas.microsoft.com/office/drawing/2014/main" id="{1240769C-D154-B1AA-D83D-A0D17733F975}"/>
+                  </a:ext>
+                </a:extLst>
+              </p:cNvPr>
+              <p:cNvPicPr/>
+              <p:nvPr/>
+            </p:nvPicPr>
+            <p:blipFill>
+              <a:blip r:embed="rId22"/>
+              <a:stretch>
+                <a:fillRect/>
+              </a:stretch>
+            </p:blipFill>
+            <p:spPr>
+              <a:xfrm>
+                <a:off x="6796296" y="3022800"/>
+                <a:ext cx="152280" cy="147240"/>
+              </a:xfrm>
+              <a:prstGeom prst="rect">
+                <a:avLst/>
+              </a:prstGeom>
+            </p:spPr>
+          </p:pic>
+        </mc:Fallback>
+      </mc:AlternateContent>
     </p:spTree>
     <p:extLst>
       <p:ext uri="{BB962C8B-B14F-4D97-AF65-F5344CB8AC3E}">
-        <p14:creationId xmlns:p14="http://schemas.microsoft.com/office/powerpoint/2010/main" val="3626636867"/>
+        <p14:creationId xmlns:p14="http://schemas.microsoft.com/office/powerpoint/2010/main" val="1361209070"/>
       </p:ext>
     </p:extLst>
   </p:cSld>
@@ -11211,7 +12035,7 @@
             </a:br>
             <a:r>
               <a:rPr lang="en-GB" dirty="0"/>
-              <a:t>Make it yours</a:t>
+              <a:t>MY first shiny app</a:t>
             </a:r>
             <a:endParaRPr lang="nl-NL" dirty="0"/>
           </a:p>
@@ -11245,90 +12069,30 @@
           <a:p>
             <a:r>
               <a:rPr lang="en-GB" dirty="0"/>
-              <a:t>Keep it simple</a:t>
+              <a:t>Change lines 51-52 to:</a:t>
+            </a:r>
+          </a:p>
+          <a:p>
+            <a:endParaRPr lang="en-US" dirty="0"/>
+          </a:p>
+          <a:p>
+            <a:endParaRPr lang="en-US" dirty="0"/>
+          </a:p>
+          <a:p>
+            <a:endParaRPr lang="en-US" dirty="0"/>
+          </a:p>
+          <a:p>
+            <a:r>
+              <a:rPr lang="en-US" dirty="0"/>
+              <a:t>Restart the app</a:t>
             </a:r>
           </a:p>
           <a:p>
             <a:pPr lvl="1"/>
             <a:r>
-              <a:rPr lang="en-GB" sz="2000" dirty="0"/>
-              <a:t>Stick to a basic use case – you can add complexity later</a:t>
-            </a:r>
-          </a:p>
-          <a:p>
-            <a:r>
-              <a:rPr lang="en-GB" dirty="0"/>
-              <a:t>Load any data you need</a:t>
-            </a:r>
-          </a:p>
-          <a:p>
-            <a:r>
-              <a:rPr lang="en-GB" dirty="0"/>
-              <a:t>UI</a:t>
-            </a:r>
-          </a:p>
-          <a:p>
-            <a:pPr lvl="1"/>
-            <a:r>
-              <a:rPr lang="en-GB" dirty="0"/>
-              <a:t>Add/change inputs &amp; outputs</a:t>
-            </a:r>
-          </a:p>
-          <a:p>
-            <a:pPr lvl="2"/>
-            <a:r>
-              <a:rPr lang="en-GB" sz="1600" dirty="0">
-                <a:latin typeface="FuraCode Nerd Font" panose="020B0509050000020004" pitchFamily="50" charset="0"/>
-                <a:ea typeface="FuraCode Nerd Font" panose="020B0509050000020004" pitchFamily="50" charset="0"/>
-              </a:rPr>
-              <a:t>[xxx]Input(..), [xxx]Output(..)</a:t>
-            </a:r>
-          </a:p>
-          <a:p>
-            <a:pPr lvl="1"/>
-            <a:r>
-              <a:rPr lang="en-GB" dirty="0"/>
-              <a:t>Change layout, labels, texts</a:t>
-            </a:r>
-          </a:p>
-          <a:p>
-            <a:r>
-              <a:rPr lang="en-GB" dirty="0"/>
-              <a:t>Server</a:t>
-            </a:r>
-          </a:p>
-          <a:p>
-            <a:pPr lvl="1"/>
-            <a:r>
-              <a:rPr lang="en-GB" dirty="0"/>
-              <a:t>Create an output for your analysis/visualization</a:t>
-            </a:r>
-          </a:p>
-          <a:p>
-            <a:pPr lvl="2"/>
-            <a:r>
-              <a:rPr lang="en-GB" sz="1600" dirty="0">
-                <a:latin typeface="FuraCode Nerd Font" panose="020B0509050000020004" pitchFamily="50" charset="0"/>
-                <a:ea typeface="FuraCode Nerd Font" panose="020B0509050000020004" pitchFamily="50" charset="0"/>
-              </a:rPr>
-              <a:t>render[xxx](..)</a:t>
-            </a:r>
-          </a:p>
-          <a:p>
-            <a:pPr marL="457200" lvl="1" indent="0">
-              <a:buNone/>
-            </a:pPr>
-            <a:endParaRPr lang="en-GB" dirty="0">
-              <a:latin typeface="FuraCode Nerd Font" panose="020B0509050000020004" pitchFamily="50" charset="0"/>
-              <a:ea typeface="FuraCode Nerd Font" panose="020B0509050000020004" pitchFamily="50" charset="0"/>
-            </a:endParaRPr>
-          </a:p>
-          <a:p>
-            <a:pPr lvl="1"/>
-            <a:endParaRPr lang="en-GB" dirty="0"/>
-          </a:p>
-          <a:p>
-            <a:endParaRPr lang="en-GB" dirty="0"/>
+              <a:rPr lang="en-US" dirty="0"/>
+              <a:t>Change the input, see the output update.</a:t>
+            </a:r>
           </a:p>
         </p:txBody>
       </p:sp>
@@ -11355,7 +12119,7 @@
           <a:p>
             <a:r>
               <a:rPr lang="en-GB" dirty="0"/>
-              <a:t>24/10/2022</a:t>
+              <a:t>3/6/2022</a:t>
             </a:r>
             <a:endParaRPr lang="en-NL" dirty="0"/>
           </a:p>
@@ -11390,119 +12154,595 @@
           </a:p>
         </p:txBody>
       </p:sp>
-      <p:sp>
-        <p:nvSpPr>
-          <p:cNvPr id="12" name="TextBox 11">
-            <a:extLst>
-              <a:ext uri="{FF2B5EF4-FFF2-40B4-BE49-F238E27FC236}">
-                <a16:creationId xmlns:a16="http://schemas.microsoft.com/office/drawing/2014/main" id="{0E71A3FC-D42C-4F36-AB75-CDAEF3341FAA}"/>
-              </a:ext>
-            </a:extLst>
-          </p:cNvPr>
-          <p:cNvSpPr txBox="1"/>
+      <p:pic>
+        <p:nvPicPr>
+          <p:cNvPr id="8" name="Picture 7">
+            <a:extLst>
+              <a:ext uri="{FF2B5EF4-FFF2-40B4-BE49-F238E27FC236}">
+                <a16:creationId xmlns:a16="http://schemas.microsoft.com/office/drawing/2014/main" id="{4670703B-CC38-8881-122A-D36394A9EC8C}"/>
+              </a:ext>
+            </a:extLst>
+          </p:cNvPr>
+          <p:cNvPicPr>
+            <a:picLocks noChangeAspect="1"/>
+          </p:cNvPicPr>
           <p:nvPr/>
-        </p:nvSpPr>
+        </p:nvPicPr>
+        <p:blipFill>
+          <a:blip r:embed="rId2"/>
+          <a:stretch>
+            <a:fillRect/>
+          </a:stretch>
+        </p:blipFill>
         <p:spPr>
           <a:xfrm>
-            <a:off x="5074397" y="196909"/>
-            <a:ext cx="7051701" cy="830997"/>
+            <a:off x="1265581" y="2656470"/>
+            <a:ext cx="8463635" cy="887951"/>
           </a:xfrm>
           <a:prstGeom prst="rect">
             <a:avLst/>
           </a:prstGeom>
-          <a:noFill/>
         </p:spPr>
-        <p:txBody>
-          <a:bodyPr wrap="square" rtlCol="0">
-            <a:spAutoFit/>
-          </a:bodyPr>
-          <a:lstStyle/>
-          <a:p>
-            <a:pPr algn="ctr"/>
-            <a:r>
-              <a:rPr lang="en-GB" sz="2400" b="1" dirty="0">
-                <a:solidFill>
-                  <a:schemeClr val="bg1"/>
-                </a:solidFill>
-                <a:latin typeface="Ink Free" panose="03080402000500000000" pitchFamily="66" charset="0"/>
-              </a:rPr>
-              <a:t>Cheat sheets are your </a:t>
-            </a:r>
-            <a:r>
-              <a:rPr lang="en-GB" sz="2400" b="1" u="sng" dirty="0">
-                <a:solidFill>
-                  <a:schemeClr val="bg1"/>
-                </a:solidFill>
-                <a:latin typeface="Ink Free" panose="03080402000500000000" pitchFamily="66" charset="0"/>
-              </a:rPr>
-              <a:t>friend</a:t>
-            </a:r>
-            <a:br>
-              <a:rPr lang="en-GB" sz="2400" b="1" dirty="0">
-                <a:solidFill>
-                  <a:schemeClr val="bg1"/>
-                </a:solidFill>
-                <a:latin typeface="Ink Free" panose="03080402000500000000" pitchFamily="66" charset="0"/>
-              </a:rPr>
-            </a:br>
-            <a:r>
-              <a:rPr lang="en-GB" sz="2400" b="1" dirty="0">
-                <a:solidFill>
-                  <a:schemeClr val="accent1"/>
-                </a:solidFill>
-                <a:latin typeface="Ink Free" panose="03080402000500000000" pitchFamily="66" charset="0"/>
-              </a:rPr>
-              <a:t>Help </a:t>
-            </a:r>
-            <a:r>
-              <a:rPr lang="en-GB" sz="2400" b="1" dirty="0">
-                <a:solidFill>
-                  <a:schemeClr val="bg1"/>
-                </a:solidFill>
-                <a:latin typeface="Ink Free" panose="03080402000500000000" pitchFamily="66" charset="0"/>
-              </a:rPr>
-              <a:t>&gt;</a:t>
-            </a:r>
-            <a:r>
-              <a:rPr lang="en-GB" sz="2400" b="1" dirty="0">
-                <a:solidFill>
-                  <a:schemeClr val="accent1"/>
-                </a:solidFill>
-                <a:latin typeface="Ink Free" panose="03080402000500000000" pitchFamily="66" charset="0"/>
-              </a:rPr>
-              <a:t> Cheat Sheets </a:t>
-            </a:r>
-            <a:r>
-              <a:rPr lang="en-GB" sz="2400" b="1" dirty="0">
-                <a:solidFill>
-                  <a:schemeClr val="bg1"/>
-                </a:solidFill>
-                <a:latin typeface="Ink Free" panose="03080402000500000000" pitchFamily="66" charset="0"/>
-              </a:rPr>
-              <a:t>&gt;</a:t>
-            </a:r>
-            <a:r>
-              <a:rPr lang="en-GB" sz="2400" b="1" dirty="0">
-                <a:solidFill>
-                  <a:schemeClr val="accent1"/>
-                </a:solidFill>
-                <a:latin typeface="Ink Free" panose="03080402000500000000" pitchFamily="66" charset="0"/>
-              </a:rPr>
-              <a:t> Web applications with Shiny</a:t>
-            </a:r>
-            <a:endParaRPr lang="nl-NL" sz="2400" b="1" dirty="0">
-              <a:solidFill>
-                <a:schemeClr val="accent1"/>
-              </a:solidFill>
-              <a:latin typeface="Ink Free" panose="03080402000500000000" pitchFamily="66" charset="0"/>
-            </a:endParaRPr>
-          </a:p>
-        </p:txBody>
-      </p:sp>
+      </p:pic>
     </p:spTree>
     <p:extLst>
       <p:ext uri="{BB962C8B-B14F-4D97-AF65-F5344CB8AC3E}">
-        <p14:creationId xmlns:p14="http://schemas.microsoft.com/office/powerpoint/2010/main" val="2943126073"/>
+        <p14:creationId xmlns:p14="http://schemas.microsoft.com/office/powerpoint/2010/main" val="776796449"/>
+      </p:ext>
+    </p:extLst>
+  </p:cSld>
+  <p:clrMapOvr>
+    <a:masterClrMapping/>
+  </p:clrMapOvr>
+</p:sld>
+</file>
+
+<file path=ppt/slides/slide19.xml><?xml version="1.0" encoding="utf-8"?>
+<p:sld xmlns:a="http://schemas.openxmlformats.org/drawingml/2006/main" xmlns:r="http://schemas.openxmlformats.org/officeDocument/2006/relationships" xmlns:p="http://schemas.openxmlformats.org/presentationml/2006/main">
+  <p:cSld>
+    <p:spTree>
+      <p:nvGrpSpPr>
+        <p:cNvPr id="1" name=""/>
+        <p:cNvGrpSpPr/>
+        <p:nvPr/>
+      </p:nvGrpSpPr>
+      <p:grpSpPr>
+        <a:xfrm>
+          <a:off x="0" y="0"/>
+          <a:ext cx="0" cy="0"/>
+          <a:chOff x="0" y="0"/>
+          <a:chExt cx="0" cy="0"/>
+        </a:xfrm>
+      </p:grpSpPr>
+      <p:sp>
+        <p:nvSpPr>
+          <p:cNvPr id="2" name="Title 1">
+            <a:extLst>
+              <a:ext uri="{FF2B5EF4-FFF2-40B4-BE49-F238E27FC236}">
+                <a16:creationId xmlns:a16="http://schemas.microsoft.com/office/drawing/2014/main" id="{DC65E524-C514-45D7-BC6C-D11A108C5A11}"/>
+              </a:ext>
+            </a:extLst>
+          </p:cNvPr>
+          <p:cNvSpPr>
+            <a:spLocks noGrp="1"/>
+          </p:cNvSpPr>
+          <p:nvPr>
+            <p:ph type="title"/>
+          </p:nvPr>
+        </p:nvSpPr>
+        <p:spPr/>
+        <p:txBody>
+          <a:bodyPr/>
+          <a:lstStyle/>
+          <a:p>
+            <a:r>
+              <a:rPr lang="en-GB" sz="2000" dirty="0"/>
+              <a:t>Hello, world!</a:t>
+            </a:r>
+            <a:br>
+              <a:rPr lang="en-GB" dirty="0"/>
+            </a:br>
+            <a:r>
+              <a:rPr lang="en-GB" dirty="0"/>
+              <a:t>my first shiny app</a:t>
+            </a:r>
+            <a:endParaRPr lang="nl-NL" dirty="0"/>
+          </a:p>
+        </p:txBody>
+      </p:sp>
+      <p:sp>
+        <p:nvSpPr>
+          <p:cNvPr id="3" name="Content Placeholder 2">
+            <a:extLst>
+              <a:ext uri="{FF2B5EF4-FFF2-40B4-BE49-F238E27FC236}">
+                <a16:creationId xmlns:a16="http://schemas.microsoft.com/office/drawing/2014/main" id="{53955285-5F23-4DBC-8F2C-B5AF06D4975D}"/>
+              </a:ext>
+            </a:extLst>
+          </p:cNvPr>
+          <p:cNvSpPr>
+            <a:spLocks noGrp="1"/>
+          </p:cNvSpPr>
+          <p:nvPr>
+            <p:ph sz="half" idx="1"/>
+          </p:nvPr>
+        </p:nvSpPr>
+        <p:spPr>
+          <a:xfrm>
+            <a:off x="1265581" y="1825624"/>
+            <a:ext cx="10515600" cy="4395881"/>
+          </a:xfrm>
+        </p:spPr>
+        <p:txBody>
+          <a:bodyPr/>
+          <a:lstStyle/>
+          <a:p>
+            <a:r>
+              <a:rPr lang="en-US" dirty="0"/>
+              <a:t>UI</a:t>
+            </a:r>
+          </a:p>
+          <a:p>
+            <a:pPr marL="457200" lvl="1" indent="0">
+              <a:buNone/>
+            </a:pPr>
+            <a:r>
+              <a:rPr lang="en-US" sz="2000" dirty="0">
+                <a:solidFill>
+                  <a:schemeClr val="accent6">
+                    <a:lumMod val="75000"/>
+                  </a:schemeClr>
+                </a:solidFill>
+                <a:latin typeface="FuraCode Nerd Font Mono" panose="020B0509050000020004" pitchFamily="50" charset="0"/>
+                <a:ea typeface="FuraCode Nerd Font Mono" panose="020B0509050000020004" pitchFamily="50" charset="0"/>
+              </a:rPr>
+              <a:t>- </a:t>
+            </a:r>
+            <a:r>
+              <a:rPr lang="en-US" sz="2000" dirty="0" err="1">
+                <a:solidFill>
+                  <a:schemeClr val="accent6">
+                    <a:lumMod val="75000"/>
+                  </a:schemeClr>
+                </a:solidFill>
+                <a:latin typeface="FuraCode Nerd Font Mono" panose="020B0509050000020004" pitchFamily="50" charset="0"/>
+                <a:ea typeface="FuraCode Nerd Font Mono" panose="020B0509050000020004" pitchFamily="50" charset="0"/>
+              </a:rPr>
+              <a:t>sliderInput</a:t>
+            </a:r>
+            <a:r>
+              <a:rPr lang="en-US" sz="2000" dirty="0">
+                <a:solidFill>
+                  <a:schemeClr val="accent6">
+                    <a:lumMod val="75000"/>
+                  </a:schemeClr>
+                </a:solidFill>
+                <a:latin typeface="FuraCode Nerd Font Mono" panose="020B0509050000020004" pitchFamily="50" charset="0"/>
+                <a:ea typeface="FuraCode Nerd Font Mono" panose="020B0509050000020004" pitchFamily="50" charset="0"/>
+              </a:rPr>
+              <a:t>(“bins”, …)</a:t>
+            </a:r>
+          </a:p>
+          <a:p>
+            <a:pPr marL="457200" lvl="1" indent="0">
+              <a:buNone/>
+            </a:pPr>
+            <a:r>
+              <a:rPr lang="en-US" sz="2000" dirty="0">
+                <a:solidFill>
+                  <a:schemeClr val="accent4">
+                    <a:lumMod val="75000"/>
+                  </a:schemeClr>
+                </a:solidFill>
+                <a:latin typeface="FuraCode Nerd Font Mono" panose="020B0509050000020004" pitchFamily="50" charset="0"/>
+                <a:ea typeface="FuraCode Nerd Font Mono" panose="020B0509050000020004" pitchFamily="50" charset="0"/>
+              </a:rPr>
+              <a:t>+ </a:t>
+            </a:r>
+            <a:r>
+              <a:rPr lang="en-US" sz="2000" dirty="0" err="1">
+                <a:solidFill>
+                  <a:schemeClr val="accent4">
+                    <a:lumMod val="75000"/>
+                  </a:schemeClr>
+                </a:solidFill>
+                <a:latin typeface="FuraCode Nerd Font Mono" panose="020B0509050000020004" pitchFamily="50" charset="0"/>
+                <a:ea typeface="FuraCode Nerd Font Mono" panose="020B0509050000020004" pitchFamily="50" charset="0"/>
+              </a:rPr>
+              <a:t>textInput</a:t>
+            </a:r>
+            <a:r>
+              <a:rPr lang="en-US" sz="2000" dirty="0">
+                <a:solidFill>
+                  <a:schemeClr val="accent4">
+                    <a:lumMod val="75000"/>
+                  </a:schemeClr>
+                </a:solidFill>
+                <a:latin typeface="FuraCode Nerd Font Mono" panose="020B0509050000020004" pitchFamily="50" charset="0"/>
+                <a:ea typeface="FuraCode Nerd Font Mono" panose="020B0509050000020004" pitchFamily="50" charset="0"/>
+              </a:rPr>
+              <a:t>(“name”, …)</a:t>
+            </a:r>
+          </a:p>
+          <a:p>
+            <a:pPr marL="457200" lvl="1" indent="0">
+              <a:buNone/>
+            </a:pPr>
+            <a:endParaRPr lang="en-US" sz="2000" dirty="0">
+              <a:solidFill>
+                <a:schemeClr val="accent4">
+                  <a:lumMod val="75000"/>
+                </a:schemeClr>
+              </a:solidFill>
+              <a:latin typeface="FuraCode Nerd Font Mono" panose="020B0509050000020004" pitchFamily="50" charset="0"/>
+              <a:ea typeface="FuraCode Nerd Font Mono" panose="020B0509050000020004" pitchFamily="50" charset="0"/>
+            </a:endParaRPr>
+          </a:p>
+          <a:p>
+            <a:pPr marL="457200" lvl="1" indent="0">
+              <a:buNone/>
+            </a:pPr>
+            <a:r>
+              <a:rPr lang="en-US" sz="2000" dirty="0">
+                <a:solidFill>
+                  <a:schemeClr val="accent6">
+                    <a:lumMod val="75000"/>
+                  </a:schemeClr>
+                </a:solidFill>
+                <a:latin typeface="FuraCode Nerd Font Mono" panose="020B0509050000020004" pitchFamily="50" charset="0"/>
+                <a:ea typeface="FuraCode Nerd Font Mono" panose="020B0509050000020004" pitchFamily="50" charset="0"/>
+              </a:rPr>
+              <a:t>- </a:t>
+            </a:r>
+            <a:r>
+              <a:rPr lang="en-US" sz="2000" dirty="0" err="1">
+                <a:solidFill>
+                  <a:schemeClr val="accent6">
+                    <a:lumMod val="75000"/>
+                  </a:schemeClr>
+                </a:solidFill>
+                <a:latin typeface="FuraCode Nerd Font Mono" panose="020B0509050000020004" pitchFamily="50" charset="0"/>
+                <a:ea typeface="FuraCode Nerd Font Mono" panose="020B0509050000020004" pitchFamily="50" charset="0"/>
+              </a:rPr>
+              <a:t>plotOutput</a:t>
+            </a:r>
+            <a:r>
+              <a:rPr lang="en-US" sz="2000" dirty="0">
+                <a:solidFill>
+                  <a:schemeClr val="accent6">
+                    <a:lumMod val="75000"/>
+                  </a:schemeClr>
+                </a:solidFill>
+                <a:latin typeface="FuraCode Nerd Font Mono" panose="020B0509050000020004" pitchFamily="50" charset="0"/>
+                <a:ea typeface="FuraCode Nerd Font Mono" panose="020B0509050000020004" pitchFamily="50" charset="0"/>
+              </a:rPr>
+              <a:t>(“</a:t>
+            </a:r>
+            <a:r>
+              <a:rPr lang="en-US" sz="2000" dirty="0" err="1">
+                <a:solidFill>
+                  <a:schemeClr val="accent6">
+                    <a:lumMod val="75000"/>
+                  </a:schemeClr>
+                </a:solidFill>
+                <a:latin typeface="FuraCode Nerd Font Mono" panose="020B0509050000020004" pitchFamily="50" charset="0"/>
+                <a:ea typeface="FuraCode Nerd Font Mono" panose="020B0509050000020004" pitchFamily="50" charset="0"/>
+              </a:rPr>
+              <a:t>distPlot</a:t>
+            </a:r>
+            <a:r>
+              <a:rPr lang="en-US" sz="2000" dirty="0">
+                <a:solidFill>
+                  <a:schemeClr val="accent6">
+                    <a:lumMod val="75000"/>
+                  </a:schemeClr>
+                </a:solidFill>
+                <a:latin typeface="FuraCode Nerd Font Mono" panose="020B0509050000020004" pitchFamily="50" charset="0"/>
+                <a:ea typeface="FuraCode Nerd Font Mono" panose="020B0509050000020004" pitchFamily="50" charset="0"/>
+              </a:rPr>
+              <a:t>”)</a:t>
+            </a:r>
+          </a:p>
+          <a:p>
+            <a:pPr marL="457200" lvl="1" indent="0">
+              <a:buNone/>
+            </a:pPr>
+            <a:r>
+              <a:rPr lang="en-US" sz="2000" dirty="0">
+                <a:solidFill>
+                  <a:schemeClr val="accent4">
+                    <a:lumMod val="75000"/>
+                  </a:schemeClr>
+                </a:solidFill>
+                <a:latin typeface="FuraCode Nerd Font Mono" panose="020B0509050000020004" pitchFamily="50" charset="0"/>
+                <a:ea typeface="FuraCode Nerd Font Mono" panose="020B0509050000020004" pitchFamily="50" charset="0"/>
+              </a:rPr>
+              <a:t>+ </a:t>
+            </a:r>
+            <a:r>
+              <a:rPr lang="en-US" sz="2000" dirty="0" err="1">
+                <a:solidFill>
+                  <a:schemeClr val="accent4">
+                    <a:lumMod val="75000"/>
+                  </a:schemeClr>
+                </a:solidFill>
+                <a:latin typeface="FuraCode Nerd Font Mono" panose="020B0509050000020004" pitchFamily="50" charset="0"/>
+                <a:ea typeface="FuraCode Nerd Font Mono" panose="020B0509050000020004" pitchFamily="50" charset="0"/>
+              </a:rPr>
+              <a:t>textOutput</a:t>
+            </a:r>
+            <a:r>
+              <a:rPr lang="en-US" sz="2000" dirty="0">
+                <a:solidFill>
+                  <a:schemeClr val="accent4">
+                    <a:lumMod val="75000"/>
+                  </a:schemeClr>
+                </a:solidFill>
+                <a:latin typeface="FuraCode Nerd Font Mono" panose="020B0509050000020004" pitchFamily="50" charset="0"/>
+                <a:ea typeface="FuraCode Nerd Font Mono" panose="020B0509050000020004" pitchFamily="50" charset="0"/>
+              </a:rPr>
+              <a:t>(“welcome”)</a:t>
+            </a:r>
+          </a:p>
+          <a:p>
+            <a:pPr marL="457200" lvl="1" indent="0">
+              <a:buNone/>
+            </a:pPr>
+            <a:endParaRPr lang="en-US" sz="2000" dirty="0">
+              <a:solidFill>
+                <a:schemeClr val="accent4">
+                  <a:lumMod val="75000"/>
+                </a:schemeClr>
+              </a:solidFill>
+              <a:latin typeface="FuraCode Nerd Font Mono" panose="020B0509050000020004" pitchFamily="50" charset="0"/>
+              <a:ea typeface="FuraCode Nerd Font Mono" panose="020B0509050000020004" pitchFamily="50" charset="0"/>
+            </a:endParaRPr>
+          </a:p>
+          <a:p>
+            <a:r>
+              <a:rPr lang="en-US" sz="2400" dirty="0">
+                <a:ea typeface="FuraCode Nerd Font Mono" panose="020B0509050000020004" pitchFamily="50" charset="0"/>
+              </a:rPr>
+              <a:t>Server</a:t>
+            </a:r>
+          </a:p>
+          <a:p>
+            <a:pPr marL="457200" lvl="1" indent="0">
+              <a:buNone/>
+            </a:pPr>
+            <a:r>
+              <a:rPr lang="en-US" sz="2000" dirty="0">
+                <a:solidFill>
+                  <a:schemeClr val="accent6">
+                    <a:lumMod val="75000"/>
+                  </a:schemeClr>
+                </a:solidFill>
+                <a:latin typeface="FuraCode Nerd Font Mono" panose="020B0509050000020004" pitchFamily="50" charset="0"/>
+                <a:ea typeface="FuraCode Nerd Font Mono" panose="020B0509050000020004" pitchFamily="50" charset="0"/>
+              </a:rPr>
+              <a:t>- </a:t>
+            </a:r>
+            <a:r>
+              <a:rPr lang="en-US" sz="2000" dirty="0" err="1">
+                <a:solidFill>
+                  <a:schemeClr val="accent6">
+                    <a:lumMod val="75000"/>
+                  </a:schemeClr>
+                </a:solidFill>
+                <a:latin typeface="FuraCode Nerd Font Mono" panose="020B0509050000020004" pitchFamily="50" charset="0"/>
+                <a:ea typeface="FuraCode Nerd Font Mono" panose="020B0509050000020004" pitchFamily="50" charset="0"/>
+              </a:rPr>
+              <a:t>renderPlot</a:t>
+            </a:r>
+            <a:r>
+              <a:rPr lang="en-US" sz="2000" dirty="0">
+                <a:solidFill>
+                  <a:schemeClr val="accent6">
+                    <a:lumMod val="75000"/>
+                  </a:schemeClr>
+                </a:solidFill>
+                <a:latin typeface="FuraCode Nerd Font Mono" panose="020B0509050000020004" pitchFamily="50" charset="0"/>
+                <a:ea typeface="FuraCode Nerd Font Mono" panose="020B0509050000020004" pitchFamily="50" charset="0"/>
+              </a:rPr>
+              <a:t>(“</a:t>
+            </a:r>
+            <a:r>
+              <a:rPr lang="en-US" sz="2000" dirty="0" err="1">
+                <a:solidFill>
+                  <a:schemeClr val="accent6">
+                    <a:lumMod val="75000"/>
+                  </a:schemeClr>
+                </a:solidFill>
+                <a:latin typeface="FuraCode Nerd Font Mono" panose="020B0509050000020004" pitchFamily="50" charset="0"/>
+                <a:ea typeface="FuraCode Nerd Font Mono" panose="020B0509050000020004" pitchFamily="50" charset="0"/>
+              </a:rPr>
+              <a:t>distPlot</a:t>
+            </a:r>
+            <a:r>
+              <a:rPr lang="en-US" sz="2000" dirty="0">
+                <a:solidFill>
+                  <a:schemeClr val="accent6">
+                    <a:lumMod val="75000"/>
+                  </a:schemeClr>
+                </a:solidFill>
+                <a:latin typeface="FuraCode Nerd Font Mono" panose="020B0509050000020004" pitchFamily="50" charset="0"/>
+                <a:ea typeface="FuraCode Nerd Font Mono" panose="020B0509050000020004" pitchFamily="50" charset="0"/>
+              </a:rPr>
+              <a:t>”, …)</a:t>
+            </a:r>
+          </a:p>
+          <a:p>
+            <a:pPr marL="457200" lvl="1" indent="0">
+              <a:buNone/>
+            </a:pPr>
+            <a:r>
+              <a:rPr lang="en-US" sz="2000" dirty="0">
+                <a:solidFill>
+                  <a:schemeClr val="accent4">
+                    <a:lumMod val="75000"/>
+                  </a:schemeClr>
+                </a:solidFill>
+                <a:latin typeface="FuraCode Nerd Font Mono" panose="020B0509050000020004" pitchFamily="50" charset="0"/>
+                <a:ea typeface="FuraCode Nerd Font Mono" panose="020B0509050000020004" pitchFamily="50" charset="0"/>
+              </a:rPr>
+              <a:t>+ </a:t>
+            </a:r>
+            <a:r>
+              <a:rPr lang="en-US" sz="2000" dirty="0" err="1">
+                <a:solidFill>
+                  <a:schemeClr val="accent4">
+                    <a:lumMod val="75000"/>
+                  </a:schemeClr>
+                </a:solidFill>
+                <a:latin typeface="FuraCode Nerd Font Mono" panose="020B0509050000020004" pitchFamily="50" charset="0"/>
+                <a:ea typeface="FuraCode Nerd Font Mono" panose="020B0509050000020004" pitchFamily="50" charset="0"/>
+              </a:rPr>
+              <a:t>renderText</a:t>
+            </a:r>
+            <a:r>
+              <a:rPr lang="en-US" sz="2000" dirty="0">
+                <a:solidFill>
+                  <a:schemeClr val="accent4">
+                    <a:lumMod val="75000"/>
+                  </a:schemeClr>
+                </a:solidFill>
+                <a:latin typeface="FuraCode Nerd Font Mono" panose="020B0509050000020004" pitchFamily="50" charset="0"/>
+                <a:ea typeface="FuraCode Nerd Font Mono" panose="020B0509050000020004" pitchFamily="50" charset="0"/>
+              </a:rPr>
+              <a:t>(“welcome”, …)</a:t>
+            </a:r>
+          </a:p>
+          <a:p>
+            <a:pPr lvl="2"/>
+            <a:endParaRPr lang="en-US" dirty="0"/>
+          </a:p>
+        </p:txBody>
+      </p:sp>
+      <p:sp>
+        <p:nvSpPr>
+          <p:cNvPr id="4" name="Date Placeholder 3">
+            <a:extLst>
+              <a:ext uri="{FF2B5EF4-FFF2-40B4-BE49-F238E27FC236}">
+                <a16:creationId xmlns:a16="http://schemas.microsoft.com/office/drawing/2014/main" id="{9CDB5518-298D-4D8C-A9AF-F150612A217D}"/>
+              </a:ext>
+            </a:extLst>
+          </p:cNvPr>
+          <p:cNvSpPr>
+            <a:spLocks noGrp="1"/>
+          </p:cNvSpPr>
+          <p:nvPr>
+            <p:ph type="dt" sz="half" idx="10"/>
+          </p:nvPr>
+        </p:nvSpPr>
+        <p:spPr/>
+        <p:txBody>
+          <a:bodyPr/>
+          <a:lstStyle/>
+          <a:p>
+            <a:r>
+              <a:rPr lang="en-GB" dirty="0"/>
+              <a:t>3/6/2022</a:t>
+            </a:r>
+            <a:endParaRPr lang="en-NL" dirty="0"/>
+          </a:p>
+        </p:txBody>
+      </p:sp>
+      <p:sp>
+        <p:nvSpPr>
+          <p:cNvPr id="5" name="Footer Placeholder 4">
+            <a:extLst>
+              <a:ext uri="{FF2B5EF4-FFF2-40B4-BE49-F238E27FC236}">
+                <a16:creationId xmlns:a16="http://schemas.microsoft.com/office/drawing/2014/main" id="{923905B8-3F4C-448A-85D9-8ACD7BD8BAA5}"/>
+              </a:ext>
+            </a:extLst>
+          </p:cNvPr>
+          <p:cNvSpPr>
+            <a:spLocks noGrp="1"/>
+          </p:cNvSpPr>
+          <p:nvPr>
+            <p:ph type="ftr" sz="quarter" idx="11"/>
+          </p:nvPr>
+        </p:nvSpPr>
+        <p:spPr/>
+        <p:txBody>
+          <a:bodyPr/>
+          <a:lstStyle/>
+          <a:p>
+            <a:r>
+              <a:rPr lang="en-GB" dirty="0"/>
+              <a:t>Karel Kroeze - BDSi - Shiny workshop</a:t>
+            </a:r>
+            <a:endParaRPr lang="en-NL" dirty="0"/>
+          </a:p>
+        </p:txBody>
+      </p:sp>
+      <p:pic>
+        <p:nvPicPr>
+          <p:cNvPr id="12" name="Picture 11">
+            <a:extLst>
+              <a:ext uri="{FF2B5EF4-FFF2-40B4-BE49-F238E27FC236}">
+                <a16:creationId xmlns:a16="http://schemas.microsoft.com/office/drawing/2014/main" id="{BCB9C76C-3C26-47FA-9156-215ECCFE8915}"/>
+              </a:ext>
+            </a:extLst>
+          </p:cNvPr>
+          <p:cNvPicPr>
+            <a:picLocks noChangeAspect="1"/>
+          </p:cNvPicPr>
+          <p:nvPr/>
+        </p:nvPicPr>
+        <p:blipFill rotWithShape="1">
+          <a:blip r:embed="rId2"/>
+          <a:srcRect l="1701" r="4992"/>
+          <a:stretch/>
+        </p:blipFill>
+        <p:spPr>
+          <a:xfrm>
+            <a:off x="5781675" y="2211603"/>
+            <a:ext cx="6210300" cy="1999408"/>
+          </a:xfrm>
+          <a:prstGeom prst="rect">
+            <a:avLst/>
+          </a:prstGeom>
+        </p:spPr>
+      </p:pic>
+      <p:pic>
+        <p:nvPicPr>
+          <p:cNvPr id="14" name="Picture 13">
+            <a:extLst>
+              <a:ext uri="{FF2B5EF4-FFF2-40B4-BE49-F238E27FC236}">
+                <a16:creationId xmlns:a16="http://schemas.microsoft.com/office/drawing/2014/main" id="{CC2C35FC-AF82-498B-89F5-E09D354BE3F8}"/>
+              </a:ext>
+            </a:extLst>
+          </p:cNvPr>
+          <p:cNvPicPr>
+            <a:picLocks noChangeAspect="1"/>
+          </p:cNvPicPr>
+          <p:nvPr/>
+        </p:nvPicPr>
+        <p:blipFill rotWithShape="1">
+          <a:blip r:embed="rId3">
+            <a:extLst>
+              <a:ext uri="{28A0092B-C50C-407E-A947-70E740481C1C}">
+                <a14:useLocalDpi xmlns:a14="http://schemas.microsoft.com/office/drawing/2010/main" val="0"/>
+              </a:ext>
+            </a:extLst>
+          </a:blip>
+          <a:srcRect l="2064" r="14255"/>
+          <a:stretch/>
+        </p:blipFill>
+        <p:spPr>
+          <a:xfrm>
+            <a:off x="6591300" y="4426821"/>
+            <a:ext cx="4591050" cy="1578874"/>
+          </a:xfrm>
+          <a:prstGeom prst="rect">
+            <a:avLst/>
+          </a:prstGeom>
+        </p:spPr>
+      </p:pic>
+    </p:spTree>
+    <p:extLst>
+      <p:ext uri="{BB962C8B-B14F-4D97-AF65-F5344CB8AC3E}">
+        <p14:creationId xmlns:p14="http://schemas.microsoft.com/office/powerpoint/2010/main" val="3626636867"/>
       </p:ext>
     </p:extLst>
   </p:cSld>
@@ -11673,6 +12913,1243 @@
   <p:clrMapOvr>
     <a:masterClrMapping/>
   </p:clrMapOvr>
+</p:sld>
+</file>
+
+<file path=ppt/slides/slide20.xml><?xml version="1.0" encoding="utf-8"?>
+<p:sld xmlns:a="http://schemas.openxmlformats.org/drawingml/2006/main" xmlns:r="http://schemas.openxmlformats.org/officeDocument/2006/relationships" xmlns:p="http://schemas.openxmlformats.org/presentationml/2006/main">
+  <p:cSld>
+    <p:spTree>
+      <p:nvGrpSpPr>
+        <p:cNvPr id="1" name=""/>
+        <p:cNvGrpSpPr/>
+        <p:nvPr/>
+      </p:nvGrpSpPr>
+      <p:grpSpPr>
+        <a:xfrm>
+          <a:off x="0" y="0"/>
+          <a:ext cx="0" cy="0"/>
+          <a:chOff x="0" y="0"/>
+          <a:chExt cx="0" cy="0"/>
+        </a:xfrm>
+      </p:grpSpPr>
+      <p:sp>
+        <p:nvSpPr>
+          <p:cNvPr id="2" name="Title 1">
+            <a:extLst>
+              <a:ext uri="{FF2B5EF4-FFF2-40B4-BE49-F238E27FC236}">
+                <a16:creationId xmlns:a16="http://schemas.microsoft.com/office/drawing/2014/main" id="{DC65E524-C514-45D7-BC6C-D11A108C5A11}"/>
+              </a:ext>
+            </a:extLst>
+          </p:cNvPr>
+          <p:cNvSpPr>
+            <a:spLocks noGrp="1"/>
+          </p:cNvSpPr>
+          <p:nvPr>
+            <p:ph type="title"/>
+          </p:nvPr>
+        </p:nvSpPr>
+        <p:spPr/>
+        <p:txBody>
+          <a:bodyPr/>
+          <a:lstStyle/>
+          <a:p>
+            <a:r>
+              <a:rPr lang="en-GB" sz="2000" dirty="0"/>
+              <a:t>Hello, world!</a:t>
+            </a:r>
+            <a:br>
+              <a:rPr lang="en-GB" dirty="0"/>
+            </a:br>
+            <a:r>
+              <a:rPr lang="en-GB" dirty="0"/>
+              <a:t>Make it yours</a:t>
+            </a:r>
+            <a:endParaRPr lang="nl-NL" dirty="0"/>
+          </a:p>
+        </p:txBody>
+      </p:sp>
+      <p:sp>
+        <p:nvSpPr>
+          <p:cNvPr id="3" name="Content Placeholder 2">
+            <a:extLst>
+              <a:ext uri="{FF2B5EF4-FFF2-40B4-BE49-F238E27FC236}">
+                <a16:creationId xmlns:a16="http://schemas.microsoft.com/office/drawing/2014/main" id="{53955285-5F23-4DBC-8F2C-B5AF06D4975D}"/>
+              </a:ext>
+            </a:extLst>
+          </p:cNvPr>
+          <p:cNvSpPr>
+            <a:spLocks noGrp="1"/>
+          </p:cNvSpPr>
+          <p:nvPr>
+            <p:ph sz="half" idx="1"/>
+          </p:nvPr>
+        </p:nvSpPr>
+        <p:spPr>
+          <a:xfrm>
+            <a:off x="1265581" y="1825624"/>
+            <a:ext cx="10515600" cy="4395881"/>
+          </a:xfrm>
+        </p:spPr>
+        <p:txBody>
+          <a:bodyPr/>
+          <a:lstStyle/>
+          <a:p>
+            <a:r>
+              <a:rPr lang="en-GB" dirty="0"/>
+              <a:t>Keep it simple</a:t>
+            </a:r>
+          </a:p>
+          <a:p>
+            <a:pPr lvl="1"/>
+            <a:r>
+              <a:rPr lang="en-GB" sz="2000" dirty="0"/>
+              <a:t>Stick to a basic use case – you can add complexity later</a:t>
+            </a:r>
+          </a:p>
+          <a:p>
+            <a:r>
+              <a:rPr lang="en-GB" dirty="0"/>
+              <a:t>Load any data you need</a:t>
+            </a:r>
+          </a:p>
+          <a:p>
+            <a:r>
+              <a:rPr lang="en-GB" dirty="0"/>
+              <a:t>UI</a:t>
+            </a:r>
+          </a:p>
+          <a:p>
+            <a:pPr lvl="1"/>
+            <a:r>
+              <a:rPr lang="en-GB" dirty="0"/>
+              <a:t>Add/change inputs &amp; outputs</a:t>
+            </a:r>
+          </a:p>
+          <a:p>
+            <a:pPr lvl="2"/>
+            <a:r>
+              <a:rPr lang="en-GB" sz="1600" dirty="0">
+                <a:latin typeface="FuraCode Nerd Font" panose="020B0509050000020004" pitchFamily="50" charset="0"/>
+                <a:ea typeface="FuraCode Nerd Font" panose="020B0509050000020004" pitchFamily="50" charset="0"/>
+              </a:rPr>
+              <a:t>[xxx]Input(..), [xxx]Output(..)</a:t>
+            </a:r>
+          </a:p>
+          <a:p>
+            <a:pPr lvl="1"/>
+            <a:r>
+              <a:rPr lang="en-GB" dirty="0"/>
+              <a:t>Change layout, labels, texts</a:t>
+            </a:r>
+          </a:p>
+          <a:p>
+            <a:r>
+              <a:rPr lang="en-GB" dirty="0"/>
+              <a:t>Server</a:t>
+            </a:r>
+          </a:p>
+          <a:p>
+            <a:pPr lvl="1"/>
+            <a:r>
+              <a:rPr lang="en-GB" dirty="0"/>
+              <a:t>Create an output for your analysis/visualization</a:t>
+            </a:r>
+          </a:p>
+          <a:p>
+            <a:pPr lvl="2"/>
+            <a:r>
+              <a:rPr lang="en-GB" sz="1600" dirty="0">
+                <a:latin typeface="FuraCode Nerd Font" panose="020B0509050000020004" pitchFamily="50" charset="0"/>
+                <a:ea typeface="FuraCode Nerd Font" panose="020B0509050000020004" pitchFamily="50" charset="0"/>
+              </a:rPr>
+              <a:t>render[xxx](..)</a:t>
+            </a:r>
+          </a:p>
+          <a:p>
+            <a:pPr marL="457200" lvl="1" indent="0">
+              <a:buNone/>
+            </a:pPr>
+            <a:endParaRPr lang="en-GB" dirty="0">
+              <a:latin typeface="FuraCode Nerd Font" panose="020B0509050000020004" pitchFamily="50" charset="0"/>
+              <a:ea typeface="FuraCode Nerd Font" panose="020B0509050000020004" pitchFamily="50" charset="0"/>
+            </a:endParaRPr>
+          </a:p>
+          <a:p>
+            <a:pPr lvl="1"/>
+            <a:endParaRPr lang="en-GB" dirty="0"/>
+          </a:p>
+          <a:p>
+            <a:endParaRPr lang="en-GB" dirty="0"/>
+          </a:p>
+        </p:txBody>
+      </p:sp>
+      <p:sp>
+        <p:nvSpPr>
+          <p:cNvPr id="4" name="Date Placeholder 3">
+            <a:extLst>
+              <a:ext uri="{FF2B5EF4-FFF2-40B4-BE49-F238E27FC236}">
+                <a16:creationId xmlns:a16="http://schemas.microsoft.com/office/drawing/2014/main" id="{9CDB5518-298D-4D8C-A9AF-F150612A217D}"/>
+              </a:ext>
+            </a:extLst>
+          </p:cNvPr>
+          <p:cNvSpPr>
+            <a:spLocks noGrp="1"/>
+          </p:cNvSpPr>
+          <p:nvPr>
+            <p:ph type="dt" sz="half" idx="10"/>
+          </p:nvPr>
+        </p:nvSpPr>
+        <p:spPr/>
+        <p:txBody>
+          <a:bodyPr/>
+          <a:lstStyle/>
+          <a:p>
+            <a:r>
+              <a:rPr lang="en-GB" dirty="0"/>
+              <a:t>24/10/2022</a:t>
+            </a:r>
+            <a:endParaRPr lang="en-NL" dirty="0"/>
+          </a:p>
+        </p:txBody>
+      </p:sp>
+      <p:sp>
+        <p:nvSpPr>
+          <p:cNvPr id="5" name="Footer Placeholder 4">
+            <a:extLst>
+              <a:ext uri="{FF2B5EF4-FFF2-40B4-BE49-F238E27FC236}">
+                <a16:creationId xmlns:a16="http://schemas.microsoft.com/office/drawing/2014/main" id="{923905B8-3F4C-448A-85D9-8ACD7BD8BAA5}"/>
+              </a:ext>
+            </a:extLst>
+          </p:cNvPr>
+          <p:cNvSpPr>
+            <a:spLocks noGrp="1"/>
+          </p:cNvSpPr>
+          <p:nvPr>
+            <p:ph type="ftr" sz="quarter" idx="11"/>
+          </p:nvPr>
+        </p:nvSpPr>
+        <p:spPr/>
+        <p:txBody>
+          <a:bodyPr/>
+          <a:lstStyle/>
+          <a:p>
+            <a:r>
+              <a:rPr lang="en-GB" dirty="0"/>
+              <a:t>Karel Kroeze - BDSi - Shiny workshop</a:t>
+            </a:r>
+            <a:endParaRPr lang="en-NL" dirty="0"/>
+          </a:p>
+        </p:txBody>
+      </p:sp>
+      <p:sp>
+        <p:nvSpPr>
+          <p:cNvPr id="12" name="TextBox 11">
+            <a:extLst>
+              <a:ext uri="{FF2B5EF4-FFF2-40B4-BE49-F238E27FC236}">
+                <a16:creationId xmlns:a16="http://schemas.microsoft.com/office/drawing/2014/main" id="{0E71A3FC-D42C-4F36-AB75-CDAEF3341FAA}"/>
+              </a:ext>
+            </a:extLst>
+          </p:cNvPr>
+          <p:cNvSpPr txBox="1"/>
+          <p:nvPr/>
+        </p:nvSpPr>
+        <p:spPr>
+          <a:xfrm>
+            <a:off x="5074397" y="196909"/>
+            <a:ext cx="7051701" cy="830997"/>
+          </a:xfrm>
+          <a:prstGeom prst="rect">
+            <a:avLst/>
+          </a:prstGeom>
+          <a:noFill/>
+        </p:spPr>
+        <p:txBody>
+          <a:bodyPr wrap="square" rtlCol="0">
+            <a:spAutoFit/>
+          </a:bodyPr>
+          <a:lstStyle/>
+          <a:p>
+            <a:pPr algn="ctr"/>
+            <a:r>
+              <a:rPr lang="en-GB" sz="2400" b="1" dirty="0">
+                <a:solidFill>
+                  <a:schemeClr val="bg1"/>
+                </a:solidFill>
+                <a:latin typeface="Ink Free" panose="03080402000500000000" pitchFamily="66" charset="0"/>
+              </a:rPr>
+              <a:t>Cheat sheets are your </a:t>
+            </a:r>
+            <a:r>
+              <a:rPr lang="en-GB" sz="2400" b="1" u="sng" dirty="0">
+                <a:solidFill>
+                  <a:schemeClr val="bg1"/>
+                </a:solidFill>
+                <a:latin typeface="Ink Free" panose="03080402000500000000" pitchFamily="66" charset="0"/>
+              </a:rPr>
+              <a:t>friend</a:t>
+            </a:r>
+            <a:br>
+              <a:rPr lang="en-GB" sz="2400" b="1" dirty="0">
+                <a:solidFill>
+                  <a:schemeClr val="bg1"/>
+                </a:solidFill>
+                <a:latin typeface="Ink Free" panose="03080402000500000000" pitchFamily="66" charset="0"/>
+              </a:rPr>
+            </a:br>
+            <a:r>
+              <a:rPr lang="en-GB" sz="2400" b="1" dirty="0">
+                <a:solidFill>
+                  <a:schemeClr val="accent1"/>
+                </a:solidFill>
+                <a:latin typeface="Ink Free" panose="03080402000500000000" pitchFamily="66" charset="0"/>
+              </a:rPr>
+              <a:t>Help </a:t>
+            </a:r>
+            <a:r>
+              <a:rPr lang="en-GB" sz="2400" b="1" dirty="0">
+                <a:solidFill>
+                  <a:schemeClr val="bg1"/>
+                </a:solidFill>
+                <a:latin typeface="Ink Free" panose="03080402000500000000" pitchFamily="66" charset="0"/>
+              </a:rPr>
+              <a:t>&gt;</a:t>
+            </a:r>
+            <a:r>
+              <a:rPr lang="en-GB" sz="2400" b="1" dirty="0">
+                <a:solidFill>
+                  <a:schemeClr val="accent1"/>
+                </a:solidFill>
+                <a:latin typeface="Ink Free" panose="03080402000500000000" pitchFamily="66" charset="0"/>
+              </a:rPr>
+              <a:t> Cheat Sheets </a:t>
+            </a:r>
+            <a:r>
+              <a:rPr lang="en-GB" sz="2400" b="1" dirty="0">
+                <a:solidFill>
+                  <a:schemeClr val="bg1"/>
+                </a:solidFill>
+                <a:latin typeface="Ink Free" panose="03080402000500000000" pitchFamily="66" charset="0"/>
+              </a:rPr>
+              <a:t>&gt;</a:t>
+            </a:r>
+            <a:r>
+              <a:rPr lang="en-GB" sz="2400" b="1" dirty="0">
+                <a:solidFill>
+                  <a:schemeClr val="accent1"/>
+                </a:solidFill>
+                <a:latin typeface="Ink Free" panose="03080402000500000000" pitchFamily="66" charset="0"/>
+              </a:rPr>
+              <a:t> Web applications with Shiny</a:t>
+            </a:r>
+            <a:endParaRPr lang="nl-NL" sz="2400" b="1" dirty="0">
+              <a:solidFill>
+                <a:schemeClr val="accent1"/>
+              </a:solidFill>
+              <a:latin typeface="Ink Free" panose="03080402000500000000" pitchFamily="66" charset="0"/>
+            </a:endParaRPr>
+          </a:p>
+        </p:txBody>
+      </p:sp>
+      <mc:AlternateContent xmlns:mc="http://schemas.openxmlformats.org/markup-compatibility/2006">
+        <mc:Choice xmlns:p14="http://schemas.microsoft.com/office/powerpoint/2010/main" Requires="p14">
+          <p:contentPart p14:bwMode="auto" r:id="rId2">
+            <p14:nvContentPartPr>
+              <p14:cNvPr id="7" name="Ink 6">
+                <a:extLst>
+                  <a:ext uri="{FF2B5EF4-FFF2-40B4-BE49-F238E27FC236}">
+                    <a16:creationId xmlns:a16="http://schemas.microsoft.com/office/drawing/2014/main" id="{C841DFD6-E7F0-3937-8BCF-8ADDC2AE880B}"/>
+                  </a:ext>
+                </a:extLst>
+              </p14:cNvPr>
+              <p14:cNvContentPartPr/>
+              <p14:nvPr/>
+            </p14:nvContentPartPr>
+            <p14:xfrm>
+              <a:off x="5273692" y="945466"/>
+              <a:ext cx="6572160" cy="164880"/>
+            </p14:xfrm>
+          </p:contentPart>
+        </mc:Choice>
+        <mc:Fallback>
+          <p:pic>
+            <p:nvPicPr>
+              <p:cNvPr id="7" name="Ink 6">
+                <a:extLst>
+                  <a:ext uri="{FF2B5EF4-FFF2-40B4-BE49-F238E27FC236}">
+                    <a16:creationId xmlns:a16="http://schemas.microsoft.com/office/drawing/2014/main" id="{C841DFD6-E7F0-3937-8BCF-8ADDC2AE880B}"/>
+                  </a:ext>
+                </a:extLst>
+              </p:cNvPr>
+              <p:cNvPicPr/>
+              <p:nvPr/>
+            </p:nvPicPr>
+            <p:blipFill>
+              <a:blip r:embed="rId3"/>
+              <a:stretch>
+                <a:fillRect/>
+              </a:stretch>
+            </p:blipFill>
+            <p:spPr>
+              <a:xfrm>
+                <a:off x="5267572" y="939346"/>
+                <a:ext cx="6584400" cy="177120"/>
+              </a:xfrm>
+              <a:prstGeom prst="rect">
+                <a:avLst/>
+              </a:prstGeom>
+            </p:spPr>
+          </p:pic>
+        </mc:Fallback>
+      </mc:AlternateContent>
+      <p:grpSp>
+        <p:nvGrpSpPr>
+          <p:cNvPr id="14" name="Group 13">
+            <a:extLst>
+              <a:ext uri="{FF2B5EF4-FFF2-40B4-BE49-F238E27FC236}">
+                <a16:creationId xmlns:a16="http://schemas.microsoft.com/office/drawing/2014/main" id="{F697C212-547C-BDF6-677D-D79359A1E716}"/>
+              </a:ext>
+            </a:extLst>
+          </p:cNvPr>
+          <p:cNvGrpSpPr/>
+          <p:nvPr/>
+        </p:nvGrpSpPr>
+        <p:grpSpPr>
+          <a:xfrm>
+            <a:off x="9716616" y="537000"/>
+            <a:ext cx="780480" cy="109440"/>
+            <a:chOff x="9716616" y="537000"/>
+            <a:chExt cx="780480" cy="109440"/>
+          </a:xfrm>
+        </p:grpSpPr>
+        <mc:AlternateContent xmlns:mc="http://schemas.openxmlformats.org/markup-compatibility/2006">
+          <mc:Choice xmlns:p14="http://schemas.microsoft.com/office/powerpoint/2010/main" Requires="p14">
+            <p:contentPart p14:bwMode="auto" r:id="rId4">
+              <p14:nvContentPartPr>
+                <p14:cNvPr id="8" name="Ink 7">
+                  <a:extLst>
+                    <a:ext uri="{FF2B5EF4-FFF2-40B4-BE49-F238E27FC236}">
+                      <a16:creationId xmlns:a16="http://schemas.microsoft.com/office/drawing/2014/main" id="{4AE70AF9-1F14-B2D7-8F98-4B4B61F26451}"/>
+                    </a:ext>
+                  </a:extLst>
+                </p14:cNvPr>
+                <p14:cNvContentPartPr/>
+                <p14:nvPr/>
+              </p14:nvContentPartPr>
+              <p14:xfrm>
+                <a:off x="9716616" y="537000"/>
+                <a:ext cx="758880" cy="109440"/>
+              </p14:xfrm>
+            </p:contentPart>
+          </mc:Choice>
+          <mc:Fallback>
+            <p:pic>
+              <p:nvPicPr>
+                <p:cNvPr id="8" name="Ink 7">
+                  <a:extLst>
+                    <a:ext uri="{FF2B5EF4-FFF2-40B4-BE49-F238E27FC236}">
+                      <a16:creationId xmlns:a16="http://schemas.microsoft.com/office/drawing/2014/main" id="{4AE70AF9-1F14-B2D7-8F98-4B4B61F26451}"/>
+                    </a:ext>
+                  </a:extLst>
+                </p:cNvPr>
+                <p:cNvPicPr/>
+                <p:nvPr/>
+              </p:nvPicPr>
+              <p:blipFill>
+                <a:blip r:embed="rId5"/>
+                <a:stretch>
+                  <a:fillRect/>
+                </a:stretch>
+              </p:blipFill>
+              <p:spPr>
+                <a:xfrm>
+                  <a:off x="9710496" y="530880"/>
+                  <a:ext cx="771120" cy="121680"/>
+                </a:xfrm>
+                <a:prstGeom prst="rect">
+                  <a:avLst/>
+                </a:prstGeom>
+              </p:spPr>
+            </p:pic>
+          </mc:Fallback>
+        </mc:AlternateContent>
+        <mc:AlternateContent xmlns:mc="http://schemas.openxmlformats.org/markup-compatibility/2006">
+          <mc:Choice xmlns:p14="http://schemas.microsoft.com/office/powerpoint/2010/main" Requires="p14">
+            <p:contentPart p14:bwMode="auto" r:id="rId6">
+              <p14:nvContentPartPr>
+                <p14:cNvPr id="9" name="Ink 8">
+                  <a:extLst>
+                    <a:ext uri="{FF2B5EF4-FFF2-40B4-BE49-F238E27FC236}">
+                      <a16:creationId xmlns:a16="http://schemas.microsoft.com/office/drawing/2014/main" id="{5EC1E851-7996-C73D-0213-2DE96B4E0F71}"/>
+                    </a:ext>
+                  </a:extLst>
+                </p14:cNvPr>
+                <p14:cNvContentPartPr/>
+                <p14:nvPr/>
+              </p14:nvContentPartPr>
+              <p14:xfrm>
+                <a:off x="9747216" y="554280"/>
+                <a:ext cx="749880" cy="49680"/>
+              </p14:xfrm>
+            </p:contentPart>
+          </mc:Choice>
+          <mc:Fallback>
+            <p:pic>
+              <p:nvPicPr>
+                <p:cNvPr id="9" name="Ink 8">
+                  <a:extLst>
+                    <a:ext uri="{FF2B5EF4-FFF2-40B4-BE49-F238E27FC236}">
+                      <a16:creationId xmlns:a16="http://schemas.microsoft.com/office/drawing/2014/main" id="{5EC1E851-7996-C73D-0213-2DE96B4E0F71}"/>
+                    </a:ext>
+                  </a:extLst>
+                </p:cNvPr>
+                <p:cNvPicPr/>
+                <p:nvPr/>
+              </p:nvPicPr>
+              <p:blipFill>
+                <a:blip r:embed="rId7"/>
+                <a:stretch>
+                  <a:fillRect/>
+                </a:stretch>
+              </p:blipFill>
+              <p:spPr>
+                <a:xfrm>
+                  <a:off x="9741096" y="548160"/>
+                  <a:ext cx="762120" cy="61920"/>
+                </a:xfrm>
+                <a:prstGeom prst="rect">
+                  <a:avLst/>
+                </a:prstGeom>
+              </p:spPr>
+            </p:pic>
+          </mc:Fallback>
+        </mc:AlternateContent>
+      </p:grpSp>
+      <mc:AlternateContent xmlns:mc="http://schemas.openxmlformats.org/markup-compatibility/2006">
+        <mc:Choice xmlns:p14="http://schemas.microsoft.com/office/powerpoint/2010/main" Requires="p14">
+          <p:contentPart p14:bwMode="auto" r:id="rId8">
+            <p14:nvContentPartPr>
+              <p14:cNvPr id="18" name="Ink 17">
+                <a:extLst>
+                  <a:ext uri="{FF2B5EF4-FFF2-40B4-BE49-F238E27FC236}">
+                    <a16:creationId xmlns:a16="http://schemas.microsoft.com/office/drawing/2014/main" id="{BAED29BD-1DA3-934E-49B7-F495F7A7195B}"/>
+                  </a:ext>
+                </a:extLst>
+              </p14:cNvPr>
+              <p14:cNvContentPartPr/>
+              <p14:nvPr/>
+            </p14:nvContentPartPr>
+            <p14:xfrm>
+              <a:off x="9978335" y="242252"/>
+              <a:ext cx="99115" cy="87028"/>
+            </p14:xfrm>
+          </p:contentPart>
+        </mc:Choice>
+        <mc:Fallback>
+          <p:pic>
+            <p:nvPicPr>
+              <p:cNvPr id="18" name="Ink 17">
+                <a:extLst>
+                  <a:ext uri="{FF2B5EF4-FFF2-40B4-BE49-F238E27FC236}">
+                    <a16:creationId xmlns:a16="http://schemas.microsoft.com/office/drawing/2014/main" id="{BAED29BD-1DA3-934E-49B7-F495F7A7195B}"/>
+                  </a:ext>
+                </a:extLst>
+              </p:cNvPr>
+              <p:cNvPicPr/>
+              <p:nvPr/>
+            </p:nvPicPr>
+            <p:blipFill>
+              <a:blip r:embed="rId9"/>
+              <a:stretch>
+                <a:fillRect/>
+              </a:stretch>
+            </p:blipFill>
+            <p:spPr>
+              <a:xfrm>
+                <a:off x="9972230" y="236113"/>
+                <a:ext cx="111325" cy="99306"/>
+              </a:xfrm>
+              <a:prstGeom prst="rect">
+                <a:avLst/>
+              </a:prstGeom>
+            </p:spPr>
+          </p:pic>
+        </mc:Fallback>
+      </mc:AlternateContent>
+    </p:spTree>
+    <p:extLst>
+      <p:ext uri="{BB962C8B-B14F-4D97-AF65-F5344CB8AC3E}">
+        <p14:creationId xmlns:p14="http://schemas.microsoft.com/office/powerpoint/2010/main" val="2943126073"/>
+      </p:ext>
+    </p:extLst>
+  </p:cSld>
+  <p:clrMapOvr>
+    <a:masterClrMapping/>
+  </p:clrMapOvr>
+  <p:timing>
+    <p:tnLst>
+      <p:par>
+        <p:cTn id="1" dur="indefinite" restart="never" nodeType="tmRoot">
+          <p:childTnLst>
+            <p:seq concurrent="1" nextAc="seek">
+              <p:cTn id="2" dur="indefinite" nodeType="mainSeq">
+                <p:childTnLst>
+                  <p:par>
+                    <p:cTn id="3" fill="hold">
+                      <p:stCondLst>
+                        <p:cond delay="indefinite"/>
+                      </p:stCondLst>
+                      <p:childTnLst>
+                        <p:par>
+                          <p:cTn id="4" fill="hold">
+                            <p:stCondLst>
+                              <p:cond delay="0"/>
+                            </p:stCondLst>
+                            <p:childTnLst>
+                              <p:par>
+                                <p:cTn id="5" presetID="1" presetClass="entr" presetSubtype="0" fill="hold" nodeType="clickEffect">
+                                  <p:stCondLst>
+                                    <p:cond delay="0"/>
+                                  </p:stCondLst>
+                                  <p:childTnLst>
+                                    <p:set>
+                                      <p:cBhvr>
+                                        <p:cTn id="6" dur="1" fill="hold">
+                                          <p:stCondLst>
+                                            <p:cond delay="0"/>
+                                          </p:stCondLst>
+                                        </p:cTn>
+                                        <p:tgtEl>
+                                          <p:spTgt spid="3">
+                                            <p:txEl>
+                                              <p:pRg st="0" end="0"/>
+                                            </p:txEl>
+                                          </p:spTgt>
+                                        </p:tgtEl>
+                                        <p:attrNameLst>
+                                          <p:attrName>style.visibility</p:attrName>
+                                        </p:attrNameLst>
+                                      </p:cBhvr>
+                                      <p:to>
+                                        <p:strVal val="visible"/>
+                                      </p:to>
+                                    </p:set>
+                                  </p:childTnLst>
+                                </p:cTn>
+                              </p:par>
+                              <p:par>
+                                <p:cTn id="7" presetID="1" presetClass="entr" presetSubtype="0" fill="hold" nodeType="withEffect">
+                                  <p:stCondLst>
+                                    <p:cond delay="0"/>
+                                  </p:stCondLst>
+                                  <p:childTnLst>
+                                    <p:set>
+                                      <p:cBhvr>
+                                        <p:cTn id="8" dur="1" fill="hold">
+                                          <p:stCondLst>
+                                            <p:cond delay="0"/>
+                                          </p:stCondLst>
+                                        </p:cTn>
+                                        <p:tgtEl>
+                                          <p:spTgt spid="3">
+                                            <p:txEl>
+                                              <p:pRg st="1" end="1"/>
+                                            </p:txEl>
+                                          </p:spTgt>
+                                        </p:tgtEl>
+                                        <p:attrNameLst>
+                                          <p:attrName>style.visibility</p:attrName>
+                                        </p:attrNameLst>
+                                      </p:cBhvr>
+                                      <p:to>
+                                        <p:strVal val="visible"/>
+                                      </p:to>
+                                    </p:set>
+                                  </p:childTnLst>
+                                </p:cTn>
+                              </p:par>
+                            </p:childTnLst>
+                          </p:cTn>
+                        </p:par>
+                      </p:childTnLst>
+                    </p:cTn>
+                  </p:par>
+                  <p:par>
+                    <p:cTn id="9" fill="hold">
+                      <p:stCondLst>
+                        <p:cond delay="indefinite"/>
+                      </p:stCondLst>
+                      <p:childTnLst>
+                        <p:par>
+                          <p:cTn id="10" fill="hold">
+                            <p:stCondLst>
+                              <p:cond delay="0"/>
+                            </p:stCondLst>
+                            <p:childTnLst>
+                              <p:par>
+                                <p:cTn id="11" presetID="1" presetClass="entr" presetSubtype="0" fill="hold" nodeType="clickEffect">
+                                  <p:stCondLst>
+                                    <p:cond delay="0"/>
+                                  </p:stCondLst>
+                                  <p:childTnLst>
+                                    <p:set>
+                                      <p:cBhvr>
+                                        <p:cTn id="12" dur="1" fill="hold">
+                                          <p:stCondLst>
+                                            <p:cond delay="0"/>
+                                          </p:stCondLst>
+                                        </p:cTn>
+                                        <p:tgtEl>
+                                          <p:spTgt spid="3">
+                                            <p:txEl>
+                                              <p:pRg st="2" end="2"/>
+                                            </p:txEl>
+                                          </p:spTgt>
+                                        </p:tgtEl>
+                                        <p:attrNameLst>
+                                          <p:attrName>style.visibility</p:attrName>
+                                        </p:attrNameLst>
+                                      </p:cBhvr>
+                                      <p:to>
+                                        <p:strVal val="visible"/>
+                                      </p:to>
+                                    </p:set>
+                                  </p:childTnLst>
+                                </p:cTn>
+                              </p:par>
+                            </p:childTnLst>
+                          </p:cTn>
+                        </p:par>
+                      </p:childTnLst>
+                    </p:cTn>
+                  </p:par>
+                  <p:par>
+                    <p:cTn id="13" fill="hold">
+                      <p:stCondLst>
+                        <p:cond delay="indefinite"/>
+                      </p:stCondLst>
+                      <p:childTnLst>
+                        <p:par>
+                          <p:cTn id="14" fill="hold">
+                            <p:stCondLst>
+                              <p:cond delay="0"/>
+                            </p:stCondLst>
+                            <p:childTnLst>
+                              <p:par>
+                                <p:cTn id="15" presetID="1" presetClass="entr" presetSubtype="0" fill="hold" nodeType="clickEffect">
+                                  <p:stCondLst>
+                                    <p:cond delay="0"/>
+                                  </p:stCondLst>
+                                  <p:childTnLst>
+                                    <p:set>
+                                      <p:cBhvr>
+                                        <p:cTn id="16" dur="1" fill="hold">
+                                          <p:stCondLst>
+                                            <p:cond delay="0"/>
+                                          </p:stCondLst>
+                                        </p:cTn>
+                                        <p:tgtEl>
+                                          <p:spTgt spid="3">
+                                            <p:txEl>
+                                              <p:pRg st="3" end="3"/>
+                                            </p:txEl>
+                                          </p:spTgt>
+                                        </p:tgtEl>
+                                        <p:attrNameLst>
+                                          <p:attrName>style.visibility</p:attrName>
+                                        </p:attrNameLst>
+                                      </p:cBhvr>
+                                      <p:to>
+                                        <p:strVal val="visible"/>
+                                      </p:to>
+                                    </p:set>
+                                  </p:childTnLst>
+                                </p:cTn>
+                              </p:par>
+                              <p:par>
+                                <p:cTn id="17" presetID="1" presetClass="entr" presetSubtype="0" fill="hold" nodeType="withEffect">
+                                  <p:stCondLst>
+                                    <p:cond delay="0"/>
+                                  </p:stCondLst>
+                                  <p:childTnLst>
+                                    <p:set>
+                                      <p:cBhvr>
+                                        <p:cTn id="18" dur="1" fill="hold">
+                                          <p:stCondLst>
+                                            <p:cond delay="0"/>
+                                          </p:stCondLst>
+                                        </p:cTn>
+                                        <p:tgtEl>
+                                          <p:spTgt spid="3">
+                                            <p:txEl>
+                                              <p:pRg st="4" end="4"/>
+                                            </p:txEl>
+                                          </p:spTgt>
+                                        </p:tgtEl>
+                                        <p:attrNameLst>
+                                          <p:attrName>style.visibility</p:attrName>
+                                        </p:attrNameLst>
+                                      </p:cBhvr>
+                                      <p:to>
+                                        <p:strVal val="visible"/>
+                                      </p:to>
+                                    </p:set>
+                                  </p:childTnLst>
+                                </p:cTn>
+                              </p:par>
+                              <p:par>
+                                <p:cTn id="19" presetID="1" presetClass="entr" presetSubtype="0" fill="hold" nodeType="withEffect">
+                                  <p:stCondLst>
+                                    <p:cond delay="0"/>
+                                  </p:stCondLst>
+                                  <p:childTnLst>
+                                    <p:set>
+                                      <p:cBhvr>
+                                        <p:cTn id="20" dur="1" fill="hold">
+                                          <p:stCondLst>
+                                            <p:cond delay="0"/>
+                                          </p:stCondLst>
+                                        </p:cTn>
+                                        <p:tgtEl>
+                                          <p:spTgt spid="3">
+                                            <p:txEl>
+                                              <p:pRg st="5" end="5"/>
+                                            </p:txEl>
+                                          </p:spTgt>
+                                        </p:tgtEl>
+                                        <p:attrNameLst>
+                                          <p:attrName>style.visibility</p:attrName>
+                                        </p:attrNameLst>
+                                      </p:cBhvr>
+                                      <p:to>
+                                        <p:strVal val="visible"/>
+                                      </p:to>
+                                    </p:set>
+                                  </p:childTnLst>
+                                </p:cTn>
+                              </p:par>
+                              <p:par>
+                                <p:cTn id="21" presetID="1" presetClass="entr" presetSubtype="0" fill="hold" nodeType="withEffect">
+                                  <p:stCondLst>
+                                    <p:cond delay="0"/>
+                                  </p:stCondLst>
+                                  <p:childTnLst>
+                                    <p:set>
+                                      <p:cBhvr>
+                                        <p:cTn id="22" dur="1" fill="hold">
+                                          <p:stCondLst>
+                                            <p:cond delay="0"/>
+                                          </p:stCondLst>
+                                        </p:cTn>
+                                        <p:tgtEl>
+                                          <p:spTgt spid="3">
+                                            <p:txEl>
+                                              <p:pRg st="6" end="6"/>
+                                            </p:txEl>
+                                          </p:spTgt>
+                                        </p:tgtEl>
+                                        <p:attrNameLst>
+                                          <p:attrName>style.visibility</p:attrName>
+                                        </p:attrNameLst>
+                                      </p:cBhvr>
+                                      <p:to>
+                                        <p:strVal val="visible"/>
+                                      </p:to>
+                                    </p:set>
+                                  </p:childTnLst>
+                                </p:cTn>
+                              </p:par>
+                            </p:childTnLst>
+                          </p:cTn>
+                        </p:par>
+                      </p:childTnLst>
+                    </p:cTn>
+                  </p:par>
+                  <p:par>
+                    <p:cTn id="23" fill="hold">
+                      <p:stCondLst>
+                        <p:cond delay="indefinite"/>
+                      </p:stCondLst>
+                      <p:childTnLst>
+                        <p:par>
+                          <p:cTn id="24" fill="hold">
+                            <p:stCondLst>
+                              <p:cond delay="0"/>
+                            </p:stCondLst>
+                            <p:childTnLst>
+                              <p:par>
+                                <p:cTn id="25" presetID="1" presetClass="entr" presetSubtype="0" fill="hold" nodeType="clickEffect">
+                                  <p:stCondLst>
+                                    <p:cond delay="0"/>
+                                  </p:stCondLst>
+                                  <p:childTnLst>
+                                    <p:set>
+                                      <p:cBhvr>
+                                        <p:cTn id="26" dur="1" fill="hold">
+                                          <p:stCondLst>
+                                            <p:cond delay="0"/>
+                                          </p:stCondLst>
+                                        </p:cTn>
+                                        <p:tgtEl>
+                                          <p:spTgt spid="3">
+                                            <p:txEl>
+                                              <p:pRg st="7" end="7"/>
+                                            </p:txEl>
+                                          </p:spTgt>
+                                        </p:tgtEl>
+                                        <p:attrNameLst>
+                                          <p:attrName>style.visibility</p:attrName>
+                                        </p:attrNameLst>
+                                      </p:cBhvr>
+                                      <p:to>
+                                        <p:strVal val="visible"/>
+                                      </p:to>
+                                    </p:set>
+                                  </p:childTnLst>
+                                </p:cTn>
+                              </p:par>
+                              <p:par>
+                                <p:cTn id="27" presetID="1" presetClass="entr" presetSubtype="0" fill="hold" nodeType="withEffect">
+                                  <p:stCondLst>
+                                    <p:cond delay="0"/>
+                                  </p:stCondLst>
+                                  <p:childTnLst>
+                                    <p:set>
+                                      <p:cBhvr>
+                                        <p:cTn id="28" dur="1" fill="hold">
+                                          <p:stCondLst>
+                                            <p:cond delay="0"/>
+                                          </p:stCondLst>
+                                        </p:cTn>
+                                        <p:tgtEl>
+                                          <p:spTgt spid="3">
+                                            <p:txEl>
+                                              <p:pRg st="8" end="8"/>
+                                            </p:txEl>
+                                          </p:spTgt>
+                                        </p:tgtEl>
+                                        <p:attrNameLst>
+                                          <p:attrName>style.visibility</p:attrName>
+                                        </p:attrNameLst>
+                                      </p:cBhvr>
+                                      <p:to>
+                                        <p:strVal val="visible"/>
+                                      </p:to>
+                                    </p:set>
+                                  </p:childTnLst>
+                                </p:cTn>
+                              </p:par>
+                              <p:par>
+                                <p:cTn id="29" presetID="1" presetClass="entr" presetSubtype="0" fill="hold" nodeType="withEffect">
+                                  <p:stCondLst>
+                                    <p:cond delay="0"/>
+                                  </p:stCondLst>
+                                  <p:childTnLst>
+                                    <p:set>
+                                      <p:cBhvr>
+                                        <p:cTn id="30" dur="1" fill="hold">
+                                          <p:stCondLst>
+                                            <p:cond delay="0"/>
+                                          </p:stCondLst>
+                                        </p:cTn>
+                                        <p:tgtEl>
+                                          <p:spTgt spid="3">
+                                            <p:txEl>
+                                              <p:pRg st="9" end="9"/>
+                                            </p:txEl>
+                                          </p:spTgt>
+                                        </p:tgtEl>
+                                        <p:attrNameLst>
+                                          <p:attrName>style.visibility</p:attrName>
+                                        </p:attrNameLst>
+                                      </p:cBhvr>
+                                      <p:to>
+                                        <p:strVal val="visible"/>
+                                      </p:to>
+                                    </p:set>
+                                  </p:childTnLst>
+                                </p:cTn>
+                              </p:par>
+                            </p:childTnLst>
+                          </p:cTn>
+                        </p:par>
+                      </p:childTnLst>
+                    </p:cTn>
+                  </p:par>
+                  <p:par>
+                    <p:cTn id="31" fill="hold">
+                      <p:stCondLst>
+                        <p:cond delay="indefinite"/>
+                      </p:stCondLst>
+                      <p:childTnLst>
+                        <p:par>
+                          <p:cTn id="32" fill="hold">
+                            <p:stCondLst>
+                              <p:cond delay="0"/>
+                            </p:stCondLst>
+                            <p:childTnLst>
+                              <p:par>
+                                <p:cTn id="33" presetID="1" presetClass="entr" presetSubtype="0" fill="hold" grpId="0" nodeType="clickEffect">
+                                  <p:stCondLst>
+                                    <p:cond delay="0"/>
+                                  </p:stCondLst>
+                                  <p:childTnLst>
+                                    <p:set>
+                                      <p:cBhvr>
+                                        <p:cTn id="34" dur="1" fill="hold">
+                                          <p:stCondLst>
+                                            <p:cond delay="0"/>
+                                          </p:stCondLst>
+                                        </p:cTn>
+                                        <p:tgtEl>
+                                          <p:spTgt spid="12"/>
+                                        </p:tgtEl>
+                                        <p:attrNameLst>
+                                          <p:attrName>style.visibility</p:attrName>
+                                        </p:attrNameLst>
+                                      </p:cBhvr>
+                                      <p:to>
+                                        <p:strVal val="visible"/>
+                                      </p:to>
+                                    </p:set>
+                                  </p:childTnLst>
+                                </p:cTn>
+                              </p:par>
+                            </p:childTnLst>
+                          </p:cTn>
+                        </p:par>
+                        <p:par>
+                          <p:cTn id="35" fill="hold">
+                            <p:stCondLst>
+                              <p:cond delay="0"/>
+                            </p:stCondLst>
+                            <p:childTnLst>
+                              <p:par>
+                                <p:cTn id="36" presetID="63" presetClass="entr" presetSubtype="0" fill="hold" nodeType="afterEffect">
+                                  <p:stCondLst>
+                                    <p:cond delay="500"/>
+                                  </p:stCondLst>
+                                  <p:childTnLst>
+                                    <p:set>
+                                      <p:cBhvr>
+                                        <p:cTn id="37" dur="1" fill="hold">
+                                          <p:stCondLst>
+                                            <p:cond delay="0"/>
+                                          </p:stCondLst>
+                                        </p:cTn>
+                                        <p:tgtEl>
+                                          <p:spTgt spid="7"/>
+                                        </p:tgtEl>
+                                        <p:attrNameLst>
+                                          <p:attrName>style.visibility</p:attrName>
+                                        </p:attrNameLst>
+                                      </p:cBhvr>
+                                      <p:to>
+                                        <p:strVal val="visible"/>
+                                      </p:to>
+                                    </p:set>
+                                    <p:anim calcmode="lin" valueType="num">
+                                      <p:cBhvr>
+                                        <p:cTn id="38" dur="500" fill="hold"/>
+                                        <p:tgtEl>
+                                          <p:spTgt spid="7"/>
+                                        </p:tgtEl>
+                                        <p:attrNameLst>
+                                          <p:attrName>drawProgress</p:attrName>
+                                        </p:attrNameLst>
+                                      </p:cBhvr>
+                                      <p:tavLst>
+                                        <p:tav tm="0">
+                                          <p:val>
+                                            <p:fltVal val="0"/>
+                                          </p:val>
+                                        </p:tav>
+                                        <p:tav tm="100000">
+                                          <p:val>
+                                            <p:fltVal val="1"/>
+                                          </p:val>
+                                        </p:tav>
+                                      </p:tavLst>
+                                    </p:anim>
+                                  </p:childTnLst>
+                                </p:cTn>
+                              </p:par>
+                            </p:childTnLst>
+                          </p:cTn>
+                        </p:par>
+                        <p:par>
+                          <p:cTn id="39" fill="hold">
+                            <p:stCondLst>
+                              <p:cond delay="1000"/>
+                            </p:stCondLst>
+                            <p:childTnLst>
+                              <p:par>
+                                <p:cTn id="40" presetID="63" presetClass="entr" presetSubtype="0" fill="hold" nodeType="afterEffect">
+                                  <p:stCondLst>
+                                    <p:cond delay="500"/>
+                                  </p:stCondLst>
+                                  <p:childTnLst>
+                                    <p:set>
+                                      <p:cBhvr>
+                                        <p:cTn id="41" dur="1" fill="hold">
+                                          <p:stCondLst>
+                                            <p:cond delay="0"/>
+                                          </p:stCondLst>
+                                        </p:cTn>
+                                        <p:tgtEl>
+                                          <p:spTgt spid="14"/>
+                                        </p:tgtEl>
+                                        <p:attrNameLst>
+                                          <p:attrName>style.visibility</p:attrName>
+                                        </p:attrNameLst>
+                                      </p:cBhvr>
+                                      <p:to>
+                                        <p:strVal val="visible"/>
+                                      </p:to>
+                                    </p:set>
+                                    <p:anim calcmode="lin" valueType="num">
+                                      <p:cBhvr>
+                                        <p:cTn id="42" dur="500" fill="hold"/>
+                                        <p:tgtEl>
+                                          <p:spTgt spid="14"/>
+                                        </p:tgtEl>
+                                        <p:attrNameLst>
+                                          <p:attrName>drawProgress</p:attrName>
+                                        </p:attrNameLst>
+                                      </p:cBhvr>
+                                      <p:tavLst>
+                                        <p:tav tm="0">
+                                          <p:val>
+                                            <p:fltVal val="0"/>
+                                          </p:val>
+                                        </p:tav>
+                                        <p:tav tm="100000">
+                                          <p:val>
+                                            <p:fltVal val="1"/>
+                                          </p:val>
+                                        </p:tav>
+                                      </p:tavLst>
+                                    </p:anim>
+                                  </p:childTnLst>
+                                </p:cTn>
+                              </p:par>
+                            </p:childTnLst>
+                          </p:cTn>
+                        </p:par>
+                        <p:par>
+                          <p:cTn id="43" fill="hold">
+                            <p:stCondLst>
+                              <p:cond delay="2000"/>
+                            </p:stCondLst>
+                            <p:childTnLst>
+                              <p:par>
+                                <p:cTn id="44" presetID="63" presetClass="entr" presetSubtype="0" fill="hold" nodeType="afterEffect">
+                                  <p:stCondLst>
+                                    <p:cond delay="0"/>
+                                  </p:stCondLst>
+                                  <p:childTnLst>
+                                    <p:set>
+                                      <p:cBhvr>
+                                        <p:cTn id="45" dur="1" fill="hold">
+                                          <p:stCondLst>
+                                            <p:cond delay="0"/>
+                                          </p:stCondLst>
+                                        </p:cTn>
+                                        <p:tgtEl>
+                                          <p:spTgt spid="18"/>
+                                        </p:tgtEl>
+                                        <p:attrNameLst>
+                                          <p:attrName>style.visibility</p:attrName>
+                                        </p:attrNameLst>
+                                      </p:cBhvr>
+                                      <p:to>
+                                        <p:strVal val="visible"/>
+                                      </p:to>
+                                    </p:set>
+                                    <p:anim calcmode="lin" valueType="num">
+                                      <p:cBhvr>
+                                        <p:cTn id="46" dur="250" fill="hold"/>
+                                        <p:tgtEl>
+                                          <p:spTgt spid="18"/>
+                                        </p:tgtEl>
+                                        <p:attrNameLst>
+                                          <p:attrName>drawProgress</p:attrName>
+                                        </p:attrNameLst>
+                                      </p:cBhvr>
+                                      <p:tavLst>
+                                        <p:tav tm="0">
+                                          <p:val>
+                                            <p:fltVal val="0"/>
+                                          </p:val>
+                                        </p:tav>
+                                        <p:tav tm="100000">
+                                          <p:val>
+                                            <p:fltVal val="1"/>
+                                          </p:val>
+                                        </p:tav>
+                                      </p:tavLst>
+                                    </p:anim>
+                                  </p:childTnLst>
+                                </p:cTn>
+                              </p:par>
+                            </p:childTnLst>
+                          </p:cTn>
+                        </p:par>
+                        <p:par>
+                          <p:cTn id="47" fill="hold">
+                            <p:stCondLst>
+                              <p:cond delay="2250"/>
+                            </p:stCondLst>
+                            <p:childTnLst>
+                              <p:par>
+                                <p:cTn id="48" presetID="6" presetClass="emph" presetSubtype="0" repeatCount="indefinite" autoRev="1" fill="hold" nodeType="afterEffect">
+                                  <p:stCondLst>
+                                    <p:cond delay="1000"/>
+                                  </p:stCondLst>
+                                  <p:childTnLst>
+                                    <p:animScale>
+                                      <p:cBhvr>
+                                        <p:cTn id="49" dur="500" fill="hold"/>
+                                        <p:tgtEl>
+                                          <p:spTgt spid="18"/>
+                                        </p:tgtEl>
+                                      </p:cBhvr>
+                                      <p:by x="150000" y="150000"/>
+                                    </p:animScale>
+                                  </p:childTnLst>
+                                </p:cTn>
+                              </p:par>
+                            </p:childTnLst>
+                          </p:cTn>
+                        </p:par>
+                      </p:childTnLst>
+                    </p:cTn>
+                  </p:par>
+                </p:childTnLst>
+              </p:cTn>
+              <p:prevCondLst>
+                <p:cond evt="onPrev" delay="0">
+                  <p:tgtEl>
+                    <p:sldTgt/>
+                  </p:tgtEl>
+                </p:cond>
+              </p:prevCondLst>
+              <p:nextCondLst>
+                <p:cond evt="onNext" delay="0">
+                  <p:tgtEl>
+                    <p:sldTgt/>
+                  </p:tgtEl>
+                </p:cond>
+              </p:nextCondLst>
+            </p:seq>
+          </p:childTnLst>
+        </p:cTn>
+      </p:par>
+    </p:tnLst>
+    <p:bldLst>
+      <p:bldP spid="12" grpId="0"/>
+    </p:bldLst>
+  </p:timing>
 </p:sld>
 </file>
 
@@ -11874,7 +14351,7 @@
         </p:nvSpPr>
         <p:spPr>
           <a:xfrm>
-            <a:off x="1265583" y="1825625"/>
+            <a:off x="1265583" y="1819529"/>
             <a:ext cx="10515600" cy="4351338"/>
           </a:xfrm>
         </p:spPr>
@@ -11925,7 +14402,7 @@
             </a:pPr>
             <a:r>
               <a:rPr lang="en-GB" dirty="0"/>
-              <a:t>Maintained by </a:t>
+              <a:t>Maintained by                      (of                 fame) </a:t>
             </a:r>
           </a:p>
           <a:p>
@@ -11934,7 +14411,7 @@
               <a:rPr lang="en-GB" dirty="0">
                 <a:hlinkClick r:id="rId4"/>
               </a:rPr>
-              <a:t>https://shiny.rstudio.com/</a:t>
+              <a:t>https://shiny.posit.co/</a:t>
             </a:r>
             <a:endParaRPr lang="en-GB" dirty="0"/>
           </a:p>
@@ -11974,8 +14451,44 @@
         </p:blipFill>
         <p:spPr>
           <a:xfrm>
-            <a:off x="3651323" y="4084721"/>
-            <a:ext cx="1745383" cy="613611"/>
+            <a:off x="6345755" y="4129543"/>
+            <a:ext cx="1359589" cy="477980"/>
+          </a:xfrm>
+          <a:prstGeom prst="rect">
+            <a:avLst/>
+          </a:prstGeom>
+        </p:spPr>
+      </p:pic>
+      <p:pic>
+        <p:nvPicPr>
+          <p:cNvPr id="11" name="Picture 10" descr="A white circle on a black background&#10;&#10;Description automatically generated">
+            <a:extLst>
+              <a:ext uri="{FF2B5EF4-FFF2-40B4-BE49-F238E27FC236}">
+                <a16:creationId xmlns:a16="http://schemas.microsoft.com/office/drawing/2014/main" id="{53AA340E-6562-0260-FBE4-0C34F2999576}"/>
+              </a:ext>
+            </a:extLst>
+          </p:cNvPr>
+          <p:cNvPicPr>
+            <a:picLocks noChangeAspect="1"/>
+          </p:cNvPicPr>
+          <p:nvPr/>
+        </p:nvPicPr>
+        <p:blipFill>
+          <a:blip r:embed="rId6">
+            <a:extLst>
+              <a:ext uri="{28A0092B-C50C-407E-A947-70E740481C1C}">
+                <a14:useLocalDpi xmlns:a14="http://schemas.microsoft.com/office/drawing/2010/main" val="0"/>
+              </a:ext>
+            </a:extLst>
+          </a:blip>
+          <a:stretch>
+            <a:fillRect/>
+          </a:stretch>
+        </p:blipFill>
+        <p:spPr>
+          <a:xfrm>
+            <a:off x="3669611" y="4199483"/>
+            <a:ext cx="1640005" cy="408040"/>
           </a:xfrm>
           <a:prstGeom prst="rect">
             <a:avLst/>

--- a/slides/shiny-workshop.pptx
+++ b/slides/shiny-workshop.pptx
@@ -6,7 +6,7 @@
     <p:sldMasterId id="2147483666" r:id="rId5"/>
   </p:sldMasterIdLst>
   <p:notesMasterIdLst>
-    <p:notesMasterId r:id="rId26"/>
+    <p:notesMasterId r:id="rId29"/>
   </p:notesMasterIdLst>
   <p:sldIdLst>
     <p:sldId id="256" r:id="rId6"/>
@@ -22,13 +22,16 @@
     <p:sldId id="283" r:id="rId16"/>
     <p:sldId id="267" r:id="rId17"/>
     <p:sldId id="266" r:id="rId18"/>
-    <p:sldId id="268" r:id="rId19"/>
-    <p:sldId id="285" r:id="rId20"/>
-    <p:sldId id="277" r:id="rId21"/>
-    <p:sldId id="284" r:id="rId22"/>
-    <p:sldId id="278" r:id="rId23"/>
-    <p:sldId id="280" r:id="rId24"/>
-    <p:sldId id="279" r:id="rId25"/>
+    <p:sldId id="287" r:id="rId19"/>
+    <p:sldId id="268" r:id="rId20"/>
+    <p:sldId id="285" r:id="rId21"/>
+    <p:sldId id="277" r:id="rId22"/>
+    <p:sldId id="284" r:id="rId23"/>
+    <p:sldId id="278" r:id="rId24"/>
+    <p:sldId id="280" r:id="rId25"/>
+    <p:sldId id="279" r:id="rId26"/>
+    <p:sldId id="281" r:id="rId27"/>
+    <p:sldId id="286" r:id="rId28"/>
   </p:sldIdLst>
   <p:sldSz cx="12192000" cy="6858000"/>
   <p:notesSz cx="6858000" cy="9144000"/>
@@ -128,6 +131,41 @@
     </a:lvl9pPr>
   </p:defaultTextStyle>
   <p:extLst>
+    <p:ext uri="{521415D9-36F7-43E2-AB2F-B90AF26B5E84}">
+      <p14:sectionLst xmlns:p14="http://schemas.microsoft.com/office/powerpoint/2010/main">
+        <p14:section name="Default Section" id="{A7E68D92-E73D-4206-9BE1-7E502441BBF6}">
+          <p14:sldIdLst>
+            <p14:sldId id="256"/>
+            <p14:sldId id="258"/>
+            <p14:sldId id="259"/>
+            <p14:sldId id="260"/>
+            <p14:sldId id="261"/>
+            <p14:sldId id="263"/>
+            <p14:sldId id="262"/>
+            <p14:sldId id="264"/>
+            <p14:sldId id="265"/>
+            <p14:sldId id="269"/>
+            <p14:sldId id="283"/>
+            <p14:sldId id="267"/>
+            <p14:sldId id="266"/>
+            <p14:sldId id="287"/>
+            <p14:sldId id="268"/>
+            <p14:sldId id="285"/>
+            <p14:sldId id="277"/>
+            <p14:sldId id="284"/>
+            <p14:sldId id="278"/>
+            <p14:sldId id="280"/>
+            <p14:sldId id="279"/>
+          </p14:sldIdLst>
+        </p14:section>
+        <p14:section name="Extras" id="{2D59D2DA-0D62-4FA2-A3AF-628BE5130861}">
+          <p14:sldIdLst>
+            <p14:sldId id="281"/>
+            <p14:sldId id="286"/>
+          </p14:sldIdLst>
+        </p14:section>
+      </p14:sectionLst>
+    </p:ext>
     <p:ext uri="{EFAFB233-063F-42B5-8137-9DF3F51BA10A}">
       <p15:sldGuideLst xmlns:p15="http://schemas.microsoft.com/office/powerpoint/2012/main"/>
     </p:ext>
@@ -1096,7 +1134,7 @@
           <a:p>
             <a:fld id="{C192C1EE-9FB9-4797-86C2-7306F5547C9A}" type="datetimeFigureOut">
               <a:rPr lang="en-NL" smtClean="0"/>
-              <a:t>10/16/2023</a:t>
+              <a:t>19/10/2025</a:t>
             </a:fld>
             <a:endParaRPr lang="en-NL"/>
           </a:p>
@@ -1364,6 +1402,1529 @@
 </p:notesMaster>
 </file>
 
+<file path=ppt/notesSlides/notesSlide1.xml><?xml version="1.0" encoding="utf-8"?>
+<p:notes xmlns:a="http://schemas.openxmlformats.org/drawingml/2006/main" xmlns:r="http://schemas.openxmlformats.org/officeDocument/2006/relationships" xmlns:p="http://schemas.openxmlformats.org/presentationml/2006/main">
+  <p:cSld>
+    <p:spTree>
+      <p:nvGrpSpPr>
+        <p:cNvPr id="1" name=""/>
+        <p:cNvGrpSpPr/>
+        <p:nvPr/>
+      </p:nvGrpSpPr>
+      <p:grpSpPr>
+        <a:xfrm>
+          <a:off x="0" y="0"/>
+          <a:ext cx="0" cy="0"/>
+          <a:chOff x="0" y="0"/>
+          <a:chExt cx="0" cy="0"/>
+        </a:xfrm>
+      </p:grpSpPr>
+      <p:sp>
+        <p:nvSpPr>
+          <p:cNvPr id="2" name="Slide Image Placeholder 1"/>
+          <p:cNvSpPr>
+            <a:spLocks noGrp="1" noRot="1" noChangeAspect="1"/>
+          </p:cNvSpPr>
+          <p:nvPr>
+            <p:ph type="sldImg"/>
+          </p:nvPr>
+        </p:nvSpPr>
+        <p:spPr/>
+      </p:sp>
+      <p:sp>
+        <p:nvSpPr>
+          <p:cNvPr id="3" name="Notes Placeholder 2"/>
+          <p:cNvSpPr>
+            <a:spLocks noGrp="1"/>
+          </p:cNvSpPr>
+          <p:nvPr>
+            <p:ph type="body" idx="1"/>
+          </p:nvPr>
+        </p:nvSpPr>
+        <p:spPr/>
+        <p:txBody>
+          <a:bodyPr/>
+          <a:lstStyle/>
+          <a:p>
+            <a:pPr marL="228600" indent="-228600">
+              <a:buAutoNum type="arabicPeriod"/>
+            </a:pPr>
+            <a:r>
+              <a:rPr lang="en-GB" dirty="0"/>
+              <a:t>Quick intro to what shiny does and how it does it</a:t>
+            </a:r>
+          </a:p>
+          <a:p>
+            <a:pPr marL="228600" indent="-228600">
+              <a:buAutoNum type="arabicPeriod"/>
+            </a:pPr>
+            <a:r>
+              <a:rPr lang="en-GB" dirty="0"/>
+              <a:t>Group “hello world” minimal app</a:t>
+            </a:r>
+          </a:p>
+          <a:p>
+            <a:pPr marL="228600" indent="-228600">
+              <a:buAutoNum type="arabicPeriod"/>
+            </a:pPr>
+            <a:r>
+              <a:rPr lang="en-GB" dirty="0"/>
+              <a:t>Practical, work on your own app, I may highlight some concepts with examples</a:t>
+            </a:r>
+          </a:p>
+        </p:txBody>
+      </p:sp>
+      <p:sp>
+        <p:nvSpPr>
+          <p:cNvPr id="4" name="Slide Number Placeholder 3"/>
+          <p:cNvSpPr>
+            <a:spLocks noGrp="1"/>
+          </p:cNvSpPr>
+          <p:nvPr>
+            <p:ph type="sldNum" sz="quarter" idx="5"/>
+          </p:nvPr>
+        </p:nvSpPr>
+        <p:spPr/>
+        <p:txBody>
+          <a:bodyPr/>
+          <a:lstStyle/>
+          <a:p>
+            <a:fld id="{B3C92FBA-C01C-4DAA-B6A9-47A1B3A2B610}" type="slidenum">
+              <a:rPr lang="en-NL" smtClean="0"/>
+              <a:t>2</a:t>
+            </a:fld>
+            <a:endParaRPr lang="en-NL"/>
+          </a:p>
+        </p:txBody>
+      </p:sp>
+    </p:spTree>
+    <p:extLst>
+      <p:ext uri="{BB962C8B-B14F-4D97-AF65-F5344CB8AC3E}">
+        <p14:creationId xmlns:p14="http://schemas.microsoft.com/office/powerpoint/2010/main" val="2104177882"/>
+      </p:ext>
+    </p:extLst>
+  </p:cSld>
+  <p:clrMapOvr>
+    <a:masterClrMapping/>
+  </p:clrMapOvr>
+</p:notes>
+</file>
+
+<file path=ppt/notesSlides/notesSlide10.xml><?xml version="1.0" encoding="utf-8"?>
+<p:notes xmlns:a="http://schemas.openxmlformats.org/drawingml/2006/main" xmlns:r="http://schemas.openxmlformats.org/officeDocument/2006/relationships" xmlns:p="http://schemas.openxmlformats.org/presentationml/2006/main">
+  <p:cSld>
+    <p:spTree>
+      <p:nvGrpSpPr>
+        <p:cNvPr id="1" name=""/>
+        <p:cNvGrpSpPr/>
+        <p:nvPr/>
+      </p:nvGrpSpPr>
+      <p:grpSpPr>
+        <a:xfrm>
+          <a:off x="0" y="0"/>
+          <a:ext cx="0" cy="0"/>
+          <a:chOff x="0" y="0"/>
+          <a:chExt cx="0" cy="0"/>
+        </a:xfrm>
+      </p:grpSpPr>
+      <p:sp>
+        <p:nvSpPr>
+          <p:cNvPr id="2" name="Slide Image Placeholder 1"/>
+          <p:cNvSpPr>
+            <a:spLocks noGrp="1" noRot="1" noChangeAspect="1"/>
+          </p:cNvSpPr>
+          <p:nvPr>
+            <p:ph type="sldImg"/>
+          </p:nvPr>
+        </p:nvSpPr>
+        <p:spPr/>
+      </p:sp>
+      <p:sp>
+        <p:nvSpPr>
+          <p:cNvPr id="3" name="Notes Placeholder 2"/>
+          <p:cNvSpPr>
+            <a:spLocks noGrp="1"/>
+          </p:cNvSpPr>
+          <p:nvPr>
+            <p:ph type="body" idx="1"/>
+          </p:nvPr>
+        </p:nvSpPr>
+        <p:spPr/>
+        <p:txBody>
+          <a:bodyPr/>
+          <a:lstStyle/>
+          <a:p>
+            <a:r>
+              <a:rPr lang="en-GB" dirty="0"/>
+              <a:t>As the user interface and the server code are two separate components, we typically save them as separate R files</a:t>
+            </a:r>
+            <a:endParaRPr lang="en-NL" dirty="0"/>
+          </a:p>
+        </p:txBody>
+      </p:sp>
+      <p:sp>
+        <p:nvSpPr>
+          <p:cNvPr id="4" name="Slide Number Placeholder 3"/>
+          <p:cNvSpPr>
+            <a:spLocks noGrp="1"/>
+          </p:cNvSpPr>
+          <p:nvPr>
+            <p:ph type="sldNum" sz="quarter" idx="5"/>
+          </p:nvPr>
+        </p:nvSpPr>
+        <p:spPr/>
+        <p:txBody>
+          <a:bodyPr/>
+          <a:lstStyle/>
+          <a:p>
+            <a:fld id="{B3C92FBA-C01C-4DAA-B6A9-47A1B3A2B610}" type="slidenum">
+              <a:rPr lang="en-NL" smtClean="0"/>
+              <a:t>13</a:t>
+            </a:fld>
+            <a:endParaRPr lang="en-NL"/>
+          </a:p>
+        </p:txBody>
+      </p:sp>
+    </p:spTree>
+    <p:extLst>
+      <p:ext uri="{BB962C8B-B14F-4D97-AF65-F5344CB8AC3E}">
+        <p14:creationId xmlns:p14="http://schemas.microsoft.com/office/powerpoint/2010/main" val="54873749"/>
+      </p:ext>
+    </p:extLst>
+  </p:cSld>
+  <p:clrMapOvr>
+    <a:masterClrMapping/>
+  </p:clrMapOvr>
+</p:notes>
+</file>
+
+<file path=ppt/notesSlides/notesSlide11.xml><?xml version="1.0" encoding="utf-8"?>
+<p:notes xmlns:a="http://schemas.openxmlformats.org/drawingml/2006/main" xmlns:r="http://schemas.openxmlformats.org/officeDocument/2006/relationships" xmlns:p="http://schemas.openxmlformats.org/presentationml/2006/main">
+  <p:cSld>
+    <p:spTree>
+      <p:nvGrpSpPr>
+        <p:cNvPr id="1" name=""/>
+        <p:cNvGrpSpPr/>
+        <p:nvPr/>
+      </p:nvGrpSpPr>
+      <p:grpSpPr>
+        <a:xfrm>
+          <a:off x="0" y="0"/>
+          <a:ext cx="0" cy="0"/>
+          <a:chOff x="0" y="0"/>
+          <a:chExt cx="0" cy="0"/>
+        </a:xfrm>
+      </p:grpSpPr>
+      <p:sp>
+        <p:nvSpPr>
+          <p:cNvPr id="2" name="Slide Image Placeholder 1"/>
+          <p:cNvSpPr>
+            <a:spLocks noGrp="1" noRot="1" noChangeAspect="1"/>
+          </p:cNvSpPr>
+          <p:nvPr>
+            <p:ph type="sldImg"/>
+          </p:nvPr>
+        </p:nvSpPr>
+        <p:spPr/>
+      </p:sp>
+      <p:sp>
+        <p:nvSpPr>
+          <p:cNvPr id="3" name="Notes Placeholder 2"/>
+          <p:cNvSpPr>
+            <a:spLocks noGrp="1"/>
+          </p:cNvSpPr>
+          <p:nvPr>
+            <p:ph type="body" idx="1"/>
+          </p:nvPr>
+        </p:nvSpPr>
+        <p:spPr/>
+        <p:txBody>
+          <a:bodyPr/>
+          <a:lstStyle/>
+          <a:p>
+            <a:r>
+              <a:rPr lang="en-GB" dirty="0"/>
+              <a:t>Or, especially in smaller apps, we combine a </a:t>
+            </a:r>
+            <a:r>
+              <a:rPr lang="en-GB" dirty="0" err="1"/>
+              <a:t>ui</a:t>
+            </a:r>
+            <a:r>
+              <a:rPr lang="en-GB" dirty="0"/>
+              <a:t> object and server function in a single </a:t>
+            </a:r>
+            <a:r>
+              <a:rPr lang="en-GB" dirty="0" err="1"/>
+              <a:t>app.R</a:t>
+            </a:r>
+            <a:r>
+              <a:rPr lang="en-GB" dirty="0"/>
+              <a:t> file.</a:t>
+            </a:r>
+            <a:endParaRPr lang="en-NL" dirty="0"/>
+          </a:p>
+        </p:txBody>
+      </p:sp>
+      <p:sp>
+        <p:nvSpPr>
+          <p:cNvPr id="4" name="Slide Number Placeholder 3"/>
+          <p:cNvSpPr>
+            <a:spLocks noGrp="1"/>
+          </p:cNvSpPr>
+          <p:nvPr>
+            <p:ph type="sldNum" sz="quarter" idx="5"/>
+          </p:nvPr>
+        </p:nvSpPr>
+        <p:spPr/>
+        <p:txBody>
+          <a:bodyPr/>
+          <a:lstStyle/>
+          <a:p>
+            <a:fld id="{B3C92FBA-C01C-4DAA-B6A9-47A1B3A2B610}" type="slidenum">
+              <a:rPr lang="en-NL" smtClean="0"/>
+              <a:t>14</a:t>
+            </a:fld>
+            <a:endParaRPr lang="en-NL"/>
+          </a:p>
+        </p:txBody>
+      </p:sp>
+    </p:spTree>
+    <p:extLst>
+      <p:ext uri="{BB962C8B-B14F-4D97-AF65-F5344CB8AC3E}">
+        <p14:creationId xmlns:p14="http://schemas.microsoft.com/office/powerpoint/2010/main" val="2425754929"/>
+      </p:ext>
+    </p:extLst>
+  </p:cSld>
+  <p:clrMapOvr>
+    <a:masterClrMapping/>
+  </p:clrMapOvr>
+</p:notes>
+</file>
+
+<file path=ppt/notesSlides/notesSlide12.xml><?xml version="1.0" encoding="utf-8"?>
+<p:notes xmlns:a="http://schemas.openxmlformats.org/drawingml/2006/main" xmlns:r="http://schemas.openxmlformats.org/officeDocument/2006/relationships" xmlns:p="http://schemas.openxmlformats.org/presentationml/2006/main">
+  <p:cSld>
+    <p:spTree>
+      <p:nvGrpSpPr>
+        <p:cNvPr id="1" name=""/>
+        <p:cNvGrpSpPr/>
+        <p:nvPr/>
+      </p:nvGrpSpPr>
+      <p:grpSpPr>
+        <a:xfrm>
+          <a:off x="0" y="0"/>
+          <a:ext cx="0" cy="0"/>
+          <a:chOff x="0" y="0"/>
+          <a:chExt cx="0" cy="0"/>
+        </a:xfrm>
+      </p:grpSpPr>
+      <p:sp>
+        <p:nvSpPr>
+          <p:cNvPr id="2" name="Slide Image Placeholder 1"/>
+          <p:cNvSpPr>
+            <a:spLocks noGrp="1" noRot="1" noChangeAspect="1"/>
+          </p:cNvSpPr>
+          <p:nvPr>
+            <p:ph type="sldImg"/>
+          </p:nvPr>
+        </p:nvSpPr>
+        <p:spPr/>
+      </p:sp>
+      <p:sp>
+        <p:nvSpPr>
+          <p:cNvPr id="3" name="Notes Placeholder 2"/>
+          <p:cNvSpPr>
+            <a:spLocks noGrp="1"/>
+          </p:cNvSpPr>
+          <p:nvPr>
+            <p:ph type="body" idx="1"/>
+          </p:nvPr>
+        </p:nvSpPr>
+        <p:spPr/>
+        <p:txBody>
+          <a:bodyPr/>
+          <a:lstStyle/>
+          <a:p>
+            <a:r>
+              <a:rPr lang="en-GB" dirty="0"/>
+              <a:t>Ui and server have different responsibilities</a:t>
+            </a:r>
+          </a:p>
+          <a:p>
+            <a:endParaRPr lang="en-GB" dirty="0"/>
+          </a:p>
+          <a:p>
+            <a:r>
+              <a:rPr lang="en-GB" dirty="0"/>
+              <a:t>UI is largely static, defining a list of inputs and outputs, and how they are shown</a:t>
+            </a:r>
+          </a:p>
+          <a:p>
+            <a:endParaRPr lang="en-GB" dirty="0"/>
+          </a:p>
+          <a:p>
+            <a:r>
+              <a:rPr lang="en-GB" dirty="0"/>
+              <a:t>Server is a function that handles data, logic and state.</a:t>
+            </a:r>
+            <a:endParaRPr lang="en-NL" dirty="0"/>
+          </a:p>
+        </p:txBody>
+      </p:sp>
+      <p:sp>
+        <p:nvSpPr>
+          <p:cNvPr id="4" name="Slide Number Placeholder 3"/>
+          <p:cNvSpPr>
+            <a:spLocks noGrp="1"/>
+          </p:cNvSpPr>
+          <p:nvPr>
+            <p:ph type="sldNum" sz="quarter" idx="5"/>
+          </p:nvPr>
+        </p:nvSpPr>
+        <p:spPr/>
+        <p:txBody>
+          <a:bodyPr/>
+          <a:lstStyle/>
+          <a:p>
+            <a:fld id="{B3C92FBA-C01C-4DAA-B6A9-47A1B3A2B610}" type="slidenum">
+              <a:rPr lang="en-NL" smtClean="0"/>
+              <a:t>15</a:t>
+            </a:fld>
+            <a:endParaRPr lang="en-NL"/>
+          </a:p>
+        </p:txBody>
+      </p:sp>
+    </p:spTree>
+    <p:extLst>
+      <p:ext uri="{BB962C8B-B14F-4D97-AF65-F5344CB8AC3E}">
+        <p14:creationId xmlns:p14="http://schemas.microsoft.com/office/powerpoint/2010/main" val="3992064233"/>
+      </p:ext>
+    </p:extLst>
+  </p:cSld>
+  <p:clrMapOvr>
+    <a:masterClrMapping/>
+  </p:clrMapOvr>
+</p:notes>
+</file>
+
+<file path=ppt/notesSlides/notesSlide13.xml><?xml version="1.0" encoding="utf-8"?>
+<p:notes xmlns:a="http://schemas.openxmlformats.org/drawingml/2006/main" xmlns:r="http://schemas.openxmlformats.org/officeDocument/2006/relationships" xmlns:p="http://schemas.openxmlformats.org/presentationml/2006/main">
+  <p:cSld>
+    <p:spTree>
+      <p:nvGrpSpPr>
+        <p:cNvPr id="1" name=""/>
+        <p:cNvGrpSpPr/>
+        <p:nvPr/>
+      </p:nvGrpSpPr>
+      <p:grpSpPr>
+        <a:xfrm>
+          <a:off x="0" y="0"/>
+          <a:ext cx="0" cy="0"/>
+          <a:chOff x="0" y="0"/>
+          <a:chExt cx="0" cy="0"/>
+        </a:xfrm>
+      </p:grpSpPr>
+      <p:sp>
+        <p:nvSpPr>
+          <p:cNvPr id="2" name="Slide Image Placeholder 1"/>
+          <p:cNvSpPr>
+            <a:spLocks noGrp="1" noRot="1" noChangeAspect="1"/>
+          </p:cNvSpPr>
+          <p:nvPr>
+            <p:ph type="sldImg"/>
+          </p:nvPr>
+        </p:nvSpPr>
+        <p:spPr/>
+      </p:sp>
+      <p:sp>
+        <p:nvSpPr>
+          <p:cNvPr id="3" name="Notes Placeholder 2"/>
+          <p:cNvSpPr>
+            <a:spLocks noGrp="1"/>
+          </p:cNvSpPr>
+          <p:nvPr>
+            <p:ph type="body" idx="1"/>
+          </p:nvPr>
+        </p:nvSpPr>
+        <p:spPr/>
+        <p:txBody>
+          <a:bodyPr/>
+          <a:lstStyle/>
+          <a:p>
+            <a:r>
+              <a:rPr lang="en-GB" dirty="0"/>
+              <a:t>Let’s take the example app and create a simple interactive greeter app.</a:t>
+            </a:r>
+            <a:endParaRPr lang="en-NL" dirty="0"/>
+          </a:p>
+        </p:txBody>
+      </p:sp>
+      <p:sp>
+        <p:nvSpPr>
+          <p:cNvPr id="4" name="Slide Number Placeholder 3"/>
+          <p:cNvSpPr>
+            <a:spLocks noGrp="1"/>
+          </p:cNvSpPr>
+          <p:nvPr>
+            <p:ph type="sldNum" sz="quarter" idx="5"/>
+          </p:nvPr>
+        </p:nvSpPr>
+        <p:spPr/>
+        <p:txBody>
+          <a:bodyPr/>
+          <a:lstStyle/>
+          <a:p>
+            <a:fld id="{B3C92FBA-C01C-4DAA-B6A9-47A1B3A2B610}" type="slidenum">
+              <a:rPr lang="en-NL" smtClean="0"/>
+              <a:t>20</a:t>
+            </a:fld>
+            <a:endParaRPr lang="en-NL"/>
+          </a:p>
+        </p:txBody>
+      </p:sp>
+    </p:spTree>
+    <p:extLst>
+      <p:ext uri="{BB962C8B-B14F-4D97-AF65-F5344CB8AC3E}">
+        <p14:creationId xmlns:p14="http://schemas.microsoft.com/office/powerpoint/2010/main" val="1397335352"/>
+      </p:ext>
+    </p:extLst>
+  </p:cSld>
+  <p:clrMapOvr>
+    <a:masterClrMapping/>
+  </p:clrMapOvr>
+</p:notes>
+</file>
+
+<file path=ppt/notesSlides/notesSlide14.xml><?xml version="1.0" encoding="utf-8"?>
+<p:notes xmlns:a="http://schemas.openxmlformats.org/drawingml/2006/main" xmlns:r="http://schemas.openxmlformats.org/officeDocument/2006/relationships" xmlns:p="http://schemas.openxmlformats.org/presentationml/2006/main">
+  <p:cSld>
+    <p:spTree>
+      <p:nvGrpSpPr>
+        <p:cNvPr id="1" name=""/>
+        <p:cNvGrpSpPr/>
+        <p:nvPr/>
+      </p:nvGrpSpPr>
+      <p:grpSpPr>
+        <a:xfrm>
+          <a:off x="0" y="0"/>
+          <a:ext cx="0" cy="0"/>
+          <a:chOff x="0" y="0"/>
+          <a:chExt cx="0" cy="0"/>
+        </a:xfrm>
+      </p:grpSpPr>
+      <p:sp>
+        <p:nvSpPr>
+          <p:cNvPr id="2" name="Slide Image Placeholder 1"/>
+          <p:cNvSpPr>
+            <a:spLocks noGrp="1" noRot="1" noChangeAspect="1"/>
+          </p:cNvSpPr>
+          <p:nvPr>
+            <p:ph type="sldImg"/>
+          </p:nvPr>
+        </p:nvSpPr>
+        <p:spPr/>
+      </p:sp>
+      <p:sp>
+        <p:nvSpPr>
+          <p:cNvPr id="3" name="Notes Placeholder 2"/>
+          <p:cNvSpPr>
+            <a:spLocks noGrp="1"/>
+          </p:cNvSpPr>
+          <p:nvPr>
+            <p:ph type="body" idx="1"/>
+          </p:nvPr>
+        </p:nvSpPr>
+        <p:spPr/>
+        <p:txBody>
+          <a:bodyPr/>
+          <a:lstStyle/>
+          <a:p>
+            <a:endParaRPr lang="en-NL" dirty="0"/>
+          </a:p>
+        </p:txBody>
+      </p:sp>
+      <p:sp>
+        <p:nvSpPr>
+          <p:cNvPr id="4" name="Slide Number Placeholder 3"/>
+          <p:cNvSpPr>
+            <a:spLocks noGrp="1"/>
+          </p:cNvSpPr>
+          <p:nvPr>
+            <p:ph type="sldNum" sz="quarter" idx="5"/>
+          </p:nvPr>
+        </p:nvSpPr>
+        <p:spPr/>
+        <p:txBody>
+          <a:bodyPr/>
+          <a:lstStyle/>
+          <a:p>
+            <a:fld id="{B3C92FBA-C01C-4DAA-B6A9-47A1B3A2B610}" type="slidenum">
+              <a:rPr lang="en-NL" smtClean="0"/>
+              <a:t>21</a:t>
+            </a:fld>
+            <a:endParaRPr lang="en-NL"/>
+          </a:p>
+        </p:txBody>
+      </p:sp>
+    </p:spTree>
+    <p:extLst>
+      <p:ext uri="{BB962C8B-B14F-4D97-AF65-F5344CB8AC3E}">
+        <p14:creationId xmlns:p14="http://schemas.microsoft.com/office/powerpoint/2010/main" val="407030457"/>
+      </p:ext>
+    </p:extLst>
+  </p:cSld>
+  <p:clrMapOvr>
+    <a:masterClrMapping/>
+  </p:clrMapOvr>
+</p:notes>
+</file>
+
+<file path=ppt/notesSlides/notesSlide15.xml><?xml version="1.0" encoding="utf-8"?>
+<p:notes xmlns:a="http://schemas.openxmlformats.org/drawingml/2006/main" xmlns:r="http://schemas.openxmlformats.org/officeDocument/2006/relationships" xmlns:p="http://schemas.openxmlformats.org/presentationml/2006/main">
+  <p:cSld>
+    <p:spTree>
+      <p:nvGrpSpPr>
+        <p:cNvPr id="1" name=""/>
+        <p:cNvGrpSpPr/>
+        <p:nvPr/>
+      </p:nvGrpSpPr>
+      <p:grpSpPr>
+        <a:xfrm>
+          <a:off x="0" y="0"/>
+          <a:ext cx="0" cy="0"/>
+          <a:chOff x="0" y="0"/>
+          <a:chExt cx="0" cy="0"/>
+        </a:xfrm>
+      </p:grpSpPr>
+      <p:sp>
+        <p:nvSpPr>
+          <p:cNvPr id="2" name="Slide Image Placeholder 1"/>
+          <p:cNvSpPr>
+            <a:spLocks noGrp="1" noRot="1" noChangeAspect="1"/>
+          </p:cNvSpPr>
+          <p:nvPr>
+            <p:ph type="sldImg"/>
+          </p:nvPr>
+        </p:nvSpPr>
+        <p:spPr/>
+      </p:sp>
+      <p:sp>
+        <p:nvSpPr>
+          <p:cNvPr id="3" name="Notes Placeholder 2"/>
+          <p:cNvSpPr>
+            <a:spLocks noGrp="1"/>
+          </p:cNvSpPr>
+          <p:nvPr>
+            <p:ph type="body" idx="1"/>
+          </p:nvPr>
+        </p:nvSpPr>
+        <p:spPr/>
+        <p:txBody>
+          <a:bodyPr/>
+          <a:lstStyle/>
+          <a:p>
+            <a:r>
+              <a:rPr lang="en-GB" dirty="0"/>
+              <a:t>Implicit dependencies occur when you use reactive values (e.g. inputs) to create outputs. This makes sure that everything works, but in some cases it can lead to inefficiencies, and degrade the user experience. </a:t>
+            </a:r>
+          </a:p>
+          <a:p>
+            <a:endParaRPr lang="en-GB" dirty="0"/>
+          </a:p>
+          <a:p>
+            <a:r>
+              <a:rPr lang="en-GB" dirty="0"/>
+              <a:t>We can define _explicit_ dependencies to take control of when and how updates happen. This gives us much more control, but also makes it possible to create bigger problems. Great power, great responsibility.</a:t>
+            </a:r>
+            <a:endParaRPr lang="en-NL" dirty="0"/>
+          </a:p>
+        </p:txBody>
+      </p:sp>
+      <p:sp>
+        <p:nvSpPr>
+          <p:cNvPr id="4" name="Slide Number Placeholder 3"/>
+          <p:cNvSpPr>
+            <a:spLocks noGrp="1"/>
+          </p:cNvSpPr>
+          <p:nvPr>
+            <p:ph type="sldNum" sz="quarter" idx="5"/>
+          </p:nvPr>
+        </p:nvSpPr>
+        <p:spPr/>
+        <p:txBody>
+          <a:bodyPr/>
+          <a:lstStyle/>
+          <a:p>
+            <a:fld id="{B3C92FBA-C01C-4DAA-B6A9-47A1B3A2B610}" type="slidenum">
+              <a:rPr lang="en-NL" smtClean="0"/>
+              <a:t>22</a:t>
+            </a:fld>
+            <a:endParaRPr lang="en-NL"/>
+          </a:p>
+        </p:txBody>
+      </p:sp>
+    </p:spTree>
+    <p:extLst>
+      <p:ext uri="{BB962C8B-B14F-4D97-AF65-F5344CB8AC3E}">
+        <p14:creationId xmlns:p14="http://schemas.microsoft.com/office/powerpoint/2010/main" val="1304547101"/>
+      </p:ext>
+    </p:extLst>
+  </p:cSld>
+  <p:clrMapOvr>
+    <a:masterClrMapping/>
+  </p:clrMapOvr>
+</p:notes>
+</file>
+
+<file path=ppt/notesSlides/notesSlide16.xml><?xml version="1.0" encoding="utf-8"?>
+<p:notes xmlns:a="http://schemas.openxmlformats.org/drawingml/2006/main" xmlns:r="http://schemas.openxmlformats.org/officeDocument/2006/relationships" xmlns:p="http://schemas.openxmlformats.org/presentationml/2006/main">
+  <p:cSld>
+    <p:spTree>
+      <p:nvGrpSpPr>
+        <p:cNvPr id="1" name=""/>
+        <p:cNvGrpSpPr/>
+        <p:nvPr/>
+      </p:nvGrpSpPr>
+      <p:grpSpPr>
+        <a:xfrm>
+          <a:off x="0" y="0"/>
+          <a:ext cx="0" cy="0"/>
+          <a:chOff x="0" y="0"/>
+          <a:chExt cx="0" cy="0"/>
+        </a:xfrm>
+      </p:grpSpPr>
+      <p:sp>
+        <p:nvSpPr>
+          <p:cNvPr id="2" name="Slide Image Placeholder 1"/>
+          <p:cNvSpPr>
+            <a:spLocks noGrp="1" noRot="1" noChangeAspect="1"/>
+          </p:cNvSpPr>
+          <p:nvPr>
+            <p:ph type="sldImg"/>
+          </p:nvPr>
+        </p:nvSpPr>
+        <p:spPr/>
+      </p:sp>
+      <p:sp>
+        <p:nvSpPr>
+          <p:cNvPr id="3" name="Notes Placeholder 2"/>
+          <p:cNvSpPr>
+            <a:spLocks noGrp="1"/>
+          </p:cNvSpPr>
+          <p:nvPr>
+            <p:ph type="body" idx="1"/>
+          </p:nvPr>
+        </p:nvSpPr>
+        <p:spPr/>
+        <p:txBody>
+          <a:bodyPr/>
+          <a:lstStyle/>
+          <a:p>
+            <a:r>
+              <a:rPr lang="en-GB" dirty="0"/>
+              <a:t>What happens if you, for example, want to let the user decide which variable in your model to plot? This is a common scenario, but the way tidyverse functions use non-standard evaluation (or, more accurately, _black magic_) means that the naïve method won’t work. We have to use .data and .env objects to use variable value names. </a:t>
+            </a:r>
+          </a:p>
+          <a:p>
+            <a:endParaRPr lang="en-GB" dirty="0"/>
+          </a:p>
+          <a:p>
+            <a:r>
+              <a:rPr lang="en-GB" dirty="0"/>
+              <a:t>This is just one example of where this kind of meta-programming occurs, but there are many more examples. See e.g., letting the user select predictors in the </a:t>
+            </a:r>
+            <a:r>
+              <a:rPr lang="en-GB"/>
+              <a:t>model-fitting examples.</a:t>
+            </a:r>
+            <a:endParaRPr lang="en-NL" dirty="0"/>
+          </a:p>
+        </p:txBody>
+      </p:sp>
+      <p:sp>
+        <p:nvSpPr>
+          <p:cNvPr id="4" name="Slide Number Placeholder 3"/>
+          <p:cNvSpPr>
+            <a:spLocks noGrp="1"/>
+          </p:cNvSpPr>
+          <p:nvPr>
+            <p:ph type="sldNum" sz="quarter" idx="5"/>
+          </p:nvPr>
+        </p:nvSpPr>
+        <p:spPr/>
+        <p:txBody>
+          <a:bodyPr/>
+          <a:lstStyle/>
+          <a:p>
+            <a:fld id="{B3C92FBA-C01C-4DAA-B6A9-47A1B3A2B610}" type="slidenum">
+              <a:rPr lang="en-NL" smtClean="0"/>
+              <a:t>23</a:t>
+            </a:fld>
+            <a:endParaRPr lang="en-NL"/>
+          </a:p>
+        </p:txBody>
+      </p:sp>
+    </p:spTree>
+    <p:extLst>
+      <p:ext uri="{BB962C8B-B14F-4D97-AF65-F5344CB8AC3E}">
+        <p14:creationId xmlns:p14="http://schemas.microsoft.com/office/powerpoint/2010/main" val="2119373435"/>
+      </p:ext>
+    </p:extLst>
+  </p:cSld>
+  <p:clrMapOvr>
+    <a:masterClrMapping/>
+  </p:clrMapOvr>
+</p:notes>
+</file>
+
+<file path=ppt/notesSlides/notesSlide2.xml><?xml version="1.0" encoding="utf-8"?>
+<p:notes xmlns:a="http://schemas.openxmlformats.org/drawingml/2006/main" xmlns:r="http://schemas.openxmlformats.org/officeDocument/2006/relationships" xmlns:p="http://schemas.openxmlformats.org/presentationml/2006/main">
+  <p:cSld>
+    <p:spTree>
+      <p:nvGrpSpPr>
+        <p:cNvPr id="1" name=""/>
+        <p:cNvGrpSpPr/>
+        <p:nvPr/>
+      </p:nvGrpSpPr>
+      <p:grpSpPr>
+        <a:xfrm>
+          <a:off x="0" y="0"/>
+          <a:ext cx="0" cy="0"/>
+          <a:chOff x="0" y="0"/>
+          <a:chExt cx="0" cy="0"/>
+        </a:xfrm>
+      </p:grpSpPr>
+      <p:sp>
+        <p:nvSpPr>
+          <p:cNvPr id="2" name="Slide Image Placeholder 1"/>
+          <p:cNvSpPr>
+            <a:spLocks noGrp="1" noRot="1" noChangeAspect="1"/>
+          </p:cNvSpPr>
+          <p:nvPr>
+            <p:ph type="sldImg"/>
+          </p:nvPr>
+        </p:nvSpPr>
+        <p:spPr/>
+      </p:sp>
+      <p:sp>
+        <p:nvSpPr>
+          <p:cNvPr id="3" name="Notes Placeholder 2"/>
+          <p:cNvSpPr>
+            <a:spLocks noGrp="1"/>
+          </p:cNvSpPr>
+          <p:nvPr>
+            <p:ph type="body" idx="1"/>
+          </p:nvPr>
+        </p:nvSpPr>
+        <p:spPr/>
+        <p:txBody>
+          <a:bodyPr/>
+          <a:lstStyle/>
+          <a:p>
+            <a:r>
+              <a:rPr lang="en-GB" dirty="0"/>
+              <a:t>Shiny is a WEBSERVER. You don’t interact directly with it like a normal script, you open the app in a browser and it connects to the server. </a:t>
+            </a:r>
+            <a:br>
+              <a:rPr lang="en-GB" dirty="0"/>
+            </a:br>
+            <a:br>
+              <a:rPr lang="en-GB" dirty="0"/>
+            </a:br>
+            <a:r>
+              <a:rPr lang="en-GB" dirty="0"/>
+              <a:t>The server can be your own laptop, or a server somewhere else.</a:t>
+            </a:r>
+            <a:endParaRPr lang="en-NL" dirty="0"/>
+          </a:p>
+        </p:txBody>
+      </p:sp>
+      <p:sp>
+        <p:nvSpPr>
+          <p:cNvPr id="4" name="Slide Number Placeholder 3"/>
+          <p:cNvSpPr>
+            <a:spLocks noGrp="1"/>
+          </p:cNvSpPr>
+          <p:nvPr>
+            <p:ph type="sldNum" sz="quarter" idx="5"/>
+          </p:nvPr>
+        </p:nvSpPr>
+        <p:spPr/>
+        <p:txBody>
+          <a:bodyPr/>
+          <a:lstStyle/>
+          <a:p>
+            <a:fld id="{B3C92FBA-C01C-4DAA-B6A9-47A1B3A2B610}" type="slidenum">
+              <a:rPr lang="en-NL" smtClean="0"/>
+              <a:t>5</a:t>
+            </a:fld>
+            <a:endParaRPr lang="en-NL"/>
+          </a:p>
+        </p:txBody>
+      </p:sp>
+    </p:spTree>
+    <p:extLst>
+      <p:ext uri="{BB962C8B-B14F-4D97-AF65-F5344CB8AC3E}">
+        <p14:creationId xmlns:p14="http://schemas.microsoft.com/office/powerpoint/2010/main" val="1194969942"/>
+      </p:ext>
+    </p:extLst>
+  </p:cSld>
+  <p:clrMapOvr>
+    <a:masterClrMapping/>
+  </p:clrMapOvr>
+</p:notes>
+</file>
+
+<file path=ppt/notesSlides/notesSlide3.xml><?xml version="1.0" encoding="utf-8"?>
+<p:notes xmlns:a="http://schemas.openxmlformats.org/drawingml/2006/main" xmlns:r="http://schemas.openxmlformats.org/officeDocument/2006/relationships" xmlns:p="http://schemas.openxmlformats.org/presentationml/2006/main">
+  <p:cSld>
+    <p:spTree>
+      <p:nvGrpSpPr>
+        <p:cNvPr id="1" name=""/>
+        <p:cNvGrpSpPr/>
+        <p:nvPr/>
+      </p:nvGrpSpPr>
+      <p:grpSpPr>
+        <a:xfrm>
+          <a:off x="0" y="0"/>
+          <a:ext cx="0" cy="0"/>
+          <a:chOff x="0" y="0"/>
+          <a:chExt cx="0" cy="0"/>
+        </a:xfrm>
+      </p:grpSpPr>
+      <p:sp>
+        <p:nvSpPr>
+          <p:cNvPr id="2" name="Slide Image Placeholder 1"/>
+          <p:cNvSpPr>
+            <a:spLocks noGrp="1" noRot="1" noChangeAspect="1"/>
+          </p:cNvSpPr>
+          <p:nvPr>
+            <p:ph type="sldImg"/>
+          </p:nvPr>
+        </p:nvSpPr>
+        <p:spPr/>
+      </p:sp>
+      <p:sp>
+        <p:nvSpPr>
+          <p:cNvPr id="3" name="Notes Placeholder 2"/>
+          <p:cNvSpPr>
+            <a:spLocks noGrp="1"/>
+          </p:cNvSpPr>
+          <p:nvPr>
+            <p:ph type="body" idx="1"/>
+          </p:nvPr>
+        </p:nvSpPr>
+        <p:spPr/>
+        <p:txBody>
+          <a:bodyPr/>
+          <a:lstStyle/>
+          <a:p>
+            <a:r>
+              <a:rPr lang="en-GB" dirty="0"/>
+              <a:t>If you’re like me it could be an old server in your attic (though I don’t have to be there for it to work – remember, it’s a webserver)</a:t>
+            </a:r>
+            <a:endParaRPr lang="en-NL" dirty="0"/>
+          </a:p>
+        </p:txBody>
+      </p:sp>
+      <p:sp>
+        <p:nvSpPr>
+          <p:cNvPr id="4" name="Slide Number Placeholder 3"/>
+          <p:cNvSpPr>
+            <a:spLocks noGrp="1"/>
+          </p:cNvSpPr>
+          <p:nvPr>
+            <p:ph type="sldNum" sz="quarter" idx="5"/>
+          </p:nvPr>
+        </p:nvSpPr>
+        <p:spPr/>
+        <p:txBody>
+          <a:bodyPr/>
+          <a:lstStyle/>
+          <a:p>
+            <a:fld id="{B3C92FBA-C01C-4DAA-B6A9-47A1B3A2B610}" type="slidenum">
+              <a:rPr lang="en-NL" smtClean="0"/>
+              <a:t>6</a:t>
+            </a:fld>
+            <a:endParaRPr lang="en-NL"/>
+          </a:p>
+        </p:txBody>
+      </p:sp>
+    </p:spTree>
+    <p:extLst>
+      <p:ext uri="{BB962C8B-B14F-4D97-AF65-F5344CB8AC3E}">
+        <p14:creationId xmlns:p14="http://schemas.microsoft.com/office/powerpoint/2010/main" val="1960496139"/>
+      </p:ext>
+    </p:extLst>
+  </p:cSld>
+  <p:clrMapOvr>
+    <a:masterClrMapping/>
+  </p:clrMapOvr>
+</p:notes>
+</file>
+
+<file path=ppt/notesSlides/notesSlide4.xml><?xml version="1.0" encoding="utf-8"?>
+<p:notes xmlns:a="http://schemas.openxmlformats.org/drawingml/2006/main" xmlns:r="http://schemas.openxmlformats.org/officeDocument/2006/relationships" xmlns:p="http://schemas.openxmlformats.org/presentationml/2006/main">
+  <p:cSld>
+    <p:spTree>
+      <p:nvGrpSpPr>
+        <p:cNvPr id="1" name=""/>
+        <p:cNvGrpSpPr/>
+        <p:nvPr/>
+      </p:nvGrpSpPr>
+      <p:grpSpPr>
+        <a:xfrm>
+          <a:off x="0" y="0"/>
+          <a:ext cx="0" cy="0"/>
+          <a:chOff x="0" y="0"/>
+          <a:chExt cx="0" cy="0"/>
+        </a:xfrm>
+      </p:grpSpPr>
+      <p:sp>
+        <p:nvSpPr>
+          <p:cNvPr id="2" name="Slide Image Placeholder 1"/>
+          <p:cNvSpPr>
+            <a:spLocks noGrp="1" noRot="1" noChangeAspect="1"/>
+          </p:cNvSpPr>
+          <p:nvPr>
+            <p:ph type="sldImg"/>
+          </p:nvPr>
+        </p:nvSpPr>
+        <p:spPr/>
+      </p:sp>
+      <p:sp>
+        <p:nvSpPr>
+          <p:cNvPr id="3" name="Notes Placeholder 2"/>
+          <p:cNvSpPr>
+            <a:spLocks noGrp="1"/>
+          </p:cNvSpPr>
+          <p:nvPr>
+            <p:ph type="body" idx="1"/>
+          </p:nvPr>
+        </p:nvSpPr>
+        <p:spPr/>
+        <p:txBody>
+          <a:bodyPr/>
+          <a:lstStyle/>
+          <a:p>
+            <a:r>
+              <a:rPr lang="en-GB" dirty="0"/>
+              <a:t>Or, more likely, it’s in “the cloud” somewhere. </a:t>
+            </a:r>
+          </a:p>
+          <a:p>
+            <a:endParaRPr lang="en-GB" dirty="0"/>
+          </a:p>
+          <a:p>
+            <a:r>
+              <a:rPr lang="en-GB" dirty="0"/>
+              <a:t>Keep in mind that the cloud just means </a:t>
+            </a:r>
+            <a:r>
+              <a:rPr lang="en-GB" i="1" dirty="0"/>
+              <a:t>someone else’s computer</a:t>
+            </a:r>
+            <a:r>
+              <a:rPr lang="en-GB" i="0" dirty="0"/>
+              <a:t>, so be careful with sensitive data!</a:t>
+            </a:r>
+            <a:endParaRPr lang="en-NL" dirty="0"/>
+          </a:p>
+        </p:txBody>
+      </p:sp>
+      <p:sp>
+        <p:nvSpPr>
+          <p:cNvPr id="4" name="Slide Number Placeholder 3"/>
+          <p:cNvSpPr>
+            <a:spLocks noGrp="1"/>
+          </p:cNvSpPr>
+          <p:nvPr>
+            <p:ph type="sldNum" sz="quarter" idx="5"/>
+          </p:nvPr>
+        </p:nvSpPr>
+        <p:spPr/>
+        <p:txBody>
+          <a:bodyPr/>
+          <a:lstStyle/>
+          <a:p>
+            <a:fld id="{B3C92FBA-C01C-4DAA-B6A9-47A1B3A2B610}" type="slidenum">
+              <a:rPr lang="en-NL" smtClean="0"/>
+              <a:t>7</a:t>
+            </a:fld>
+            <a:endParaRPr lang="en-NL"/>
+          </a:p>
+        </p:txBody>
+      </p:sp>
+    </p:spTree>
+    <p:extLst>
+      <p:ext uri="{BB962C8B-B14F-4D97-AF65-F5344CB8AC3E}">
+        <p14:creationId xmlns:p14="http://schemas.microsoft.com/office/powerpoint/2010/main" val="2790014273"/>
+      </p:ext>
+    </p:extLst>
+  </p:cSld>
+  <p:clrMapOvr>
+    <a:masterClrMapping/>
+  </p:clrMapOvr>
+</p:notes>
+</file>
+
+<file path=ppt/notesSlides/notesSlide5.xml><?xml version="1.0" encoding="utf-8"?>
+<p:notes xmlns:a="http://schemas.openxmlformats.org/drawingml/2006/main" xmlns:r="http://schemas.openxmlformats.org/officeDocument/2006/relationships" xmlns:p="http://schemas.openxmlformats.org/presentationml/2006/main">
+  <p:cSld>
+    <p:spTree>
+      <p:nvGrpSpPr>
+        <p:cNvPr id="1" name=""/>
+        <p:cNvGrpSpPr/>
+        <p:nvPr/>
+      </p:nvGrpSpPr>
+      <p:grpSpPr>
+        <a:xfrm>
+          <a:off x="0" y="0"/>
+          <a:ext cx="0" cy="0"/>
+          <a:chOff x="0" y="0"/>
+          <a:chExt cx="0" cy="0"/>
+        </a:xfrm>
+      </p:grpSpPr>
+      <p:sp>
+        <p:nvSpPr>
+          <p:cNvPr id="2" name="Slide Image Placeholder 1"/>
+          <p:cNvSpPr>
+            <a:spLocks noGrp="1" noRot="1" noChangeAspect="1"/>
+          </p:cNvSpPr>
+          <p:nvPr>
+            <p:ph type="sldImg"/>
+          </p:nvPr>
+        </p:nvSpPr>
+        <p:spPr/>
+      </p:sp>
+      <p:sp>
+        <p:nvSpPr>
+          <p:cNvPr id="3" name="Notes Placeholder 2"/>
+          <p:cNvSpPr>
+            <a:spLocks noGrp="1"/>
+          </p:cNvSpPr>
+          <p:nvPr>
+            <p:ph type="body" idx="1"/>
+          </p:nvPr>
+        </p:nvSpPr>
+        <p:spPr/>
+        <p:txBody>
+          <a:bodyPr/>
+          <a:lstStyle/>
+          <a:p>
+            <a:r>
+              <a:rPr lang="en-GB" dirty="0"/>
+              <a:t>The user interface uses common web tech, i.e. html, </a:t>
+            </a:r>
+            <a:r>
+              <a:rPr lang="en-GB" dirty="0" err="1"/>
+              <a:t>css</a:t>
+            </a:r>
+            <a:r>
+              <a:rPr lang="en-GB" dirty="0"/>
+              <a:t>, </a:t>
+            </a:r>
+            <a:r>
+              <a:rPr lang="en-GB" dirty="0" err="1"/>
+              <a:t>javascript</a:t>
+            </a:r>
+            <a:r>
+              <a:rPr lang="en-GB" dirty="0"/>
+              <a:t>.</a:t>
+            </a:r>
+            <a:endParaRPr lang="en-NL" dirty="0"/>
+          </a:p>
+        </p:txBody>
+      </p:sp>
+      <p:sp>
+        <p:nvSpPr>
+          <p:cNvPr id="4" name="Slide Number Placeholder 3"/>
+          <p:cNvSpPr>
+            <a:spLocks noGrp="1"/>
+          </p:cNvSpPr>
+          <p:nvPr>
+            <p:ph type="sldNum" sz="quarter" idx="5"/>
+          </p:nvPr>
+        </p:nvSpPr>
+        <p:spPr/>
+        <p:txBody>
+          <a:bodyPr/>
+          <a:lstStyle/>
+          <a:p>
+            <a:fld id="{B3C92FBA-C01C-4DAA-B6A9-47A1B3A2B610}" type="slidenum">
+              <a:rPr lang="en-NL" smtClean="0"/>
+              <a:t>8</a:t>
+            </a:fld>
+            <a:endParaRPr lang="en-NL"/>
+          </a:p>
+        </p:txBody>
+      </p:sp>
+    </p:spTree>
+    <p:extLst>
+      <p:ext uri="{BB962C8B-B14F-4D97-AF65-F5344CB8AC3E}">
+        <p14:creationId xmlns:p14="http://schemas.microsoft.com/office/powerpoint/2010/main" val="1896162024"/>
+      </p:ext>
+    </p:extLst>
+  </p:cSld>
+  <p:clrMapOvr>
+    <a:masterClrMapping/>
+  </p:clrMapOvr>
+</p:notes>
+</file>
+
+<file path=ppt/notesSlides/notesSlide6.xml><?xml version="1.0" encoding="utf-8"?>
+<p:notes xmlns:a="http://schemas.openxmlformats.org/drawingml/2006/main" xmlns:r="http://schemas.openxmlformats.org/officeDocument/2006/relationships" xmlns:p="http://schemas.openxmlformats.org/presentationml/2006/main">
+  <p:cSld>
+    <p:spTree>
+      <p:nvGrpSpPr>
+        <p:cNvPr id="1" name=""/>
+        <p:cNvGrpSpPr/>
+        <p:nvPr/>
+      </p:nvGrpSpPr>
+      <p:grpSpPr>
+        <a:xfrm>
+          <a:off x="0" y="0"/>
+          <a:ext cx="0" cy="0"/>
+          <a:chOff x="0" y="0"/>
+          <a:chExt cx="0" cy="0"/>
+        </a:xfrm>
+      </p:grpSpPr>
+      <p:sp>
+        <p:nvSpPr>
+          <p:cNvPr id="2" name="Slide Image Placeholder 1"/>
+          <p:cNvSpPr>
+            <a:spLocks noGrp="1" noRot="1" noChangeAspect="1"/>
+          </p:cNvSpPr>
+          <p:nvPr>
+            <p:ph type="sldImg"/>
+          </p:nvPr>
+        </p:nvSpPr>
+        <p:spPr/>
+      </p:sp>
+      <p:sp>
+        <p:nvSpPr>
+          <p:cNvPr id="3" name="Notes Placeholder 2"/>
+          <p:cNvSpPr>
+            <a:spLocks noGrp="1"/>
+          </p:cNvSpPr>
+          <p:nvPr>
+            <p:ph type="body" idx="1"/>
+          </p:nvPr>
+        </p:nvSpPr>
+        <p:spPr/>
+        <p:txBody>
+          <a:bodyPr/>
+          <a:lstStyle/>
+          <a:p>
+            <a:r>
+              <a:rPr lang="en-GB" dirty="0"/>
+              <a:t>If you want to be specific, it uses bootstrap and react.</a:t>
+            </a:r>
+            <a:endParaRPr lang="en-NL" dirty="0"/>
+          </a:p>
+        </p:txBody>
+      </p:sp>
+      <p:sp>
+        <p:nvSpPr>
+          <p:cNvPr id="4" name="Slide Number Placeholder 3"/>
+          <p:cNvSpPr>
+            <a:spLocks noGrp="1"/>
+          </p:cNvSpPr>
+          <p:nvPr>
+            <p:ph type="sldNum" sz="quarter" idx="5"/>
+          </p:nvPr>
+        </p:nvSpPr>
+        <p:spPr/>
+        <p:txBody>
+          <a:bodyPr/>
+          <a:lstStyle/>
+          <a:p>
+            <a:fld id="{B3C92FBA-C01C-4DAA-B6A9-47A1B3A2B610}" type="slidenum">
+              <a:rPr lang="en-NL" smtClean="0"/>
+              <a:t>9</a:t>
+            </a:fld>
+            <a:endParaRPr lang="en-NL"/>
+          </a:p>
+        </p:txBody>
+      </p:sp>
+    </p:spTree>
+    <p:extLst>
+      <p:ext uri="{BB962C8B-B14F-4D97-AF65-F5344CB8AC3E}">
+        <p14:creationId xmlns:p14="http://schemas.microsoft.com/office/powerpoint/2010/main" val="2279815145"/>
+      </p:ext>
+    </p:extLst>
+  </p:cSld>
+  <p:clrMapOvr>
+    <a:masterClrMapping/>
+  </p:clrMapOvr>
+</p:notes>
+</file>
+
+<file path=ppt/notesSlides/notesSlide7.xml><?xml version="1.0" encoding="utf-8"?>
+<p:notes xmlns:a="http://schemas.openxmlformats.org/drawingml/2006/main" xmlns:r="http://schemas.openxmlformats.org/officeDocument/2006/relationships" xmlns:p="http://schemas.openxmlformats.org/presentationml/2006/main">
+  <p:cSld>
+    <p:spTree>
+      <p:nvGrpSpPr>
+        <p:cNvPr id="1" name=""/>
+        <p:cNvGrpSpPr/>
+        <p:nvPr/>
+      </p:nvGrpSpPr>
+      <p:grpSpPr>
+        <a:xfrm>
+          <a:off x="0" y="0"/>
+          <a:ext cx="0" cy="0"/>
+          <a:chOff x="0" y="0"/>
+          <a:chExt cx="0" cy="0"/>
+        </a:xfrm>
+      </p:grpSpPr>
+      <p:sp>
+        <p:nvSpPr>
+          <p:cNvPr id="2" name="Slide Image Placeholder 1"/>
+          <p:cNvSpPr>
+            <a:spLocks noGrp="1" noRot="1" noChangeAspect="1"/>
+          </p:cNvSpPr>
+          <p:nvPr>
+            <p:ph type="sldImg"/>
+          </p:nvPr>
+        </p:nvSpPr>
+        <p:spPr/>
+      </p:sp>
+      <p:sp>
+        <p:nvSpPr>
+          <p:cNvPr id="3" name="Notes Placeholder 2"/>
+          <p:cNvSpPr>
+            <a:spLocks noGrp="1"/>
+          </p:cNvSpPr>
+          <p:nvPr>
+            <p:ph type="body" idx="1"/>
+          </p:nvPr>
+        </p:nvSpPr>
+        <p:spPr/>
+        <p:txBody>
+          <a:bodyPr/>
+          <a:lstStyle/>
+          <a:p>
+            <a:r>
+              <a:rPr lang="en-GB" dirty="0"/>
+              <a:t>But the good news is that most of the time, we don’t have to deal with any of that – shiny does it for us. </a:t>
+            </a:r>
+            <a:endParaRPr lang="en-NL" dirty="0"/>
+          </a:p>
+        </p:txBody>
+      </p:sp>
+      <p:sp>
+        <p:nvSpPr>
+          <p:cNvPr id="4" name="Slide Number Placeholder 3"/>
+          <p:cNvSpPr>
+            <a:spLocks noGrp="1"/>
+          </p:cNvSpPr>
+          <p:nvPr>
+            <p:ph type="sldNum" sz="quarter" idx="5"/>
+          </p:nvPr>
+        </p:nvSpPr>
+        <p:spPr/>
+        <p:txBody>
+          <a:bodyPr/>
+          <a:lstStyle/>
+          <a:p>
+            <a:fld id="{B3C92FBA-C01C-4DAA-B6A9-47A1B3A2B610}" type="slidenum">
+              <a:rPr lang="en-NL" smtClean="0"/>
+              <a:t>10</a:t>
+            </a:fld>
+            <a:endParaRPr lang="en-NL"/>
+          </a:p>
+        </p:txBody>
+      </p:sp>
+    </p:spTree>
+    <p:extLst>
+      <p:ext uri="{BB962C8B-B14F-4D97-AF65-F5344CB8AC3E}">
+        <p14:creationId xmlns:p14="http://schemas.microsoft.com/office/powerpoint/2010/main" val="3289114399"/>
+      </p:ext>
+    </p:extLst>
+  </p:cSld>
+  <p:clrMapOvr>
+    <a:masterClrMapping/>
+  </p:clrMapOvr>
+</p:notes>
+</file>
+
+<file path=ppt/notesSlides/notesSlide8.xml><?xml version="1.0" encoding="utf-8"?>
+<p:notes xmlns:a="http://schemas.openxmlformats.org/drawingml/2006/main" xmlns:r="http://schemas.openxmlformats.org/officeDocument/2006/relationships" xmlns:p="http://schemas.openxmlformats.org/presentationml/2006/main">
+  <p:cSld>
+    <p:spTree>
+      <p:nvGrpSpPr>
+        <p:cNvPr id="1" name=""/>
+        <p:cNvGrpSpPr/>
+        <p:nvPr/>
+      </p:nvGrpSpPr>
+      <p:grpSpPr>
+        <a:xfrm>
+          <a:off x="0" y="0"/>
+          <a:ext cx="0" cy="0"/>
+          <a:chOff x="0" y="0"/>
+          <a:chExt cx="0" cy="0"/>
+        </a:xfrm>
+      </p:grpSpPr>
+      <p:sp>
+        <p:nvSpPr>
+          <p:cNvPr id="2" name="Slide Image Placeholder 1"/>
+          <p:cNvSpPr>
+            <a:spLocks noGrp="1" noRot="1" noChangeAspect="1"/>
+          </p:cNvSpPr>
+          <p:nvPr>
+            <p:ph type="sldImg"/>
+          </p:nvPr>
+        </p:nvSpPr>
+        <p:spPr/>
+      </p:sp>
+      <p:sp>
+        <p:nvSpPr>
+          <p:cNvPr id="3" name="Notes Placeholder 2"/>
+          <p:cNvSpPr>
+            <a:spLocks noGrp="1"/>
+          </p:cNvSpPr>
+          <p:nvPr>
+            <p:ph type="body" idx="1"/>
+          </p:nvPr>
+        </p:nvSpPr>
+        <p:spPr/>
+        <p:txBody>
+          <a:bodyPr/>
+          <a:lstStyle/>
+          <a:p>
+            <a:r>
+              <a:rPr lang="en-GB" dirty="0"/>
+              <a:t>Shiny also handles all the communication between the user interface and the server</a:t>
+            </a:r>
+            <a:endParaRPr lang="en-NL" dirty="0"/>
+          </a:p>
+        </p:txBody>
+      </p:sp>
+      <p:sp>
+        <p:nvSpPr>
+          <p:cNvPr id="4" name="Slide Number Placeholder 3"/>
+          <p:cNvSpPr>
+            <a:spLocks noGrp="1"/>
+          </p:cNvSpPr>
+          <p:nvPr>
+            <p:ph type="sldNum" sz="quarter" idx="5"/>
+          </p:nvPr>
+        </p:nvSpPr>
+        <p:spPr/>
+        <p:txBody>
+          <a:bodyPr/>
+          <a:lstStyle/>
+          <a:p>
+            <a:fld id="{B3C92FBA-C01C-4DAA-B6A9-47A1B3A2B610}" type="slidenum">
+              <a:rPr lang="en-NL" smtClean="0"/>
+              <a:t>11</a:t>
+            </a:fld>
+            <a:endParaRPr lang="en-NL"/>
+          </a:p>
+        </p:txBody>
+      </p:sp>
+    </p:spTree>
+    <p:extLst>
+      <p:ext uri="{BB962C8B-B14F-4D97-AF65-F5344CB8AC3E}">
+        <p14:creationId xmlns:p14="http://schemas.microsoft.com/office/powerpoint/2010/main" val="1265058176"/>
+      </p:ext>
+    </p:extLst>
+  </p:cSld>
+  <p:clrMapOvr>
+    <a:masterClrMapping/>
+  </p:clrMapOvr>
+</p:notes>
+</file>
+
+<file path=ppt/notesSlides/notesSlide9.xml><?xml version="1.0" encoding="utf-8"?>
+<p:notes xmlns:a="http://schemas.openxmlformats.org/drawingml/2006/main" xmlns:r="http://schemas.openxmlformats.org/officeDocument/2006/relationships" xmlns:p="http://schemas.openxmlformats.org/presentationml/2006/main">
+  <p:cSld>
+    <p:spTree>
+      <p:nvGrpSpPr>
+        <p:cNvPr id="1" name=""/>
+        <p:cNvGrpSpPr/>
+        <p:nvPr/>
+      </p:nvGrpSpPr>
+      <p:grpSpPr>
+        <a:xfrm>
+          <a:off x="0" y="0"/>
+          <a:ext cx="0" cy="0"/>
+          <a:chOff x="0" y="0"/>
+          <a:chExt cx="0" cy="0"/>
+        </a:xfrm>
+      </p:grpSpPr>
+      <p:sp>
+        <p:nvSpPr>
+          <p:cNvPr id="2" name="Slide Image Placeholder 1"/>
+          <p:cNvSpPr>
+            <a:spLocks noGrp="1" noRot="1" noChangeAspect="1"/>
+          </p:cNvSpPr>
+          <p:nvPr>
+            <p:ph type="sldImg"/>
+          </p:nvPr>
+        </p:nvSpPr>
+        <p:spPr/>
+      </p:sp>
+      <p:sp>
+        <p:nvSpPr>
+          <p:cNvPr id="3" name="Notes Placeholder 2"/>
+          <p:cNvSpPr>
+            <a:spLocks noGrp="1"/>
+          </p:cNvSpPr>
+          <p:nvPr>
+            <p:ph type="body" idx="1"/>
+          </p:nvPr>
+        </p:nvSpPr>
+        <p:spPr/>
+        <p:txBody>
+          <a:bodyPr/>
+          <a:lstStyle/>
+          <a:p>
+            <a:r>
+              <a:rPr lang="en-GB" dirty="0"/>
+              <a:t>And on the server, we use “normal” R code in combination with shiny functions.</a:t>
+            </a:r>
+            <a:endParaRPr lang="en-NL" dirty="0"/>
+          </a:p>
+        </p:txBody>
+      </p:sp>
+      <p:sp>
+        <p:nvSpPr>
+          <p:cNvPr id="4" name="Slide Number Placeholder 3"/>
+          <p:cNvSpPr>
+            <a:spLocks noGrp="1"/>
+          </p:cNvSpPr>
+          <p:nvPr>
+            <p:ph type="sldNum" sz="quarter" idx="5"/>
+          </p:nvPr>
+        </p:nvSpPr>
+        <p:spPr/>
+        <p:txBody>
+          <a:bodyPr/>
+          <a:lstStyle/>
+          <a:p>
+            <a:fld id="{B3C92FBA-C01C-4DAA-B6A9-47A1B3A2B610}" type="slidenum">
+              <a:rPr lang="en-NL" smtClean="0"/>
+              <a:t>12</a:t>
+            </a:fld>
+            <a:endParaRPr lang="en-NL"/>
+          </a:p>
+        </p:txBody>
+      </p:sp>
+    </p:spTree>
+    <p:extLst>
+      <p:ext uri="{BB962C8B-B14F-4D97-AF65-F5344CB8AC3E}">
+        <p14:creationId xmlns:p14="http://schemas.microsoft.com/office/powerpoint/2010/main" val="3650575468"/>
+      </p:ext>
+    </p:extLst>
+  </p:cSld>
+  <p:clrMapOvr>
+    <a:masterClrMapping/>
+  </p:clrMapOvr>
+</p:notes>
+</file>
+
 <file path=ppt/slideLayouts/slideLayout1.xml><?xml version="1.0" encoding="utf-8"?>
 <p:sldLayout xmlns:a="http://schemas.openxmlformats.org/drawingml/2006/main" xmlns:r="http://schemas.openxmlformats.org/officeDocument/2006/relationships" xmlns:p="http://schemas.openxmlformats.org/presentationml/2006/main" preserve="1" userDrawn="1">
   <p:cSld name="Title Slide">
@@ -1741,7 +3302,7 @@
           <a:lstStyle/>
           <a:p>
             <a:r>
-              <a:rPr lang="en-GB" dirty="0"/>
+              <a:rPr lang="en-NL"/>
               <a:t>3/6/2022</a:t>
             </a:r>
             <a:endParaRPr lang="en-NL" dirty="0"/>
@@ -1770,8 +3331,8 @@
           <a:lstStyle/>
           <a:p>
             <a:r>
-              <a:rPr lang="en-GB" dirty="0"/>
-              <a:t>Karel Kroeze - BDSi - Shiny workshop</a:t>
+              <a:rPr lang="en-GB"/>
+              <a:t>2025-10-20, Karel Kroeze, BDSi. Shiny Workshop.</a:t>
             </a:r>
             <a:endParaRPr lang="en-NL" dirty="0"/>
           </a:p>
@@ -2590,7 +4151,7 @@
           <a:lstStyle/>
           <a:p>
             <a:r>
-              <a:rPr lang="en-GB" dirty="0"/>
+              <a:rPr lang="en-NL"/>
               <a:t>3/6/2022</a:t>
             </a:r>
             <a:endParaRPr lang="en-NL" dirty="0"/>
@@ -2619,8 +4180,8 @@
           <a:lstStyle/>
           <a:p>
             <a:r>
-              <a:rPr lang="en-GB" dirty="0"/>
-              <a:t>Karel Kroeze - BDSi - Shiny workshop</a:t>
+              <a:rPr lang="en-GB"/>
+              <a:t>2025-10-20, Karel Kroeze, BDSi. Shiny Workshop.</a:t>
             </a:r>
             <a:endParaRPr lang="en-NL" dirty="0"/>
           </a:p>
@@ -3045,7 +4606,7 @@
           <a:lstStyle/>
           <a:p>
             <a:r>
-              <a:rPr lang="en-GB" dirty="0"/>
+              <a:rPr lang="en-NL"/>
               <a:t>3/6/2022</a:t>
             </a:r>
             <a:endParaRPr lang="en-NL" dirty="0"/>
@@ -3074,8 +4635,8 @@
           <a:lstStyle/>
           <a:p>
             <a:r>
-              <a:rPr lang="en-GB" dirty="0"/>
-              <a:t>Karel Kroeze - BDSi - Shiny workshop</a:t>
+              <a:rPr lang="en-GB"/>
+              <a:t>2025-10-20, Karel Kroeze, BDSi. Shiny Workshop.</a:t>
             </a:r>
             <a:endParaRPr lang="en-NL" dirty="0"/>
           </a:p>
@@ -3602,7 +5163,7 @@
           <a:lstStyle/>
           <a:p>
             <a:r>
-              <a:rPr lang="en-GB" dirty="0"/>
+              <a:rPr lang="en-NL"/>
               <a:t>3/6/2022</a:t>
             </a:r>
             <a:endParaRPr lang="en-NL" dirty="0"/>
@@ -3631,8 +5192,8 @@
           <a:lstStyle/>
           <a:p>
             <a:r>
-              <a:rPr lang="en-GB" dirty="0"/>
-              <a:t>Karel Kroeze - BDSi - Shiny workshop</a:t>
+              <a:rPr lang="en-GB"/>
+              <a:t>2025-10-20, Karel Kroeze, BDSi. Shiny Workshop.</a:t>
             </a:r>
             <a:endParaRPr lang="en-NL" dirty="0"/>
           </a:p>
@@ -4267,7 +5828,7 @@
           <a:lstStyle/>
           <a:p>
             <a:r>
-              <a:rPr lang="en-GB" dirty="0"/>
+              <a:rPr lang="en-NL"/>
               <a:t>3/6/2022</a:t>
             </a:r>
             <a:endParaRPr lang="en-NL" dirty="0"/>
@@ -4296,8 +5857,8 @@
           <a:lstStyle/>
           <a:p>
             <a:r>
-              <a:rPr lang="en-GB" dirty="0"/>
-              <a:t>Karel Kroeze - BDSi - Shiny workshop</a:t>
+              <a:rPr lang="en-GB"/>
+              <a:t>2025-10-20, Karel Kroeze, BDSi. Shiny Workshop.</a:t>
             </a:r>
             <a:endParaRPr lang="en-NL" dirty="0"/>
           </a:p>
@@ -5034,7 +6595,7 @@
           <a:lstStyle/>
           <a:p>
             <a:r>
-              <a:rPr lang="en-GB" dirty="0"/>
+              <a:rPr lang="en-NL"/>
               <a:t>3/6/2022</a:t>
             </a:r>
             <a:endParaRPr lang="en-NL" dirty="0"/>
@@ -5063,8 +6624,8 @@
           <a:lstStyle/>
           <a:p>
             <a:r>
-              <a:rPr lang="en-GB" dirty="0"/>
-              <a:t>Karel Kroeze - BDSi - Shiny workshop</a:t>
+              <a:rPr lang="en-GB"/>
+              <a:t>2025-10-20, Karel Kroeze, BDSi. Shiny Workshop.</a:t>
             </a:r>
             <a:endParaRPr lang="en-NL" dirty="0"/>
           </a:p>
@@ -5326,7 +6887,7 @@
           <a:lstStyle/>
           <a:p>
             <a:r>
-              <a:rPr lang="en-GB" dirty="0"/>
+              <a:rPr lang="en-NL"/>
               <a:t>3/6/2022</a:t>
             </a:r>
             <a:endParaRPr lang="en-NL" dirty="0"/>
@@ -5355,8 +6916,8 @@
           <a:lstStyle/>
           <a:p>
             <a:r>
-              <a:rPr lang="en-GB" dirty="0"/>
-              <a:t>Karel Kroeze - BDSi - Shiny workshop</a:t>
+              <a:rPr lang="en-GB"/>
+              <a:t>2025-10-20, Karel Kroeze, BDSi. Shiny Workshop.</a:t>
             </a:r>
             <a:endParaRPr lang="en-NL" dirty="0"/>
           </a:p>
@@ -5598,7 +7159,7 @@
           <a:lstStyle/>
           <a:p>
             <a:r>
-              <a:rPr lang="en-GB" dirty="0"/>
+              <a:rPr lang="en-NL"/>
               <a:t>3/6/2022</a:t>
             </a:r>
             <a:endParaRPr lang="en-NL" dirty="0"/>
@@ -5627,8 +7188,8 @@
           <a:lstStyle/>
           <a:p>
             <a:r>
-              <a:rPr lang="en-GB" dirty="0"/>
-              <a:t>Karel Kroeze - BDSi - Shiny workshop</a:t>
+              <a:rPr lang="en-GB"/>
+              <a:t>2025-10-20, Karel Kroeze, BDSi. Shiny Workshop.</a:t>
             </a:r>
             <a:endParaRPr lang="en-NL" dirty="0"/>
           </a:p>
@@ -5954,7 +7515,7 @@
           <a:lstStyle/>
           <a:p>
             <a:r>
-              <a:rPr lang="en-GB" dirty="0"/>
+              <a:rPr lang="en-NL"/>
               <a:t>3/6/2022</a:t>
             </a:r>
             <a:endParaRPr lang="en-NL" dirty="0"/>
@@ -5983,8 +7544,8 @@
           <a:lstStyle/>
           <a:p>
             <a:r>
-              <a:rPr lang="en-GB" dirty="0"/>
-              <a:t>Karel Kroeze - BDSi - Shiny workshop</a:t>
+              <a:rPr lang="en-GB"/>
+              <a:t>2025-10-20, Karel Kroeze, BDSi. Shiny Workshop.</a:t>
             </a:r>
             <a:endParaRPr lang="en-NL" dirty="0"/>
           </a:p>
@@ -6282,7 +7843,7 @@
           </a:lstStyle>
           <a:p>
             <a:r>
-              <a:rPr lang="en-GB" dirty="0"/>
+              <a:rPr lang="en-NL"/>
               <a:t>3/6/2022</a:t>
             </a:r>
             <a:endParaRPr lang="en-NL" dirty="0"/>
@@ -6329,8 +7890,8 @@
           </a:lstStyle>
           <a:p>
             <a:r>
-              <a:rPr lang="en-GB" dirty="0"/>
-              <a:t>Karel Kroeze - BDSi - Shiny workshop</a:t>
+              <a:rPr lang="en-GB"/>
+              <a:t>2025-10-20, Karel Kroeze, BDSi. Shiny Workshop.</a:t>
             </a:r>
             <a:endParaRPr lang="en-NL" dirty="0"/>
           </a:p>
@@ -6438,7 +7999,7 @@
       </p:par>
     </p:tnLst>
   </p:timing>
-  <p:hf sldNum="0" hdr="0"/>
+  <p:hf sldNum="0" hdr="0" dt="0"/>
   <p:txStyles>
     <p:titleStyle>
       <a:lvl1pPr algn="l" defTabSz="914400" rtl="0" eaLnBrk="1" latinLnBrk="0" hangingPunct="1">
@@ -6965,8 +8526,8 @@
           </a:lstStyle>
           <a:p>
             <a:r>
-              <a:rPr lang="en-GB" dirty="0"/>
-              <a:t>Karel Kroeze - BDSi - Shiny workshop</a:t>
+              <a:rPr lang="en-GB"/>
+              <a:t>2025-10-20, Karel Kroeze, BDSi. Shiny Workshop.</a:t>
             </a:r>
             <a:endParaRPr lang="en-NL" dirty="0"/>
           </a:p>
@@ -7012,7 +8573,7 @@
           </a:lstStyle>
           <a:p>
             <a:r>
-              <a:rPr lang="en-GB" dirty="0"/>
+              <a:rPr lang="en-NL"/>
               <a:t>3/6/2022</a:t>
             </a:r>
             <a:endParaRPr lang="en-NL" dirty="0"/>
@@ -7066,7 +8627,7 @@
     <p:sldLayoutId id="2147483659" r:id="rId4"/>
     <p:sldLayoutId id="2147483663" r:id="rId5"/>
   </p:sldLayoutIdLst>
-  <p:hf sldNum="0" hdr="0"/>
+  <p:hf sldNum="0" hdr="0" dt="0"/>
   <p:txStyles>
     <p:titleStyle>
       <a:lvl1pPr algn="l" defTabSz="914400" rtl="0" eaLnBrk="1" latinLnBrk="0" hangingPunct="1">
@@ -7587,7 +9148,7 @@
             <p:nvPr/>
           </p:nvPicPr>
           <p:blipFill>
-            <a:blip r:embed="rId2">
+            <a:blip r:embed="rId3">
               <a:extLst>
                 <a:ext uri="{28A0092B-C50C-407E-A947-70E740481C1C}">
                   <a14:useLocalDpi xmlns:a14="http://schemas.microsoft.com/office/drawing/2010/main" val="0"/>
@@ -7661,7 +9222,7 @@
               <p:nvPr/>
             </p:nvPicPr>
             <p:blipFill>
-              <a:blip r:embed="rId3">
+              <a:blip r:embed="rId4">
                 <a:extLst>
                   <a:ext uri="{28A0092B-C50C-407E-A947-70E740481C1C}">
                     <a14:useLocalDpi xmlns:a14="http://schemas.microsoft.com/office/drawing/2010/main" val="0"/>
@@ -7926,7 +9487,7 @@
               <p:nvPr/>
             </p:nvPicPr>
             <p:blipFill>
-              <a:blip r:embed="rId4">
+              <a:blip r:embed="rId5">
                 <a:extLst>
                   <a:ext uri="{28A0092B-C50C-407E-A947-70E740481C1C}">
                     <a14:useLocalDpi xmlns:a14="http://schemas.microsoft.com/office/drawing/2010/main" val="0"/>
@@ -7983,7 +9544,7 @@
             <p:nvPr/>
           </p:nvPicPr>
           <p:blipFill>
-            <a:blip r:embed="rId5">
+            <a:blip r:embed="rId6">
               <a:extLst>
                 <a:ext uri="{28A0092B-C50C-407E-A947-70E740481C1C}">
                   <a14:useLocalDpi xmlns:a14="http://schemas.microsoft.com/office/drawing/2010/main" val="0"/>
@@ -8019,7 +9580,7 @@
             <p:nvPr/>
           </p:nvPicPr>
           <p:blipFill>
-            <a:blip r:embed="rId6">
+            <a:blip r:embed="rId7">
               <a:extLst>
                 <a:ext uri="{28A0092B-C50C-407E-A947-70E740481C1C}">
                   <a14:useLocalDpi xmlns:a14="http://schemas.microsoft.com/office/drawing/2010/main" val="0"/>
@@ -8055,7 +9616,7 @@
             <p:nvPr/>
           </p:nvPicPr>
           <p:blipFill>
-            <a:blip r:embed="rId7">
+            <a:blip r:embed="rId8">
               <a:extLst>
                 <a:ext uri="{28A0092B-C50C-407E-A947-70E740481C1C}">
                   <a14:useLocalDpi xmlns:a14="http://schemas.microsoft.com/office/drawing/2010/main" val="0"/>
@@ -8091,7 +9652,7 @@
             <p:nvPr/>
           </p:nvPicPr>
           <p:blipFill>
-            <a:blip r:embed="rId8">
+            <a:blip r:embed="rId9">
               <a:extLst>
                 <a:ext uri="{28A0092B-C50C-407E-A947-70E740481C1C}">
                   <a14:useLocalDpi xmlns:a14="http://schemas.microsoft.com/office/drawing/2010/main" val="0"/>
@@ -8127,7 +9688,7 @@
             <p:nvPr/>
           </p:nvPicPr>
           <p:blipFill>
-            <a:blip r:embed="rId9">
+            <a:blip r:embed="rId10">
               <a:extLst>
                 <a:ext uri="{28A0092B-C50C-407E-A947-70E740481C1C}">
                   <a14:useLocalDpi xmlns:a14="http://schemas.microsoft.com/office/drawing/2010/main" val="0"/>
@@ -8164,7 +9725,7 @@
           <p:nvPr/>
         </p:nvPicPr>
         <p:blipFill>
-          <a:blip r:embed="rId10">
+          <a:blip r:embed="rId11">
             <a:extLst>
               <a:ext uri="{28A0092B-C50C-407E-A947-70E740481C1C}">
                 <a14:useLocalDpi xmlns:a14="http://schemas.microsoft.com/office/drawing/2010/main" val="0"/>
@@ -8185,6 +9746,35 @@
           </a:prstGeom>
         </p:spPr>
       </p:pic>
+      <p:sp>
+        <p:nvSpPr>
+          <p:cNvPr id="10" name="Footer Placeholder 9">
+            <a:extLst>
+              <a:ext uri="{FF2B5EF4-FFF2-40B4-BE49-F238E27FC236}">
+                <a16:creationId xmlns:a16="http://schemas.microsoft.com/office/drawing/2014/main" id="{20128D95-8B75-4A47-D66E-F089FE8499C8}"/>
+              </a:ext>
+            </a:extLst>
+          </p:cNvPr>
+          <p:cNvSpPr>
+            <a:spLocks noGrp="1"/>
+          </p:cNvSpPr>
+          <p:nvPr>
+            <p:ph type="ftr" sz="quarter" idx="11"/>
+          </p:nvPr>
+        </p:nvSpPr>
+        <p:spPr/>
+        <p:txBody>
+          <a:bodyPr/>
+          <a:lstStyle/>
+          <a:p>
+            <a:r>
+              <a:rPr lang="en-GB"/>
+              <a:t>2025-10-20, Karel Kroeze, BDSi. Shiny Workshop.</a:t>
+            </a:r>
+            <a:endParaRPr lang="en-NL" dirty="0"/>
+          </a:p>
+        </p:txBody>
+      </p:sp>
     </p:spTree>
     <p:extLst>
       <p:ext uri="{BB962C8B-B14F-4D97-AF65-F5344CB8AC3E}">
@@ -8325,7 +9915,7 @@
             <p:nvPr/>
           </p:nvPicPr>
           <p:blipFill>
-            <a:blip r:embed="rId2">
+            <a:blip r:embed="rId3">
               <a:extLst>
                 <a:ext uri="{28A0092B-C50C-407E-A947-70E740481C1C}">
                   <a14:useLocalDpi xmlns:a14="http://schemas.microsoft.com/office/drawing/2010/main" val="0"/>
@@ -8399,7 +9989,7 @@
               <p:nvPr/>
             </p:nvPicPr>
             <p:blipFill>
-              <a:blip r:embed="rId3">
+              <a:blip r:embed="rId4">
                 <a:extLst>
                   <a:ext uri="{28A0092B-C50C-407E-A947-70E740481C1C}">
                     <a14:useLocalDpi xmlns:a14="http://schemas.microsoft.com/office/drawing/2010/main" val="0"/>
@@ -8664,7 +10254,7 @@
               <p:nvPr/>
             </p:nvPicPr>
             <p:blipFill>
-              <a:blip r:embed="rId4">
+              <a:blip r:embed="rId5">
                 <a:extLst>
                   <a:ext uri="{28A0092B-C50C-407E-A947-70E740481C1C}">
                     <a14:useLocalDpi xmlns:a14="http://schemas.microsoft.com/office/drawing/2010/main" val="0"/>
@@ -8721,7 +10311,7 @@
             <p:nvPr/>
           </p:nvPicPr>
           <p:blipFill>
-            <a:blip r:embed="rId5">
+            <a:blip r:embed="rId6">
               <a:extLst>
                 <a:ext uri="{28A0092B-C50C-407E-A947-70E740481C1C}">
                   <a14:useLocalDpi xmlns:a14="http://schemas.microsoft.com/office/drawing/2010/main" val="0"/>
@@ -8757,7 +10347,7 @@
             <p:nvPr/>
           </p:nvPicPr>
           <p:blipFill>
-            <a:blip r:embed="rId6">
+            <a:blip r:embed="rId7">
               <a:extLst>
                 <a:ext uri="{28A0092B-C50C-407E-A947-70E740481C1C}">
                   <a14:useLocalDpi xmlns:a14="http://schemas.microsoft.com/office/drawing/2010/main" val="0"/>
@@ -8793,7 +10383,7 @@
             <p:nvPr/>
           </p:nvPicPr>
           <p:blipFill>
-            <a:blip r:embed="rId7">
+            <a:blip r:embed="rId8">
               <a:extLst>
                 <a:ext uri="{28A0092B-C50C-407E-A947-70E740481C1C}">
                   <a14:useLocalDpi xmlns:a14="http://schemas.microsoft.com/office/drawing/2010/main" val="0"/>
@@ -8829,7 +10419,7 @@
             <p:nvPr/>
           </p:nvPicPr>
           <p:blipFill>
-            <a:blip r:embed="rId8">
+            <a:blip r:embed="rId9">
               <a:extLst>
                 <a:ext uri="{28A0092B-C50C-407E-A947-70E740481C1C}">
                   <a14:useLocalDpi xmlns:a14="http://schemas.microsoft.com/office/drawing/2010/main" val="0"/>
@@ -8865,7 +10455,7 @@
             <p:nvPr/>
           </p:nvPicPr>
           <p:blipFill>
-            <a:blip r:embed="rId9">
+            <a:blip r:embed="rId10">
               <a:extLst>
                 <a:ext uri="{28A0092B-C50C-407E-A947-70E740481C1C}">
                   <a14:useLocalDpi xmlns:a14="http://schemas.microsoft.com/office/drawing/2010/main" val="0"/>
@@ -8902,7 +10492,7 @@
           <p:nvPr/>
         </p:nvPicPr>
         <p:blipFill>
-          <a:blip r:embed="rId10">
+          <a:blip r:embed="rId11">
             <a:extLst>
               <a:ext uri="{28A0092B-C50C-407E-A947-70E740481C1C}">
                 <a14:useLocalDpi xmlns:a14="http://schemas.microsoft.com/office/drawing/2010/main" val="0"/>
@@ -8916,6 +10506,71 @@
         <p:spPr>
           <a:xfrm rot="21003591">
             <a:off x="2633423" y="3926692"/>
+            <a:ext cx="1480613" cy="1778457"/>
+          </a:xfrm>
+          <a:prstGeom prst="rect">
+            <a:avLst/>
+          </a:prstGeom>
+        </p:spPr>
+      </p:pic>
+      <p:sp>
+        <p:nvSpPr>
+          <p:cNvPr id="10" name="Footer Placeholder 9">
+            <a:extLst>
+              <a:ext uri="{FF2B5EF4-FFF2-40B4-BE49-F238E27FC236}">
+                <a16:creationId xmlns:a16="http://schemas.microsoft.com/office/drawing/2014/main" id="{65F27F6A-FEF2-2ED4-C1B2-F7F1FF96A842}"/>
+              </a:ext>
+            </a:extLst>
+          </p:cNvPr>
+          <p:cNvSpPr>
+            <a:spLocks noGrp="1"/>
+          </p:cNvSpPr>
+          <p:nvPr>
+            <p:ph type="ftr" sz="quarter" idx="11"/>
+          </p:nvPr>
+        </p:nvSpPr>
+        <p:spPr/>
+        <p:txBody>
+          <a:bodyPr/>
+          <a:lstStyle/>
+          <a:p>
+            <a:r>
+              <a:rPr lang="en-GB"/>
+              <a:t>2025-10-20, Karel Kroeze, BDSi. Shiny Workshop.</a:t>
+            </a:r>
+            <a:endParaRPr lang="en-NL" dirty="0"/>
+          </a:p>
+        </p:txBody>
+      </p:sp>
+      <p:pic>
+        <p:nvPicPr>
+          <p:cNvPr id="15" name="Picture 14" descr="A picture containing text, sign, businesscard&#10;&#10;Description automatically generated">
+            <a:extLst>
+              <a:ext uri="{FF2B5EF4-FFF2-40B4-BE49-F238E27FC236}">
+                <a16:creationId xmlns:a16="http://schemas.microsoft.com/office/drawing/2014/main" id="{60F55DB0-B124-D3A0-96BA-1B4FA5DDA9E7}"/>
+              </a:ext>
+            </a:extLst>
+          </p:cNvPr>
+          <p:cNvPicPr>
+            <a:picLocks noChangeAspect="1"/>
+          </p:cNvPicPr>
+          <p:nvPr/>
+        </p:nvPicPr>
+        <p:blipFill>
+          <a:blip r:embed="rId11">
+            <a:extLst>
+              <a:ext uri="{28A0092B-C50C-407E-A947-70E740481C1C}">
+                <a14:useLocalDpi xmlns:a14="http://schemas.microsoft.com/office/drawing/2010/main" val="0"/>
+              </a:ext>
+            </a:extLst>
+          </a:blip>
+          <a:stretch>
+            <a:fillRect/>
+          </a:stretch>
+        </p:blipFill>
+        <p:spPr>
+          <a:xfrm rot="497424">
+            <a:off x="5553307" y="2288936"/>
             <a:ext cx="1480613" cy="1778457"/>
           </a:xfrm>
           <a:prstGeom prst="rect">
@@ -9063,7 +10718,7 @@
             <p:nvPr/>
           </p:nvPicPr>
           <p:blipFill>
-            <a:blip r:embed="rId2">
+            <a:blip r:embed="rId3">
               <a:extLst>
                 <a:ext uri="{28A0092B-C50C-407E-A947-70E740481C1C}">
                   <a14:useLocalDpi xmlns:a14="http://schemas.microsoft.com/office/drawing/2010/main" val="0"/>
@@ -9137,7 +10792,7 @@
               <p:nvPr/>
             </p:nvPicPr>
             <p:blipFill>
-              <a:blip r:embed="rId3">
+              <a:blip r:embed="rId4">
                 <a:extLst>
                   <a:ext uri="{28A0092B-C50C-407E-A947-70E740481C1C}">
                     <a14:useLocalDpi xmlns:a14="http://schemas.microsoft.com/office/drawing/2010/main" val="0"/>
@@ -9402,7 +11057,7 @@
               <p:nvPr/>
             </p:nvPicPr>
             <p:blipFill>
-              <a:blip r:embed="rId4">
+              <a:blip r:embed="rId5">
                 <a:extLst>
                   <a:ext uri="{28A0092B-C50C-407E-A947-70E740481C1C}">
                     <a14:useLocalDpi xmlns:a14="http://schemas.microsoft.com/office/drawing/2010/main" val="0"/>
@@ -9459,7 +11114,7 @@
             <p:nvPr/>
           </p:nvPicPr>
           <p:blipFill>
-            <a:blip r:embed="rId5">
+            <a:blip r:embed="rId6">
               <a:extLst>
                 <a:ext uri="{28A0092B-C50C-407E-A947-70E740481C1C}">
                   <a14:useLocalDpi xmlns:a14="http://schemas.microsoft.com/office/drawing/2010/main" val="0"/>
@@ -9495,7 +11150,7 @@
             <p:nvPr/>
           </p:nvPicPr>
           <p:blipFill>
-            <a:blip r:embed="rId6">
+            <a:blip r:embed="rId7">
               <a:extLst>
                 <a:ext uri="{28A0092B-C50C-407E-A947-70E740481C1C}">
                   <a14:useLocalDpi xmlns:a14="http://schemas.microsoft.com/office/drawing/2010/main" val="0"/>
@@ -9531,7 +11186,7 @@
             <p:nvPr/>
           </p:nvPicPr>
           <p:blipFill>
-            <a:blip r:embed="rId7">
+            <a:blip r:embed="rId8">
               <a:extLst>
                 <a:ext uri="{28A0092B-C50C-407E-A947-70E740481C1C}">
                   <a14:useLocalDpi xmlns:a14="http://schemas.microsoft.com/office/drawing/2010/main" val="0"/>
@@ -9568,7 +11223,7 @@
           <p:nvPr/>
         </p:nvPicPr>
         <p:blipFill>
-          <a:blip r:embed="rId8">
+          <a:blip r:embed="rId9">
             <a:extLst>
               <a:ext uri="{28A0092B-C50C-407E-A947-70E740481C1C}">
                 <a14:useLocalDpi xmlns:a14="http://schemas.microsoft.com/office/drawing/2010/main" val="0"/>
@@ -9615,7 +11270,7 @@
           <p:nvPr/>
         </p:nvPicPr>
         <p:blipFill>
-          <a:blip r:embed="rId9">
+          <a:blip r:embed="rId10">
             <a:extLst>
               <a:ext uri="{28A0092B-C50C-407E-A947-70E740481C1C}">
                 <a14:useLocalDpi xmlns:a14="http://schemas.microsoft.com/office/drawing/2010/main" val="0"/>
@@ -9651,7 +11306,7 @@
           <p:nvPr/>
         </p:nvPicPr>
         <p:blipFill>
-          <a:blip r:embed="rId9">
+          <a:blip r:embed="rId10">
             <a:extLst>
               <a:ext uri="{28A0092B-C50C-407E-A947-70E740481C1C}">
                 <a14:useLocalDpi xmlns:a14="http://schemas.microsoft.com/office/drawing/2010/main" val="0"/>
@@ -9687,7 +11342,7 @@
           <p:nvPr/>
         </p:nvPicPr>
         <p:blipFill>
-          <a:blip r:embed="rId9">
+          <a:blip r:embed="rId10">
             <a:extLst>
               <a:ext uri="{28A0092B-C50C-407E-A947-70E740481C1C}">
                 <a14:useLocalDpi xmlns:a14="http://schemas.microsoft.com/office/drawing/2010/main" val="0"/>
@@ -9708,6 +11363,35 @@
           </a:prstGeom>
         </p:spPr>
       </p:pic>
+      <p:sp>
+        <p:nvSpPr>
+          <p:cNvPr id="10" name="Footer Placeholder 9">
+            <a:extLst>
+              <a:ext uri="{FF2B5EF4-FFF2-40B4-BE49-F238E27FC236}">
+                <a16:creationId xmlns:a16="http://schemas.microsoft.com/office/drawing/2014/main" id="{458BBE78-6C78-C418-F7AA-B130C33C4BA8}"/>
+              </a:ext>
+            </a:extLst>
+          </p:cNvPr>
+          <p:cNvSpPr>
+            <a:spLocks noGrp="1"/>
+          </p:cNvSpPr>
+          <p:nvPr>
+            <p:ph type="ftr" sz="quarter" idx="11"/>
+          </p:nvPr>
+        </p:nvSpPr>
+        <p:spPr/>
+        <p:txBody>
+          <a:bodyPr/>
+          <a:lstStyle/>
+          <a:p>
+            <a:r>
+              <a:rPr lang="en-GB"/>
+              <a:t>2025-10-20, Karel Kroeze, BDSi. Shiny Workshop.</a:t>
+            </a:r>
+            <a:endParaRPr lang="en-NL" dirty="0"/>
+          </a:p>
+        </p:txBody>
+      </p:sp>
     </p:spTree>
     <p:extLst>
       <p:ext uri="{BB962C8B-B14F-4D97-AF65-F5344CB8AC3E}">
@@ -9848,7 +11532,7 @@
             <p:nvPr/>
           </p:nvPicPr>
           <p:blipFill>
-            <a:blip r:embed="rId2">
+            <a:blip r:embed="rId3">
               <a:extLst>
                 <a:ext uri="{28A0092B-C50C-407E-A947-70E740481C1C}">
                   <a14:useLocalDpi xmlns:a14="http://schemas.microsoft.com/office/drawing/2010/main" val="0"/>
@@ -9922,7 +11606,7 @@
               <p:nvPr/>
             </p:nvPicPr>
             <p:blipFill>
-              <a:blip r:embed="rId3">
+              <a:blip r:embed="rId4">
                 <a:extLst>
                   <a:ext uri="{28A0092B-C50C-407E-A947-70E740481C1C}">
                     <a14:useLocalDpi xmlns:a14="http://schemas.microsoft.com/office/drawing/2010/main" val="0"/>
@@ -10187,7 +11871,7 @@
               <p:nvPr/>
             </p:nvPicPr>
             <p:blipFill>
-              <a:blip r:embed="rId4">
+              <a:blip r:embed="rId5">
                 <a:extLst>
                   <a:ext uri="{28A0092B-C50C-407E-A947-70E740481C1C}">
                     <a14:useLocalDpi xmlns:a14="http://schemas.microsoft.com/office/drawing/2010/main" val="0"/>
@@ -10337,6 +12021,35 @@
           </a:p>
         </p:txBody>
       </p:sp>
+      <p:sp>
+        <p:nvSpPr>
+          <p:cNvPr id="10" name="Footer Placeholder 9">
+            <a:extLst>
+              <a:ext uri="{FF2B5EF4-FFF2-40B4-BE49-F238E27FC236}">
+                <a16:creationId xmlns:a16="http://schemas.microsoft.com/office/drawing/2014/main" id="{F29EAB35-3FCE-EAC8-66C4-DD216EBE00A0}"/>
+              </a:ext>
+            </a:extLst>
+          </p:cNvPr>
+          <p:cNvSpPr>
+            <a:spLocks noGrp="1"/>
+          </p:cNvSpPr>
+          <p:nvPr>
+            <p:ph type="ftr" sz="quarter" idx="11"/>
+          </p:nvPr>
+        </p:nvSpPr>
+        <p:spPr/>
+        <p:txBody>
+          <a:bodyPr/>
+          <a:lstStyle/>
+          <a:p>
+            <a:r>
+              <a:rPr lang="en-GB"/>
+              <a:t>2025-10-20, Karel Kroeze, BDSi. Shiny Workshop.</a:t>
+            </a:r>
+            <a:endParaRPr lang="en-NL" dirty="0"/>
+          </a:p>
+        </p:txBody>
+      </p:sp>
     </p:spTree>
     <p:extLst>
       <p:ext uri="{BB962C8B-B14F-4D97-AF65-F5344CB8AC3E}">
@@ -10355,7 +12068,13 @@
   <p:cSld>
     <p:spTree>
       <p:nvGrpSpPr>
-        <p:cNvPr id="1" name=""/>
+        <p:cNvPr id="1" name="">
+          <a:extLst>
+            <a:ext uri="{FF2B5EF4-FFF2-40B4-BE49-F238E27FC236}">
+              <a16:creationId xmlns:a16="http://schemas.microsoft.com/office/drawing/2014/main" id="{F0BA8C1A-7501-45B4-62DE-40CCE188A4F2}"/>
+            </a:ext>
+          </a:extLst>
+        </p:cNvPr>
         <p:cNvGrpSpPr/>
         <p:nvPr/>
       </p:nvGrpSpPr>
@@ -10369,10 +12088,10 @@
       </p:grpSpPr>
       <p:sp>
         <p:nvSpPr>
-          <p:cNvPr id="2" name="Title 1">
-            <a:extLst>
-              <a:ext uri="{FF2B5EF4-FFF2-40B4-BE49-F238E27FC236}">
-                <a16:creationId xmlns:a16="http://schemas.microsoft.com/office/drawing/2014/main" id="{D7124657-724A-4A45-9803-3254D3218D7E}"/>
+          <p:cNvPr id="6" name="Title 5">
+            <a:extLst>
+              <a:ext uri="{FF2B5EF4-FFF2-40B4-BE49-F238E27FC236}">
+                <a16:creationId xmlns:a16="http://schemas.microsoft.com/office/drawing/2014/main" id="{64EB8C14-E516-0540-3484-45910B334E30}"/>
               </a:ext>
             </a:extLst>
           </p:cNvPr>
@@ -10390,14 +12109,14 @@
           <a:p>
             <a:r>
               <a:rPr lang="en-GB" sz="2000" dirty="0"/>
-              <a:t>What is Shiny?</a:t>
+              <a:t>What is shiny?</a:t>
             </a:r>
             <a:br>
-              <a:rPr lang="en-GB" sz="2000" dirty="0"/>
+              <a:rPr lang="en-GB" dirty="0"/>
             </a:br>
             <a:r>
               <a:rPr lang="en-GB" dirty="0"/>
-              <a:t>User Interface &amp; server</a:t>
+              <a:t>A FRAMEWORK</a:t>
             </a:r>
             <a:endParaRPr lang="en-NL" dirty="0"/>
           </a:p>
@@ -10405,10 +12124,10 @@
       </p:sp>
       <p:sp>
         <p:nvSpPr>
-          <p:cNvPr id="3" name="Content Placeholder 2">
-            <a:extLst>
-              <a:ext uri="{FF2B5EF4-FFF2-40B4-BE49-F238E27FC236}">
-                <a16:creationId xmlns:a16="http://schemas.microsoft.com/office/drawing/2014/main" id="{F3F12917-4FBD-4243-AA0B-CF762DA7473B}"/>
+          <p:cNvPr id="7" name="Content Placeholder 6">
+            <a:extLst>
+              <a:ext uri="{FF2B5EF4-FFF2-40B4-BE49-F238E27FC236}">
+                <a16:creationId xmlns:a16="http://schemas.microsoft.com/office/drawing/2014/main" id="{8B40A750-7BD0-B4A0-4CF8-BD4574E1D1B1}"/>
               </a:ext>
             </a:extLst>
           </p:cNvPr>
@@ -10419,307 +12138,630 @@
             <p:ph sz="half" idx="1"/>
           </p:nvPr>
         </p:nvSpPr>
-        <p:spPr/>
+        <p:spPr>
+          <a:xfrm>
+            <a:off x="1316912" y="1825625"/>
+            <a:ext cx="10515600" cy="4351338"/>
+          </a:xfrm>
+        </p:spPr>
         <p:txBody>
           <a:bodyPr/>
           <a:lstStyle/>
           <a:p>
-            <a:r>
-              <a:rPr lang="en-GB" dirty="0">
-                <a:latin typeface="FuraCode Nerd Font" panose="020B0509050000020004" pitchFamily="50" charset="0"/>
-                <a:ea typeface="FuraCode Nerd Font" panose="020B0509050000020004" pitchFamily="50" charset="0"/>
-              </a:rPr>
-              <a:t>UI</a:t>
-            </a:r>
-            <a:r>
-              <a:rPr lang="en-GB" dirty="0">
+            <a:pPr marL="0" indent="0">
+              <a:buNone/>
+            </a:pPr>
+            <a:endParaRPr lang="en-GB" dirty="0"/>
+          </a:p>
+          <a:p>
+            <a:pPr marL="0" indent="0">
+              <a:buNone/>
+            </a:pPr>
+            <a:endParaRPr lang="en-GB" b="1" dirty="0"/>
+          </a:p>
+        </p:txBody>
+      </p:sp>
+      <p:grpSp>
+        <p:nvGrpSpPr>
+          <p:cNvPr id="8" name="Group 7">
+            <a:extLst>
+              <a:ext uri="{FF2B5EF4-FFF2-40B4-BE49-F238E27FC236}">
+                <a16:creationId xmlns:a16="http://schemas.microsoft.com/office/drawing/2014/main" id="{ECA96DA4-BD5B-9958-DAA8-333BA91FC280}"/>
+              </a:ext>
+            </a:extLst>
+          </p:cNvPr>
+          <p:cNvGrpSpPr/>
+          <p:nvPr/>
+        </p:nvGrpSpPr>
+        <p:grpSpPr>
+          <a:xfrm>
+            <a:off x="1405886" y="2028708"/>
+            <a:ext cx="10375297" cy="2347896"/>
+            <a:chOff x="1405886" y="3015300"/>
+            <a:chExt cx="10375297" cy="2347896"/>
+          </a:xfrm>
+        </p:grpSpPr>
+        <p:pic>
+          <p:nvPicPr>
+            <p:cNvPr id="2052" name="Picture 4">
+              <a:extLst>
+                <a:ext uri="{FF2B5EF4-FFF2-40B4-BE49-F238E27FC236}">
+                  <a16:creationId xmlns:a16="http://schemas.microsoft.com/office/drawing/2014/main" id="{0C23066C-A8E6-36E3-6E0F-E5AF34EE7DF4}"/>
+                </a:ext>
+              </a:extLst>
+            </p:cNvPr>
+            <p:cNvPicPr>
+              <a:picLocks noChangeAspect="1" noChangeArrowheads="1"/>
+            </p:cNvPicPr>
+            <p:nvPr/>
+          </p:nvPicPr>
+          <p:blipFill>
+            <a:blip r:embed="rId3">
+              <a:extLst>
+                <a:ext uri="{28A0092B-C50C-407E-A947-70E740481C1C}">
+                  <a14:useLocalDpi xmlns:a14="http://schemas.microsoft.com/office/drawing/2010/main" val="0"/>
+                </a:ext>
+              </a:extLst>
+            </a:blip>
+            <a:srcRect/>
+            <a:stretch>
+              <a:fillRect/>
+            </a:stretch>
+          </p:blipFill>
+          <p:spPr bwMode="auto">
+            <a:xfrm>
+              <a:off x="1405886" y="3105219"/>
+              <a:ext cx="3784679" cy="1998783"/>
+            </a:xfrm>
+            <a:prstGeom prst="rect">
+              <a:avLst/>
+            </a:prstGeom>
+            <a:noFill/>
+            <a:effectLst>
+              <a:outerShdw blurRad="50800" dist="38100" dir="2700000" algn="tl" rotWithShape="0">
+                <a:prstClr val="black">
+                  <a:alpha val="40000"/>
+                </a:prstClr>
+              </a:outerShdw>
+            </a:effectLst>
+            <a:extLst>
+              <a:ext uri="{909E8E84-426E-40DD-AFC4-6F175D3DCCD1}">
+                <a14:hiddenFill xmlns:a14="http://schemas.microsoft.com/office/drawing/2010/main">
+                  <a:solidFill>
+                    <a:srgbClr val="FFFFFF"/>
+                  </a:solidFill>
+                </a14:hiddenFill>
+              </a:ext>
+            </a:extLst>
+          </p:spPr>
+        </p:pic>
+        <p:grpSp>
+          <p:nvGrpSpPr>
+            <p:cNvPr id="3" name="Group 2">
+              <a:extLst>
+                <a:ext uri="{FF2B5EF4-FFF2-40B4-BE49-F238E27FC236}">
+                  <a16:creationId xmlns:a16="http://schemas.microsoft.com/office/drawing/2014/main" id="{A01C222C-A1FE-8F3E-44D5-CE9849CA0690}"/>
+                </a:ext>
+              </a:extLst>
+            </p:cNvPr>
+            <p:cNvGrpSpPr/>
+            <p:nvPr/>
+          </p:nvGrpSpPr>
+          <p:grpSpPr>
+            <a:xfrm>
+              <a:off x="7368602" y="3015300"/>
+              <a:ext cx="4412581" cy="2347896"/>
+              <a:chOff x="7368602" y="3015300"/>
+              <a:chExt cx="4412581" cy="2347896"/>
+            </a:xfrm>
+          </p:grpSpPr>
+          <p:pic>
+            <p:nvPicPr>
+              <p:cNvPr id="2054" name="Picture 6">
+                <a:extLst>
+                  <a:ext uri="{FF2B5EF4-FFF2-40B4-BE49-F238E27FC236}">
+                    <a16:creationId xmlns:a16="http://schemas.microsoft.com/office/drawing/2014/main" id="{8DF3DACF-F359-B033-2E1E-F8674562279A}"/>
+                  </a:ext>
+                </a:extLst>
+              </p:cNvPr>
+              <p:cNvPicPr>
+                <a:picLocks noChangeAspect="1" noChangeArrowheads="1"/>
+              </p:cNvPicPr>
+              <p:nvPr/>
+            </p:nvPicPr>
+            <p:blipFill>
+              <a:blip r:embed="rId4">
+                <a:extLst>
+                  <a:ext uri="{28A0092B-C50C-407E-A947-70E740481C1C}">
+                    <a14:useLocalDpi xmlns:a14="http://schemas.microsoft.com/office/drawing/2010/main" val="0"/>
+                  </a:ext>
+                </a:extLst>
+              </a:blip>
+              <a:srcRect/>
+              <a:stretch/>
+            </p:blipFill>
+            <p:spPr bwMode="auto">
+              <a:xfrm>
+                <a:off x="7448905" y="3015300"/>
+                <a:ext cx="3269973" cy="2178619"/>
+              </a:xfrm>
+              <a:prstGeom prst="rect">
+                <a:avLst/>
+              </a:prstGeom>
+              <a:noFill/>
+              <a:effectLst>
+                <a:outerShdw blurRad="50800" dist="38100" dir="2700000" algn="tl" rotWithShape="0">
+                  <a:prstClr val="black">
+                    <a:alpha val="40000"/>
+                  </a:prstClr>
+                </a:outerShdw>
+              </a:effectLst>
+              <a:extLst>
+                <a:ext uri="{909E8E84-426E-40DD-AFC4-6F175D3DCCD1}">
+                  <a14:hiddenFill xmlns:a14="http://schemas.microsoft.com/office/drawing/2010/main">
+                    <a:solidFill>
+                      <a:srgbClr val="FFFFFF"/>
+                    </a:solidFill>
+                  </a14:hiddenFill>
+                </a:ext>
+              </a:extLst>
+            </p:spPr>
+          </p:pic>
+          <p:sp>
+            <p:nvSpPr>
+              <p:cNvPr id="11" name="TextBox 10">
+                <a:extLst>
+                  <a:ext uri="{FF2B5EF4-FFF2-40B4-BE49-F238E27FC236}">
+                    <a16:creationId xmlns:a16="http://schemas.microsoft.com/office/drawing/2014/main" id="{740D283B-0E88-DDC8-B727-746DAC95D490}"/>
+                  </a:ext>
+                </a:extLst>
+              </p:cNvPr>
+              <p:cNvSpPr txBox="1"/>
+              <p:nvPr/>
+            </p:nvSpPr>
+            <p:spPr>
+              <a:xfrm>
+                <a:off x="7368602" y="5193919"/>
+                <a:ext cx="4412581" cy="169277"/>
+              </a:xfrm>
+              <a:prstGeom prst="rect">
+                <a:avLst/>
+              </a:prstGeom>
+              <a:noFill/>
+            </p:spPr>
+            <p:txBody>
+              <a:bodyPr wrap="square">
+                <a:spAutoFit/>
+              </a:bodyPr>
+              <a:lstStyle/>
+              <a:p>
+                <a:r>
+                  <a:rPr lang="nl-NL" sz="500" dirty="0">
+                    <a:solidFill>
+                      <a:schemeClr val="tx1">
+                        <a:lumMod val="65000"/>
+                        <a:lumOff val="35000"/>
+                      </a:schemeClr>
+                    </a:solidFill>
+                  </a:rPr>
+                  <a:t>https://commons.wikimedia.org/wiki/File:Wikimedia_Foundation_Servers-8055_17.jpg</a:t>
+                </a:r>
+                <a:endParaRPr lang="en-NL" sz="500" dirty="0">
+                  <a:solidFill>
+                    <a:schemeClr val="tx1">
+                      <a:lumMod val="65000"/>
+                      <a:lumOff val="35000"/>
+                    </a:schemeClr>
+                  </a:solidFill>
+                </a:endParaRPr>
+              </a:p>
+            </p:txBody>
+          </p:sp>
+        </p:grpSp>
+        <p:grpSp>
+          <p:nvGrpSpPr>
+            <p:cNvPr id="4" name="Group 3">
+              <a:extLst>
+                <a:ext uri="{FF2B5EF4-FFF2-40B4-BE49-F238E27FC236}">
+                  <a16:creationId xmlns:a16="http://schemas.microsoft.com/office/drawing/2014/main" id="{15E0FD04-3D24-64AF-0356-257E6B003AFB}"/>
+                </a:ext>
+              </a:extLst>
+            </p:cNvPr>
+            <p:cNvGrpSpPr/>
+            <p:nvPr/>
+          </p:nvGrpSpPr>
+          <p:grpSpPr>
+            <a:xfrm>
+              <a:off x="5532106" y="3609474"/>
+              <a:ext cx="4520865" cy="1099583"/>
+              <a:chOff x="5532106" y="3609474"/>
+              <a:chExt cx="4520865" cy="1099583"/>
+            </a:xfrm>
+          </p:grpSpPr>
+          <p:sp>
+            <p:nvSpPr>
+              <p:cNvPr id="2" name="Arrow: Right 1">
+                <a:extLst>
+                  <a:ext uri="{FF2B5EF4-FFF2-40B4-BE49-F238E27FC236}">
+                    <a16:creationId xmlns:a16="http://schemas.microsoft.com/office/drawing/2014/main" id="{1323F7C6-3258-7BED-56DF-AA39C289A73B}"/>
+                  </a:ext>
+                </a:extLst>
+              </p:cNvPr>
+              <p:cNvSpPr/>
+              <p:nvPr/>
+            </p:nvSpPr>
+            <p:spPr>
+              <a:xfrm>
+                <a:off x="5735764" y="3783931"/>
+                <a:ext cx="1371600" cy="264695"/>
+              </a:xfrm>
+              <a:prstGeom prst="rightArrow">
+                <a:avLst/>
+              </a:prstGeom>
+            </p:spPr>
+            <p:style>
+              <a:lnRef idx="2">
+                <a:schemeClr val="accent1">
+                  <a:shade val="50000"/>
+                </a:schemeClr>
+              </a:lnRef>
+              <a:fillRef idx="1">
+                <a:schemeClr val="accent1"/>
+              </a:fillRef>
+              <a:effectRef idx="0">
+                <a:schemeClr val="accent1"/>
+              </a:effectRef>
+              <a:fontRef idx="minor">
+                <a:schemeClr val="lt1"/>
+              </a:fontRef>
+            </p:style>
+            <p:txBody>
+              <a:bodyPr rtlCol="0" anchor="ctr"/>
+              <a:lstStyle/>
+              <a:p>
+                <a:pPr algn="ctr"/>
+                <a:endParaRPr lang="en-NL"/>
+              </a:p>
+            </p:txBody>
+          </p:sp>
+          <p:sp>
+            <p:nvSpPr>
+              <p:cNvPr id="9" name="Arrow: Right 8">
+                <a:extLst>
+                  <a:ext uri="{FF2B5EF4-FFF2-40B4-BE49-F238E27FC236}">
+                    <a16:creationId xmlns:a16="http://schemas.microsoft.com/office/drawing/2014/main" id="{C1D8D116-5579-F041-0098-2A1F1406B82B}"/>
+                  </a:ext>
+                </a:extLst>
+              </p:cNvPr>
+              <p:cNvSpPr/>
+              <p:nvPr/>
+            </p:nvSpPr>
+            <p:spPr>
+              <a:xfrm rot="10800000">
+                <a:off x="5532106" y="4051215"/>
+                <a:ext cx="1371600" cy="264695"/>
+              </a:xfrm>
+              <a:prstGeom prst="rightArrow">
+                <a:avLst/>
+              </a:prstGeom>
+            </p:spPr>
+            <p:style>
+              <a:lnRef idx="2">
+                <a:schemeClr val="accent1">
+                  <a:shade val="50000"/>
+                </a:schemeClr>
+              </a:lnRef>
+              <a:fillRef idx="1">
+                <a:schemeClr val="accent1"/>
+              </a:fillRef>
+              <a:effectRef idx="0">
+                <a:schemeClr val="accent1"/>
+              </a:effectRef>
+              <a:fontRef idx="minor">
+                <a:schemeClr val="lt1"/>
+              </a:fontRef>
+            </p:style>
+            <p:txBody>
+              <a:bodyPr rtlCol="0" anchor="ctr"/>
+              <a:lstStyle/>
+              <a:p>
+                <a:pPr algn="ctr"/>
+                <a:endParaRPr lang="en-NL"/>
+              </a:p>
+            </p:txBody>
+          </p:sp>
+          <p:sp>
+            <p:nvSpPr>
+              <p:cNvPr id="13" name="TextBox 12">
+                <a:extLst>
+                  <a:ext uri="{FF2B5EF4-FFF2-40B4-BE49-F238E27FC236}">
+                    <a16:creationId xmlns:a16="http://schemas.microsoft.com/office/drawing/2014/main" id="{4001A1EA-9C29-5EE2-3011-7A9F166543C6}"/>
+                  </a:ext>
+                </a:extLst>
+              </p:cNvPr>
+              <p:cNvSpPr txBox="1"/>
+              <p:nvPr/>
+            </p:nvSpPr>
+            <p:spPr>
+              <a:xfrm>
+                <a:off x="5640390" y="4281570"/>
+                <a:ext cx="4412581" cy="169277"/>
+              </a:xfrm>
+              <a:prstGeom prst="rect">
+                <a:avLst/>
+              </a:prstGeom>
+              <a:noFill/>
+            </p:spPr>
+            <p:txBody>
+              <a:bodyPr wrap="square">
+                <a:spAutoFit/>
+              </a:bodyPr>
+              <a:lstStyle/>
+              <a:p>
+                <a:r>
+                  <a:rPr lang="nl-NL" sz="500" dirty="0">
+                    <a:solidFill>
+                      <a:schemeClr val="tx1">
+                        <a:lumMod val="65000"/>
+                        <a:lumOff val="35000"/>
+                      </a:schemeClr>
+                    </a:solidFill>
+                  </a:rPr>
+                  <a:t>http://www.mojimade.com/cloud-caf-stickers</a:t>
+                </a:r>
+                <a:endParaRPr lang="en-NL" sz="500" dirty="0">
+                  <a:solidFill>
+                    <a:schemeClr val="tx1">
+                      <a:lumMod val="65000"/>
+                      <a:lumOff val="35000"/>
+                    </a:schemeClr>
+                  </a:solidFill>
+                </a:endParaRPr>
+              </a:p>
+            </p:txBody>
+          </p:sp>
+          <p:pic>
+            <p:nvPicPr>
+              <p:cNvPr id="5" name="Graphic 4">
+                <a:extLst>
+                  <a:ext uri="{FF2B5EF4-FFF2-40B4-BE49-F238E27FC236}">
+                    <a16:creationId xmlns:a16="http://schemas.microsoft.com/office/drawing/2014/main" id="{93D4C715-CC02-DDD1-6030-57005C290782}"/>
+                  </a:ext>
+                </a:extLst>
+              </p:cNvPr>
+              <p:cNvPicPr>
+                <a:picLocks noChangeAspect="1"/>
+              </p:cNvPicPr>
+              <p:nvPr/>
+            </p:nvPicPr>
+            <p:blipFill>
+              <a:blip r:embed="rId5">
+                <a:extLst>
+                  <a:ext uri="{28A0092B-C50C-407E-A947-70E740481C1C}">
+                    <a14:useLocalDpi xmlns:a14="http://schemas.microsoft.com/office/drawing/2010/main" val="0"/>
+                  </a:ext>
+                </a:extLst>
+              </a:blip>
+              <a:srcRect/>
+              <a:stretch/>
+            </p:blipFill>
+            <p:spPr>
+              <a:xfrm>
+                <a:off x="5770034" y="3609474"/>
+                <a:ext cx="1099583" cy="1099583"/>
+              </a:xfrm>
+              <a:prstGeom prst="rect">
+                <a:avLst/>
+              </a:prstGeom>
+            </p:spPr>
+          </p:pic>
+        </p:grpSp>
+      </p:grpSp>
+      <p:sp>
+        <p:nvSpPr>
+          <p:cNvPr id="12" name="TextBox 11">
+            <a:extLst>
+              <a:ext uri="{FF2B5EF4-FFF2-40B4-BE49-F238E27FC236}">
+                <a16:creationId xmlns:a16="http://schemas.microsoft.com/office/drawing/2014/main" id="{4D004B8D-C55B-C3A5-320E-6E3D178D1D99}"/>
+              </a:ext>
+            </a:extLst>
+          </p:cNvPr>
+          <p:cNvSpPr txBox="1"/>
+          <p:nvPr/>
+        </p:nvSpPr>
+        <p:spPr>
+          <a:xfrm>
+            <a:off x="2282102" y="4529003"/>
+            <a:ext cx="2451798" cy="584775"/>
+          </a:xfrm>
+          <a:prstGeom prst="rect">
+            <a:avLst/>
+          </a:prstGeom>
+          <a:noFill/>
+        </p:spPr>
+        <p:txBody>
+          <a:bodyPr wrap="square" rtlCol="0">
+            <a:spAutoFit/>
+          </a:bodyPr>
+          <a:lstStyle/>
+          <a:p>
+            <a:r>
+              <a:rPr lang="en-GB" sz="3200" dirty="0" err="1">
                 <a:solidFill>
-                  <a:schemeClr val="tx1">
-                    <a:lumMod val="75000"/>
-                    <a:lumOff val="25000"/>
-                  </a:schemeClr>
+                  <a:schemeClr val="bg1"/>
                 </a:solidFill>
                 <a:latin typeface="FuraCode Nerd Font" panose="020B0509050000020004" pitchFamily="50" charset="0"/>
                 <a:ea typeface="FuraCode Nerd Font" panose="020B0509050000020004" pitchFamily="50" charset="0"/>
               </a:rPr>
-              <a:t>.R</a:t>
-            </a:r>
-          </a:p>
-          <a:p>
-            <a:pPr lvl="1"/>
-            <a:r>
-              <a:rPr lang="en-GB" dirty="0">
-                <a:ea typeface="FuraCode Nerd Font" panose="020B0509050000020004" pitchFamily="50" charset="0"/>
-              </a:rPr>
-              <a:t>Layout</a:t>
-            </a:r>
-          </a:p>
-          <a:p>
-            <a:pPr lvl="1"/>
-            <a:r>
-              <a:rPr lang="en-GB" dirty="0">
+              <a:t>ui</a:t>
+            </a:r>
+            <a:endParaRPr lang="en-NL" sz="3200" dirty="0">
+              <a:solidFill>
+                <a:schemeClr val="tx1">
+                  <a:lumMod val="65000"/>
+                  <a:lumOff val="35000"/>
+                </a:schemeClr>
+              </a:solidFill>
+              <a:latin typeface="FuraCode Nerd Font" panose="020B0509050000020004" pitchFamily="50" charset="0"/>
+              <a:ea typeface="FuraCode Nerd Font" panose="020B0509050000020004" pitchFamily="50" charset="0"/>
+            </a:endParaRPr>
+          </a:p>
+        </p:txBody>
+      </p:sp>
+      <p:sp>
+        <p:nvSpPr>
+          <p:cNvPr id="25" name="TextBox 24">
+            <a:extLst>
+              <a:ext uri="{FF2B5EF4-FFF2-40B4-BE49-F238E27FC236}">
+                <a16:creationId xmlns:a16="http://schemas.microsoft.com/office/drawing/2014/main" id="{BE4A3E26-54E7-C802-D4C5-6803A2D44207}"/>
+              </a:ext>
+            </a:extLst>
+          </p:cNvPr>
+          <p:cNvSpPr txBox="1"/>
+          <p:nvPr/>
+        </p:nvSpPr>
+        <p:spPr>
+          <a:xfrm>
+            <a:off x="7857992" y="4529003"/>
+            <a:ext cx="2451798" cy="584775"/>
+          </a:xfrm>
+          <a:prstGeom prst="rect">
+            <a:avLst/>
+          </a:prstGeom>
+          <a:noFill/>
+        </p:spPr>
+        <p:txBody>
+          <a:bodyPr wrap="square" rtlCol="0">
+            <a:spAutoFit/>
+          </a:bodyPr>
+          <a:lstStyle/>
+          <a:p>
+            <a:r>
+              <a:rPr lang="en-GB" sz="3200" dirty="0">
                 <a:solidFill>
-                  <a:schemeClr val="accent1"/>
-                </a:solidFill>
-              </a:rPr>
-              <a:t>Inputs</a:t>
-            </a:r>
-          </a:p>
-          <a:p>
-            <a:pPr lvl="2"/>
-            <a:r>
-              <a:rPr lang="en-GB" dirty="0"/>
-              <a:t>Text fields, buttons, etc.</a:t>
-            </a:r>
-          </a:p>
-          <a:p>
-            <a:pPr lvl="2"/>
-            <a:r>
-              <a:rPr lang="en-GB" dirty="0"/>
-              <a:t>File uploads</a:t>
-            </a:r>
-          </a:p>
-          <a:p>
-            <a:pPr lvl="2"/>
-            <a:r>
-              <a:rPr lang="en-GB" dirty="0"/>
-              <a:t>Mouse clicks, drags, etc.</a:t>
-            </a:r>
-          </a:p>
-          <a:p>
-            <a:pPr lvl="2"/>
-            <a:endParaRPr lang="en-GB" dirty="0"/>
-          </a:p>
-          <a:p>
-            <a:pPr lvl="1"/>
-            <a:r>
-              <a:rPr lang="en-GB" dirty="0">
-                <a:solidFill>
-                  <a:schemeClr val="accent1"/>
-                </a:solidFill>
-              </a:rPr>
-              <a:t>Outputs</a:t>
-            </a:r>
-          </a:p>
-          <a:p>
-            <a:pPr lvl="2"/>
-            <a:r>
-              <a:rPr lang="en-GB" dirty="0"/>
-              <a:t>Text</a:t>
-            </a:r>
-          </a:p>
-          <a:p>
-            <a:pPr lvl="2"/>
-            <a:r>
-              <a:rPr lang="en-GB" dirty="0"/>
-              <a:t>Tables, figures, media, etc.</a:t>
-            </a:r>
-          </a:p>
-          <a:p>
-            <a:pPr lvl="2"/>
-            <a:r>
-              <a:rPr lang="en-GB" dirty="0"/>
-              <a:t>File downloads</a:t>
-            </a:r>
-            <a:endParaRPr lang="en-NL" dirty="0"/>
-          </a:p>
-        </p:txBody>
-      </p:sp>
-      <p:sp>
-        <p:nvSpPr>
-          <p:cNvPr id="4" name="Content Placeholder 3">
-            <a:extLst>
-              <a:ext uri="{FF2B5EF4-FFF2-40B4-BE49-F238E27FC236}">
-                <a16:creationId xmlns:a16="http://schemas.microsoft.com/office/drawing/2014/main" id="{89D77102-DE62-41D7-9522-ADA7212654B2}"/>
-              </a:ext>
-            </a:extLst>
-          </p:cNvPr>
-          <p:cNvSpPr>
-            <a:spLocks noGrp="1"/>
-          </p:cNvSpPr>
-          <p:nvPr>
-            <p:ph sz="half" idx="2"/>
-          </p:nvPr>
-        </p:nvSpPr>
-        <p:spPr/>
-        <p:txBody>
-          <a:bodyPr/>
-          <a:lstStyle/>
-          <a:p>
-            <a:r>
-              <a:rPr lang="en-GB" dirty="0">
-                <a:latin typeface="FuraCode Nerd Font" panose="020B0509050000020004" pitchFamily="50" charset="0"/>
-                <a:ea typeface="FuraCode Nerd Font" panose="020B0509050000020004" pitchFamily="50" charset="0"/>
-              </a:rPr>
-              <a:t>Server</a:t>
-            </a:r>
-            <a:r>
-              <a:rPr lang="en-GB" dirty="0">
-                <a:solidFill>
-                  <a:schemeClr val="tx1">
-                    <a:lumMod val="75000"/>
-                    <a:lumOff val="25000"/>
-                  </a:schemeClr>
+                  <a:schemeClr val="bg1"/>
                 </a:solidFill>
                 <a:latin typeface="FuraCode Nerd Font" panose="020B0509050000020004" pitchFamily="50" charset="0"/>
                 <a:ea typeface="FuraCode Nerd Font" panose="020B0509050000020004" pitchFamily="50" charset="0"/>
               </a:rPr>
-              <a:t>.R</a:t>
-            </a:r>
-          </a:p>
-          <a:p>
-            <a:pPr lvl="1"/>
-            <a:r>
-              <a:rPr lang="en-GB" dirty="0"/>
-              <a:t>Handle data and logic</a:t>
-            </a:r>
-          </a:p>
-          <a:p>
-            <a:pPr lvl="1"/>
-            <a:endParaRPr lang="en-GB" dirty="0"/>
-          </a:p>
-          <a:p>
-            <a:pPr lvl="1"/>
-            <a:r>
-              <a:rPr lang="en-GB" dirty="0">
+              <a:t>server()</a:t>
+            </a:r>
+            <a:endParaRPr lang="en-NL" sz="3200" dirty="0">
+              <a:solidFill>
+                <a:schemeClr val="tx1">
+                  <a:lumMod val="65000"/>
+                  <a:lumOff val="35000"/>
+                </a:schemeClr>
+              </a:solidFill>
+              <a:latin typeface="FuraCode Nerd Font" panose="020B0509050000020004" pitchFamily="50" charset="0"/>
+              <a:ea typeface="FuraCode Nerd Font" panose="020B0509050000020004" pitchFamily="50" charset="0"/>
+            </a:endParaRPr>
+          </a:p>
+        </p:txBody>
+      </p:sp>
+      <p:sp>
+        <p:nvSpPr>
+          <p:cNvPr id="10" name="TextBox 9">
+            <a:extLst>
+              <a:ext uri="{FF2B5EF4-FFF2-40B4-BE49-F238E27FC236}">
+                <a16:creationId xmlns:a16="http://schemas.microsoft.com/office/drawing/2014/main" id="{C661E7B8-D757-FBA1-8033-141A61D9B986}"/>
+              </a:ext>
+            </a:extLst>
+          </p:cNvPr>
+          <p:cNvSpPr txBox="1"/>
+          <p:nvPr/>
+        </p:nvSpPr>
+        <p:spPr>
+          <a:xfrm>
+            <a:off x="5735764" y="5316309"/>
+            <a:ext cx="2451798" cy="584775"/>
+          </a:xfrm>
+          <a:prstGeom prst="rect">
+            <a:avLst/>
+          </a:prstGeom>
+          <a:noFill/>
+        </p:spPr>
+        <p:txBody>
+          <a:bodyPr wrap="square" rtlCol="0">
+            <a:spAutoFit/>
+          </a:bodyPr>
+          <a:lstStyle/>
+          <a:p>
+            <a:r>
+              <a:rPr lang="en-GB" sz="3200" dirty="0" err="1">
                 <a:solidFill>
-                  <a:schemeClr val="accent1"/>
+                  <a:schemeClr val="bg1"/>
                 </a:solidFill>
+                <a:latin typeface="FuraCode Nerd Font" panose="020B0509050000020004" pitchFamily="50" charset="0"/>
+                <a:ea typeface="FuraCode Nerd Font" panose="020B0509050000020004" pitchFamily="50" charset="0"/>
               </a:rPr>
-              <a:t>React</a:t>
-            </a:r>
-            <a:r>
-              <a:rPr lang="en-GB" b="1" dirty="0"/>
-              <a:t> </a:t>
-            </a:r>
-            <a:r>
-              <a:rPr lang="en-GB" dirty="0"/>
-              <a:t>to changes</a:t>
-            </a:r>
-          </a:p>
-          <a:p>
-            <a:pPr lvl="2"/>
-            <a:r>
-              <a:rPr lang="en-GB" b="1" dirty="0"/>
-              <a:t>Observe </a:t>
-            </a:r>
-            <a:r>
-              <a:rPr lang="en-GB" dirty="0"/>
-              <a:t>inputs</a:t>
-            </a:r>
-            <a:endParaRPr lang="en-GB" b="1" dirty="0"/>
-          </a:p>
-          <a:p>
-            <a:pPr lvl="2"/>
-            <a:r>
-              <a:rPr lang="en-GB" dirty="0"/>
-              <a:t>Update outputs</a:t>
-            </a:r>
-          </a:p>
-          <a:p>
-            <a:pPr lvl="2"/>
-            <a:r>
-              <a:rPr lang="en-GB" dirty="0"/>
-              <a:t>Trigger side effects</a:t>
-            </a:r>
-          </a:p>
-          <a:p>
-            <a:pPr lvl="2"/>
-            <a:endParaRPr lang="en-GB" dirty="0"/>
-          </a:p>
-          <a:p>
-            <a:pPr lvl="1"/>
-            <a:r>
-              <a:rPr lang="en-GB" dirty="0"/>
-              <a:t>Maintain </a:t>
-            </a:r>
-            <a:r>
-              <a:rPr lang="en-GB" dirty="0">
-                <a:solidFill>
-                  <a:schemeClr val="accent1"/>
-                </a:solidFill>
-              </a:rPr>
-              <a:t>state</a:t>
-            </a:r>
-          </a:p>
-          <a:p>
-            <a:pPr lvl="2"/>
-            <a:r>
-              <a:rPr lang="en-GB" dirty="0"/>
-              <a:t>Data, inputs, outputs</a:t>
-            </a:r>
-          </a:p>
-          <a:p>
-            <a:pPr lvl="2"/>
-            <a:r>
-              <a:rPr lang="en-GB" dirty="0"/>
-              <a:t>Dynamic/intermediate data</a:t>
-            </a:r>
-          </a:p>
-        </p:txBody>
-      </p:sp>
-      <p:sp>
-        <p:nvSpPr>
-          <p:cNvPr id="5" name="Date Placeholder 4">
-            <a:extLst>
-              <a:ext uri="{FF2B5EF4-FFF2-40B4-BE49-F238E27FC236}">
-                <a16:creationId xmlns:a16="http://schemas.microsoft.com/office/drawing/2014/main" id="{7E023606-B5EB-41A5-9AE1-A28708C76125}"/>
-              </a:ext>
-            </a:extLst>
-          </p:cNvPr>
-          <p:cNvSpPr>
-            <a:spLocks noGrp="1"/>
-          </p:cNvSpPr>
-          <p:nvPr>
-            <p:ph type="dt" sz="half" idx="10"/>
-          </p:nvPr>
-        </p:nvSpPr>
-        <p:spPr/>
-        <p:txBody>
-          <a:bodyPr/>
+              <a:t>app.R</a:t>
+            </a:r>
+            <a:endParaRPr lang="en-NL" sz="3200" dirty="0">
+              <a:solidFill>
+                <a:schemeClr val="tx1">
+                  <a:lumMod val="65000"/>
+                  <a:lumOff val="35000"/>
+                </a:schemeClr>
+              </a:solidFill>
+              <a:latin typeface="FuraCode Nerd Font" panose="020B0509050000020004" pitchFamily="50" charset="0"/>
+              <a:ea typeface="FuraCode Nerd Font" panose="020B0509050000020004" pitchFamily="50" charset="0"/>
+            </a:endParaRPr>
+          </a:p>
+        </p:txBody>
+      </p:sp>
+      <p:sp>
+        <p:nvSpPr>
+          <p:cNvPr id="14" name="Left Brace 13">
+            <a:extLst>
+              <a:ext uri="{FF2B5EF4-FFF2-40B4-BE49-F238E27FC236}">
+                <a16:creationId xmlns:a16="http://schemas.microsoft.com/office/drawing/2014/main" id="{95FE469B-1A05-855D-6DD8-48272756A601}"/>
+              </a:ext>
+            </a:extLst>
+          </p:cNvPr>
+          <p:cNvSpPr/>
+          <p:nvPr/>
+        </p:nvSpPr>
+        <p:spPr>
+          <a:xfrm rot="16200000">
+            <a:off x="5427407" y="2184335"/>
+            <a:ext cx="404787" cy="6126191"/>
+          </a:xfrm>
+          <a:prstGeom prst="leftBrace">
+            <a:avLst>
+              <a:gd name="adj1" fmla="val 8333"/>
+              <a:gd name="adj2" fmla="val 60846"/>
+            </a:avLst>
+          </a:prstGeom>
+          <a:ln w="28575"/>
+        </p:spPr>
+        <p:style>
+          <a:lnRef idx="1">
+            <a:schemeClr val="accent1"/>
+          </a:lnRef>
+          <a:fillRef idx="0">
+            <a:schemeClr val="accent1"/>
+          </a:fillRef>
+          <a:effectRef idx="0">
+            <a:schemeClr val="accent1"/>
+          </a:effectRef>
+          <a:fontRef idx="minor">
+            <a:schemeClr val="tx1"/>
+          </a:fontRef>
+        </p:style>
+        <p:txBody>
+          <a:bodyPr rtlCol="0" anchor="ctr"/>
           <a:lstStyle/>
           <a:p>
-            <a:r>
-              <a:rPr lang="en-GB" dirty="0"/>
-              <a:t>3/6/2022</a:t>
-            </a:r>
-            <a:endParaRPr lang="en-NL" dirty="0"/>
-          </a:p>
-        </p:txBody>
-      </p:sp>
-      <p:sp>
-        <p:nvSpPr>
-          <p:cNvPr id="6" name="Footer Placeholder 5">
-            <a:extLst>
-              <a:ext uri="{FF2B5EF4-FFF2-40B4-BE49-F238E27FC236}">
-                <a16:creationId xmlns:a16="http://schemas.microsoft.com/office/drawing/2014/main" id="{3F1509DE-DAD8-4621-A5F0-3098C3EFFE7C}"/>
-              </a:ext>
-            </a:extLst>
-          </p:cNvPr>
-          <p:cNvSpPr>
-            <a:spLocks noGrp="1"/>
-          </p:cNvSpPr>
-          <p:nvPr>
-            <p:ph type="ftr" sz="quarter" idx="11"/>
-          </p:nvPr>
-        </p:nvSpPr>
-        <p:spPr/>
-        <p:txBody>
-          <a:bodyPr/>
-          <a:lstStyle/>
-          <a:p>
-            <a:r>
-              <a:rPr lang="en-GB" dirty="0"/>
-              <a:t>Karel Kroeze - BDSi - Shiny workshop</a:t>
-            </a:r>
-            <a:endParaRPr lang="en-NL" dirty="0"/>
+            <a:pPr algn="ctr"/>
+            <a:endParaRPr lang="en-NL"/>
           </a:p>
         </p:txBody>
       </p:sp>
     </p:spTree>
     <p:extLst>
       <p:ext uri="{BB962C8B-B14F-4D97-AF65-F5344CB8AC3E}">
-        <p14:creationId xmlns:p14="http://schemas.microsoft.com/office/powerpoint/2010/main" val="2838948995"/>
+        <p14:creationId xmlns:p14="http://schemas.microsoft.com/office/powerpoint/2010/main" val="3050864683"/>
       </p:ext>
     </p:extLst>
   </p:cSld>
@@ -10751,6 +12793,356 @@
           <p:cNvPr id="2" name="Title 1">
             <a:extLst>
               <a:ext uri="{FF2B5EF4-FFF2-40B4-BE49-F238E27FC236}">
+                <a16:creationId xmlns:a16="http://schemas.microsoft.com/office/drawing/2014/main" id="{D7124657-724A-4A45-9803-3254D3218D7E}"/>
+              </a:ext>
+            </a:extLst>
+          </p:cNvPr>
+          <p:cNvSpPr>
+            <a:spLocks noGrp="1"/>
+          </p:cNvSpPr>
+          <p:nvPr>
+            <p:ph type="title"/>
+          </p:nvPr>
+        </p:nvSpPr>
+        <p:spPr/>
+        <p:txBody>
+          <a:bodyPr/>
+          <a:lstStyle/>
+          <a:p>
+            <a:r>
+              <a:rPr lang="en-GB" sz="2000" dirty="0"/>
+              <a:t>What is Shiny?</a:t>
+            </a:r>
+            <a:br>
+              <a:rPr lang="en-GB" sz="2000" dirty="0"/>
+            </a:br>
+            <a:r>
+              <a:rPr lang="en-GB" dirty="0"/>
+              <a:t>User Interface &amp; server</a:t>
+            </a:r>
+            <a:endParaRPr lang="en-NL" dirty="0"/>
+          </a:p>
+        </p:txBody>
+      </p:sp>
+      <p:sp>
+        <p:nvSpPr>
+          <p:cNvPr id="3" name="Content Placeholder 2">
+            <a:extLst>
+              <a:ext uri="{FF2B5EF4-FFF2-40B4-BE49-F238E27FC236}">
+                <a16:creationId xmlns:a16="http://schemas.microsoft.com/office/drawing/2014/main" id="{F3F12917-4FBD-4243-AA0B-CF762DA7473B}"/>
+              </a:ext>
+            </a:extLst>
+          </p:cNvPr>
+          <p:cNvSpPr>
+            <a:spLocks noGrp="1"/>
+          </p:cNvSpPr>
+          <p:nvPr>
+            <p:ph sz="half" idx="1"/>
+          </p:nvPr>
+        </p:nvSpPr>
+        <p:spPr/>
+        <p:txBody>
+          <a:bodyPr/>
+          <a:lstStyle/>
+          <a:p>
+            <a:r>
+              <a:rPr lang="en-GB" dirty="0">
+                <a:latin typeface="FuraCode Nerd Font" panose="020B0509050000020004" pitchFamily="50" charset="0"/>
+                <a:ea typeface="FuraCode Nerd Font" panose="020B0509050000020004" pitchFamily="50" charset="0"/>
+              </a:rPr>
+              <a:t>UI</a:t>
+            </a:r>
+            <a:r>
+              <a:rPr lang="en-GB" dirty="0">
+                <a:solidFill>
+                  <a:schemeClr val="tx1">
+                    <a:lumMod val="75000"/>
+                    <a:lumOff val="25000"/>
+                  </a:schemeClr>
+                </a:solidFill>
+                <a:latin typeface="FuraCode Nerd Font" panose="020B0509050000020004" pitchFamily="50" charset="0"/>
+                <a:ea typeface="FuraCode Nerd Font" panose="020B0509050000020004" pitchFamily="50" charset="0"/>
+              </a:rPr>
+              <a:t>.R</a:t>
+            </a:r>
+          </a:p>
+          <a:p>
+            <a:pPr lvl="1"/>
+            <a:r>
+              <a:rPr lang="en-GB" dirty="0">
+                <a:ea typeface="FuraCode Nerd Font" panose="020B0509050000020004" pitchFamily="50" charset="0"/>
+              </a:rPr>
+              <a:t>Layout</a:t>
+            </a:r>
+          </a:p>
+          <a:p>
+            <a:pPr lvl="1"/>
+            <a:r>
+              <a:rPr lang="en-GB" dirty="0">
+                <a:solidFill>
+                  <a:schemeClr val="accent1"/>
+                </a:solidFill>
+              </a:rPr>
+              <a:t>Inputs</a:t>
+            </a:r>
+          </a:p>
+          <a:p>
+            <a:pPr lvl="2"/>
+            <a:r>
+              <a:rPr lang="en-GB" dirty="0"/>
+              <a:t>Text fields, buttons, etc.</a:t>
+            </a:r>
+          </a:p>
+          <a:p>
+            <a:pPr lvl="2"/>
+            <a:r>
+              <a:rPr lang="en-GB" dirty="0"/>
+              <a:t>File uploads</a:t>
+            </a:r>
+          </a:p>
+          <a:p>
+            <a:pPr lvl="2"/>
+            <a:r>
+              <a:rPr lang="en-GB" dirty="0"/>
+              <a:t>Mouse clicks, drags, etc.</a:t>
+            </a:r>
+          </a:p>
+          <a:p>
+            <a:pPr lvl="2"/>
+            <a:endParaRPr lang="en-GB" dirty="0"/>
+          </a:p>
+          <a:p>
+            <a:pPr lvl="1"/>
+            <a:r>
+              <a:rPr lang="en-GB" dirty="0">
+                <a:solidFill>
+                  <a:schemeClr val="accent1"/>
+                </a:solidFill>
+              </a:rPr>
+              <a:t>Outputs</a:t>
+            </a:r>
+          </a:p>
+          <a:p>
+            <a:pPr lvl="2"/>
+            <a:r>
+              <a:rPr lang="en-GB" dirty="0"/>
+              <a:t>Text</a:t>
+            </a:r>
+          </a:p>
+          <a:p>
+            <a:pPr lvl="2"/>
+            <a:r>
+              <a:rPr lang="en-GB" dirty="0"/>
+              <a:t>Tables, figures, media, etc.</a:t>
+            </a:r>
+          </a:p>
+          <a:p>
+            <a:pPr lvl="2"/>
+            <a:r>
+              <a:rPr lang="en-GB" dirty="0"/>
+              <a:t>File downloads</a:t>
+            </a:r>
+            <a:endParaRPr lang="en-NL" dirty="0"/>
+          </a:p>
+        </p:txBody>
+      </p:sp>
+      <p:sp>
+        <p:nvSpPr>
+          <p:cNvPr id="4" name="Content Placeholder 3">
+            <a:extLst>
+              <a:ext uri="{FF2B5EF4-FFF2-40B4-BE49-F238E27FC236}">
+                <a16:creationId xmlns:a16="http://schemas.microsoft.com/office/drawing/2014/main" id="{89D77102-DE62-41D7-9522-ADA7212654B2}"/>
+              </a:ext>
+            </a:extLst>
+          </p:cNvPr>
+          <p:cNvSpPr>
+            <a:spLocks noGrp="1"/>
+          </p:cNvSpPr>
+          <p:nvPr>
+            <p:ph sz="half" idx="2"/>
+          </p:nvPr>
+        </p:nvSpPr>
+        <p:spPr/>
+        <p:txBody>
+          <a:bodyPr/>
+          <a:lstStyle/>
+          <a:p>
+            <a:r>
+              <a:rPr lang="en-GB" dirty="0">
+                <a:latin typeface="FuraCode Nerd Font" panose="020B0509050000020004" pitchFamily="50" charset="0"/>
+                <a:ea typeface="FuraCode Nerd Font" panose="020B0509050000020004" pitchFamily="50" charset="0"/>
+              </a:rPr>
+              <a:t>Server</a:t>
+            </a:r>
+            <a:r>
+              <a:rPr lang="en-GB" dirty="0">
+                <a:solidFill>
+                  <a:schemeClr val="tx1">
+                    <a:lumMod val="75000"/>
+                    <a:lumOff val="25000"/>
+                  </a:schemeClr>
+                </a:solidFill>
+                <a:latin typeface="FuraCode Nerd Font" panose="020B0509050000020004" pitchFamily="50" charset="0"/>
+                <a:ea typeface="FuraCode Nerd Font" panose="020B0509050000020004" pitchFamily="50" charset="0"/>
+              </a:rPr>
+              <a:t>.R</a:t>
+            </a:r>
+          </a:p>
+          <a:p>
+            <a:pPr lvl="1"/>
+            <a:r>
+              <a:rPr lang="en-GB" dirty="0"/>
+              <a:t>Handle data, logic, and state</a:t>
+            </a:r>
+          </a:p>
+          <a:p>
+            <a:pPr lvl="1"/>
+            <a:endParaRPr lang="en-GB" dirty="0"/>
+          </a:p>
+          <a:p>
+            <a:pPr lvl="1"/>
+            <a:r>
+              <a:rPr lang="en-GB" dirty="0">
+                <a:solidFill>
+                  <a:schemeClr val="accent1"/>
+                </a:solidFill>
+              </a:rPr>
+              <a:t>React</a:t>
+            </a:r>
+            <a:r>
+              <a:rPr lang="en-GB" b="1" dirty="0"/>
+              <a:t> </a:t>
+            </a:r>
+            <a:r>
+              <a:rPr lang="en-GB" dirty="0"/>
+              <a:t>to changes</a:t>
+            </a:r>
+          </a:p>
+          <a:p>
+            <a:pPr lvl="2"/>
+            <a:r>
+              <a:rPr lang="en-GB" b="1" dirty="0"/>
+              <a:t>Observe </a:t>
+            </a:r>
+            <a:r>
+              <a:rPr lang="en-GB" dirty="0"/>
+              <a:t>inputs</a:t>
+            </a:r>
+            <a:endParaRPr lang="en-GB" b="1" dirty="0"/>
+          </a:p>
+          <a:p>
+            <a:pPr lvl="2"/>
+            <a:r>
+              <a:rPr lang="en-GB" dirty="0"/>
+              <a:t>Update outputs</a:t>
+            </a:r>
+          </a:p>
+          <a:p>
+            <a:pPr lvl="2"/>
+            <a:r>
+              <a:rPr lang="en-GB" dirty="0"/>
+              <a:t>Trigger side effects</a:t>
+            </a:r>
+          </a:p>
+          <a:p>
+            <a:pPr lvl="2"/>
+            <a:endParaRPr lang="en-GB" dirty="0"/>
+          </a:p>
+          <a:p>
+            <a:pPr lvl="1"/>
+            <a:r>
+              <a:rPr lang="en-GB" dirty="0"/>
+              <a:t>Maintain </a:t>
+            </a:r>
+            <a:r>
+              <a:rPr lang="en-GB" dirty="0">
+                <a:solidFill>
+                  <a:schemeClr val="accent1"/>
+                </a:solidFill>
+              </a:rPr>
+              <a:t>state</a:t>
+            </a:r>
+          </a:p>
+          <a:p>
+            <a:pPr lvl="2"/>
+            <a:r>
+              <a:rPr lang="en-GB" dirty="0"/>
+              <a:t>Data, inputs, outputs</a:t>
+            </a:r>
+          </a:p>
+          <a:p>
+            <a:pPr lvl="2"/>
+            <a:r>
+              <a:rPr lang="en-GB" dirty="0"/>
+              <a:t>Dynamic/intermediate data</a:t>
+            </a:r>
+          </a:p>
+        </p:txBody>
+      </p:sp>
+      <p:sp>
+        <p:nvSpPr>
+          <p:cNvPr id="6" name="Footer Placeholder 5">
+            <a:extLst>
+              <a:ext uri="{FF2B5EF4-FFF2-40B4-BE49-F238E27FC236}">
+                <a16:creationId xmlns:a16="http://schemas.microsoft.com/office/drawing/2014/main" id="{3F1509DE-DAD8-4621-A5F0-3098C3EFFE7C}"/>
+              </a:ext>
+            </a:extLst>
+          </p:cNvPr>
+          <p:cNvSpPr>
+            <a:spLocks noGrp="1"/>
+          </p:cNvSpPr>
+          <p:nvPr>
+            <p:ph type="ftr" sz="quarter" idx="11"/>
+          </p:nvPr>
+        </p:nvSpPr>
+        <p:spPr/>
+        <p:txBody>
+          <a:bodyPr/>
+          <a:lstStyle/>
+          <a:p>
+            <a:r>
+              <a:rPr lang="en-GB"/>
+              <a:t>2025-10-20, Karel Kroeze, BDSi. Shiny Workshop.</a:t>
+            </a:r>
+            <a:endParaRPr lang="en-NL" dirty="0"/>
+          </a:p>
+        </p:txBody>
+      </p:sp>
+    </p:spTree>
+    <p:extLst>
+      <p:ext uri="{BB962C8B-B14F-4D97-AF65-F5344CB8AC3E}">
+        <p14:creationId xmlns:p14="http://schemas.microsoft.com/office/powerpoint/2010/main" val="2838948995"/>
+      </p:ext>
+    </p:extLst>
+  </p:cSld>
+  <p:clrMapOvr>
+    <a:masterClrMapping/>
+  </p:clrMapOvr>
+</p:sld>
+</file>
+
+<file path=ppt/slides/slide16.xml><?xml version="1.0" encoding="utf-8"?>
+<p:sld xmlns:a="http://schemas.openxmlformats.org/drawingml/2006/main" xmlns:r="http://schemas.openxmlformats.org/officeDocument/2006/relationships" xmlns:p="http://schemas.openxmlformats.org/presentationml/2006/main">
+  <p:cSld>
+    <p:spTree>
+      <p:nvGrpSpPr>
+        <p:cNvPr id="1" name=""/>
+        <p:cNvGrpSpPr/>
+        <p:nvPr/>
+      </p:nvGrpSpPr>
+      <p:grpSpPr>
+        <a:xfrm>
+          <a:off x="0" y="0"/>
+          <a:ext cx="0" cy="0"/>
+          <a:chOff x="0" y="0"/>
+          <a:chExt cx="0" cy="0"/>
+        </a:xfrm>
+      </p:grpSpPr>
+      <p:sp>
+        <p:nvSpPr>
+          <p:cNvPr id="2" name="Title 1">
+            <a:extLst>
+              <a:ext uri="{FF2B5EF4-FFF2-40B4-BE49-F238E27FC236}">
                 <a16:creationId xmlns:a16="http://schemas.microsoft.com/office/drawing/2014/main" id="{DC65E524-C514-45D7-BC6C-D11A108C5A11}"/>
               </a:ext>
             </a:extLst>
@@ -10904,35 +13296,6 @@
       </p:sp>
       <p:sp>
         <p:nvSpPr>
-          <p:cNvPr id="4" name="Date Placeholder 3">
-            <a:extLst>
-              <a:ext uri="{FF2B5EF4-FFF2-40B4-BE49-F238E27FC236}">
-                <a16:creationId xmlns:a16="http://schemas.microsoft.com/office/drawing/2014/main" id="{9CDB5518-298D-4D8C-A9AF-F150612A217D}"/>
-              </a:ext>
-            </a:extLst>
-          </p:cNvPr>
-          <p:cNvSpPr>
-            <a:spLocks noGrp="1"/>
-          </p:cNvSpPr>
-          <p:nvPr>
-            <p:ph type="dt" sz="half" idx="10"/>
-          </p:nvPr>
-        </p:nvSpPr>
-        <p:spPr/>
-        <p:txBody>
-          <a:bodyPr/>
-          <a:lstStyle/>
-          <a:p>
-            <a:r>
-              <a:rPr lang="en-GB" dirty="0"/>
-              <a:t>3/6/2022</a:t>
-            </a:r>
-            <a:endParaRPr lang="en-NL" dirty="0"/>
-          </a:p>
-        </p:txBody>
-      </p:sp>
-      <p:sp>
-        <p:nvSpPr>
           <p:cNvPr id="5" name="Footer Placeholder 4">
             <a:extLst>
               <a:ext uri="{FF2B5EF4-FFF2-40B4-BE49-F238E27FC236}">
@@ -10953,8 +13316,8 @@
           <a:lstStyle/>
           <a:p>
             <a:r>
-              <a:rPr lang="en-GB" dirty="0"/>
-              <a:t>Karel Kroeze - BDSi - Shiny workshop</a:t>
+              <a:rPr lang="en-GB"/>
+              <a:t>2025-10-20, Karel Kroeze, BDSi. Shiny Workshop.</a:t>
             </a:r>
             <a:endParaRPr lang="en-NL" dirty="0"/>
           </a:p>
@@ -11002,7 +13365,7 @@
 </p:sld>
 </file>
 
-<file path=ppt/slides/slide16.xml><?xml version="1.0" encoding="utf-8"?>
+<file path=ppt/slides/slide17.xml><?xml version="1.0" encoding="utf-8"?>
 <p:sld xmlns:a="http://schemas.openxmlformats.org/drawingml/2006/main" xmlns:r="http://schemas.openxmlformats.org/officeDocument/2006/relationships" xmlns:p="http://schemas.openxmlformats.org/presentationml/2006/main">
   <p:cSld>
     <p:spTree>
@@ -11118,35 +13481,6 @@
       </p:sp>
       <p:sp>
         <p:nvSpPr>
-          <p:cNvPr id="4" name="Date Placeholder 3">
-            <a:extLst>
-              <a:ext uri="{FF2B5EF4-FFF2-40B4-BE49-F238E27FC236}">
-                <a16:creationId xmlns:a16="http://schemas.microsoft.com/office/drawing/2014/main" id="{9CDB5518-298D-4D8C-A9AF-F150612A217D}"/>
-              </a:ext>
-            </a:extLst>
-          </p:cNvPr>
-          <p:cNvSpPr>
-            <a:spLocks noGrp="1"/>
-          </p:cNvSpPr>
-          <p:nvPr>
-            <p:ph type="dt" sz="half" idx="10"/>
-          </p:nvPr>
-        </p:nvSpPr>
-        <p:spPr/>
-        <p:txBody>
-          <a:bodyPr/>
-          <a:lstStyle/>
-          <a:p>
-            <a:r>
-              <a:rPr lang="en-GB" dirty="0"/>
-              <a:t>3/6/2022</a:t>
-            </a:r>
-            <a:endParaRPr lang="en-NL" dirty="0"/>
-          </a:p>
-        </p:txBody>
-      </p:sp>
-      <p:sp>
-        <p:nvSpPr>
           <p:cNvPr id="5" name="Footer Placeholder 4">
             <a:extLst>
               <a:ext uri="{FF2B5EF4-FFF2-40B4-BE49-F238E27FC236}">
@@ -11167,8 +13501,8 @@
           <a:lstStyle/>
           <a:p>
             <a:r>
-              <a:rPr lang="en-GB" dirty="0"/>
-              <a:t>Karel Kroeze - BDSi - Shiny workshop</a:t>
+              <a:rPr lang="en-GB"/>
+              <a:t>2025-10-20, Karel Kroeze, BDSi. Shiny Workshop.</a:t>
             </a:r>
             <a:endParaRPr lang="en-NL" dirty="0"/>
           </a:p>
@@ -11216,7 +13550,7 @@
 </p:sld>
 </file>
 
-<file path=ppt/slides/slide17.xml><?xml version="1.0" encoding="utf-8"?>
+<file path=ppt/slides/slide18.xml><?xml version="1.0" encoding="utf-8"?>
 <p:sld xmlns:a="http://schemas.openxmlformats.org/drawingml/2006/main" xmlns:r="http://schemas.openxmlformats.org/officeDocument/2006/relationships" xmlns:p="http://schemas.openxmlformats.org/presentationml/2006/main">
   <p:cSld>
     <p:spTree>
@@ -11330,35 +13664,6 @@
       </p:sp>
       <p:sp>
         <p:nvSpPr>
-          <p:cNvPr id="4" name="Date Placeholder 3">
-            <a:extLst>
-              <a:ext uri="{FF2B5EF4-FFF2-40B4-BE49-F238E27FC236}">
-                <a16:creationId xmlns:a16="http://schemas.microsoft.com/office/drawing/2014/main" id="{9CDB5518-298D-4D8C-A9AF-F150612A217D}"/>
-              </a:ext>
-            </a:extLst>
-          </p:cNvPr>
-          <p:cNvSpPr>
-            <a:spLocks noGrp="1"/>
-          </p:cNvSpPr>
-          <p:nvPr>
-            <p:ph type="dt" sz="half" idx="10"/>
-          </p:nvPr>
-        </p:nvSpPr>
-        <p:spPr/>
-        <p:txBody>
-          <a:bodyPr/>
-          <a:lstStyle/>
-          <a:p>
-            <a:r>
-              <a:rPr lang="en-GB" dirty="0"/>
-              <a:t>3/6/2022</a:t>
-            </a:r>
-            <a:endParaRPr lang="en-NL" dirty="0"/>
-          </a:p>
-        </p:txBody>
-      </p:sp>
-      <p:sp>
-        <p:nvSpPr>
           <p:cNvPr id="5" name="Footer Placeholder 4">
             <a:extLst>
               <a:ext uri="{FF2B5EF4-FFF2-40B4-BE49-F238E27FC236}">
@@ -11379,8 +13684,8 @@
           <a:lstStyle/>
           <a:p>
             <a:r>
-              <a:rPr lang="en-GB" dirty="0"/>
-              <a:t>Karel Kroeze - BDSi - Shiny workshop</a:t>
+              <a:rPr lang="en-GB"/>
+              <a:t>2025-10-20, Karel Kroeze, BDSi. Shiny Workshop.</a:t>
             </a:r>
             <a:endParaRPr lang="en-NL" dirty="0"/>
           </a:p>
@@ -11444,8 +13749,8 @@
           </a:prstGeom>
         </p:spPr>
       </p:pic>
-      <mc:AlternateContent xmlns:mc="http://schemas.openxmlformats.org/markup-compatibility/2006">
-        <mc:Choice xmlns:p14="http://schemas.microsoft.com/office/powerpoint/2010/main" Requires="p14">
+      <mc:AlternateContent xmlns:mc="http://schemas.openxmlformats.org/markup-compatibility/2006" xmlns:p14="http://schemas.microsoft.com/office/powerpoint/2010/main">
+        <mc:Choice Requires="p14">
           <p:contentPart p14:bwMode="auto" r:id="rId3">
             <p14:nvContentPartPr>
               <p14:cNvPr id="20" name="Ink 19">
@@ -11464,7 +13769,7 @@
             </p14:xfrm>
           </p:contentPart>
         </mc:Choice>
-        <mc:Fallback>
+        <mc:Fallback xmlns="">
           <p:pic>
             <p:nvPicPr>
               <p:cNvPr id="20" name="Ink 19">
@@ -11515,8 +13820,8 @@
             <a:chExt cx="2203920" cy="1280880"/>
           </a:xfrm>
         </p:grpSpPr>
-        <mc:AlternateContent xmlns:mc="http://schemas.openxmlformats.org/markup-compatibility/2006">
-          <mc:Choice xmlns:p14="http://schemas.microsoft.com/office/powerpoint/2010/main" Requires="p14">
+        <mc:AlternateContent xmlns:mc="http://schemas.openxmlformats.org/markup-compatibility/2006" xmlns:p14="http://schemas.microsoft.com/office/powerpoint/2010/main">
+          <mc:Choice Requires="p14">
             <p:contentPart p14:bwMode="auto" r:id="rId5">
               <p14:nvContentPartPr>
                 <p14:cNvPr id="14" name="Ink 13">
@@ -11535,7 +13840,7 @@
               </p14:xfrm>
             </p:contentPart>
           </mc:Choice>
-          <mc:Fallback>
+          <mc:Fallback xmlns="">
             <p:pic>
               <p:nvPicPr>
                 <p:cNvPr id="14" name="Ink 13">
@@ -11566,8 +13871,8 @@
             </p:pic>
           </mc:Fallback>
         </mc:AlternateContent>
-        <mc:AlternateContent xmlns:mc="http://schemas.openxmlformats.org/markup-compatibility/2006">
-          <mc:Choice xmlns:p14="http://schemas.microsoft.com/office/powerpoint/2010/main" Requires="p14">
+        <mc:AlternateContent xmlns:mc="http://schemas.openxmlformats.org/markup-compatibility/2006" xmlns:p14="http://schemas.microsoft.com/office/powerpoint/2010/main">
+          <mc:Choice Requires="p14">
             <p:contentPart p14:bwMode="auto" r:id="rId7">
               <p14:nvContentPartPr>
                 <p14:cNvPr id="15" name="Ink 14">
@@ -11586,7 +13891,7 @@
               </p14:xfrm>
             </p:contentPart>
           </mc:Choice>
-          <mc:Fallback>
+          <mc:Fallback xmlns="">
             <p:pic>
               <p:nvPicPr>
                 <p:cNvPr id="15" name="Ink 14">
@@ -11617,8 +13922,8 @@
             </p:pic>
           </mc:Fallback>
         </mc:AlternateContent>
-        <mc:AlternateContent xmlns:mc="http://schemas.openxmlformats.org/markup-compatibility/2006">
-          <mc:Choice xmlns:p14="http://schemas.microsoft.com/office/powerpoint/2010/main" Requires="p14">
+        <mc:AlternateContent xmlns:mc="http://schemas.openxmlformats.org/markup-compatibility/2006" xmlns:p14="http://schemas.microsoft.com/office/powerpoint/2010/main">
+          <mc:Choice Requires="p14">
             <p:contentPart p14:bwMode="auto" r:id="rId9">
               <p14:nvContentPartPr>
                 <p14:cNvPr id="16" name="Ink 15">
@@ -11637,7 +13942,7 @@
               </p14:xfrm>
             </p:contentPart>
           </mc:Choice>
-          <mc:Fallback>
+          <mc:Fallback xmlns="">
             <p:pic>
               <p:nvPicPr>
                 <p:cNvPr id="16" name="Ink 15">
@@ -11668,8 +13973,8 @@
             </p:pic>
           </mc:Fallback>
         </mc:AlternateContent>
-        <mc:AlternateContent xmlns:mc="http://schemas.openxmlformats.org/markup-compatibility/2006">
-          <mc:Choice xmlns:p14="http://schemas.microsoft.com/office/powerpoint/2010/main" Requires="p14">
+        <mc:AlternateContent xmlns:mc="http://schemas.openxmlformats.org/markup-compatibility/2006" xmlns:p14="http://schemas.microsoft.com/office/powerpoint/2010/main">
+          <mc:Choice Requires="p14">
             <p:contentPart p14:bwMode="auto" r:id="rId11">
               <p14:nvContentPartPr>
                 <p14:cNvPr id="17" name="Ink 16">
@@ -11688,7 +13993,7 @@
               </p14:xfrm>
             </p:contentPart>
           </mc:Choice>
-          <mc:Fallback>
+          <mc:Fallback xmlns="">
             <p:pic>
               <p:nvPicPr>
                 <p:cNvPr id="17" name="Ink 16">
@@ -11719,8 +14024,8 @@
             </p:pic>
           </mc:Fallback>
         </mc:AlternateContent>
-        <mc:AlternateContent xmlns:mc="http://schemas.openxmlformats.org/markup-compatibility/2006">
-          <mc:Choice xmlns:p14="http://schemas.microsoft.com/office/powerpoint/2010/main" Requires="p14">
+        <mc:AlternateContent xmlns:mc="http://schemas.openxmlformats.org/markup-compatibility/2006" xmlns:p14="http://schemas.microsoft.com/office/powerpoint/2010/main">
+          <mc:Choice Requires="p14">
             <p:contentPart p14:bwMode="auto" r:id="rId13">
               <p14:nvContentPartPr>
                 <p14:cNvPr id="19" name="Ink 18">
@@ -11739,7 +14044,7 @@
               </p14:xfrm>
             </p:contentPart>
           </mc:Choice>
-          <mc:Fallback>
+          <mc:Fallback xmlns="">
             <p:pic>
               <p:nvPicPr>
                 <p:cNvPr id="19" name="Ink 18">
@@ -11770,8 +14075,8 @@
             </p:pic>
           </mc:Fallback>
         </mc:AlternateContent>
-        <mc:AlternateContent xmlns:mc="http://schemas.openxmlformats.org/markup-compatibility/2006">
-          <mc:Choice xmlns:p14="http://schemas.microsoft.com/office/powerpoint/2010/main" Requires="p14">
+        <mc:AlternateContent xmlns:mc="http://schemas.openxmlformats.org/markup-compatibility/2006" xmlns:p14="http://schemas.microsoft.com/office/powerpoint/2010/main">
+          <mc:Choice Requires="p14">
             <p:contentPart p14:bwMode="auto" r:id="rId15">
               <p14:nvContentPartPr>
                 <p14:cNvPr id="21" name="Ink 20">
@@ -11790,7 +14095,7 @@
               </p14:xfrm>
             </p:contentPart>
           </mc:Choice>
-          <mc:Fallback>
+          <mc:Fallback xmlns="">
             <p:pic>
               <p:nvPicPr>
                 <p:cNvPr id="21" name="Ink 20">
@@ -11821,8 +14126,8 @@
             </p:pic>
           </mc:Fallback>
         </mc:AlternateContent>
-        <mc:AlternateContent xmlns:mc="http://schemas.openxmlformats.org/markup-compatibility/2006">
-          <mc:Choice xmlns:p14="http://schemas.microsoft.com/office/powerpoint/2010/main" Requires="p14">
+        <mc:AlternateContent xmlns:mc="http://schemas.openxmlformats.org/markup-compatibility/2006" xmlns:p14="http://schemas.microsoft.com/office/powerpoint/2010/main">
+          <mc:Choice Requires="p14">
             <p:contentPart p14:bwMode="auto" r:id="rId17">
               <p14:nvContentPartPr>
                 <p14:cNvPr id="22" name="Ink 21">
@@ -11841,7 +14146,7 @@
               </p14:xfrm>
             </p:contentPart>
           </mc:Choice>
-          <mc:Fallback>
+          <mc:Fallback xmlns="">
             <p:pic>
               <p:nvPicPr>
                 <p:cNvPr id="22" name="Ink 21">
@@ -11873,8 +14178,8 @@
           </mc:Fallback>
         </mc:AlternateContent>
       </p:grpSp>
-      <mc:AlternateContent xmlns:mc="http://schemas.openxmlformats.org/markup-compatibility/2006">
-        <mc:Choice xmlns:p14="http://schemas.microsoft.com/office/powerpoint/2010/main" Requires="p14">
+      <mc:AlternateContent xmlns:mc="http://schemas.openxmlformats.org/markup-compatibility/2006" xmlns:p14="http://schemas.microsoft.com/office/powerpoint/2010/main">
+        <mc:Choice Requires="p14">
           <p:contentPart p14:bwMode="auto" r:id="rId19">
             <p14:nvContentPartPr>
               <p14:cNvPr id="25" name="Ink 24">
@@ -11893,7 +14198,7 @@
             </p14:xfrm>
           </p:contentPart>
         </mc:Choice>
-        <mc:Fallback>
+        <mc:Fallback xmlns="">
           <p:pic>
             <p:nvPicPr>
               <p:cNvPr id="25" name="Ink 24">
@@ -11924,8 +14229,8 @@
           </p:pic>
         </mc:Fallback>
       </mc:AlternateContent>
-      <mc:AlternateContent xmlns:mc="http://schemas.openxmlformats.org/markup-compatibility/2006">
-        <mc:Choice xmlns:p14="http://schemas.microsoft.com/office/powerpoint/2010/main" Requires="p14">
+      <mc:AlternateContent xmlns:mc="http://schemas.openxmlformats.org/markup-compatibility/2006" xmlns:p14="http://schemas.microsoft.com/office/powerpoint/2010/main">
+        <mc:Choice Requires="p14">
           <p:contentPart p14:bwMode="auto" r:id="rId21">
             <p14:nvContentPartPr>
               <p14:cNvPr id="26" name="Ink 25">
@@ -11944,7 +14249,7 @@
             </p14:xfrm>
           </p:contentPart>
         </mc:Choice>
-        <mc:Fallback>
+        <mc:Fallback xmlns="">
           <p:pic>
             <p:nvPicPr>
               <p:cNvPr id="26" name="Ink 25">
@@ -11988,7 +14293,7 @@
 </p:sld>
 </file>
 
-<file path=ppt/slides/slide18.xml><?xml version="1.0" encoding="utf-8"?>
+<file path=ppt/slides/slide19.xml><?xml version="1.0" encoding="utf-8"?>
 <p:sld xmlns:a="http://schemas.openxmlformats.org/drawingml/2006/main" xmlns:r="http://schemas.openxmlformats.org/officeDocument/2006/relationships" xmlns:p="http://schemas.openxmlformats.org/presentationml/2006/main">
   <p:cSld>
     <p:spTree>
@@ -12098,35 +14403,6 @@
       </p:sp>
       <p:sp>
         <p:nvSpPr>
-          <p:cNvPr id="4" name="Date Placeholder 3">
-            <a:extLst>
-              <a:ext uri="{FF2B5EF4-FFF2-40B4-BE49-F238E27FC236}">
-                <a16:creationId xmlns:a16="http://schemas.microsoft.com/office/drawing/2014/main" id="{9CDB5518-298D-4D8C-A9AF-F150612A217D}"/>
-              </a:ext>
-            </a:extLst>
-          </p:cNvPr>
-          <p:cNvSpPr>
-            <a:spLocks noGrp="1"/>
-          </p:cNvSpPr>
-          <p:nvPr>
-            <p:ph type="dt" sz="half" idx="10"/>
-          </p:nvPr>
-        </p:nvSpPr>
-        <p:spPr/>
-        <p:txBody>
-          <a:bodyPr/>
-          <a:lstStyle/>
-          <a:p>
-            <a:r>
-              <a:rPr lang="en-GB" dirty="0"/>
-              <a:t>3/6/2022</a:t>
-            </a:r>
-            <a:endParaRPr lang="en-NL" dirty="0"/>
-          </a:p>
-        </p:txBody>
-      </p:sp>
-      <p:sp>
-        <p:nvSpPr>
           <p:cNvPr id="5" name="Footer Placeholder 4">
             <a:extLst>
               <a:ext uri="{FF2B5EF4-FFF2-40B4-BE49-F238E27FC236}">
@@ -12147,8 +14423,8 @@
           <a:lstStyle/>
           <a:p>
             <a:r>
-              <a:rPr lang="en-GB" dirty="0"/>
-              <a:t>Karel Kroeze - BDSi - Shiny workshop</a:t>
+              <a:rPr lang="en-GB"/>
+              <a:t>2025-10-20, Karel Kroeze, BDSi. Shiny Workshop.</a:t>
             </a:r>
             <a:endParaRPr lang="en-NL" dirty="0"/>
           </a:p>
@@ -12197,561 +14473,6 @@
 </p:sld>
 </file>
 
-<file path=ppt/slides/slide19.xml><?xml version="1.0" encoding="utf-8"?>
-<p:sld xmlns:a="http://schemas.openxmlformats.org/drawingml/2006/main" xmlns:r="http://schemas.openxmlformats.org/officeDocument/2006/relationships" xmlns:p="http://schemas.openxmlformats.org/presentationml/2006/main">
-  <p:cSld>
-    <p:spTree>
-      <p:nvGrpSpPr>
-        <p:cNvPr id="1" name=""/>
-        <p:cNvGrpSpPr/>
-        <p:nvPr/>
-      </p:nvGrpSpPr>
-      <p:grpSpPr>
-        <a:xfrm>
-          <a:off x="0" y="0"/>
-          <a:ext cx="0" cy="0"/>
-          <a:chOff x="0" y="0"/>
-          <a:chExt cx="0" cy="0"/>
-        </a:xfrm>
-      </p:grpSpPr>
-      <p:sp>
-        <p:nvSpPr>
-          <p:cNvPr id="2" name="Title 1">
-            <a:extLst>
-              <a:ext uri="{FF2B5EF4-FFF2-40B4-BE49-F238E27FC236}">
-                <a16:creationId xmlns:a16="http://schemas.microsoft.com/office/drawing/2014/main" id="{DC65E524-C514-45D7-BC6C-D11A108C5A11}"/>
-              </a:ext>
-            </a:extLst>
-          </p:cNvPr>
-          <p:cNvSpPr>
-            <a:spLocks noGrp="1"/>
-          </p:cNvSpPr>
-          <p:nvPr>
-            <p:ph type="title"/>
-          </p:nvPr>
-        </p:nvSpPr>
-        <p:spPr/>
-        <p:txBody>
-          <a:bodyPr/>
-          <a:lstStyle/>
-          <a:p>
-            <a:r>
-              <a:rPr lang="en-GB" sz="2000" dirty="0"/>
-              <a:t>Hello, world!</a:t>
-            </a:r>
-            <a:br>
-              <a:rPr lang="en-GB" dirty="0"/>
-            </a:br>
-            <a:r>
-              <a:rPr lang="en-GB" dirty="0"/>
-              <a:t>my first shiny app</a:t>
-            </a:r>
-            <a:endParaRPr lang="nl-NL" dirty="0"/>
-          </a:p>
-        </p:txBody>
-      </p:sp>
-      <p:sp>
-        <p:nvSpPr>
-          <p:cNvPr id="3" name="Content Placeholder 2">
-            <a:extLst>
-              <a:ext uri="{FF2B5EF4-FFF2-40B4-BE49-F238E27FC236}">
-                <a16:creationId xmlns:a16="http://schemas.microsoft.com/office/drawing/2014/main" id="{53955285-5F23-4DBC-8F2C-B5AF06D4975D}"/>
-              </a:ext>
-            </a:extLst>
-          </p:cNvPr>
-          <p:cNvSpPr>
-            <a:spLocks noGrp="1"/>
-          </p:cNvSpPr>
-          <p:nvPr>
-            <p:ph sz="half" idx="1"/>
-          </p:nvPr>
-        </p:nvSpPr>
-        <p:spPr>
-          <a:xfrm>
-            <a:off x="1265581" y="1825624"/>
-            <a:ext cx="10515600" cy="4395881"/>
-          </a:xfrm>
-        </p:spPr>
-        <p:txBody>
-          <a:bodyPr/>
-          <a:lstStyle/>
-          <a:p>
-            <a:r>
-              <a:rPr lang="en-US" dirty="0"/>
-              <a:t>UI</a:t>
-            </a:r>
-          </a:p>
-          <a:p>
-            <a:pPr marL="457200" lvl="1" indent="0">
-              <a:buNone/>
-            </a:pPr>
-            <a:r>
-              <a:rPr lang="en-US" sz="2000" dirty="0">
-                <a:solidFill>
-                  <a:schemeClr val="accent6">
-                    <a:lumMod val="75000"/>
-                  </a:schemeClr>
-                </a:solidFill>
-                <a:latin typeface="FuraCode Nerd Font Mono" panose="020B0509050000020004" pitchFamily="50" charset="0"/>
-                <a:ea typeface="FuraCode Nerd Font Mono" panose="020B0509050000020004" pitchFamily="50" charset="0"/>
-              </a:rPr>
-              <a:t>- </a:t>
-            </a:r>
-            <a:r>
-              <a:rPr lang="en-US" sz="2000" dirty="0" err="1">
-                <a:solidFill>
-                  <a:schemeClr val="accent6">
-                    <a:lumMod val="75000"/>
-                  </a:schemeClr>
-                </a:solidFill>
-                <a:latin typeface="FuraCode Nerd Font Mono" panose="020B0509050000020004" pitchFamily="50" charset="0"/>
-                <a:ea typeface="FuraCode Nerd Font Mono" panose="020B0509050000020004" pitchFamily="50" charset="0"/>
-              </a:rPr>
-              <a:t>sliderInput</a:t>
-            </a:r>
-            <a:r>
-              <a:rPr lang="en-US" sz="2000" dirty="0">
-                <a:solidFill>
-                  <a:schemeClr val="accent6">
-                    <a:lumMod val="75000"/>
-                  </a:schemeClr>
-                </a:solidFill>
-                <a:latin typeface="FuraCode Nerd Font Mono" panose="020B0509050000020004" pitchFamily="50" charset="0"/>
-                <a:ea typeface="FuraCode Nerd Font Mono" panose="020B0509050000020004" pitchFamily="50" charset="0"/>
-              </a:rPr>
-              <a:t>(“bins”, …)</a:t>
-            </a:r>
-          </a:p>
-          <a:p>
-            <a:pPr marL="457200" lvl="1" indent="0">
-              <a:buNone/>
-            </a:pPr>
-            <a:r>
-              <a:rPr lang="en-US" sz="2000" dirty="0">
-                <a:solidFill>
-                  <a:schemeClr val="accent4">
-                    <a:lumMod val="75000"/>
-                  </a:schemeClr>
-                </a:solidFill>
-                <a:latin typeface="FuraCode Nerd Font Mono" panose="020B0509050000020004" pitchFamily="50" charset="0"/>
-                <a:ea typeface="FuraCode Nerd Font Mono" panose="020B0509050000020004" pitchFamily="50" charset="0"/>
-              </a:rPr>
-              <a:t>+ </a:t>
-            </a:r>
-            <a:r>
-              <a:rPr lang="en-US" sz="2000" dirty="0" err="1">
-                <a:solidFill>
-                  <a:schemeClr val="accent4">
-                    <a:lumMod val="75000"/>
-                  </a:schemeClr>
-                </a:solidFill>
-                <a:latin typeface="FuraCode Nerd Font Mono" panose="020B0509050000020004" pitchFamily="50" charset="0"/>
-                <a:ea typeface="FuraCode Nerd Font Mono" panose="020B0509050000020004" pitchFamily="50" charset="0"/>
-              </a:rPr>
-              <a:t>textInput</a:t>
-            </a:r>
-            <a:r>
-              <a:rPr lang="en-US" sz="2000" dirty="0">
-                <a:solidFill>
-                  <a:schemeClr val="accent4">
-                    <a:lumMod val="75000"/>
-                  </a:schemeClr>
-                </a:solidFill>
-                <a:latin typeface="FuraCode Nerd Font Mono" panose="020B0509050000020004" pitchFamily="50" charset="0"/>
-                <a:ea typeface="FuraCode Nerd Font Mono" panose="020B0509050000020004" pitchFamily="50" charset="0"/>
-              </a:rPr>
-              <a:t>(“name”, …)</a:t>
-            </a:r>
-          </a:p>
-          <a:p>
-            <a:pPr marL="457200" lvl="1" indent="0">
-              <a:buNone/>
-            </a:pPr>
-            <a:endParaRPr lang="en-US" sz="2000" dirty="0">
-              <a:solidFill>
-                <a:schemeClr val="accent4">
-                  <a:lumMod val="75000"/>
-                </a:schemeClr>
-              </a:solidFill>
-              <a:latin typeface="FuraCode Nerd Font Mono" panose="020B0509050000020004" pitchFamily="50" charset="0"/>
-              <a:ea typeface="FuraCode Nerd Font Mono" panose="020B0509050000020004" pitchFamily="50" charset="0"/>
-            </a:endParaRPr>
-          </a:p>
-          <a:p>
-            <a:pPr marL="457200" lvl="1" indent="0">
-              <a:buNone/>
-            </a:pPr>
-            <a:r>
-              <a:rPr lang="en-US" sz="2000" dirty="0">
-                <a:solidFill>
-                  <a:schemeClr val="accent6">
-                    <a:lumMod val="75000"/>
-                  </a:schemeClr>
-                </a:solidFill>
-                <a:latin typeface="FuraCode Nerd Font Mono" panose="020B0509050000020004" pitchFamily="50" charset="0"/>
-                <a:ea typeface="FuraCode Nerd Font Mono" panose="020B0509050000020004" pitchFamily="50" charset="0"/>
-              </a:rPr>
-              <a:t>- </a:t>
-            </a:r>
-            <a:r>
-              <a:rPr lang="en-US" sz="2000" dirty="0" err="1">
-                <a:solidFill>
-                  <a:schemeClr val="accent6">
-                    <a:lumMod val="75000"/>
-                  </a:schemeClr>
-                </a:solidFill>
-                <a:latin typeface="FuraCode Nerd Font Mono" panose="020B0509050000020004" pitchFamily="50" charset="0"/>
-                <a:ea typeface="FuraCode Nerd Font Mono" panose="020B0509050000020004" pitchFamily="50" charset="0"/>
-              </a:rPr>
-              <a:t>plotOutput</a:t>
-            </a:r>
-            <a:r>
-              <a:rPr lang="en-US" sz="2000" dirty="0">
-                <a:solidFill>
-                  <a:schemeClr val="accent6">
-                    <a:lumMod val="75000"/>
-                  </a:schemeClr>
-                </a:solidFill>
-                <a:latin typeface="FuraCode Nerd Font Mono" panose="020B0509050000020004" pitchFamily="50" charset="0"/>
-                <a:ea typeface="FuraCode Nerd Font Mono" panose="020B0509050000020004" pitchFamily="50" charset="0"/>
-              </a:rPr>
-              <a:t>(“</a:t>
-            </a:r>
-            <a:r>
-              <a:rPr lang="en-US" sz="2000" dirty="0" err="1">
-                <a:solidFill>
-                  <a:schemeClr val="accent6">
-                    <a:lumMod val="75000"/>
-                  </a:schemeClr>
-                </a:solidFill>
-                <a:latin typeface="FuraCode Nerd Font Mono" panose="020B0509050000020004" pitchFamily="50" charset="0"/>
-                <a:ea typeface="FuraCode Nerd Font Mono" panose="020B0509050000020004" pitchFamily="50" charset="0"/>
-              </a:rPr>
-              <a:t>distPlot</a:t>
-            </a:r>
-            <a:r>
-              <a:rPr lang="en-US" sz="2000" dirty="0">
-                <a:solidFill>
-                  <a:schemeClr val="accent6">
-                    <a:lumMod val="75000"/>
-                  </a:schemeClr>
-                </a:solidFill>
-                <a:latin typeface="FuraCode Nerd Font Mono" panose="020B0509050000020004" pitchFamily="50" charset="0"/>
-                <a:ea typeface="FuraCode Nerd Font Mono" panose="020B0509050000020004" pitchFamily="50" charset="0"/>
-              </a:rPr>
-              <a:t>”)</a:t>
-            </a:r>
-          </a:p>
-          <a:p>
-            <a:pPr marL="457200" lvl="1" indent="0">
-              <a:buNone/>
-            </a:pPr>
-            <a:r>
-              <a:rPr lang="en-US" sz="2000" dirty="0">
-                <a:solidFill>
-                  <a:schemeClr val="accent4">
-                    <a:lumMod val="75000"/>
-                  </a:schemeClr>
-                </a:solidFill>
-                <a:latin typeface="FuraCode Nerd Font Mono" panose="020B0509050000020004" pitchFamily="50" charset="0"/>
-                <a:ea typeface="FuraCode Nerd Font Mono" panose="020B0509050000020004" pitchFamily="50" charset="0"/>
-              </a:rPr>
-              <a:t>+ </a:t>
-            </a:r>
-            <a:r>
-              <a:rPr lang="en-US" sz="2000" dirty="0" err="1">
-                <a:solidFill>
-                  <a:schemeClr val="accent4">
-                    <a:lumMod val="75000"/>
-                  </a:schemeClr>
-                </a:solidFill>
-                <a:latin typeface="FuraCode Nerd Font Mono" panose="020B0509050000020004" pitchFamily="50" charset="0"/>
-                <a:ea typeface="FuraCode Nerd Font Mono" panose="020B0509050000020004" pitchFamily="50" charset="0"/>
-              </a:rPr>
-              <a:t>textOutput</a:t>
-            </a:r>
-            <a:r>
-              <a:rPr lang="en-US" sz="2000" dirty="0">
-                <a:solidFill>
-                  <a:schemeClr val="accent4">
-                    <a:lumMod val="75000"/>
-                  </a:schemeClr>
-                </a:solidFill>
-                <a:latin typeface="FuraCode Nerd Font Mono" panose="020B0509050000020004" pitchFamily="50" charset="0"/>
-                <a:ea typeface="FuraCode Nerd Font Mono" panose="020B0509050000020004" pitchFamily="50" charset="0"/>
-              </a:rPr>
-              <a:t>(“welcome”)</a:t>
-            </a:r>
-          </a:p>
-          <a:p>
-            <a:pPr marL="457200" lvl="1" indent="0">
-              <a:buNone/>
-            </a:pPr>
-            <a:endParaRPr lang="en-US" sz="2000" dirty="0">
-              <a:solidFill>
-                <a:schemeClr val="accent4">
-                  <a:lumMod val="75000"/>
-                </a:schemeClr>
-              </a:solidFill>
-              <a:latin typeface="FuraCode Nerd Font Mono" panose="020B0509050000020004" pitchFamily="50" charset="0"/>
-              <a:ea typeface="FuraCode Nerd Font Mono" panose="020B0509050000020004" pitchFamily="50" charset="0"/>
-            </a:endParaRPr>
-          </a:p>
-          <a:p>
-            <a:r>
-              <a:rPr lang="en-US" sz="2400" dirty="0">
-                <a:ea typeface="FuraCode Nerd Font Mono" panose="020B0509050000020004" pitchFamily="50" charset="0"/>
-              </a:rPr>
-              <a:t>Server</a:t>
-            </a:r>
-          </a:p>
-          <a:p>
-            <a:pPr marL="457200" lvl="1" indent="0">
-              <a:buNone/>
-            </a:pPr>
-            <a:r>
-              <a:rPr lang="en-US" sz="2000" dirty="0">
-                <a:solidFill>
-                  <a:schemeClr val="accent6">
-                    <a:lumMod val="75000"/>
-                  </a:schemeClr>
-                </a:solidFill>
-                <a:latin typeface="FuraCode Nerd Font Mono" panose="020B0509050000020004" pitchFamily="50" charset="0"/>
-                <a:ea typeface="FuraCode Nerd Font Mono" panose="020B0509050000020004" pitchFamily="50" charset="0"/>
-              </a:rPr>
-              <a:t>- </a:t>
-            </a:r>
-            <a:r>
-              <a:rPr lang="en-US" sz="2000" dirty="0" err="1">
-                <a:solidFill>
-                  <a:schemeClr val="accent6">
-                    <a:lumMod val="75000"/>
-                  </a:schemeClr>
-                </a:solidFill>
-                <a:latin typeface="FuraCode Nerd Font Mono" panose="020B0509050000020004" pitchFamily="50" charset="0"/>
-                <a:ea typeface="FuraCode Nerd Font Mono" panose="020B0509050000020004" pitchFamily="50" charset="0"/>
-              </a:rPr>
-              <a:t>renderPlot</a:t>
-            </a:r>
-            <a:r>
-              <a:rPr lang="en-US" sz="2000" dirty="0">
-                <a:solidFill>
-                  <a:schemeClr val="accent6">
-                    <a:lumMod val="75000"/>
-                  </a:schemeClr>
-                </a:solidFill>
-                <a:latin typeface="FuraCode Nerd Font Mono" panose="020B0509050000020004" pitchFamily="50" charset="0"/>
-                <a:ea typeface="FuraCode Nerd Font Mono" panose="020B0509050000020004" pitchFamily="50" charset="0"/>
-              </a:rPr>
-              <a:t>(“</a:t>
-            </a:r>
-            <a:r>
-              <a:rPr lang="en-US" sz="2000" dirty="0" err="1">
-                <a:solidFill>
-                  <a:schemeClr val="accent6">
-                    <a:lumMod val="75000"/>
-                  </a:schemeClr>
-                </a:solidFill>
-                <a:latin typeface="FuraCode Nerd Font Mono" panose="020B0509050000020004" pitchFamily="50" charset="0"/>
-                <a:ea typeface="FuraCode Nerd Font Mono" panose="020B0509050000020004" pitchFamily="50" charset="0"/>
-              </a:rPr>
-              <a:t>distPlot</a:t>
-            </a:r>
-            <a:r>
-              <a:rPr lang="en-US" sz="2000" dirty="0">
-                <a:solidFill>
-                  <a:schemeClr val="accent6">
-                    <a:lumMod val="75000"/>
-                  </a:schemeClr>
-                </a:solidFill>
-                <a:latin typeface="FuraCode Nerd Font Mono" panose="020B0509050000020004" pitchFamily="50" charset="0"/>
-                <a:ea typeface="FuraCode Nerd Font Mono" panose="020B0509050000020004" pitchFamily="50" charset="0"/>
-              </a:rPr>
-              <a:t>”, …)</a:t>
-            </a:r>
-          </a:p>
-          <a:p>
-            <a:pPr marL="457200" lvl="1" indent="0">
-              <a:buNone/>
-            </a:pPr>
-            <a:r>
-              <a:rPr lang="en-US" sz="2000" dirty="0">
-                <a:solidFill>
-                  <a:schemeClr val="accent4">
-                    <a:lumMod val="75000"/>
-                  </a:schemeClr>
-                </a:solidFill>
-                <a:latin typeface="FuraCode Nerd Font Mono" panose="020B0509050000020004" pitchFamily="50" charset="0"/>
-                <a:ea typeface="FuraCode Nerd Font Mono" panose="020B0509050000020004" pitchFamily="50" charset="0"/>
-              </a:rPr>
-              <a:t>+ </a:t>
-            </a:r>
-            <a:r>
-              <a:rPr lang="en-US" sz="2000" dirty="0" err="1">
-                <a:solidFill>
-                  <a:schemeClr val="accent4">
-                    <a:lumMod val="75000"/>
-                  </a:schemeClr>
-                </a:solidFill>
-                <a:latin typeface="FuraCode Nerd Font Mono" panose="020B0509050000020004" pitchFamily="50" charset="0"/>
-                <a:ea typeface="FuraCode Nerd Font Mono" panose="020B0509050000020004" pitchFamily="50" charset="0"/>
-              </a:rPr>
-              <a:t>renderText</a:t>
-            </a:r>
-            <a:r>
-              <a:rPr lang="en-US" sz="2000" dirty="0">
-                <a:solidFill>
-                  <a:schemeClr val="accent4">
-                    <a:lumMod val="75000"/>
-                  </a:schemeClr>
-                </a:solidFill>
-                <a:latin typeface="FuraCode Nerd Font Mono" panose="020B0509050000020004" pitchFamily="50" charset="0"/>
-                <a:ea typeface="FuraCode Nerd Font Mono" panose="020B0509050000020004" pitchFamily="50" charset="0"/>
-              </a:rPr>
-              <a:t>(“welcome”, …)</a:t>
-            </a:r>
-          </a:p>
-          <a:p>
-            <a:pPr lvl="2"/>
-            <a:endParaRPr lang="en-US" dirty="0"/>
-          </a:p>
-        </p:txBody>
-      </p:sp>
-      <p:sp>
-        <p:nvSpPr>
-          <p:cNvPr id="4" name="Date Placeholder 3">
-            <a:extLst>
-              <a:ext uri="{FF2B5EF4-FFF2-40B4-BE49-F238E27FC236}">
-                <a16:creationId xmlns:a16="http://schemas.microsoft.com/office/drawing/2014/main" id="{9CDB5518-298D-4D8C-A9AF-F150612A217D}"/>
-              </a:ext>
-            </a:extLst>
-          </p:cNvPr>
-          <p:cNvSpPr>
-            <a:spLocks noGrp="1"/>
-          </p:cNvSpPr>
-          <p:nvPr>
-            <p:ph type="dt" sz="half" idx="10"/>
-          </p:nvPr>
-        </p:nvSpPr>
-        <p:spPr/>
-        <p:txBody>
-          <a:bodyPr/>
-          <a:lstStyle/>
-          <a:p>
-            <a:r>
-              <a:rPr lang="en-GB" dirty="0"/>
-              <a:t>3/6/2022</a:t>
-            </a:r>
-            <a:endParaRPr lang="en-NL" dirty="0"/>
-          </a:p>
-        </p:txBody>
-      </p:sp>
-      <p:sp>
-        <p:nvSpPr>
-          <p:cNvPr id="5" name="Footer Placeholder 4">
-            <a:extLst>
-              <a:ext uri="{FF2B5EF4-FFF2-40B4-BE49-F238E27FC236}">
-                <a16:creationId xmlns:a16="http://schemas.microsoft.com/office/drawing/2014/main" id="{923905B8-3F4C-448A-85D9-8ACD7BD8BAA5}"/>
-              </a:ext>
-            </a:extLst>
-          </p:cNvPr>
-          <p:cNvSpPr>
-            <a:spLocks noGrp="1"/>
-          </p:cNvSpPr>
-          <p:nvPr>
-            <p:ph type="ftr" sz="quarter" idx="11"/>
-          </p:nvPr>
-        </p:nvSpPr>
-        <p:spPr/>
-        <p:txBody>
-          <a:bodyPr/>
-          <a:lstStyle/>
-          <a:p>
-            <a:r>
-              <a:rPr lang="en-GB" dirty="0"/>
-              <a:t>Karel Kroeze - BDSi - Shiny workshop</a:t>
-            </a:r>
-            <a:endParaRPr lang="en-NL" dirty="0"/>
-          </a:p>
-        </p:txBody>
-      </p:sp>
-      <p:pic>
-        <p:nvPicPr>
-          <p:cNvPr id="12" name="Picture 11">
-            <a:extLst>
-              <a:ext uri="{FF2B5EF4-FFF2-40B4-BE49-F238E27FC236}">
-                <a16:creationId xmlns:a16="http://schemas.microsoft.com/office/drawing/2014/main" id="{BCB9C76C-3C26-47FA-9156-215ECCFE8915}"/>
-              </a:ext>
-            </a:extLst>
-          </p:cNvPr>
-          <p:cNvPicPr>
-            <a:picLocks noChangeAspect="1"/>
-          </p:cNvPicPr>
-          <p:nvPr/>
-        </p:nvPicPr>
-        <p:blipFill rotWithShape="1">
-          <a:blip r:embed="rId2"/>
-          <a:srcRect l="1701" r="4992"/>
-          <a:stretch/>
-        </p:blipFill>
-        <p:spPr>
-          <a:xfrm>
-            <a:off x="5781675" y="2211603"/>
-            <a:ext cx="6210300" cy="1999408"/>
-          </a:xfrm>
-          <a:prstGeom prst="rect">
-            <a:avLst/>
-          </a:prstGeom>
-        </p:spPr>
-      </p:pic>
-      <p:pic>
-        <p:nvPicPr>
-          <p:cNvPr id="14" name="Picture 13">
-            <a:extLst>
-              <a:ext uri="{FF2B5EF4-FFF2-40B4-BE49-F238E27FC236}">
-                <a16:creationId xmlns:a16="http://schemas.microsoft.com/office/drawing/2014/main" id="{CC2C35FC-AF82-498B-89F5-E09D354BE3F8}"/>
-              </a:ext>
-            </a:extLst>
-          </p:cNvPr>
-          <p:cNvPicPr>
-            <a:picLocks noChangeAspect="1"/>
-          </p:cNvPicPr>
-          <p:nvPr/>
-        </p:nvPicPr>
-        <p:blipFill rotWithShape="1">
-          <a:blip r:embed="rId3">
-            <a:extLst>
-              <a:ext uri="{28A0092B-C50C-407E-A947-70E740481C1C}">
-                <a14:useLocalDpi xmlns:a14="http://schemas.microsoft.com/office/drawing/2010/main" val="0"/>
-              </a:ext>
-            </a:extLst>
-          </a:blip>
-          <a:srcRect l="2064" r="14255"/>
-          <a:stretch/>
-        </p:blipFill>
-        <p:spPr>
-          <a:xfrm>
-            <a:off x="6591300" y="4426821"/>
-            <a:ext cx="4591050" cy="1578874"/>
-          </a:xfrm>
-          <a:prstGeom prst="rect">
-            <a:avLst/>
-          </a:prstGeom>
-        </p:spPr>
-      </p:pic>
-    </p:spTree>
-    <p:extLst>
-      <p:ext uri="{BB962C8B-B14F-4D97-AF65-F5344CB8AC3E}">
-        <p14:creationId xmlns:p14="http://schemas.microsoft.com/office/powerpoint/2010/main" val="3626636867"/>
-      </p:ext>
-    </p:extLst>
-  </p:cSld>
-  <p:clrMapOvr>
-    <a:masterClrMapping/>
-  </p:clrMapOvr>
-</p:sld>
-</file>
-
 <file path=ppt/slides/slide2.xml><?xml version="1.0" encoding="utf-8"?>
 <p:sld xmlns:a="http://schemas.openxmlformats.org/drawingml/2006/main" xmlns:r="http://schemas.openxmlformats.org/officeDocument/2006/relationships" xmlns:p="http://schemas.openxmlformats.org/presentationml/2006/main">
   <p:cSld>
@@ -12900,6 +14621,35 @@
               <a:t>Observers &amp; reactives</a:t>
             </a:r>
             <a:endParaRPr lang="en-NL" sz="1200" cap="none" dirty="0"/>
+          </a:p>
+        </p:txBody>
+      </p:sp>
+      <p:sp>
+        <p:nvSpPr>
+          <p:cNvPr id="5" name="Footer Placeholder 4">
+            <a:extLst>
+              <a:ext uri="{FF2B5EF4-FFF2-40B4-BE49-F238E27FC236}">
+                <a16:creationId xmlns:a16="http://schemas.microsoft.com/office/drawing/2014/main" id="{994C69C0-2A72-CD2D-5B26-ECFD45CED409}"/>
+              </a:ext>
+            </a:extLst>
+          </p:cNvPr>
+          <p:cNvSpPr>
+            <a:spLocks noGrp="1"/>
+          </p:cNvSpPr>
+          <p:nvPr>
+            <p:ph type="ftr" sz="quarter" idx="16"/>
+          </p:nvPr>
+        </p:nvSpPr>
+        <p:spPr/>
+        <p:txBody>
+          <a:bodyPr/>
+          <a:lstStyle/>
+          <a:p>
+            <a:r>
+              <a:rPr lang="en-GB"/>
+              <a:t>2025-10-20, Karel Kroeze, BDSi. Shiny Workshop.</a:t>
+            </a:r>
+            <a:endParaRPr lang="en-NL" dirty="0"/>
           </a:p>
         </p:txBody>
       </p:sp>
@@ -12963,7 +14713,7 @@
             </a:br>
             <a:r>
               <a:rPr lang="en-GB" dirty="0"/>
-              <a:t>Make it yours</a:t>
+              <a:t>my first shiny app</a:t>
             </a:r>
             <a:endParaRPr lang="nl-NL" dirty="0"/>
           </a:p>
@@ -12996,120 +14746,343 @@
           <a:lstStyle/>
           <a:p>
             <a:r>
-              <a:rPr lang="en-GB" dirty="0"/>
-              <a:t>Keep it simple</a:t>
-            </a:r>
-          </a:p>
-          <a:p>
-            <a:pPr lvl="1"/>
-            <a:r>
-              <a:rPr lang="en-GB" sz="2000" dirty="0"/>
-              <a:t>Stick to a basic use case – you can add complexity later</a:t>
-            </a:r>
-          </a:p>
-          <a:p>
-            <a:r>
-              <a:rPr lang="en-GB" dirty="0"/>
-              <a:t>Load any data you need</a:t>
-            </a:r>
-          </a:p>
-          <a:p>
-            <a:r>
-              <a:rPr lang="en-GB" dirty="0"/>
+              <a:rPr lang="en-US" dirty="0"/>
               <a:t>UI</a:t>
-            </a:r>
-          </a:p>
-          <a:p>
-            <a:pPr lvl="1"/>
-            <a:r>
-              <a:rPr lang="en-GB" dirty="0"/>
-              <a:t>Add/change inputs &amp; outputs</a:t>
-            </a:r>
-          </a:p>
-          <a:p>
-            <a:pPr lvl="2"/>
-            <a:r>
-              <a:rPr lang="en-GB" sz="1600" dirty="0">
-                <a:latin typeface="FuraCode Nerd Font" panose="020B0509050000020004" pitchFamily="50" charset="0"/>
-                <a:ea typeface="FuraCode Nerd Font" panose="020B0509050000020004" pitchFamily="50" charset="0"/>
-              </a:rPr>
-              <a:t>[xxx]Input(..), [xxx]Output(..)</a:t>
-            </a:r>
-          </a:p>
-          <a:p>
-            <a:pPr lvl="1"/>
-            <a:r>
-              <a:rPr lang="en-GB" dirty="0"/>
-              <a:t>Change layout, labels, texts</a:t>
-            </a:r>
-          </a:p>
-          <a:p>
-            <a:r>
-              <a:rPr lang="en-GB" dirty="0"/>
-              <a:t>Server</a:t>
-            </a:r>
-          </a:p>
-          <a:p>
-            <a:pPr lvl="1"/>
-            <a:r>
-              <a:rPr lang="en-GB" dirty="0"/>
-              <a:t>Create an output for your analysis/visualization</a:t>
-            </a:r>
-          </a:p>
-          <a:p>
-            <a:pPr lvl="2"/>
-            <a:r>
-              <a:rPr lang="en-GB" sz="1600" dirty="0">
-                <a:latin typeface="FuraCode Nerd Font" panose="020B0509050000020004" pitchFamily="50" charset="0"/>
-                <a:ea typeface="FuraCode Nerd Font" panose="020B0509050000020004" pitchFamily="50" charset="0"/>
-              </a:rPr>
-              <a:t>render[xxx](..)</a:t>
             </a:r>
           </a:p>
           <a:p>
             <a:pPr marL="457200" lvl="1" indent="0">
               <a:buNone/>
             </a:pPr>
-            <a:endParaRPr lang="en-GB" dirty="0">
-              <a:latin typeface="FuraCode Nerd Font" panose="020B0509050000020004" pitchFamily="50" charset="0"/>
-              <a:ea typeface="FuraCode Nerd Font" panose="020B0509050000020004" pitchFamily="50" charset="0"/>
+            <a:r>
+              <a:rPr lang="en-US" sz="2000" dirty="0">
+                <a:solidFill>
+                  <a:schemeClr val="accent6">
+                    <a:lumMod val="75000"/>
+                  </a:schemeClr>
+                </a:solidFill>
+                <a:latin typeface="FuraCode Nerd Font Mono" panose="020B0509050000020004" pitchFamily="50" charset="0"/>
+                <a:ea typeface="FuraCode Nerd Font Mono" panose="020B0509050000020004" pitchFamily="50" charset="0"/>
+              </a:rPr>
+              <a:t>- </a:t>
+            </a:r>
+            <a:r>
+              <a:rPr lang="en-US" sz="2000" dirty="0" err="1">
+                <a:solidFill>
+                  <a:schemeClr val="accent6">
+                    <a:lumMod val="75000"/>
+                  </a:schemeClr>
+                </a:solidFill>
+                <a:latin typeface="FuraCode Nerd Font Mono" panose="020B0509050000020004" pitchFamily="50" charset="0"/>
+                <a:ea typeface="FuraCode Nerd Font Mono" panose="020B0509050000020004" pitchFamily="50" charset="0"/>
+              </a:rPr>
+              <a:t>sliderInput</a:t>
+            </a:r>
+            <a:r>
+              <a:rPr lang="en-US" sz="2000" dirty="0">
+                <a:solidFill>
+                  <a:schemeClr val="accent6">
+                    <a:lumMod val="75000"/>
+                  </a:schemeClr>
+                </a:solidFill>
+                <a:latin typeface="FuraCode Nerd Font Mono" panose="020B0509050000020004" pitchFamily="50" charset="0"/>
+                <a:ea typeface="FuraCode Nerd Font Mono" panose="020B0509050000020004" pitchFamily="50" charset="0"/>
+              </a:rPr>
+              <a:t>(“bins”, …)</a:t>
+            </a:r>
+          </a:p>
+          <a:p>
+            <a:pPr marL="457200" lvl="1" indent="0">
+              <a:buNone/>
+            </a:pPr>
+            <a:r>
+              <a:rPr lang="en-US" sz="2000" dirty="0">
+                <a:solidFill>
+                  <a:schemeClr val="accent4">
+                    <a:lumMod val="75000"/>
+                  </a:schemeClr>
+                </a:solidFill>
+                <a:latin typeface="FuraCode Nerd Font Mono" panose="020B0509050000020004" pitchFamily="50" charset="0"/>
+                <a:ea typeface="FuraCode Nerd Font Mono" panose="020B0509050000020004" pitchFamily="50" charset="0"/>
+              </a:rPr>
+              <a:t>+ </a:t>
+            </a:r>
+            <a:r>
+              <a:rPr lang="en-US" sz="2000" dirty="0" err="1">
+                <a:solidFill>
+                  <a:schemeClr val="accent4">
+                    <a:lumMod val="75000"/>
+                  </a:schemeClr>
+                </a:solidFill>
+                <a:latin typeface="FuraCode Nerd Font Mono" panose="020B0509050000020004" pitchFamily="50" charset="0"/>
+                <a:ea typeface="FuraCode Nerd Font Mono" panose="020B0509050000020004" pitchFamily="50" charset="0"/>
+              </a:rPr>
+              <a:t>textInput</a:t>
+            </a:r>
+            <a:r>
+              <a:rPr lang="en-US" sz="2000" dirty="0">
+                <a:solidFill>
+                  <a:schemeClr val="accent4">
+                    <a:lumMod val="75000"/>
+                  </a:schemeClr>
+                </a:solidFill>
+                <a:latin typeface="FuraCode Nerd Font Mono" panose="020B0509050000020004" pitchFamily="50" charset="0"/>
+                <a:ea typeface="FuraCode Nerd Font Mono" panose="020B0509050000020004" pitchFamily="50" charset="0"/>
+              </a:rPr>
+              <a:t>(“name”, …)</a:t>
+            </a:r>
+          </a:p>
+          <a:p>
+            <a:pPr marL="457200" lvl="1" indent="0">
+              <a:buNone/>
+            </a:pPr>
+            <a:endParaRPr lang="en-US" sz="2000" dirty="0">
+              <a:solidFill>
+                <a:schemeClr val="accent4">
+                  <a:lumMod val="75000"/>
+                </a:schemeClr>
+              </a:solidFill>
+              <a:latin typeface="FuraCode Nerd Font Mono" panose="020B0509050000020004" pitchFamily="50" charset="0"/>
+              <a:ea typeface="FuraCode Nerd Font Mono" panose="020B0509050000020004" pitchFamily="50" charset="0"/>
             </a:endParaRPr>
           </a:p>
           <a:p>
-            <a:pPr lvl="1"/>
-            <a:endParaRPr lang="en-GB" dirty="0"/>
-          </a:p>
-          <a:p>
-            <a:endParaRPr lang="en-GB" dirty="0"/>
-          </a:p>
-        </p:txBody>
-      </p:sp>
-      <p:sp>
-        <p:nvSpPr>
-          <p:cNvPr id="4" name="Date Placeholder 3">
-            <a:extLst>
-              <a:ext uri="{FF2B5EF4-FFF2-40B4-BE49-F238E27FC236}">
-                <a16:creationId xmlns:a16="http://schemas.microsoft.com/office/drawing/2014/main" id="{9CDB5518-298D-4D8C-A9AF-F150612A217D}"/>
-              </a:ext>
-            </a:extLst>
-          </p:cNvPr>
-          <p:cNvSpPr>
-            <a:spLocks noGrp="1"/>
-          </p:cNvSpPr>
-          <p:nvPr>
-            <p:ph type="dt" sz="half" idx="10"/>
-          </p:nvPr>
-        </p:nvSpPr>
-        <p:spPr/>
-        <p:txBody>
-          <a:bodyPr/>
-          <a:lstStyle/>
-          <a:p>
-            <a:r>
-              <a:rPr lang="en-GB" dirty="0"/>
-              <a:t>24/10/2022</a:t>
-            </a:r>
-            <a:endParaRPr lang="en-NL" dirty="0"/>
+            <a:pPr marL="457200" lvl="1" indent="0">
+              <a:buNone/>
+            </a:pPr>
+            <a:r>
+              <a:rPr lang="en-US" sz="2000" dirty="0">
+                <a:solidFill>
+                  <a:schemeClr val="accent6">
+                    <a:lumMod val="75000"/>
+                  </a:schemeClr>
+                </a:solidFill>
+                <a:latin typeface="FuraCode Nerd Font Mono" panose="020B0509050000020004" pitchFamily="50" charset="0"/>
+                <a:ea typeface="FuraCode Nerd Font Mono" panose="020B0509050000020004" pitchFamily="50" charset="0"/>
+              </a:rPr>
+              <a:t>- </a:t>
+            </a:r>
+            <a:r>
+              <a:rPr lang="en-US" sz="2000" dirty="0" err="1">
+                <a:solidFill>
+                  <a:schemeClr val="accent6">
+                    <a:lumMod val="75000"/>
+                  </a:schemeClr>
+                </a:solidFill>
+                <a:latin typeface="FuraCode Nerd Font Mono" panose="020B0509050000020004" pitchFamily="50" charset="0"/>
+                <a:ea typeface="FuraCode Nerd Font Mono" panose="020B0509050000020004" pitchFamily="50" charset="0"/>
+              </a:rPr>
+              <a:t>plotOutput</a:t>
+            </a:r>
+            <a:r>
+              <a:rPr lang="en-US" sz="2000" dirty="0">
+                <a:solidFill>
+                  <a:schemeClr val="accent6">
+                    <a:lumMod val="75000"/>
+                  </a:schemeClr>
+                </a:solidFill>
+                <a:latin typeface="FuraCode Nerd Font Mono" panose="020B0509050000020004" pitchFamily="50" charset="0"/>
+                <a:ea typeface="FuraCode Nerd Font Mono" panose="020B0509050000020004" pitchFamily="50" charset="0"/>
+              </a:rPr>
+              <a:t>(“</a:t>
+            </a:r>
+            <a:r>
+              <a:rPr lang="en-US" sz="2000" dirty="0" err="1">
+                <a:solidFill>
+                  <a:schemeClr val="accent6">
+                    <a:lumMod val="75000"/>
+                  </a:schemeClr>
+                </a:solidFill>
+                <a:latin typeface="FuraCode Nerd Font Mono" panose="020B0509050000020004" pitchFamily="50" charset="0"/>
+                <a:ea typeface="FuraCode Nerd Font Mono" panose="020B0509050000020004" pitchFamily="50" charset="0"/>
+              </a:rPr>
+              <a:t>distPlot</a:t>
+            </a:r>
+            <a:r>
+              <a:rPr lang="en-US" sz="2000" dirty="0">
+                <a:solidFill>
+                  <a:schemeClr val="accent6">
+                    <a:lumMod val="75000"/>
+                  </a:schemeClr>
+                </a:solidFill>
+                <a:latin typeface="FuraCode Nerd Font Mono" panose="020B0509050000020004" pitchFamily="50" charset="0"/>
+                <a:ea typeface="FuraCode Nerd Font Mono" panose="020B0509050000020004" pitchFamily="50" charset="0"/>
+              </a:rPr>
+              <a:t>”)</a:t>
+            </a:r>
+          </a:p>
+          <a:p>
+            <a:pPr marL="457200" lvl="1" indent="0">
+              <a:buNone/>
+            </a:pPr>
+            <a:r>
+              <a:rPr lang="en-US" sz="2000" dirty="0">
+                <a:solidFill>
+                  <a:schemeClr val="accent4">
+                    <a:lumMod val="75000"/>
+                  </a:schemeClr>
+                </a:solidFill>
+                <a:latin typeface="FuraCode Nerd Font Mono" panose="020B0509050000020004" pitchFamily="50" charset="0"/>
+                <a:ea typeface="FuraCode Nerd Font Mono" panose="020B0509050000020004" pitchFamily="50" charset="0"/>
+              </a:rPr>
+              <a:t>+ </a:t>
+            </a:r>
+            <a:r>
+              <a:rPr lang="en-US" sz="2000" dirty="0" err="1">
+                <a:solidFill>
+                  <a:schemeClr val="accent4">
+                    <a:lumMod val="75000"/>
+                  </a:schemeClr>
+                </a:solidFill>
+                <a:latin typeface="FuraCode Nerd Font Mono" panose="020B0509050000020004" pitchFamily="50" charset="0"/>
+                <a:ea typeface="FuraCode Nerd Font Mono" panose="020B0509050000020004" pitchFamily="50" charset="0"/>
+              </a:rPr>
+              <a:t>textOutput</a:t>
+            </a:r>
+            <a:r>
+              <a:rPr lang="en-US" sz="2000" dirty="0">
+                <a:solidFill>
+                  <a:schemeClr val="accent4">
+                    <a:lumMod val="75000"/>
+                  </a:schemeClr>
+                </a:solidFill>
+                <a:latin typeface="FuraCode Nerd Font Mono" panose="020B0509050000020004" pitchFamily="50" charset="0"/>
+                <a:ea typeface="FuraCode Nerd Font Mono" panose="020B0509050000020004" pitchFamily="50" charset="0"/>
+              </a:rPr>
+              <a:t>(“welcome”)</a:t>
+            </a:r>
+          </a:p>
+          <a:p>
+            <a:pPr marL="457200" lvl="1" indent="0">
+              <a:buNone/>
+            </a:pPr>
+            <a:endParaRPr lang="en-US" sz="2000" dirty="0">
+              <a:solidFill>
+                <a:schemeClr val="accent4">
+                  <a:lumMod val="75000"/>
+                </a:schemeClr>
+              </a:solidFill>
+              <a:latin typeface="FuraCode Nerd Font Mono" panose="020B0509050000020004" pitchFamily="50" charset="0"/>
+              <a:ea typeface="FuraCode Nerd Font Mono" panose="020B0509050000020004" pitchFamily="50" charset="0"/>
+            </a:endParaRPr>
+          </a:p>
+          <a:p>
+            <a:r>
+              <a:rPr lang="en-US" sz="2400" dirty="0">
+                <a:ea typeface="FuraCode Nerd Font Mono" panose="020B0509050000020004" pitchFamily="50" charset="0"/>
+              </a:rPr>
+              <a:t>Server</a:t>
+            </a:r>
+          </a:p>
+          <a:p>
+            <a:pPr marL="457200" lvl="1" indent="0">
+              <a:buNone/>
+            </a:pPr>
+            <a:r>
+              <a:rPr lang="en-US" sz="2000" dirty="0">
+                <a:solidFill>
+                  <a:schemeClr val="accent6">
+                    <a:lumMod val="75000"/>
+                  </a:schemeClr>
+                </a:solidFill>
+                <a:latin typeface="FuraCode Nerd Font Mono" panose="020B0509050000020004" pitchFamily="50" charset="0"/>
+                <a:ea typeface="FuraCode Nerd Font Mono" panose="020B0509050000020004" pitchFamily="50" charset="0"/>
+              </a:rPr>
+              <a:t>- </a:t>
+            </a:r>
+            <a:r>
+              <a:rPr lang="en-US" sz="2000" dirty="0" err="1">
+                <a:solidFill>
+                  <a:schemeClr val="accent6">
+                    <a:lumMod val="75000"/>
+                  </a:schemeClr>
+                </a:solidFill>
+                <a:latin typeface="FuraCode Nerd Font Mono" panose="020B0509050000020004" pitchFamily="50" charset="0"/>
+                <a:ea typeface="FuraCode Nerd Font Mono" panose="020B0509050000020004" pitchFamily="50" charset="0"/>
+              </a:rPr>
+              <a:t>renderPlot</a:t>
+            </a:r>
+            <a:r>
+              <a:rPr lang="en-US" sz="2000" dirty="0">
+                <a:solidFill>
+                  <a:schemeClr val="accent6">
+                    <a:lumMod val="75000"/>
+                  </a:schemeClr>
+                </a:solidFill>
+                <a:latin typeface="FuraCode Nerd Font Mono" panose="020B0509050000020004" pitchFamily="50" charset="0"/>
+                <a:ea typeface="FuraCode Nerd Font Mono" panose="020B0509050000020004" pitchFamily="50" charset="0"/>
+              </a:rPr>
+              <a:t>(“</a:t>
+            </a:r>
+            <a:r>
+              <a:rPr lang="en-US" sz="2000" dirty="0" err="1">
+                <a:solidFill>
+                  <a:schemeClr val="accent6">
+                    <a:lumMod val="75000"/>
+                  </a:schemeClr>
+                </a:solidFill>
+                <a:latin typeface="FuraCode Nerd Font Mono" panose="020B0509050000020004" pitchFamily="50" charset="0"/>
+                <a:ea typeface="FuraCode Nerd Font Mono" panose="020B0509050000020004" pitchFamily="50" charset="0"/>
+              </a:rPr>
+              <a:t>distPlot</a:t>
+            </a:r>
+            <a:r>
+              <a:rPr lang="en-US" sz="2000" dirty="0">
+                <a:solidFill>
+                  <a:schemeClr val="accent6">
+                    <a:lumMod val="75000"/>
+                  </a:schemeClr>
+                </a:solidFill>
+                <a:latin typeface="FuraCode Nerd Font Mono" panose="020B0509050000020004" pitchFamily="50" charset="0"/>
+                <a:ea typeface="FuraCode Nerd Font Mono" panose="020B0509050000020004" pitchFamily="50" charset="0"/>
+              </a:rPr>
+              <a:t>”, …)</a:t>
+            </a:r>
+          </a:p>
+          <a:p>
+            <a:pPr marL="457200" lvl="1" indent="0">
+              <a:buNone/>
+            </a:pPr>
+            <a:r>
+              <a:rPr lang="en-US" sz="2000" dirty="0">
+                <a:solidFill>
+                  <a:schemeClr val="accent4">
+                    <a:lumMod val="75000"/>
+                  </a:schemeClr>
+                </a:solidFill>
+                <a:latin typeface="FuraCode Nerd Font Mono" panose="020B0509050000020004" pitchFamily="50" charset="0"/>
+                <a:ea typeface="FuraCode Nerd Font Mono" panose="020B0509050000020004" pitchFamily="50" charset="0"/>
+              </a:rPr>
+              <a:t>+ </a:t>
+            </a:r>
+            <a:r>
+              <a:rPr lang="en-US" sz="2000" dirty="0" err="1">
+                <a:solidFill>
+                  <a:schemeClr val="accent4">
+                    <a:lumMod val="75000"/>
+                  </a:schemeClr>
+                </a:solidFill>
+                <a:latin typeface="FuraCode Nerd Font Mono" panose="020B0509050000020004" pitchFamily="50" charset="0"/>
+                <a:ea typeface="FuraCode Nerd Font Mono" panose="020B0509050000020004" pitchFamily="50" charset="0"/>
+              </a:rPr>
+              <a:t>renderText</a:t>
+            </a:r>
+            <a:r>
+              <a:rPr lang="en-US" sz="2000" dirty="0">
+                <a:solidFill>
+                  <a:schemeClr val="accent4">
+                    <a:lumMod val="75000"/>
+                  </a:schemeClr>
+                </a:solidFill>
+                <a:latin typeface="FuraCode Nerd Font Mono" panose="020B0509050000020004" pitchFamily="50" charset="0"/>
+                <a:ea typeface="FuraCode Nerd Font Mono" panose="020B0509050000020004" pitchFamily="50" charset="0"/>
+              </a:rPr>
+              <a:t>(“welcome”, …)</a:t>
+            </a:r>
+          </a:p>
+          <a:p>
+            <a:pPr lvl="2"/>
+            <a:endParaRPr lang="en-US" dirty="0"/>
           </a:p>
         </p:txBody>
       </p:sp>
@@ -13135,8 +15108,261 @@
           <a:lstStyle/>
           <a:p>
             <a:r>
+              <a:rPr lang="en-GB"/>
+              <a:t>2025-10-20, Karel Kroeze, BDSi. Shiny Workshop.</a:t>
+            </a:r>
+            <a:endParaRPr lang="en-NL" dirty="0"/>
+          </a:p>
+        </p:txBody>
+      </p:sp>
+      <p:pic>
+        <p:nvPicPr>
+          <p:cNvPr id="12" name="Picture 11">
+            <a:extLst>
+              <a:ext uri="{FF2B5EF4-FFF2-40B4-BE49-F238E27FC236}">
+                <a16:creationId xmlns:a16="http://schemas.microsoft.com/office/drawing/2014/main" id="{BCB9C76C-3C26-47FA-9156-215ECCFE8915}"/>
+              </a:ext>
+            </a:extLst>
+          </p:cNvPr>
+          <p:cNvPicPr>
+            <a:picLocks noChangeAspect="1"/>
+          </p:cNvPicPr>
+          <p:nvPr/>
+        </p:nvPicPr>
+        <p:blipFill rotWithShape="1">
+          <a:blip r:embed="rId3"/>
+          <a:srcRect l="1701" r="4992"/>
+          <a:stretch/>
+        </p:blipFill>
+        <p:spPr>
+          <a:xfrm>
+            <a:off x="5781675" y="2211603"/>
+            <a:ext cx="6210300" cy="1999408"/>
+          </a:xfrm>
+          <a:prstGeom prst="rect">
+            <a:avLst/>
+          </a:prstGeom>
+        </p:spPr>
+      </p:pic>
+      <p:pic>
+        <p:nvPicPr>
+          <p:cNvPr id="14" name="Picture 13">
+            <a:extLst>
+              <a:ext uri="{FF2B5EF4-FFF2-40B4-BE49-F238E27FC236}">
+                <a16:creationId xmlns:a16="http://schemas.microsoft.com/office/drawing/2014/main" id="{CC2C35FC-AF82-498B-89F5-E09D354BE3F8}"/>
+              </a:ext>
+            </a:extLst>
+          </p:cNvPr>
+          <p:cNvPicPr>
+            <a:picLocks noChangeAspect="1"/>
+          </p:cNvPicPr>
+          <p:nvPr/>
+        </p:nvPicPr>
+        <p:blipFill rotWithShape="1">
+          <a:blip r:embed="rId4">
+            <a:extLst>
+              <a:ext uri="{28A0092B-C50C-407E-A947-70E740481C1C}">
+                <a14:useLocalDpi xmlns:a14="http://schemas.microsoft.com/office/drawing/2010/main" val="0"/>
+              </a:ext>
+            </a:extLst>
+          </a:blip>
+          <a:srcRect l="2064" r="14255"/>
+          <a:stretch/>
+        </p:blipFill>
+        <p:spPr>
+          <a:xfrm>
+            <a:off x="6591300" y="4426821"/>
+            <a:ext cx="4591050" cy="1578874"/>
+          </a:xfrm>
+          <a:prstGeom prst="rect">
+            <a:avLst/>
+          </a:prstGeom>
+        </p:spPr>
+      </p:pic>
+    </p:spTree>
+    <p:extLst>
+      <p:ext uri="{BB962C8B-B14F-4D97-AF65-F5344CB8AC3E}">
+        <p14:creationId xmlns:p14="http://schemas.microsoft.com/office/powerpoint/2010/main" val="3626636867"/>
+      </p:ext>
+    </p:extLst>
+  </p:cSld>
+  <p:clrMapOvr>
+    <a:masterClrMapping/>
+  </p:clrMapOvr>
+</p:sld>
+</file>
+
+<file path=ppt/slides/slide21.xml><?xml version="1.0" encoding="utf-8"?>
+<p:sld xmlns:a="http://schemas.openxmlformats.org/drawingml/2006/main" xmlns:r="http://schemas.openxmlformats.org/officeDocument/2006/relationships" xmlns:p="http://schemas.openxmlformats.org/presentationml/2006/main">
+  <p:cSld>
+    <p:spTree>
+      <p:nvGrpSpPr>
+        <p:cNvPr id="1" name=""/>
+        <p:cNvGrpSpPr/>
+        <p:nvPr/>
+      </p:nvGrpSpPr>
+      <p:grpSpPr>
+        <a:xfrm>
+          <a:off x="0" y="0"/>
+          <a:ext cx="0" cy="0"/>
+          <a:chOff x="0" y="0"/>
+          <a:chExt cx="0" cy="0"/>
+        </a:xfrm>
+      </p:grpSpPr>
+      <p:sp>
+        <p:nvSpPr>
+          <p:cNvPr id="2" name="Title 1">
+            <a:extLst>
+              <a:ext uri="{FF2B5EF4-FFF2-40B4-BE49-F238E27FC236}">
+                <a16:creationId xmlns:a16="http://schemas.microsoft.com/office/drawing/2014/main" id="{DC65E524-C514-45D7-BC6C-D11A108C5A11}"/>
+              </a:ext>
+            </a:extLst>
+          </p:cNvPr>
+          <p:cNvSpPr>
+            <a:spLocks noGrp="1"/>
+          </p:cNvSpPr>
+          <p:nvPr>
+            <p:ph type="title"/>
+          </p:nvPr>
+        </p:nvSpPr>
+        <p:spPr/>
+        <p:txBody>
+          <a:bodyPr/>
+          <a:lstStyle/>
+          <a:p>
+            <a:r>
+              <a:rPr lang="en-GB" sz="2000" dirty="0"/>
+              <a:t>Hello, world!</a:t>
+            </a:r>
+            <a:br>
               <a:rPr lang="en-GB" dirty="0"/>
-              <a:t>Karel Kroeze - BDSi - Shiny workshop</a:t>
+            </a:br>
+            <a:r>
+              <a:rPr lang="en-GB" dirty="0"/>
+              <a:t>Make it yours</a:t>
+            </a:r>
+            <a:endParaRPr lang="nl-NL" dirty="0"/>
+          </a:p>
+        </p:txBody>
+      </p:sp>
+      <p:sp>
+        <p:nvSpPr>
+          <p:cNvPr id="3" name="Content Placeholder 2">
+            <a:extLst>
+              <a:ext uri="{FF2B5EF4-FFF2-40B4-BE49-F238E27FC236}">
+                <a16:creationId xmlns:a16="http://schemas.microsoft.com/office/drawing/2014/main" id="{53955285-5F23-4DBC-8F2C-B5AF06D4975D}"/>
+              </a:ext>
+            </a:extLst>
+          </p:cNvPr>
+          <p:cNvSpPr>
+            <a:spLocks noGrp="1"/>
+          </p:cNvSpPr>
+          <p:nvPr>
+            <p:ph sz="half" idx="1"/>
+          </p:nvPr>
+        </p:nvSpPr>
+        <p:spPr>
+          <a:xfrm>
+            <a:off x="1265581" y="1825624"/>
+            <a:ext cx="10515600" cy="4395881"/>
+          </a:xfrm>
+        </p:spPr>
+        <p:txBody>
+          <a:bodyPr/>
+          <a:lstStyle/>
+          <a:p>
+            <a:r>
+              <a:rPr lang="en-GB" dirty="0"/>
+              <a:t>Keep it simple</a:t>
+            </a:r>
+          </a:p>
+          <a:p>
+            <a:pPr lvl="1"/>
+            <a:r>
+              <a:rPr lang="en-GB" sz="2000" dirty="0"/>
+              <a:t>Stick to a basic use case – you can add complexity later</a:t>
+            </a:r>
+          </a:p>
+          <a:p>
+            <a:pPr lvl="1"/>
+            <a:endParaRPr lang="en-GB" dirty="0"/>
+          </a:p>
+          <a:p>
+            <a:r>
+              <a:rPr lang="en-GB" dirty="0"/>
+              <a:t>Load any data you need</a:t>
+            </a:r>
+          </a:p>
+          <a:p>
+            <a:r>
+              <a:rPr lang="en-GB" dirty="0"/>
+              <a:t>UI</a:t>
+            </a:r>
+          </a:p>
+          <a:p>
+            <a:pPr lvl="1"/>
+            <a:r>
+              <a:rPr lang="en-GB" dirty="0"/>
+              <a:t>Add/change inputs &amp; outputs</a:t>
+            </a:r>
+          </a:p>
+          <a:p>
+            <a:pPr lvl="1"/>
+            <a:r>
+              <a:rPr lang="en-GB" dirty="0"/>
+              <a:t>Change layout, labels, texts</a:t>
+            </a:r>
+          </a:p>
+          <a:p>
+            <a:r>
+              <a:rPr lang="en-GB" dirty="0"/>
+              <a:t>Server</a:t>
+            </a:r>
+          </a:p>
+          <a:p>
+            <a:pPr lvl="1"/>
+            <a:r>
+              <a:rPr lang="en-GB" dirty="0"/>
+              <a:t>Create output(s) for your analysis/visualization</a:t>
+            </a:r>
+            <a:endParaRPr lang="en-GB" dirty="0">
+              <a:latin typeface="FuraCode Nerd Font" panose="020B0509050000020004" pitchFamily="50" charset="0"/>
+              <a:ea typeface="FuraCode Nerd Font" panose="020B0509050000020004" pitchFamily="50" charset="0"/>
+            </a:endParaRPr>
+          </a:p>
+          <a:p>
+            <a:pPr lvl="1"/>
+            <a:endParaRPr lang="en-GB" dirty="0"/>
+          </a:p>
+          <a:p>
+            <a:endParaRPr lang="en-GB" dirty="0"/>
+          </a:p>
+        </p:txBody>
+      </p:sp>
+      <p:sp>
+        <p:nvSpPr>
+          <p:cNvPr id="5" name="Footer Placeholder 4">
+            <a:extLst>
+              <a:ext uri="{FF2B5EF4-FFF2-40B4-BE49-F238E27FC236}">
+                <a16:creationId xmlns:a16="http://schemas.microsoft.com/office/drawing/2014/main" id="{923905B8-3F4C-448A-85D9-8ACD7BD8BAA5}"/>
+              </a:ext>
+            </a:extLst>
+          </p:cNvPr>
+          <p:cNvSpPr>
+            <a:spLocks noGrp="1"/>
+          </p:cNvSpPr>
+          <p:nvPr>
+            <p:ph type="ftr" sz="quarter" idx="11"/>
+          </p:nvPr>
+        </p:nvSpPr>
+        <p:spPr/>
+        <p:txBody>
+          <a:bodyPr/>
+          <a:lstStyle/>
+          <a:p>
+            <a:r>
+              <a:rPr lang="en-GB"/>
+              <a:t>2025-10-20, Karel Kroeze, BDSi. Shiny Workshop.</a:t>
             </a:r>
             <a:endParaRPr lang="en-NL" dirty="0"/>
           </a:p>
@@ -13251,9 +15477,9 @@
           </a:p>
         </p:txBody>
       </p:sp>
-      <mc:AlternateContent xmlns:mc="http://schemas.openxmlformats.org/markup-compatibility/2006">
-        <mc:Choice xmlns:p14="http://schemas.microsoft.com/office/powerpoint/2010/main" Requires="p14">
-          <p:contentPart p14:bwMode="auto" r:id="rId2">
+      <mc:AlternateContent xmlns:mc="http://schemas.openxmlformats.org/markup-compatibility/2006" xmlns:p14="http://schemas.microsoft.com/office/powerpoint/2010/main">
+        <mc:Choice Requires="p14">
+          <p:contentPart p14:bwMode="auto" r:id="rId3">
             <p14:nvContentPartPr>
               <p14:cNvPr id="7" name="Ink 6">
                 <a:extLst>
@@ -13271,7 +15497,7 @@
             </p14:xfrm>
           </p:contentPart>
         </mc:Choice>
-        <mc:Fallback>
+        <mc:Fallback xmlns="">
           <p:pic>
             <p:nvPicPr>
               <p:cNvPr id="7" name="Ink 6">
@@ -13285,7 +15511,7 @@
               <p:nvPr/>
             </p:nvPicPr>
             <p:blipFill>
-              <a:blip r:embed="rId3"/>
+              <a:blip r:embed="rId4"/>
               <a:stretch>
                 <a:fillRect/>
               </a:stretch>
@@ -13322,9 +15548,9 @@
             <a:chExt cx="780480" cy="109440"/>
           </a:xfrm>
         </p:grpSpPr>
-        <mc:AlternateContent xmlns:mc="http://schemas.openxmlformats.org/markup-compatibility/2006">
-          <mc:Choice xmlns:p14="http://schemas.microsoft.com/office/powerpoint/2010/main" Requires="p14">
-            <p:contentPart p14:bwMode="auto" r:id="rId4">
+        <mc:AlternateContent xmlns:mc="http://schemas.openxmlformats.org/markup-compatibility/2006" xmlns:p14="http://schemas.microsoft.com/office/powerpoint/2010/main">
+          <mc:Choice Requires="p14">
+            <p:contentPart p14:bwMode="auto" r:id="rId5">
               <p14:nvContentPartPr>
                 <p14:cNvPr id="8" name="Ink 7">
                   <a:extLst>
@@ -13342,7 +15568,7 @@
               </p14:xfrm>
             </p:contentPart>
           </mc:Choice>
-          <mc:Fallback>
+          <mc:Fallback xmlns="">
             <p:pic>
               <p:nvPicPr>
                 <p:cNvPr id="8" name="Ink 7">
@@ -13356,7 +15582,7 @@
                 <p:nvPr/>
               </p:nvPicPr>
               <p:blipFill>
-                <a:blip r:embed="rId5"/>
+                <a:blip r:embed="rId6"/>
                 <a:stretch>
                   <a:fillRect/>
                 </a:stretch>
@@ -13373,9 +15599,9 @@
             </p:pic>
           </mc:Fallback>
         </mc:AlternateContent>
-        <mc:AlternateContent xmlns:mc="http://schemas.openxmlformats.org/markup-compatibility/2006">
-          <mc:Choice xmlns:p14="http://schemas.microsoft.com/office/powerpoint/2010/main" Requires="p14">
-            <p:contentPart p14:bwMode="auto" r:id="rId6">
+        <mc:AlternateContent xmlns:mc="http://schemas.openxmlformats.org/markup-compatibility/2006" xmlns:p14="http://schemas.microsoft.com/office/powerpoint/2010/main">
+          <mc:Choice Requires="p14">
+            <p:contentPart p14:bwMode="auto" r:id="rId7">
               <p14:nvContentPartPr>
                 <p14:cNvPr id="9" name="Ink 8">
                   <a:extLst>
@@ -13393,7 +15619,7 @@
               </p14:xfrm>
             </p:contentPart>
           </mc:Choice>
-          <mc:Fallback>
+          <mc:Fallback xmlns="">
             <p:pic>
               <p:nvPicPr>
                 <p:cNvPr id="9" name="Ink 8">
@@ -13407,7 +15633,7 @@
                 <p:nvPr/>
               </p:nvPicPr>
               <p:blipFill>
-                <a:blip r:embed="rId7"/>
+                <a:blip r:embed="rId8"/>
                 <a:stretch>
                   <a:fillRect/>
                 </a:stretch>
@@ -13425,9 +15651,9 @@
           </mc:Fallback>
         </mc:AlternateContent>
       </p:grpSp>
-      <mc:AlternateContent xmlns:mc="http://schemas.openxmlformats.org/markup-compatibility/2006">
-        <mc:Choice xmlns:p14="http://schemas.microsoft.com/office/powerpoint/2010/main" Requires="p14">
-          <p:contentPart p14:bwMode="auto" r:id="rId8">
+      <mc:AlternateContent xmlns:mc="http://schemas.openxmlformats.org/markup-compatibility/2006" xmlns:p14="http://schemas.microsoft.com/office/powerpoint/2010/main">
+        <mc:Choice Requires="p14">
+          <p:contentPart p14:bwMode="auto" r:id="rId9">
             <p14:nvContentPartPr>
               <p14:cNvPr id="18" name="Ink 17">
                 <a:extLst>
@@ -13445,7 +15671,7 @@
             </p14:xfrm>
           </p:contentPart>
         </mc:Choice>
-        <mc:Fallback>
+        <mc:Fallback xmlns="">
           <p:pic>
             <p:nvPicPr>
               <p:cNvPr id="18" name="Ink 17">
@@ -13459,7 +15685,7 @@
               <p:nvPr/>
             </p:nvPicPr>
             <p:blipFill>
-              <a:blip r:embed="rId9"/>
+              <a:blip r:embed="rId10"/>
               <a:stretch>
                 <a:fillRect/>
               </a:stretch>
@@ -13602,7 +15828,7 @@
                                         <p:tgtEl>
                                           <p:spTgt spid="3">
                                             <p:txEl>
-                                              <p:pRg st="2" end="2"/>
+                                              <p:pRg st="3" end="3"/>
                                             </p:txEl>
                                           </p:spTgt>
                                         </p:tgtEl>
@@ -13651,7 +15877,7 @@
                                         <p:tgtEl>
                                           <p:spTgt spid="3">
                                             <p:txEl>
-                                              <p:pRg st="3" end="3"/>
+                                              <p:pRg st="4" end="4"/>
                                             </p:txEl>
                                           </p:spTgt>
                                         </p:tgtEl>
@@ -13682,7 +15908,7 @@
                                         <p:tgtEl>
                                           <p:spTgt spid="3">
                                             <p:txEl>
-                                              <p:pRg st="4" end="4"/>
+                                              <p:pRg st="5" end="5"/>
                                             </p:txEl>
                                           </p:spTgt>
                                         </p:tgtEl>
@@ -13713,37 +15939,6 @@
                                         <p:tgtEl>
                                           <p:spTgt spid="3">
                                             <p:txEl>
-                                              <p:pRg st="5" end="5"/>
-                                            </p:txEl>
-                                          </p:spTgt>
-                                        </p:tgtEl>
-                                        <p:attrNameLst>
-                                          <p:attrName>style.visibility</p:attrName>
-                                        </p:attrNameLst>
-                                      </p:cBhvr>
-                                      <p:to>
-                                        <p:strVal val="visible"/>
-                                      </p:to>
-                                    </p:set>
-                                  </p:childTnLst>
-                                </p:cTn>
-                              </p:par>
-                              <p:par>
-                                <p:cTn id="21" presetID="1" presetClass="entr" presetSubtype="0" fill="hold" nodeType="withEffect">
-                                  <p:stCondLst>
-                                    <p:cond delay="0"/>
-                                  </p:stCondLst>
-                                  <p:childTnLst>
-                                    <p:set>
-                                      <p:cBhvr>
-                                        <p:cTn id="22" dur="1" fill="hold">
-                                          <p:stCondLst>
-                                            <p:cond delay="0"/>
-                                          </p:stCondLst>
-                                        </p:cTn>
-                                        <p:tgtEl>
-                                          <p:spTgt spid="3">
-                                            <p:txEl>
                                               <p:pRg st="6" end="6"/>
                                             </p:txEl>
                                           </p:spTgt>
@@ -13766,26 +15961,26 @@
                     </p:cTn>
                   </p:par>
                   <p:par>
-                    <p:cTn id="23" fill="hold">
+                    <p:cTn id="21" fill="hold">
                       <p:stCondLst>
                         <p:cond delay="indefinite"/>
                       </p:stCondLst>
                       <p:childTnLst>
                         <p:par>
-                          <p:cTn id="24" fill="hold">
+                          <p:cTn id="22" fill="hold">
                             <p:stCondLst>
                               <p:cond delay="0"/>
                             </p:stCondLst>
                             <p:childTnLst>
                               <p:par>
-                                <p:cTn id="25" presetID="1" presetClass="entr" presetSubtype="0" fill="hold" nodeType="clickEffect">
+                                <p:cTn id="23" presetID="1" presetClass="entr" presetSubtype="0" fill="hold" nodeType="clickEffect">
                                   <p:stCondLst>
                                     <p:cond delay="0"/>
                                   </p:stCondLst>
                                   <p:childTnLst>
                                     <p:set>
                                       <p:cBhvr>
-                                        <p:cTn id="26" dur="1" fill="hold">
+                                        <p:cTn id="24" dur="1" fill="hold">
                                           <p:stCondLst>
                                             <p:cond delay="0"/>
                                           </p:stCondLst>
@@ -13809,14 +16004,14 @@
                                 </p:cTn>
                               </p:par>
                               <p:par>
-                                <p:cTn id="27" presetID="1" presetClass="entr" presetSubtype="0" fill="hold" nodeType="withEffect">
+                                <p:cTn id="25" presetID="1" presetClass="entr" presetSubtype="0" fill="hold" nodeType="withEffect">
                                   <p:stCondLst>
                                     <p:cond delay="0"/>
                                   </p:stCondLst>
                                   <p:childTnLst>
                                     <p:set>
                                       <p:cBhvr>
-                                        <p:cTn id="28" dur="1" fill="hold">
+                                        <p:cTn id="26" dur="1" fill="hold">
                                           <p:stCondLst>
                                             <p:cond delay="0"/>
                                           </p:stCondLst>
@@ -13839,8 +16034,26 @@
                                   </p:childTnLst>
                                 </p:cTn>
                               </p:par>
+                            </p:childTnLst>
+                          </p:cTn>
+                        </p:par>
+                      </p:childTnLst>
+                    </p:cTn>
+                  </p:par>
+                  <p:par>
+                    <p:cTn id="27" fill="hold">
+                      <p:stCondLst>
+                        <p:cond delay="indefinite"/>
+                      </p:stCondLst>
+                      <p:childTnLst>
+                        <p:par>
+                          <p:cTn id="28" fill="hold">
+                            <p:stCondLst>
+                              <p:cond delay="0"/>
+                            </p:stCondLst>
+                            <p:childTnLst>
                               <p:par>
-                                <p:cTn id="29" presetID="1" presetClass="entr" presetSubtype="0" fill="hold" nodeType="withEffect">
+                                <p:cTn id="29" presetID="1" presetClass="entr" presetSubtype="0" fill="hold" grpId="0" nodeType="clickEffect">
                                   <p:stCondLst>
                                     <p:cond delay="0"/>
                                   </p:stCondLst>
@@ -13848,55 +16061,6 @@
                                     <p:set>
                                       <p:cBhvr>
                                         <p:cTn id="30" dur="1" fill="hold">
-                                          <p:stCondLst>
-                                            <p:cond delay="0"/>
-                                          </p:stCondLst>
-                                        </p:cTn>
-                                        <p:tgtEl>
-                                          <p:spTgt spid="3">
-                                            <p:txEl>
-                                              <p:pRg st="9" end="9"/>
-                                            </p:txEl>
-                                          </p:spTgt>
-                                        </p:tgtEl>
-                                        <p:attrNameLst>
-                                          <p:attrName>style.visibility</p:attrName>
-                                        </p:attrNameLst>
-                                      </p:cBhvr>
-                                      <p:to>
-                                        <p:strVal val="visible"/>
-                                      </p:to>
-                                    </p:set>
-                                  </p:childTnLst>
-                                </p:cTn>
-                              </p:par>
-                            </p:childTnLst>
-                          </p:cTn>
-                        </p:par>
-                      </p:childTnLst>
-                    </p:cTn>
-                  </p:par>
-                  <p:par>
-                    <p:cTn id="31" fill="hold">
-                      <p:stCondLst>
-                        <p:cond delay="indefinite"/>
-                      </p:stCondLst>
-                      <p:childTnLst>
-                        <p:par>
-                          <p:cTn id="32" fill="hold">
-                            <p:stCondLst>
-                              <p:cond delay="0"/>
-                            </p:stCondLst>
-                            <p:childTnLst>
-                              <p:par>
-                                <p:cTn id="33" presetID="1" presetClass="entr" presetSubtype="0" fill="hold" grpId="0" nodeType="clickEffect">
-                                  <p:stCondLst>
-                                    <p:cond delay="0"/>
-                                  </p:stCondLst>
-                                  <p:childTnLst>
-                                    <p:set>
-                                      <p:cBhvr>
-                                        <p:cTn id="34" dur="1" fill="hold">
                                           <p:stCondLst>
                                             <p:cond delay="0"/>
                                           </p:stCondLst>
@@ -13919,20 +16083,20 @@
                           </p:cTn>
                         </p:par>
                         <p:par>
-                          <p:cTn id="35" fill="hold">
+                          <p:cTn id="31" fill="hold">
                             <p:stCondLst>
                               <p:cond delay="0"/>
                             </p:stCondLst>
                             <p:childTnLst>
                               <p:par>
-                                <p:cTn id="36" presetID="63" presetClass="entr" presetSubtype="0" fill="hold" nodeType="afterEffect">
+                                <p:cTn id="32" presetID="63" presetClass="entr" presetSubtype="0" fill="hold" nodeType="afterEffect">
                                   <p:stCondLst>
                                     <p:cond delay="500"/>
                                   </p:stCondLst>
                                   <p:childTnLst>
                                     <p:set>
                                       <p:cBhvr>
-                                        <p:cTn id="37" dur="1" fill="hold">
+                                        <p:cTn id="33" dur="1" fill="hold">
                                           <p:stCondLst>
                                             <p:cond delay="0"/>
                                           </p:stCondLst>
@@ -13950,7 +16114,7 @@
                                     </p:set>
                                     <p:anim calcmode="lin" valueType="num">
                                       <p:cBhvr>
-                                        <p:cTn id="38" dur="500" fill="hold"/>
+                                        <p:cTn id="34" dur="500" fill="hold"/>
                                         <p:tgtEl>
                                           <p:spTgt spid="7"/>
                                         </p:tgtEl>
@@ -13978,20 +16142,20 @@
                           </p:cTn>
                         </p:par>
                         <p:par>
-                          <p:cTn id="39" fill="hold">
+                          <p:cTn id="35" fill="hold">
                             <p:stCondLst>
                               <p:cond delay="1000"/>
                             </p:stCondLst>
                             <p:childTnLst>
                               <p:par>
-                                <p:cTn id="40" presetID="63" presetClass="entr" presetSubtype="0" fill="hold" nodeType="afterEffect">
+                                <p:cTn id="36" presetID="63" presetClass="entr" presetSubtype="0" fill="hold" nodeType="afterEffect">
                                   <p:stCondLst>
                                     <p:cond delay="500"/>
                                   </p:stCondLst>
                                   <p:childTnLst>
                                     <p:set>
                                       <p:cBhvr>
-                                        <p:cTn id="41" dur="1" fill="hold">
+                                        <p:cTn id="37" dur="1" fill="hold">
                                           <p:stCondLst>
                                             <p:cond delay="0"/>
                                           </p:stCondLst>
@@ -14009,7 +16173,7 @@
                                     </p:set>
                                     <p:anim calcmode="lin" valueType="num">
                                       <p:cBhvr>
-                                        <p:cTn id="42" dur="500" fill="hold"/>
+                                        <p:cTn id="38" dur="500" fill="hold"/>
                                         <p:tgtEl>
                                           <p:spTgt spid="14"/>
                                         </p:tgtEl>
@@ -14037,20 +16201,20 @@
                           </p:cTn>
                         </p:par>
                         <p:par>
-                          <p:cTn id="43" fill="hold">
+                          <p:cTn id="39" fill="hold">
                             <p:stCondLst>
                               <p:cond delay="2000"/>
                             </p:stCondLst>
                             <p:childTnLst>
                               <p:par>
-                                <p:cTn id="44" presetID="63" presetClass="entr" presetSubtype="0" fill="hold" nodeType="afterEffect">
+                                <p:cTn id="40" presetID="63" presetClass="entr" presetSubtype="0" fill="hold" nodeType="afterEffect">
                                   <p:stCondLst>
                                     <p:cond delay="0"/>
                                   </p:stCondLst>
                                   <p:childTnLst>
                                     <p:set>
                                       <p:cBhvr>
-                                        <p:cTn id="45" dur="1" fill="hold">
+                                        <p:cTn id="41" dur="1" fill="hold">
                                           <p:stCondLst>
                                             <p:cond delay="0"/>
                                           </p:stCondLst>
@@ -14068,7 +16232,7 @@
                                     </p:set>
                                     <p:anim calcmode="lin" valueType="num">
                                       <p:cBhvr>
-                                        <p:cTn id="46" dur="250" fill="hold"/>
+                                        <p:cTn id="42" dur="250" fill="hold"/>
                                         <p:tgtEl>
                                           <p:spTgt spid="18"/>
                                         </p:tgtEl>
@@ -14096,20 +16260,20 @@
                           </p:cTn>
                         </p:par>
                         <p:par>
-                          <p:cTn id="47" fill="hold">
+                          <p:cTn id="43" fill="hold">
                             <p:stCondLst>
                               <p:cond delay="2250"/>
                             </p:stCondLst>
                             <p:childTnLst>
                               <p:par>
-                                <p:cTn id="48" presetID="6" presetClass="emph" presetSubtype="0" repeatCount="indefinite" autoRev="1" fill="hold" nodeType="afterEffect">
+                                <p:cTn id="44" presetID="6" presetClass="emph" presetSubtype="0" repeatCount="indefinite" autoRev="1" fill="hold" nodeType="afterEffect">
                                   <p:stCondLst>
                                     <p:cond delay="1000"/>
                                   </p:stCondLst>
                                   <p:childTnLst>
                                     <p:animScale>
                                       <p:cBhvr>
-                                        <p:cTn id="49" dur="500" fill="hold"/>
+                                        <p:cTn id="45" dur="500" fill="hold"/>
                                         <p:tgtEl>
                                           <p:spTgt spid="18"/>
                                         </p:tgtEl>
@@ -14153,6 +16317,1423 @@
 </p:sld>
 </file>
 
+<file path=ppt/slides/slide22.xml><?xml version="1.0" encoding="utf-8"?>
+<p:sld xmlns:a="http://schemas.openxmlformats.org/drawingml/2006/main" xmlns:r="http://schemas.openxmlformats.org/officeDocument/2006/relationships" xmlns:p="http://schemas.openxmlformats.org/presentationml/2006/main">
+  <p:cSld>
+    <p:spTree>
+      <p:nvGrpSpPr>
+        <p:cNvPr id="1" name=""/>
+        <p:cNvGrpSpPr/>
+        <p:nvPr/>
+      </p:nvGrpSpPr>
+      <p:grpSpPr>
+        <a:xfrm>
+          <a:off x="0" y="0"/>
+          <a:ext cx="0" cy="0"/>
+          <a:chOff x="0" y="0"/>
+          <a:chExt cx="0" cy="0"/>
+        </a:xfrm>
+      </p:grpSpPr>
+      <p:sp>
+        <p:nvSpPr>
+          <p:cNvPr id="2" name="Title 1">
+            <a:extLst>
+              <a:ext uri="{FF2B5EF4-FFF2-40B4-BE49-F238E27FC236}">
+                <a16:creationId xmlns:a16="http://schemas.microsoft.com/office/drawing/2014/main" id="{984CA7F5-20BD-8EAD-399D-232D4B685DFF}"/>
+              </a:ext>
+            </a:extLst>
+          </p:cNvPr>
+          <p:cNvSpPr>
+            <a:spLocks noGrp="1"/>
+          </p:cNvSpPr>
+          <p:nvPr>
+            <p:ph type="title"/>
+          </p:nvPr>
+        </p:nvSpPr>
+        <p:spPr/>
+        <p:txBody>
+          <a:bodyPr/>
+          <a:lstStyle/>
+          <a:p>
+            <a:r>
+              <a:rPr lang="en-GB" sz="2000" dirty="0"/>
+              <a:t>apps are not scripts</a:t>
+            </a:r>
+            <a:br>
+              <a:rPr lang="en-GB" dirty="0"/>
+            </a:br>
+            <a:r>
+              <a:rPr lang="en-GB" dirty="0"/>
+              <a:t>REACTIVITY</a:t>
+            </a:r>
+            <a:endParaRPr lang="nl-NL" dirty="0"/>
+          </a:p>
+        </p:txBody>
+      </p:sp>
+      <p:sp>
+        <p:nvSpPr>
+          <p:cNvPr id="3" name="Content Placeholder 2">
+            <a:extLst>
+              <a:ext uri="{FF2B5EF4-FFF2-40B4-BE49-F238E27FC236}">
+                <a16:creationId xmlns:a16="http://schemas.microsoft.com/office/drawing/2014/main" id="{F840EF56-37DF-4373-835D-2C7952EBA1AE}"/>
+              </a:ext>
+            </a:extLst>
+          </p:cNvPr>
+          <p:cNvSpPr>
+            <a:spLocks noGrp="1"/>
+          </p:cNvSpPr>
+          <p:nvPr>
+            <p:ph sz="half" idx="1"/>
+          </p:nvPr>
+        </p:nvSpPr>
+        <p:spPr>
+          <a:xfrm>
+            <a:off x="1265583" y="1825625"/>
+            <a:ext cx="5691802" cy="4105156"/>
+          </a:xfrm>
+        </p:spPr>
+        <p:txBody>
+          <a:bodyPr/>
+          <a:lstStyle/>
+          <a:p>
+            <a:r>
+              <a:rPr lang="nl-NL" dirty="0">
+                <a:solidFill>
+                  <a:schemeClr val="accent1"/>
+                </a:solidFill>
+              </a:rPr>
+              <a:t>Linear</a:t>
+            </a:r>
+            <a:r>
+              <a:rPr lang="nl-NL" dirty="0"/>
+              <a:t> script vs. </a:t>
+            </a:r>
+            <a:r>
+              <a:rPr lang="nl-NL" dirty="0">
+                <a:solidFill>
+                  <a:schemeClr val="accent1"/>
+                </a:solidFill>
+              </a:rPr>
+              <a:t>interactive</a:t>
+            </a:r>
+            <a:r>
+              <a:rPr lang="nl-NL" dirty="0"/>
+              <a:t> flow</a:t>
+            </a:r>
+          </a:p>
+          <a:p>
+            <a:r>
+              <a:rPr lang="nl-NL" dirty="0"/>
+              <a:t>Cause and effect</a:t>
+            </a:r>
+          </a:p>
+          <a:p>
+            <a:pPr lvl="1"/>
+            <a:r>
+              <a:rPr lang="nl-NL" dirty="0"/>
+              <a:t>if name changes, update greeting</a:t>
+            </a:r>
+          </a:p>
+          <a:p>
+            <a:pPr lvl="1"/>
+            <a:r>
+              <a:rPr lang="nl-NL" dirty="0">
+                <a:solidFill>
+                  <a:schemeClr val="accent3"/>
+                </a:solidFill>
+              </a:rPr>
+              <a:t>explicit</a:t>
+            </a:r>
+            <a:r>
+              <a:rPr lang="nl-NL" dirty="0"/>
+              <a:t> vs. </a:t>
+            </a:r>
+            <a:r>
+              <a:rPr lang="nl-NL" dirty="0">
+                <a:solidFill>
+                  <a:schemeClr val="accent2"/>
+                </a:solidFill>
+              </a:rPr>
+              <a:t>implicit</a:t>
+            </a:r>
+            <a:r>
+              <a:rPr lang="nl-NL" dirty="0"/>
+              <a:t> dependencies</a:t>
+            </a:r>
+          </a:p>
+          <a:p>
+            <a:pPr marL="0" indent="0">
+              <a:buNone/>
+            </a:pPr>
+            <a:endParaRPr lang="nl-NL" dirty="0"/>
+          </a:p>
+          <a:p>
+            <a:pPr lvl="1"/>
+            <a:endParaRPr lang="nl-NL" dirty="0"/>
+          </a:p>
+          <a:p>
+            <a:pPr lvl="1"/>
+            <a:endParaRPr lang="nl-NL" dirty="0"/>
+          </a:p>
+          <a:p>
+            <a:pPr marL="0" indent="0">
+              <a:buNone/>
+            </a:pPr>
+            <a:endParaRPr lang="nl-NL" dirty="0"/>
+          </a:p>
+        </p:txBody>
+      </p:sp>
+      <p:sp>
+        <p:nvSpPr>
+          <p:cNvPr id="5" name="Footer Placeholder 4">
+            <a:extLst>
+              <a:ext uri="{FF2B5EF4-FFF2-40B4-BE49-F238E27FC236}">
+                <a16:creationId xmlns:a16="http://schemas.microsoft.com/office/drawing/2014/main" id="{9585D9E1-9368-764E-89DD-E0D26E689F2B}"/>
+              </a:ext>
+            </a:extLst>
+          </p:cNvPr>
+          <p:cNvSpPr>
+            <a:spLocks noGrp="1"/>
+          </p:cNvSpPr>
+          <p:nvPr>
+            <p:ph type="ftr" sz="quarter" idx="11"/>
+          </p:nvPr>
+        </p:nvSpPr>
+        <p:spPr/>
+        <p:txBody>
+          <a:bodyPr/>
+          <a:lstStyle/>
+          <a:p>
+            <a:r>
+              <a:rPr lang="en-GB" sz="1050"/>
+              <a:t>2025-10-20, Karel Kroeze, BDSi. Shiny Workshop.</a:t>
+            </a:r>
+            <a:endParaRPr lang="en-NL" sz="700" dirty="0"/>
+          </a:p>
+        </p:txBody>
+      </p:sp>
+      <p:grpSp>
+        <p:nvGrpSpPr>
+          <p:cNvPr id="6" name="Group 5">
+            <a:extLst>
+              <a:ext uri="{FF2B5EF4-FFF2-40B4-BE49-F238E27FC236}">
+                <a16:creationId xmlns:a16="http://schemas.microsoft.com/office/drawing/2014/main" id="{B1E5C86F-22C9-2CF4-65AB-1DCB4D67A93F}"/>
+              </a:ext>
+            </a:extLst>
+          </p:cNvPr>
+          <p:cNvGrpSpPr/>
+          <p:nvPr/>
+        </p:nvGrpSpPr>
+        <p:grpSpPr>
+          <a:xfrm>
+            <a:off x="7053072" y="1825625"/>
+            <a:ext cx="4703727" cy="4105156"/>
+            <a:chOff x="7053072" y="1825625"/>
+            <a:chExt cx="4703727" cy="4105156"/>
+          </a:xfrm>
+        </p:grpSpPr>
+        <p:sp>
+          <p:nvSpPr>
+            <p:cNvPr id="7" name="Content Placeholder 2">
+              <a:extLst>
+                <a:ext uri="{FF2B5EF4-FFF2-40B4-BE49-F238E27FC236}">
+                  <a16:creationId xmlns:a16="http://schemas.microsoft.com/office/drawing/2014/main" id="{A3B49AB8-D9DE-FC5E-A4F1-EB276F9D32E1}"/>
+                </a:ext>
+              </a:extLst>
+            </p:cNvPr>
+            <p:cNvSpPr txBox="1">
+              <a:spLocks/>
+            </p:cNvSpPr>
+            <p:nvPr/>
+          </p:nvSpPr>
+          <p:spPr>
+            <a:xfrm>
+              <a:off x="7053072" y="1825625"/>
+              <a:ext cx="4703727" cy="4105156"/>
+            </a:xfrm>
+            <a:prstGeom prst="rect">
+              <a:avLst/>
+            </a:prstGeom>
+            <a:solidFill>
+              <a:schemeClr val="tx1">
+                <a:lumMod val="85000"/>
+                <a:lumOff val="15000"/>
+                <a:alpha val="68000"/>
+              </a:schemeClr>
+            </a:solidFill>
+          </p:spPr>
+          <p:txBody>
+            <a:bodyPr/>
+            <a:lstStyle>
+              <a:lvl1pPr marL="228600" indent="-228600" algn="l" defTabSz="914400" rtl="0" eaLnBrk="1" latinLnBrk="0" hangingPunct="1">
+                <a:lnSpc>
+                  <a:spcPct val="90000"/>
+                </a:lnSpc>
+                <a:spcBef>
+                  <a:spcPts val="1000"/>
+                </a:spcBef>
+                <a:buFont typeface="Arial" panose="020B0604020202020204" pitchFamily="34" charset="0"/>
+                <a:buChar char="•"/>
+                <a:defRPr sz="2800" kern="1200" baseline="0">
+                  <a:solidFill>
+                    <a:schemeClr val="bg1"/>
+                  </a:solidFill>
+                  <a:latin typeface="+mn-lt"/>
+                  <a:ea typeface="+mn-ea"/>
+                  <a:cs typeface="+mn-cs"/>
+                </a:defRPr>
+              </a:lvl1pPr>
+              <a:lvl2pPr marL="685800" indent="-228600" algn="l" defTabSz="914400" rtl="0" eaLnBrk="1" latinLnBrk="0" hangingPunct="1">
+                <a:lnSpc>
+                  <a:spcPct val="90000"/>
+                </a:lnSpc>
+                <a:spcBef>
+                  <a:spcPts val="500"/>
+                </a:spcBef>
+                <a:buFont typeface="Arial" panose="020B0604020202020204" pitchFamily="34" charset="0"/>
+                <a:buChar char="•"/>
+                <a:defRPr sz="2400" kern="1200" baseline="0">
+                  <a:solidFill>
+                    <a:schemeClr val="bg1"/>
+                  </a:solidFill>
+                  <a:latin typeface="+mn-lt"/>
+                  <a:ea typeface="+mn-ea"/>
+                  <a:cs typeface="+mn-cs"/>
+                </a:defRPr>
+              </a:lvl2pPr>
+              <a:lvl3pPr marL="1143000" indent="-228600" algn="l" defTabSz="914400" rtl="0" eaLnBrk="1" latinLnBrk="0" hangingPunct="1">
+                <a:lnSpc>
+                  <a:spcPct val="90000"/>
+                </a:lnSpc>
+                <a:spcBef>
+                  <a:spcPts val="500"/>
+                </a:spcBef>
+                <a:buFont typeface="Arial" panose="020B0604020202020204" pitchFamily="34" charset="0"/>
+                <a:buChar char="•"/>
+                <a:defRPr sz="2000" kern="1200" baseline="0">
+                  <a:solidFill>
+                    <a:schemeClr val="bg1"/>
+                  </a:solidFill>
+                  <a:latin typeface="+mn-lt"/>
+                  <a:ea typeface="+mn-ea"/>
+                  <a:cs typeface="+mn-cs"/>
+                </a:defRPr>
+              </a:lvl3pPr>
+              <a:lvl4pPr marL="1600200" indent="-228600" algn="l" defTabSz="914400" rtl="0" eaLnBrk="1" latinLnBrk="0" hangingPunct="1">
+                <a:lnSpc>
+                  <a:spcPct val="90000"/>
+                </a:lnSpc>
+                <a:spcBef>
+                  <a:spcPts val="500"/>
+                </a:spcBef>
+                <a:buFont typeface="Arial" panose="020B0604020202020204" pitchFamily="34" charset="0"/>
+                <a:buChar char="•"/>
+                <a:defRPr sz="1800" kern="1200" baseline="0">
+                  <a:solidFill>
+                    <a:schemeClr val="bg1"/>
+                  </a:solidFill>
+                  <a:latin typeface="+mn-lt"/>
+                  <a:ea typeface="+mn-ea"/>
+                  <a:cs typeface="+mn-cs"/>
+                </a:defRPr>
+              </a:lvl4pPr>
+              <a:lvl5pPr marL="2057400" indent="-228600" algn="l" defTabSz="914400" rtl="0" eaLnBrk="1" latinLnBrk="0" hangingPunct="1">
+                <a:lnSpc>
+                  <a:spcPct val="90000"/>
+                </a:lnSpc>
+                <a:spcBef>
+                  <a:spcPts val="500"/>
+                </a:spcBef>
+                <a:buFont typeface="Arial" panose="020B0604020202020204" pitchFamily="34" charset="0"/>
+                <a:buChar char="•"/>
+                <a:defRPr sz="1800" kern="1200" baseline="0">
+                  <a:solidFill>
+                    <a:schemeClr val="bg1"/>
+                  </a:solidFill>
+                  <a:latin typeface="+mn-lt"/>
+                  <a:ea typeface="+mn-ea"/>
+                  <a:cs typeface="+mn-cs"/>
+                </a:defRPr>
+              </a:lvl5pPr>
+              <a:lvl6pPr marL="2514600" indent="-228600" algn="l" defTabSz="914400" rtl="0" eaLnBrk="1" latinLnBrk="0" hangingPunct="1">
+                <a:lnSpc>
+                  <a:spcPct val="90000"/>
+                </a:lnSpc>
+                <a:spcBef>
+                  <a:spcPts val="500"/>
+                </a:spcBef>
+                <a:buFont typeface="Arial" panose="020B0604020202020204" pitchFamily="34" charset="0"/>
+                <a:buChar char="•"/>
+                <a:defRPr sz="1800" kern="1200">
+                  <a:solidFill>
+                    <a:schemeClr val="tx1"/>
+                  </a:solidFill>
+                  <a:latin typeface="+mn-lt"/>
+                  <a:ea typeface="+mn-ea"/>
+                  <a:cs typeface="+mn-cs"/>
+                </a:defRPr>
+              </a:lvl6pPr>
+              <a:lvl7pPr marL="2971800" indent="-228600" algn="l" defTabSz="914400" rtl="0" eaLnBrk="1" latinLnBrk="0" hangingPunct="1">
+                <a:lnSpc>
+                  <a:spcPct val="90000"/>
+                </a:lnSpc>
+                <a:spcBef>
+                  <a:spcPts val="500"/>
+                </a:spcBef>
+                <a:buFont typeface="Arial" panose="020B0604020202020204" pitchFamily="34" charset="0"/>
+                <a:buChar char="•"/>
+                <a:defRPr sz="1800" kern="1200">
+                  <a:solidFill>
+                    <a:schemeClr val="tx1"/>
+                  </a:solidFill>
+                  <a:latin typeface="+mn-lt"/>
+                  <a:ea typeface="+mn-ea"/>
+                  <a:cs typeface="+mn-cs"/>
+                </a:defRPr>
+              </a:lvl7pPr>
+              <a:lvl8pPr marL="3429000" indent="-228600" algn="l" defTabSz="914400" rtl="0" eaLnBrk="1" latinLnBrk="0" hangingPunct="1">
+                <a:lnSpc>
+                  <a:spcPct val="90000"/>
+                </a:lnSpc>
+                <a:spcBef>
+                  <a:spcPts val="500"/>
+                </a:spcBef>
+                <a:buFont typeface="Arial" panose="020B0604020202020204" pitchFamily="34" charset="0"/>
+                <a:buChar char="•"/>
+                <a:defRPr sz="1800" kern="1200">
+                  <a:solidFill>
+                    <a:schemeClr val="tx1"/>
+                  </a:solidFill>
+                  <a:latin typeface="+mn-lt"/>
+                  <a:ea typeface="+mn-ea"/>
+                  <a:cs typeface="+mn-cs"/>
+                </a:defRPr>
+              </a:lvl8pPr>
+              <a:lvl9pPr marL="3886200" indent="-228600" algn="l" defTabSz="914400" rtl="0" eaLnBrk="1" latinLnBrk="0" hangingPunct="1">
+                <a:lnSpc>
+                  <a:spcPct val="90000"/>
+                </a:lnSpc>
+                <a:spcBef>
+                  <a:spcPts val="500"/>
+                </a:spcBef>
+                <a:buFont typeface="Arial" panose="020B0604020202020204" pitchFamily="34" charset="0"/>
+                <a:buChar char="•"/>
+                <a:defRPr sz="1800" kern="1200">
+                  <a:solidFill>
+                    <a:schemeClr val="tx1"/>
+                  </a:solidFill>
+                  <a:latin typeface="+mn-lt"/>
+                  <a:ea typeface="+mn-ea"/>
+                  <a:cs typeface="+mn-cs"/>
+                </a:defRPr>
+              </a:lvl9pPr>
+            </a:lstStyle>
+            <a:p>
+              <a:pPr marL="0" indent="0">
+                <a:buFont typeface="Arial" panose="020B0604020202020204" pitchFamily="34" charset="0"/>
+                <a:buNone/>
+              </a:pPr>
+              <a:endParaRPr lang="nl-NL" dirty="0"/>
+            </a:p>
+          </p:txBody>
+        </p:sp>
+        <p:pic>
+          <p:nvPicPr>
+            <p:cNvPr id="8" name="Picture 2">
+              <a:extLst>
+                <a:ext uri="{FF2B5EF4-FFF2-40B4-BE49-F238E27FC236}">
+                  <a16:creationId xmlns:a16="http://schemas.microsoft.com/office/drawing/2014/main" id="{029ACD84-D5E6-CD68-DA24-208952292020}"/>
+                </a:ext>
+              </a:extLst>
+            </p:cNvPr>
+            <p:cNvPicPr>
+              <a:picLocks noChangeAspect="1" noChangeArrowheads="1"/>
+            </p:cNvPicPr>
+            <p:nvPr/>
+          </p:nvPicPr>
+          <p:blipFill>
+            <a:blip r:embed="rId3">
+              <a:extLst>
+                <a:ext uri="{28A0092B-C50C-407E-A947-70E740481C1C}">
+                  <a14:useLocalDpi xmlns:a14="http://schemas.microsoft.com/office/drawing/2010/main" val="0"/>
+                </a:ext>
+              </a:extLst>
+            </a:blip>
+            <a:srcRect/>
+            <a:stretch/>
+          </p:blipFill>
+          <p:spPr bwMode="auto">
+            <a:xfrm rot="16200000">
+              <a:off x="8617504" y="2762737"/>
+              <a:ext cx="3882167" cy="2183717"/>
+            </a:xfrm>
+            <a:prstGeom prst="rect">
+              <a:avLst/>
+            </a:prstGeom>
+            <a:noFill/>
+            <a:extLst>
+              <a:ext uri="{909E8E84-426E-40DD-AFC4-6F175D3DCCD1}">
+                <a14:hiddenFill xmlns:a14="http://schemas.microsoft.com/office/drawing/2010/main">
+                  <a:solidFill>
+                    <a:srgbClr val="FFFFFF"/>
+                  </a:solidFill>
+                </a14:hiddenFill>
+              </a:ext>
+            </a:extLst>
+          </p:spPr>
+        </p:pic>
+      </p:grpSp>
+      <p:pic>
+        <p:nvPicPr>
+          <p:cNvPr id="3078" name="Picture 6" descr="Railroad Tracks - Charcoal Drawing by Michael Vigliotti - Pixels">
+            <a:extLst>
+              <a:ext uri="{FF2B5EF4-FFF2-40B4-BE49-F238E27FC236}">
+                <a16:creationId xmlns:a16="http://schemas.microsoft.com/office/drawing/2014/main" id="{46020458-5A91-ED32-E679-6240511E0D67}"/>
+              </a:ext>
+            </a:extLst>
+          </p:cNvPr>
+          <p:cNvPicPr>
+            <a:picLocks noChangeAspect="1" noChangeArrowheads="1"/>
+          </p:cNvPicPr>
+          <p:nvPr/>
+        </p:nvPicPr>
+        <p:blipFill>
+          <a:blip r:embed="rId4">
+            <a:extLst>
+              <a:ext uri="{28A0092B-C50C-407E-A947-70E740481C1C}">
+                <a14:useLocalDpi xmlns:a14="http://schemas.microsoft.com/office/drawing/2010/main" val="0"/>
+              </a:ext>
+            </a:extLst>
+          </a:blip>
+          <a:srcRect/>
+          <a:stretch>
+            <a:fillRect/>
+          </a:stretch>
+        </p:blipFill>
+        <p:spPr bwMode="auto">
+          <a:xfrm>
+            <a:off x="7095468" y="1913512"/>
+            <a:ext cx="2264908" cy="3882167"/>
+          </a:xfrm>
+          <a:prstGeom prst="rect">
+            <a:avLst/>
+          </a:prstGeom>
+          <a:noFill/>
+          <a:extLst>
+            <a:ext uri="{909E8E84-426E-40DD-AFC4-6F175D3DCCD1}">
+              <a14:hiddenFill xmlns:a14="http://schemas.microsoft.com/office/drawing/2010/main">
+                <a:solidFill>
+                  <a:srgbClr val="FFFFFF"/>
+                </a:solidFill>
+              </a14:hiddenFill>
+            </a:ext>
+          </a:extLst>
+        </p:spPr>
+      </p:pic>
+    </p:spTree>
+    <p:extLst>
+      <p:ext uri="{BB962C8B-B14F-4D97-AF65-F5344CB8AC3E}">
+        <p14:creationId xmlns:p14="http://schemas.microsoft.com/office/powerpoint/2010/main" val="4002040953"/>
+      </p:ext>
+    </p:extLst>
+  </p:cSld>
+  <p:clrMapOvr>
+    <a:masterClrMapping/>
+  </p:clrMapOvr>
+</p:sld>
+</file>
+
+<file path=ppt/slides/slide23.xml><?xml version="1.0" encoding="utf-8"?>
+<p:sld xmlns:a="http://schemas.openxmlformats.org/drawingml/2006/main" xmlns:r="http://schemas.openxmlformats.org/officeDocument/2006/relationships" xmlns:p="http://schemas.openxmlformats.org/presentationml/2006/main">
+  <p:cSld>
+    <p:spTree>
+      <p:nvGrpSpPr>
+        <p:cNvPr id="1" name=""/>
+        <p:cNvGrpSpPr/>
+        <p:nvPr/>
+      </p:nvGrpSpPr>
+      <p:grpSpPr>
+        <a:xfrm>
+          <a:off x="0" y="0"/>
+          <a:ext cx="0" cy="0"/>
+          <a:chOff x="0" y="0"/>
+          <a:chExt cx="0" cy="0"/>
+        </a:xfrm>
+      </p:grpSpPr>
+      <p:sp>
+        <p:nvSpPr>
+          <p:cNvPr id="2" name="Title 1">
+            <a:extLst>
+              <a:ext uri="{FF2B5EF4-FFF2-40B4-BE49-F238E27FC236}">
+                <a16:creationId xmlns:a16="http://schemas.microsoft.com/office/drawing/2014/main" id="{984CA7F5-20BD-8EAD-399D-232D4B685DFF}"/>
+              </a:ext>
+            </a:extLst>
+          </p:cNvPr>
+          <p:cNvSpPr>
+            <a:spLocks noGrp="1"/>
+          </p:cNvSpPr>
+          <p:nvPr>
+            <p:ph type="title"/>
+          </p:nvPr>
+        </p:nvSpPr>
+        <p:spPr/>
+        <p:txBody>
+          <a:bodyPr/>
+          <a:lstStyle/>
+          <a:p>
+            <a:r>
+              <a:rPr lang="en-GB" sz="2000" dirty="0"/>
+              <a:t>apps are not scripts</a:t>
+            </a:r>
+            <a:br>
+              <a:rPr lang="en-GB" dirty="0"/>
+            </a:br>
+            <a:r>
+              <a:rPr lang="en-GB" dirty="0"/>
+              <a:t>meta-PROGRAMMING</a:t>
+            </a:r>
+            <a:endParaRPr lang="nl-NL" dirty="0"/>
+          </a:p>
+        </p:txBody>
+      </p:sp>
+      <p:sp>
+        <p:nvSpPr>
+          <p:cNvPr id="3" name="Content Placeholder 2">
+            <a:extLst>
+              <a:ext uri="{FF2B5EF4-FFF2-40B4-BE49-F238E27FC236}">
+                <a16:creationId xmlns:a16="http://schemas.microsoft.com/office/drawing/2014/main" id="{F840EF56-37DF-4373-835D-2C7952EBA1AE}"/>
+              </a:ext>
+            </a:extLst>
+          </p:cNvPr>
+          <p:cNvSpPr>
+            <a:spLocks noGrp="1"/>
+          </p:cNvSpPr>
+          <p:nvPr>
+            <p:ph sz="half" idx="1"/>
+          </p:nvPr>
+        </p:nvSpPr>
+        <p:spPr>
+          <a:xfrm>
+            <a:off x="1265583" y="1825625"/>
+            <a:ext cx="5691802" cy="4105156"/>
+          </a:xfrm>
+        </p:spPr>
+        <p:txBody>
+          <a:bodyPr/>
+          <a:lstStyle/>
+          <a:p>
+            <a:r>
+              <a:rPr lang="nl-NL" sz="2400" dirty="0"/>
+              <a:t>Known </a:t>
+            </a:r>
+            <a:r>
+              <a:rPr lang="nl-NL" sz="2400" dirty="0">
+                <a:solidFill>
+                  <a:schemeClr val="accent1"/>
+                </a:solidFill>
+              </a:rPr>
+              <a:t>static</a:t>
+            </a:r>
+            <a:r>
+              <a:rPr lang="nl-NL" sz="2400" dirty="0"/>
+              <a:t> variables vs. unknown </a:t>
+            </a:r>
+            <a:r>
+              <a:rPr lang="nl-NL" sz="2400" dirty="0">
+                <a:solidFill>
+                  <a:schemeClr val="accent1"/>
+                </a:solidFill>
+              </a:rPr>
+              <a:t>dynamic</a:t>
+            </a:r>
+            <a:r>
+              <a:rPr lang="nl-NL" sz="2400" dirty="0"/>
+              <a:t> variables</a:t>
+            </a:r>
+          </a:p>
+          <a:p>
+            <a:pPr lvl="1"/>
+            <a:r>
+              <a:rPr lang="nl-NL" dirty="0"/>
+              <a:t>Inputs are </a:t>
+            </a:r>
+            <a:r>
+              <a:rPr lang="nl-NL" dirty="0">
+                <a:solidFill>
+                  <a:schemeClr val="accent1"/>
+                </a:solidFill>
+              </a:rPr>
+              <a:t>variables</a:t>
+            </a:r>
+            <a:r>
+              <a:rPr lang="nl-NL" dirty="0"/>
+              <a:t> where the </a:t>
+            </a:r>
+            <a:r>
+              <a:rPr lang="nl-NL" dirty="0">
+                <a:solidFill>
+                  <a:schemeClr val="accent2"/>
+                </a:solidFill>
+              </a:rPr>
+              <a:t>value</a:t>
+            </a:r>
+            <a:r>
+              <a:rPr lang="nl-NL" dirty="0"/>
+              <a:t> is the target </a:t>
+            </a:r>
+            <a:r>
+              <a:rPr lang="nl-NL" dirty="0">
+                <a:solidFill>
+                  <a:schemeClr val="accent3"/>
+                </a:solidFill>
+              </a:rPr>
+              <a:t>variable name</a:t>
+            </a:r>
+          </a:p>
+          <a:p>
+            <a:pPr lvl="1"/>
+            <a:r>
+              <a:rPr lang="nl-NL" dirty="0"/>
+              <a:t>“non-standard evaluation”</a:t>
+            </a:r>
+          </a:p>
+          <a:p>
+            <a:pPr lvl="1"/>
+            <a:endParaRPr lang="nl-NL" dirty="0"/>
+          </a:p>
+          <a:p>
+            <a:pPr lvl="1"/>
+            <a:endParaRPr lang="nl-NL" dirty="0"/>
+          </a:p>
+          <a:p>
+            <a:pPr marL="0" indent="0">
+              <a:buNone/>
+            </a:pPr>
+            <a:endParaRPr lang="nl-NL" dirty="0"/>
+          </a:p>
+        </p:txBody>
+      </p:sp>
+      <p:sp>
+        <p:nvSpPr>
+          <p:cNvPr id="5" name="Footer Placeholder 4">
+            <a:extLst>
+              <a:ext uri="{FF2B5EF4-FFF2-40B4-BE49-F238E27FC236}">
+                <a16:creationId xmlns:a16="http://schemas.microsoft.com/office/drawing/2014/main" id="{9585D9E1-9368-764E-89DD-E0D26E689F2B}"/>
+              </a:ext>
+            </a:extLst>
+          </p:cNvPr>
+          <p:cNvSpPr>
+            <a:spLocks noGrp="1"/>
+          </p:cNvSpPr>
+          <p:nvPr>
+            <p:ph type="ftr" sz="quarter" idx="11"/>
+          </p:nvPr>
+        </p:nvSpPr>
+        <p:spPr/>
+        <p:txBody>
+          <a:bodyPr/>
+          <a:lstStyle/>
+          <a:p>
+            <a:r>
+              <a:rPr lang="en-GB"/>
+              <a:t>2025-10-20, Karel Kroeze, BDSi. Shiny Workshop.</a:t>
+            </a:r>
+            <a:endParaRPr lang="en-NL" dirty="0"/>
+          </a:p>
+        </p:txBody>
+      </p:sp>
+      <p:sp>
+        <p:nvSpPr>
+          <p:cNvPr id="7" name="Content Placeholder 2">
+            <a:extLst>
+              <a:ext uri="{FF2B5EF4-FFF2-40B4-BE49-F238E27FC236}">
+                <a16:creationId xmlns:a16="http://schemas.microsoft.com/office/drawing/2014/main" id="{A3B49AB8-D9DE-FC5E-A4F1-EB276F9D32E1}"/>
+              </a:ext>
+            </a:extLst>
+          </p:cNvPr>
+          <p:cNvSpPr txBox="1">
+            <a:spLocks/>
+          </p:cNvSpPr>
+          <p:nvPr/>
+        </p:nvSpPr>
+        <p:spPr>
+          <a:xfrm>
+            <a:off x="7053072" y="1825625"/>
+            <a:ext cx="4703727" cy="4105156"/>
+          </a:xfrm>
+          <a:prstGeom prst="rect">
+            <a:avLst/>
+          </a:prstGeom>
+          <a:solidFill>
+            <a:schemeClr val="tx1">
+              <a:lumMod val="85000"/>
+              <a:lumOff val="15000"/>
+              <a:alpha val="68000"/>
+            </a:schemeClr>
+          </a:solidFill>
+        </p:spPr>
+        <p:txBody>
+          <a:bodyPr/>
+          <a:lstStyle>
+            <a:lvl1pPr marL="228600" indent="-228600" algn="l" defTabSz="914400" rtl="0" eaLnBrk="1" latinLnBrk="0" hangingPunct="1">
+              <a:lnSpc>
+                <a:spcPct val="90000"/>
+              </a:lnSpc>
+              <a:spcBef>
+                <a:spcPts val="1000"/>
+              </a:spcBef>
+              <a:buFont typeface="Arial" panose="020B0604020202020204" pitchFamily="34" charset="0"/>
+              <a:buChar char="•"/>
+              <a:defRPr sz="2800" kern="1200" baseline="0">
+                <a:solidFill>
+                  <a:schemeClr val="bg1"/>
+                </a:solidFill>
+                <a:latin typeface="+mn-lt"/>
+                <a:ea typeface="+mn-ea"/>
+                <a:cs typeface="+mn-cs"/>
+              </a:defRPr>
+            </a:lvl1pPr>
+            <a:lvl2pPr marL="685800" indent="-228600" algn="l" defTabSz="914400" rtl="0" eaLnBrk="1" latinLnBrk="0" hangingPunct="1">
+              <a:lnSpc>
+                <a:spcPct val="90000"/>
+              </a:lnSpc>
+              <a:spcBef>
+                <a:spcPts val="500"/>
+              </a:spcBef>
+              <a:buFont typeface="Arial" panose="020B0604020202020204" pitchFamily="34" charset="0"/>
+              <a:buChar char="•"/>
+              <a:defRPr sz="2400" kern="1200" baseline="0">
+                <a:solidFill>
+                  <a:schemeClr val="bg1"/>
+                </a:solidFill>
+                <a:latin typeface="+mn-lt"/>
+                <a:ea typeface="+mn-ea"/>
+                <a:cs typeface="+mn-cs"/>
+              </a:defRPr>
+            </a:lvl2pPr>
+            <a:lvl3pPr marL="1143000" indent="-228600" algn="l" defTabSz="914400" rtl="0" eaLnBrk="1" latinLnBrk="0" hangingPunct="1">
+              <a:lnSpc>
+                <a:spcPct val="90000"/>
+              </a:lnSpc>
+              <a:spcBef>
+                <a:spcPts val="500"/>
+              </a:spcBef>
+              <a:buFont typeface="Arial" panose="020B0604020202020204" pitchFamily="34" charset="0"/>
+              <a:buChar char="•"/>
+              <a:defRPr sz="2000" kern="1200" baseline="0">
+                <a:solidFill>
+                  <a:schemeClr val="bg1"/>
+                </a:solidFill>
+                <a:latin typeface="+mn-lt"/>
+                <a:ea typeface="+mn-ea"/>
+                <a:cs typeface="+mn-cs"/>
+              </a:defRPr>
+            </a:lvl3pPr>
+            <a:lvl4pPr marL="1600200" indent="-228600" algn="l" defTabSz="914400" rtl="0" eaLnBrk="1" latinLnBrk="0" hangingPunct="1">
+              <a:lnSpc>
+                <a:spcPct val="90000"/>
+              </a:lnSpc>
+              <a:spcBef>
+                <a:spcPts val="500"/>
+              </a:spcBef>
+              <a:buFont typeface="Arial" panose="020B0604020202020204" pitchFamily="34" charset="0"/>
+              <a:buChar char="•"/>
+              <a:defRPr sz="1800" kern="1200" baseline="0">
+                <a:solidFill>
+                  <a:schemeClr val="bg1"/>
+                </a:solidFill>
+                <a:latin typeface="+mn-lt"/>
+                <a:ea typeface="+mn-ea"/>
+                <a:cs typeface="+mn-cs"/>
+              </a:defRPr>
+            </a:lvl4pPr>
+            <a:lvl5pPr marL="2057400" indent="-228600" algn="l" defTabSz="914400" rtl="0" eaLnBrk="1" latinLnBrk="0" hangingPunct="1">
+              <a:lnSpc>
+                <a:spcPct val="90000"/>
+              </a:lnSpc>
+              <a:spcBef>
+                <a:spcPts val="500"/>
+              </a:spcBef>
+              <a:buFont typeface="Arial" panose="020B0604020202020204" pitchFamily="34" charset="0"/>
+              <a:buChar char="•"/>
+              <a:defRPr sz="1800" kern="1200" baseline="0">
+                <a:solidFill>
+                  <a:schemeClr val="bg1"/>
+                </a:solidFill>
+                <a:latin typeface="+mn-lt"/>
+                <a:ea typeface="+mn-ea"/>
+                <a:cs typeface="+mn-cs"/>
+              </a:defRPr>
+            </a:lvl5pPr>
+            <a:lvl6pPr marL="2514600" indent="-228600" algn="l" defTabSz="914400" rtl="0" eaLnBrk="1" latinLnBrk="0" hangingPunct="1">
+              <a:lnSpc>
+                <a:spcPct val="90000"/>
+              </a:lnSpc>
+              <a:spcBef>
+                <a:spcPts val="500"/>
+              </a:spcBef>
+              <a:buFont typeface="Arial" panose="020B0604020202020204" pitchFamily="34" charset="0"/>
+              <a:buChar char="•"/>
+              <a:defRPr sz="1800" kern="1200">
+                <a:solidFill>
+                  <a:schemeClr val="tx1"/>
+                </a:solidFill>
+                <a:latin typeface="+mn-lt"/>
+                <a:ea typeface="+mn-ea"/>
+                <a:cs typeface="+mn-cs"/>
+              </a:defRPr>
+            </a:lvl6pPr>
+            <a:lvl7pPr marL="2971800" indent="-228600" algn="l" defTabSz="914400" rtl="0" eaLnBrk="1" latinLnBrk="0" hangingPunct="1">
+              <a:lnSpc>
+                <a:spcPct val="90000"/>
+              </a:lnSpc>
+              <a:spcBef>
+                <a:spcPts val="500"/>
+              </a:spcBef>
+              <a:buFont typeface="Arial" panose="020B0604020202020204" pitchFamily="34" charset="0"/>
+              <a:buChar char="•"/>
+              <a:defRPr sz="1800" kern="1200">
+                <a:solidFill>
+                  <a:schemeClr val="tx1"/>
+                </a:solidFill>
+                <a:latin typeface="+mn-lt"/>
+                <a:ea typeface="+mn-ea"/>
+                <a:cs typeface="+mn-cs"/>
+              </a:defRPr>
+            </a:lvl7pPr>
+            <a:lvl8pPr marL="3429000" indent="-228600" algn="l" defTabSz="914400" rtl="0" eaLnBrk="1" latinLnBrk="0" hangingPunct="1">
+              <a:lnSpc>
+                <a:spcPct val="90000"/>
+              </a:lnSpc>
+              <a:spcBef>
+                <a:spcPts val="500"/>
+              </a:spcBef>
+              <a:buFont typeface="Arial" panose="020B0604020202020204" pitchFamily="34" charset="0"/>
+              <a:buChar char="•"/>
+              <a:defRPr sz="1800" kern="1200">
+                <a:solidFill>
+                  <a:schemeClr val="tx1"/>
+                </a:solidFill>
+                <a:latin typeface="+mn-lt"/>
+                <a:ea typeface="+mn-ea"/>
+                <a:cs typeface="+mn-cs"/>
+              </a:defRPr>
+            </a:lvl8pPr>
+            <a:lvl9pPr marL="3886200" indent="-228600" algn="l" defTabSz="914400" rtl="0" eaLnBrk="1" latinLnBrk="0" hangingPunct="1">
+              <a:lnSpc>
+                <a:spcPct val="90000"/>
+              </a:lnSpc>
+              <a:spcBef>
+                <a:spcPts val="500"/>
+              </a:spcBef>
+              <a:buFont typeface="Arial" panose="020B0604020202020204" pitchFamily="34" charset="0"/>
+              <a:buChar char="•"/>
+              <a:defRPr sz="1800" kern="1200">
+                <a:solidFill>
+                  <a:schemeClr val="tx1"/>
+                </a:solidFill>
+                <a:latin typeface="+mn-lt"/>
+                <a:ea typeface="+mn-ea"/>
+                <a:cs typeface="+mn-cs"/>
+              </a:defRPr>
+            </a:lvl9pPr>
+          </a:lstStyle>
+          <a:p>
+            <a:pPr marL="0" indent="0">
+              <a:buFont typeface="Arial" panose="020B0604020202020204" pitchFamily="34" charset="0"/>
+              <a:buNone/>
+            </a:pPr>
+            <a:endParaRPr lang="nl-NL" dirty="0"/>
+          </a:p>
+        </p:txBody>
+      </p:sp>
+      <p:sp>
+        <p:nvSpPr>
+          <p:cNvPr id="10" name="TextBox 9">
+            <a:extLst>
+              <a:ext uri="{FF2B5EF4-FFF2-40B4-BE49-F238E27FC236}">
+                <a16:creationId xmlns:a16="http://schemas.microsoft.com/office/drawing/2014/main" id="{61FCE735-6488-A058-A530-1EC144C1D109}"/>
+              </a:ext>
+            </a:extLst>
+          </p:cNvPr>
+          <p:cNvSpPr txBox="1"/>
+          <p:nvPr/>
+        </p:nvSpPr>
+        <p:spPr>
+          <a:xfrm>
+            <a:off x="7120128" y="1914144"/>
+            <a:ext cx="4541520" cy="338554"/>
+          </a:xfrm>
+          <a:prstGeom prst="rect">
+            <a:avLst/>
+          </a:prstGeom>
+          <a:noFill/>
+        </p:spPr>
+        <p:txBody>
+          <a:bodyPr wrap="square" rtlCol="0">
+            <a:spAutoFit/>
+          </a:bodyPr>
+          <a:lstStyle/>
+          <a:p>
+            <a:r>
+              <a:rPr lang="en-GB" sz="1600" dirty="0" err="1">
+                <a:solidFill>
+                  <a:schemeClr val="bg1"/>
+                </a:solidFill>
+                <a:latin typeface="FiraCode Nerd Font Mono" panose="020B0809050000020004" pitchFamily="49" charset="0"/>
+                <a:ea typeface="FiraCode Nerd Font Mono" panose="020B0809050000020004" pitchFamily="49" charset="0"/>
+              </a:rPr>
+              <a:t>ggplot</a:t>
+            </a:r>
+            <a:r>
+              <a:rPr lang="en-GB" sz="1600" dirty="0">
+                <a:solidFill>
+                  <a:schemeClr val="bg1"/>
+                </a:solidFill>
+                <a:latin typeface="FiraCode Nerd Font Mono" panose="020B0809050000020004" pitchFamily="49" charset="0"/>
+                <a:ea typeface="FiraCode Nerd Font Mono" panose="020B0809050000020004" pitchFamily="49" charset="0"/>
+              </a:rPr>
+              <a:t>(</a:t>
+            </a:r>
+            <a:r>
+              <a:rPr lang="en-GB" sz="1600" dirty="0" err="1">
+                <a:solidFill>
+                  <a:schemeClr val="bg1"/>
+                </a:solidFill>
+                <a:latin typeface="FiraCode Nerd Font Mono" panose="020B0809050000020004" pitchFamily="49" charset="0"/>
+                <a:ea typeface="FiraCode Nerd Font Mono" panose="020B0809050000020004" pitchFamily="49" charset="0"/>
+              </a:rPr>
+              <a:t>aes</a:t>
+            </a:r>
+            <a:r>
+              <a:rPr lang="en-GB" sz="1600" dirty="0">
+                <a:solidFill>
+                  <a:schemeClr val="bg1"/>
+                </a:solidFill>
+                <a:latin typeface="FiraCode Nerd Font Mono" panose="020B0809050000020004" pitchFamily="49" charset="0"/>
+                <a:ea typeface="FiraCode Nerd Font Mono" panose="020B0809050000020004" pitchFamily="49" charset="0"/>
+              </a:rPr>
+              <a:t>(x = </a:t>
+            </a:r>
+            <a:r>
+              <a:rPr lang="en-GB" sz="1600" b="1" dirty="0">
+                <a:solidFill>
+                  <a:schemeClr val="bg1"/>
+                </a:solidFill>
+                <a:latin typeface="FiraCode Nerd Font Mono" panose="020B0809050000020004" pitchFamily="49" charset="0"/>
+                <a:ea typeface="FiraCode Nerd Font Mono" panose="020B0809050000020004" pitchFamily="49" charset="0"/>
+              </a:rPr>
+              <a:t>age</a:t>
+            </a:r>
+            <a:r>
+              <a:rPr lang="en-GB" sz="1600" dirty="0">
+                <a:solidFill>
+                  <a:schemeClr val="bg1"/>
+                </a:solidFill>
+                <a:latin typeface="FiraCode Nerd Font Mono" panose="020B0809050000020004" pitchFamily="49" charset="0"/>
+                <a:ea typeface="FiraCode Nerd Font Mono" panose="020B0809050000020004" pitchFamily="49" charset="0"/>
+              </a:rPr>
+              <a:t>, y = </a:t>
+            </a:r>
+            <a:r>
+              <a:rPr lang="en-GB" sz="1600" dirty="0" err="1">
+                <a:solidFill>
+                  <a:schemeClr val="bg1"/>
+                </a:solidFill>
+                <a:latin typeface="FiraCode Nerd Font Mono" panose="020B0809050000020004" pitchFamily="49" charset="0"/>
+                <a:ea typeface="FiraCode Nerd Font Mono" panose="020B0809050000020004" pitchFamily="49" charset="0"/>
+              </a:rPr>
+              <a:t>bmi</a:t>
+            </a:r>
+            <a:r>
+              <a:rPr lang="en-GB" sz="1600" dirty="0">
+                <a:solidFill>
+                  <a:schemeClr val="bg1"/>
+                </a:solidFill>
+                <a:latin typeface="FiraCode Nerd Font Mono" panose="020B0809050000020004" pitchFamily="49" charset="0"/>
+                <a:ea typeface="FiraCode Nerd Font Mono" panose="020B0809050000020004" pitchFamily="49" charset="0"/>
+              </a:rPr>
+              <a:t>))</a:t>
+            </a:r>
+          </a:p>
+        </p:txBody>
+      </p:sp>
+      <p:sp>
+        <p:nvSpPr>
+          <p:cNvPr id="11" name="TextBox 10">
+            <a:extLst>
+              <a:ext uri="{FF2B5EF4-FFF2-40B4-BE49-F238E27FC236}">
+                <a16:creationId xmlns:a16="http://schemas.microsoft.com/office/drawing/2014/main" id="{C7E261B3-E7D0-A99D-1703-5A8A89C3B90C}"/>
+              </a:ext>
+            </a:extLst>
+          </p:cNvPr>
+          <p:cNvSpPr txBox="1"/>
+          <p:nvPr/>
+        </p:nvSpPr>
+        <p:spPr>
+          <a:xfrm>
+            <a:off x="7134175" y="2371995"/>
+            <a:ext cx="4541520" cy="2369880"/>
+          </a:xfrm>
+          <a:prstGeom prst="rect">
+            <a:avLst/>
+          </a:prstGeom>
+          <a:noFill/>
+        </p:spPr>
+        <p:txBody>
+          <a:bodyPr wrap="square" rtlCol="0">
+            <a:spAutoFit/>
+          </a:bodyPr>
+          <a:lstStyle/>
+          <a:p>
+            <a:r>
+              <a:rPr lang="en-GB" sz="1600" dirty="0" err="1">
+                <a:solidFill>
+                  <a:schemeClr val="accent6">
+                    <a:lumMod val="60000"/>
+                    <a:lumOff val="40000"/>
+                  </a:schemeClr>
+                </a:solidFill>
+                <a:latin typeface="FiraCode Nerd Font Mono" panose="020B0809050000020004" pitchFamily="49" charset="0"/>
+                <a:ea typeface="FiraCode Nerd Font Mono" panose="020B0809050000020004" pitchFamily="49" charset="0"/>
+              </a:rPr>
+              <a:t>ggplot</a:t>
+            </a:r>
+            <a:r>
+              <a:rPr lang="en-GB" sz="1600" dirty="0">
+                <a:solidFill>
+                  <a:schemeClr val="accent6">
+                    <a:lumMod val="60000"/>
+                    <a:lumOff val="40000"/>
+                  </a:schemeClr>
+                </a:solidFill>
+                <a:latin typeface="FiraCode Nerd Font Mono" panose="020B0809050000020004" pitchFamily="49" charset="0"/>
+                <a:ea typeface="FiraCode Nerd Font Mono" panose="020B0809050000020004" pitchFamily="49" charset="0"/>
+              </a:rPr>
+              <a:t>(</a:t>
+            </a:r>
+            <a:r>
+              <a:rPr lang="en-GB" sz="1600" dirty="0" err="1">
+                <a:solidFill>
+                  <a:schemeClr val="accent6">
+                    <a:lumMod val="60000"/>
+                    <a:lumOff val="40000"/>
+                  </a:schemeClr>
+                </a:solidFill>
+                <a:latin typeface="FiraCode Nerd Font Mono" panose="020B0809050000020004" pitchFamily="49" charset="0"/>
+                <a:ea typeface="FiraCode Nerd Font Mono" panose="020B0809050000020004" pitchFamily="49" charset="0"/>
+              </a:rPr>
+              <a:t>aes</a:t>
+            </a:r>
+            <a:r>
+              <a:rPr lang="en-GB" sz="1600" dirty="0">
+                <a:solidFill>
+                  <a:schemeClr val="accent6">
+                    <a:lumMod val="60000"/>
+                    <a:lumOff val="40000"/>
+                  </a:schemeClr>
+                </a:solidFill>
+                <a:latin typeface="FiraCode Nerd Font Mono" panose="020B0809050000020004" pitchFamily="49" charset="0"/>
+                <a:ea typeface="FiraCode Nerd Font Mono" panose="020B0809050000020004" pitchFamily="49" charset="0"/>
+              </a:rPr>
+              <a:t>(</a:t>
+            </a:r>
+          </a:p>
+          <a:p>
+            <a:r>
+              <a:rPr lang="en-GB" sz="1600" dirty="0">
+                <a:solidFill>
+                  <a:schemeClr val="accent6">
+                    <a:lumMod val="60000"/>
+                    <a:lumOff val="40000"/>
+                  </a:schemeClr>
+                </a:solidFill>
+                <a:latin typeface="FiraCode Nerd Font Mono" panose="020B0809050000020004" pitchFamily="49" charset="0"/>
+                <a:ea typeface="FiraCode Nerd Font Mono" panose="020B0809050000020004" pitchFamily="49" charset="0"/>
+              </a:rPr>
+              <a:t>    x = </a:t>
+            </a:r>
+            <a:r>
+              <a:rPr lang="en-GB" sz="1600" b="1" dirty="0" err="1">
+                <a:solidFill>
+                  <a:schemeClr val="accent6">
+                    <a:lumMod val="60000"/>
+                    <a:lumOff val="40000"/>
+                  </a:schemeClr>
+                </a:solidFill>
+                <a:latin typeface="FiraCode Nerd Font Mono" panose="020B0809050000020004" pitchFamily="49" charset="0"/>
+                <a:ea typeface="FiraCode Nerd Font Mono" panose="020B0809050000020004" pitchFamily="49" charset="0"/>
+              </a:rPr>
+              <a:t>input$predictor</a:t>
+            </a:r>
+            <a:r>
+              <a:rPr lang="en-GB" sz="1600" dirty="0">
+                <a:solidFill>
+                  <a:schemeClr val="accent6">
+                    <a:lumMod val="60000"/>
+                    <a:lumOff val="40000"/>
+                  </a:schemeClr>
+                </a:solidFill>
+                <a:latin typeface="FiraCode Nerd Font Mono" panose="020B0809050000020004" pitchFamily="49" charset="0"/>
+                <a:ea typeface="FiraCode Nerd Font Mono" panose="020B0809050000020004" pitchFamily="49" charset="0"/>
+              </a:rPr>
+              <a:t>, </a:t>
+            </a:r>
+          </a:p>
+          <a:p>
+            <a:r>
+              <a:rPr lang="en-GB" sz="1600" dirty="0">
+                <a:solidFill>
+                  <a:schemeClr val="accent6">
+                    <a:lumMod val="60000"/>
+                    <a:lumOff val="40000"/>
+                  </a:schemeClr>
+                </a:solidFill>
+                <a:latin typeface="FiraCode Nerd Font Mono" panose="020B0809050000020004" pitchFamily="49" charset="0"/>
+                <a:ea typeface="FiraCode Nerd Font Mono" panose="020B0809050000020004" pitchFamily="49" charset="0"/>
+              </a:rPr>
+              <a:t>    y = </a:t>
+            </a:r>
+            <a:r>
+              <a:rPr lang="en-GB" sz="1600" dirty="0" err="1">
+                <a:solidFill>
+                  <a:schemeClr val="accent6">
+                    <a:lumMod val="60000"/>
+                    <a:lumOff val="40000"/>
+                  </a:schemeClr>
+                </a:solidFill>
+                <a:latin typeface="FiraCode Nerd Font Mono" panose="020B0809050000020004" pitchFamily="49" charset="0"/>
+                <a:ea typeface="FiraCode Nerd Font Mono" panose="020B0809050000020004" pitchFamily="49" charset="0"/>
+              </a:rPr>
+              <a:t>bmi</a:t>
+            </a:r>
+            <a:endParaRPr lang="en-GB" sz="1600" dirty="0">
+              <a:solidFill>
+                <a:schemeClr val="accent6">
+                  <a:lumMod val="60000"/>
+                  <a:lumOff val="40000"/>
+                </a:schemeClr>
+              </a:solidFill>
+              <a:latin typeface="FiraCode Nerd Font Mono" panose="020B0809050000020004" pitchFamily="49" charset="0"/>
+              <a:ea typeface="FiraCode Nerd Font Mono" panose="020B0809050000020004" pitchFamily="49" charset="0"/>
+            </a:endParaRPr>
+          </a:p>
+          <a:p>
+            <a:r>
+              <a:rPr lang="en-GB" sz="1600" dirty="0">
+                <a:solidFill>
+                  <a:schemeClr val="accent6">
+                    <a:lumMod val="60000"/>
+                    <a:lumOff val="40000"/>
+                  </a:schemeClr>
+                </a:solidFill>
+                <a:latin typeface="FiraCode Nerd Font Mono" panose="020B0809050000020004" pitchFamily="49" charset="0"/>
+                <a:ea typeface="FiraCode Nerd Font Mono" panose="020B0809050000020004" pitchFamily="49" charset="0"/>
+              </a:rPr>
+              <a:t>)) + …</a:t>
+            </a:r>
+          </a:p>
+          <a:p>
+            <a:endParaRPr lang="en-GB" sz="1600" dirty="0">
+              <a:solidFill>
+                <a:schemeClr val="accent6">
+                  <a:lumMod val="60000"/>
+                  <a:lumOff val="40000"/>
+                </a:schemeClr>
+              </a:solidFill>
+              <a:latin typeface="FiraCode Nerd Font Mono" panose="020B0809050000020004" pitchFamily="49" charset="0"/>
+              <a:ea typeface="FiraCode Nerd Font Mono" panose="020B0809050000020004" pitchFamily="49" charset="0"/>
+            </a:endParaRPr>
+          </a:p>
+          <a:p>
+            <a:r>
+              <a:rPr lang="en-GB" sz="1600" dirty="0" err="1">
+                <a:solidFill>
+                  <a:schemeClr val="accent4">
+                    <a:lumMod val="60000"/>
+                    <a:lumOff val="40000"/>
+                  </a:schemeClr>
+                </a:solidFill>
+                <a:latin typeface="FiraCode Nerd Font Mono" panose="020B0809050000020004" pitchFamily="49" charset="0"/>
+                <a:ea typeface="FiraCode Nerd Font Mono" panose="020B0809050000020004" pitchFamily="49" charset="0"/>
+              </a:rPr>
+              <a:t>ggplot</a:t>
+            </a:r>
+            <a:r>
+              <a:rPr lang="en-GB" sz="1600" dirty="0">
+                <a:solidFill>
+                  <a:schemeClr val="accent4">
+                    <a:lumMod val="60000"/>
+                    <a:lumOff val="40000"/>
+                  </a:schemeClr>
+                </a:solidFill>
+                <a:latin typeface="FiraCode Nerd Font Mono" panose="020B0809050000020004" pitchFamily="49" charset="0"/>
+                <a:ea typeface="FiraCode Nerd Font Mono" panose="020B0809050000020004" pitchFamily="49" charset="0"/>
+              </a:rPr>
+              <a:t>(</a:t>
+            </a:r>
+            <a:r>
+              <a:rPr lang="en-GB" sz="1600" dirty="0" err="1">
+                <a:solidFill>
+                  <a:schemeClr val="accent4">
+                    <a:lumMod val="60000"/>
+                    <a:lumOff val="40000"/>
+                  </a:schemeClr>
+                </a:solidFill>
+                <a:latin typeface="FiraCode Nerd Font Mono" panose="020B0809050000020004" pitchFamily="49" charset="0"/>
+                <a:ea typeface="FiraCode Nerd Font Mono" panose="020B0809050000020004" pitchFamily="49" charset="0"/>
+              </a:rPr>
+              <a:t>aes</a:t>
+            </a:r>
+            <a:r>
+              <a:rPr lang="en-GB" sz="1600" dirty="0">
+                <a:solidFill>
+                  <a:schemeClr val="accent4">
+                    <a:lumMod val="60000"/>
+                    <a:lumOff val="40000"/>
+                  </a:schemeClr>
+                </a:solidFill>
+                <a:latin typeface="FiraCode Nerd Font Mono" panose="020B0809050000020004" pitchFamily="49" charset="0"/>
+                <a:ea typeface="FiraCode Nerd Font Mono" panose="020B0809050000020004" pitchFamily="49" charset="0"/>
+              </a:rPr>
+              <a:t>(</a:t>
+            </a:r>
+          </a:p>
+          <a:p>
+            <a:r>
+              <a:rPr lang="en-GB" sz="1600" dirty="0">
+                <a:solidFill>
+                  <a:schemeClr val="accent4">
+                    <a:lumMod val="60000"/>
+                    <a:lumOff val="40000"/>
+                  </a:schemeClr>
+                </a:solidFill>
+                <a:latin typeface="FiraCode Nerd Font Mono" panose="020B0809050000020004" pitchFamily="49" charset="0"/>
+                <a:ea typeface="FiraCode Nerd Font Mono" panose="020B0809050000020004" pitchFamily="49" charset="0"/>
+              </a:rPr>
+              <a:t>    x = </a:t>
+            </a:r>
+            <a:r>
+              <a:rPr lang="en-GB" sz="1600" b="1" dirty="0">
+                <a:solidFill>
+                  <a:schemeClr val="accent4">
+                    <a:lumMod val="60000"/>
+                    <a:lumOff val="40000"/>
+                  </a:schemeClr>
+                </a:solidFill>
+                <a:latin typeface="FiraCode Nerd Font Mono" panose="020B0809050000020004" pitchFamily="49" charset="0"/>
+                <a:ea typeface="FiraCode Nerd Font Mono" panose="020B0809050000020004" pitchFamily="49" charset="0"/>
+              </a:rPr>
+              <a:t>.data[[</a:t>
+            </a:r>
+            <a:r>
+              <a:rPr lang="en-GB" sz="1600" b="1" dirty="0" err="1">
+                <a:solidFill>
+                  <a:schemeClr val="accent4">
+                    <a:lumMod val="60000"/>
+                    <a:lumOff val="40000"/>
+                  </a:schemeClr>
+                </a:solidFill>
+                <a:latin typeface="FiraCode Nerd Font Mono" panose="020B0809050000020004" pitchFamily="49" charset="0"/>
+                <a:ea typeface="FiraCode Nerd Font Mono" panose="020B0809050000020004" pitchFamily="49" charset="0"/>
+              </a:rPr>
+              <a:t>input$predictor</a:t>
+            </a:r>
+            <a:r>
+              <a:rPr lang="en-GB" sz="1600" b="1" dirty="0">
+                <a:solidFill>
+                  <a:schemeClr val="accent4">
+                    <a:lumMod val="60000"/>
+                    <a:lumOff val="40000"/>
+                  </a:schemeClr>
+                </a:solidFill>
+                <a:latin typeface="FiraCode Nerd Font Mono" panose="020B0809050000020004" pitchFamily="49" charset="0"/>
+                <a:ea typeface="FiraCode Nerd Font Mono" panose="020B0809050000020004" pitchFamily="49" charset="0"/>
+              </a:rPr>
+              <a:t>]]</a:t>
+            </a:r>
+            <a:r>
+              <a:rPr lang="en-GB" sz="1600" dirty="0">
+                <a:solidFill>
+                  <a:schemeClr val="accent4">
+                    <a:lumMod val="60000"/>
+                    <a:lumOff val="40000"/>
+                  </a:schemeClr>
+                </a:solidFill>
+                <a:latin typeface="FiraCode Nerd Font Mono" panose="020B0809050000020004" pitchFamily="49" charset="0"/>
+                <a:ea typeface="FiraCode Nerd Font Mono" panose="020B0809050000020004" pitchFamily="49" charset="0"/>
+              </a:rPr>
+              <a:t>, </a:t>
+            </a:r>
+          </a:p>
+          <a:p>
+            <a:r>
+              <a:rPr lang="en-GB" sz="1600" dirty="0">
+                <a:solidFill>
+                  <a:schemeClr val="accent4">
+                    <a:lumMod val="60000"/>
+                    <a:lumOff val="40000"/>
+                  </a:schemeClr>
+                </a:solidFill>
+                <a:latin typeface="FiraCode Nerd Font Mono" panose="020B0809050000020004" pitchFamily="49" charset="0"/>
+                <a:ea typeface="FiraCode Nerd Font Mono" panose="020B0809050000020004" pitchFamily="49" charset="0"/>
+              </a:rPr>
+              <a:t>    y = </a:t>
+            </a:r>
+            <a:r>
+              <a:rPr lang="en-GB" sz="1600" dirty="0" err="1">
+                <a:solidFill>
+                  <a:schemeClr val="accent4">
+                    <a:lumMod val="60000"/>
+                    <a:lumOff val="40000"/>
+                  </a:schemeClr>
+                </a:solidFill>
+                <a:latin typeface="FiraCode Nerd Font Mono" panose="020B0809050000020004" pitchFamily="49" charset="0"/>
+                <a:ea typeface="FiraCode Nerd Font Mono" panose="020B0809050000020004" pitchFamily="49" charset="0"/>
+              </a:rPr>
+              <a:t>bmi</a:t>
+            </a:r>
+            <a:endParaRPr lang="en-GB" sz="1600" dirty="0">
+              <a:solidFill>
+                <a:schemeClr val="accent4">
+                  <a:lumMod val="60000"/>
+                  <a:lumOff val="40000"/>
+                </a:schemeClr>
+              </a:solidFill>
+              <a:latin typeface="FiraCode Nerd Font Mono" panose="020B0809050000020004" pitchFamily="49" charset="0"/>
+              <a:ea typeface="FiraCode Nerd Font Mono" panose="020B0809050000020004" pitchFamily="49" charset="0"/>
+            </a:endParaRPr>
+          </a:p>
+          <a:p>
+            <a:r>
+              <a:rPr lang="en-GB" sz="1600" dirty="0">
+                <a:solidFill>
+                  <a:schemeClr val="accent4">
+                    <a:lumMod val="60000"/>
+                    <a:lumOff val="40000"/>
+                  </a:schemeClr>
+                </a:solidFill>
+                <a:latin typeface="FiraCode Nerd Font Mono" panose="020B0809050000020004" pitchFamily="49" charset="0"/>
+                <a:ea typeface="FiraCode Nerd Font Mono" panose="020B0809050000020004" pitchFamily="49" charset="0"/>
+              </a:rPr>
+              <a:t>)) + …</a:t>
+            </a:r>
+          </a:p>
+        </p:txBody>
+      </p:sp>
+    </p:spTree>
+    <p:extLst>
+      <p:ext uri="{BB962C8B-B14F-4D97-AF65-F5344CB8AC3E}">
+        <p14:creationId xmlns:p14="http://schemas.microsoft.com/office/powerpoint/2010/main" val="3504684675"/>
+      </p:ext>
+    </p:extLst>
+  </p:cSld>
+  <p:clrMapOvr>
+    <a:masterClrMapping/>
+  </p:clrMapOvr>
+</p:sld>
+</file>
+
 <file path=ppt/slides/slide3.xml><?xml version="1.0" encoding="utf-8"?>
 <p:sld xmlns:a="http://schemas.openxmlformats.org/drawingml/2006/main" xmlns:r="http://schemas.openxmlformats.org/officeDocument/2006/relationships" xmlns:p="http://schemas.openxmlformats.org/presentationml/2006/main">
   <p:cSld>
@@ -14262,6 +17843,35 @@
             <a:r>
               <a:rPr lang="en-GB" dirty="0"/>
               <a:t>State management</a:t>
+            </a:r>
+            <a:endParaRPr lang="en-NL" dirty="0"/>
+          </a:p>
+        </p:txBody>
+      </p:sp>
+      <p:sp>
+        <p:nvSpPr>
+          <p:cNvPr id="2" name="Footer Placeholder 1">
+            <a:extLst>
+              <a:ext uri="{FF2B5EF4-FFF2-40B4-BE49-F238E27FC236}">
+                <a16:creationId xmlns:a16="http://schemas.microsoft.com/office/drawing/2014/main" id="{76EAB92F-6B94-DABD-EDB1-91BAFEDC8AF0}"/>
+              </a:ext>
+            </a:extLst>
+          </p:cNvPr>
+          <p:cNvSpPr>
+            <a:spLocks noGrp="1"/>
+          </p:cNvSpPr>
+          <p:nvPr>
+            <p:ph type="ftr" sz="quarter" idx="11"/>
+          </p:nvPr>
+        </p:nvSpPr>
+        <p:spPr/>
+        <p:txBody>
+          <a:bodyPr/>
+          <a:lstStyle/>
+          <a:p>
+            <a:r>
+              <a:rPr lang="en-GB"/>
+              <a:t>2025-10-20, Karel Kroeze, BDSi. Shiny Workshop.</a:t>
             </a:r>
             <a:endParaRPr lang="en-NL" dirty="0"/>
           </a:p>
@@ -14495,6 +18105,35 @@
           </a:prstGeom>
         </p:spPr>
       </p:pic>
+      <p:sp>
+        <p:nvSpPr>
+          <p:cNvPr id="2" name="Footer Placeholder 1">
+            <a:extLst>
+              <a:ext uri="{FF2B5EF4-FFF2-40B4-BE49-F238E27FC236}">
+                <a16:creationId xmlns:a16="http://schemas.microsoft.com/office/drawing/2014/main" id="{FC84B880-A787-5D80-4E04-3E8B89D2602D}"/>
+              </a:ext>
+            </a:extLst>
+          </p:cNvPr>
+          <p:cNvSpPr>
+            <a:spLocks noGrp="1"/>
+          </p:cNvSpPr>
+          <p:nvPr>
+            <p:ph type="ftr" sz="quarter" idx="11"/>
+          </p:nvPr>
+        </p:nvSpPr>
+        <p:spPr/>
+        <p:txBody>
+          <a:bodyPr/>
+          <a:lstStyle/>
+          <a:p>
+            <a:r>
+              <a:rPr lang="en-GB"/>
+              <a:t>2025-10-20, Karel Kroeze, BDSi. Shiny Workshop.</a:t>
+            </a:r>
+            <a:endParaRPr lang="en-NL" dirty="0"/>
+          </a:p>
+        </p:txBody>
+      </p:sp>
     </p:spTree>
     <p:extLst>
       <p:ext uri="{BB962C8B-B14F-4D97-AF65-F5344CB8AC3E}">
@@ -14611,10 +18250,10 @@
       </p:sp>
       <p:pic>
         <p:nvPicPr>
-          <p:cNvPr id="2052" name="Picture 4">
-            <a:extLst>
-              <a:ext uri="{FF2B5EF4-FFF2-40B4-BE49-F238E27FC236}">
-                <a16:creationId xmlns:a16="http://schemas.microsoft.com/office/drawing/2014/main" id="{49773C69-F791-4C9D-B91C-448428DCB4E2}"/>
+          <p:cNvPr id="2054" name="Picture 6">
+            <a:extLst>
+              <a:ext uri="{FF2B5EF4-FFF2-40B4-BE49-F238E27FC236}">
+                <a16:creationId xmlns:a16="http://schemas.microsoft.com/office/drawing/2014/main" id="{9B62433B-6397-4389-99FC-B3CA56D6974F}"/>
               </a:ext>
             </a:extLst>
           </p:cNvPr>
@@ -14624,7 +18263,501 @@
           <p:nvPr/>
         </p:nvPicPr>
         <p:blipFill>
-          <a:blip r:embed="rId2">
+          <a:blip r:embed="rId3">
+            <a:extLst>
+              <a:ext uri="{28A0092B-C50C-407E-A947-70E740481C1C}">
+                <a14:useLocalDpi xmlns:a14="http://schemas.microsoft.com/office/drawing/2010/main" val="0"/>
+              </a:ext>
+            </a:extLst>
+          </a:blip>
+          <a:srcRect/>
+          <a:stretch>
+            <a:fillRect/>
+          </a:stretch>
+        </p:blipFill>
+        <p:spPr bwMode="auto">
+          <a:xfrm>
+            <a:off x="7448905" y="3014619"/>
+            <a:ext cx="3269973" cy="2179982"/>
+          </a:xfrm>
+          <a:prstGeom prst="rect">
+            <a:avLst/>
+          </a:prstGeom>
+          <a:noFill/>
+          <a:effectLst>
+            <a:outerShdw blurRad="50800" dist="38100" dir="2700000" algn="tl" rotWithShape="0">
+              <a:prstClr val="black">
+                <a:alpha val="40000"/>
+              </a:prstClr>
+            </a:outerShdw>
+          </a:effectLst>
+          <a:extLst>
+            <a:ext uri="{909E8E84-426E-40DD-AFC4-6F175D3DCCD1}">
+              <a14:hiddenFill xmlns:a14="http://schemas.microsoft.com/office/drawing/2010/main">
+                <a:solidFill>
+                  <a:srgbClr val="FFFFFF"/>
+                </a:solidFill>
+              </a14:hiddenFill>
+            </a:ext>
+          </a:extLst>
+        </p:spPr>
+      </p:pic>
+      <p:sp>
+        <p:nvSpPr>
+          <p:cNvPr id="2" name="Arrow: Right 1">
+            <a:extLst>
+              <a:ext uri="{FF2B5EF4-FFF2-40B4-BE49-F238E27FC236}">
+                <a16:creationId xmlns:a16="http://schemas.microsoft.com/office/drawing/2014/main" id="{652711FA-C3FB-4BBF-8A5A-0B2800E95D10}"/>
+              </a:ext>
+            </a:extLst>
+          </p:cNvPr>
+          <p:cNvSpPr/>
+          <p:nvPr/>
+        </p:nvSpPr>
+        <p:spPr>
+          <a:xfrm>
+            <a:off x="5735764" y="3783931"/>
+            <a:ext cx="1371600" cy="264695"/>
+          </a:xfrm>
+          <a:prstGeom prst="rightArrow">
+            <a:avLst/>
+          </a:prstGeom>
+        </p:spPr>
+        <p:style>
+          <a:lnRef idx="2">
+            <a:schemeClr val="accent1">
+              <a:shade val="50000"/>
+            </a:schemeClr>
+          </a:lnRef>
+          <a:fillRef idx="1">
+            <a:schemeClr val="accent1"/>
+          </a:fillRef>
+          <a:effectRef idx="0">
+            <a:schemeClr val="accent1"/>
+          </a:effectRef>
+          <a:fontRef idx="minor">
+            <a:schemeClr val="lt1"/>
+          </a:fontRef>
+        </p:style>
+        <p:txBody>
+          <a:bodyPr rtlCol="0" anchor="ctr"/>
+          <a:lstStyle/>
+          <a:p>
+            <a:pPr algn="ctr"/>
+            <a:endParaRPr lang="en-NL"/>
+          </a:p>
+        </p:txBody>
+      </p:sp>
+      <p:sp>
+        <p:nvSpPr>
+          <p:cNvPr id="9" name="Arrow: Right 8">
+            <a:extLst>
+              <a:ext uri="{FF2B5EF4-FFF2-40B4-BE49-F238E27FC236}">
+                <a16:creationId xmlns:a16="http://schemas.microsoft.com/office/drawing/2014/main" id="{EB5746F9-2DB0-45CE-BF64-ABC17CB73551}"/>
+              </a:ext>
+            </a:extLst>
+          </p:cNvPr>
+          <p:cNvSpPr/>
+          <p:nvPr/>
+        </p:nvSpPr>
+        <p:spPr>
+          <a:xfrm rot="10800000">
+            <a:off x="5532106" y="4051215"/>
+            <a:ext cx="1371600" cy="264695"/>
+          </a:xfrm>
+          <a:prstGeom prst="rightArrow">
+            <a:avLst/>
+          </a:prstGeom>
+        </p:spPr>
+        <p:style>
+          <a:lnRef idx="2">
+            <a:schemeClr val="accent1">
+              <a:shade val="50000"/>
+            </a:schemeClr>
+          </a:lnRef>
+          <a:fillRef idx="1">
+            <a:schemeClr val="accent1"/>
+          </a:fillRef>
+          <a:effectRef idx="0">
+            <a:schemeClr val="accent1"/>
+          </a:effectRef>
+          <a:fontRef idx="minor">
+            <a:schemeClr val="lt1"/>
+          </a:fontRef>
+        </p:style>
+        <p:txBody>
+          <a:bodyPr rtlCol="0" anchor="ctr"/>
+          <a:lstStyle/>
+          <a:p>
+            <a:pPr algn="ctr"/>
+            <a:endParaRPr lang="en-NL"/>
+          </a:p>
+        </p:txBody>
+      </p:sp>
+      <p:sp>
+        <p:nvSpPr>
+          <p:cNvPr id="11" name="TextBox 10">
+            <a:extLst>
+              <a:ext uri="{FF2B5EF4-FFF2-40B4-BE49-F238E27FC236}">
+                <a16:creationId xmlns:a16="http://schemas.microsoft.com/office/drawing/2014/main" id="{B7F48168-80CE-441D-AE4A-51DEBD7BCFE2}"/>
+              </a:ext>
+            </a:extLst>
+          </p:cNvPr>
+          <p:cNvSpPr txBox="1"/>
+          <p:nvPr/>
+        </p:nvSpPr>
+        <p:spPr>
+          <a:xfrm>
+            <a:off x="7368602" y="5194601"/>
+            <a:ext cx="4412581" cy="169277"/>
+          </a:xfrm>
+          <a:prstGeom prst="rect">
+            <a:avLst/>
+          </a:prstGeom>
+          <a:noFill/>
+        </p:spPr>
+        <p:txBody>
+          <a:bodyPr wrap="square">
+            <a:spAutoFit/>
+          </a:bodyPr>
+          <a:lstStyle/>
+          <a:p>
+            <a:r>
+              <a:rPr lang="nl-NL" sz="500" dirty="0">
+                <a:solidFill>
+                  <a:schemeClr val="tx1">
+                    <a:lumMod val="65000"/>
+                    <a:lumOff val="35000"/>
+                  </a:schemeClr>
+                </a:solidFill>
+              </a:rPr>
+              <a:t>https://pix4free.org/assets/library/2021-01-12/originals/laptop_notepad_pen_cafe_coffee.jpg</a:t>
+            </a:r>
+            <a:endParaRPr lang="en-NL" sz="500" dirty="0">
+              <a:solidFill>
+                <a:schemeClr val="tx1">
+                  <a:lumMod val="65000"/>
+                  <a:lumOff val="35000"/>
+                </a:schemeClr>
+              </a:solidFill>
+            </a:endParaRPr>
+          </a:p>
+        </p:txBody>
+      </p:sp>
+      <p:sp>
+        <p:nvSpPr>
+          <p:cNvPr id="3" name="Footer Placeholder 2">
+            <a:extLst>
+              <a:ext uri="{FF2B5EF4-FFF2-40B4-BE49-F238E27FC236}">
+                <a16:creationId xmlns:a16="http://schemas.microsoft.com/office/drawing/2014/main" id="{BE6BE66C-6C6E-78DE-AE8C-F5CE5C1EFC0D}"/>
+              </a:ext>
+            </a:extLst>
+          </p:cNvPr>
+          <p:cNvSpPr>
+            <a:spLocks noGrp="1"/>
+          </p:cNvSpPr>
+          <p:nvPr>
+            <p:ph type="ftr" sz="quarter" idx="11"/>
+          </p:nvPr>
+        </p:nvSpPr>
+        <p:spPr/>
+        <p:txBody>
+          <a:bodyPr/>
+          <a:lstStyle/>
+          <a:p>
+            <a:r>
+              <a:rPr lang="en-GB"/>
+              <a:t>2025-10-20, Karel Kroeze, BDSi. Shiny Workshop.</a:t>
+            </a:r>
+            <a:endParaRPr lang="en-NL" dirty="0"/>
+          </a:p>
+        </p:txBody>
+      </p:sp>
+      <p:pic>
+        <p:nvPicPr>
+          <p:cNvPr id="4" name="Picture 4">
+            <a:extLst>
+              <a:ext uri="{FF2B5EF4-FFF2-40B4-BE49-F238E27FC236}">
+                <a16:creationId xmlns:a16="http://schemas.microsoft.com/office/drawing/2014/main" id="{5CD2A311-0392-A171-2559-7697FBB88D94}"/>
+              </a:ext>
+            </a:extLst>
+          </p:cNvPr>
+          <p:cNvPicPr>
+            <a:picLocks noChangeAspect="1" noChangeArrowheads="1"/>
+          </p:cNvPicPr>
+          <p:nvPr/>
+        </p:nvPicPr>
+        <p:blipFill>
+          <a:blip r:embed="rId4">
+            <a:extLst>
+              <a:ext uri="{28A0092B-C50C-407E-A947-70E740481C1C}">
+                <a14:useLocalDpi xmlns:a14="http://schemas.microsoft.com/office/drawing/2010/main" val="0"/>
+              </a:ext>
+            </a:extLst>
+          </a:blip>
+          <a:srcRect/>
+          <a:stretch>
+            <a:fillRect/>
+          </a:stretch>
+        </p:blipFill>
+        <p:spPr bwMode="auto">
+          <a:xfrm>
+            <a:off x="8705589" y="3671956"/>
+            <a:ext cx="660115" cy="511606"/>
+          </a:xfrm>
+          <a:prstGeom prst="rect">
+            <a:avLst/>
+          </a:prstGeom>
+          <a:noFill/>
+          <a:extLst>
+            <a:ext uri="{909E8E84-426E-40DD-AFC4-6F175D3DCCD1}">
+              <a14:hiddenFill xmlns:a14="http://schemas.microsoft.com/office/drawing/2010/main">
+                <a:solidFill>
+                  <a:srgbClr val="FFFFFF"/>
+                </a:solidFill>
+              </a14:hiddenFill>
+            </a:ext>
+          </a:extLst>
+        </p:spPr>
+      </p:pic>
+      <p:pic>
+        <p:nvPicPr>
+          <p:cNvPr id="5" name="Picture 6">
+            <a:extLst>
+              <a:ext uri="{FF2B5EF4-FFF2-40B4-BE49-F238E27FC236}">
+                <a16:creationId xmlns:a16="http://schemas.microsoft.com/office/drawing/2014/main" id="{69F5BC40-38B9-B722-C3D1-8077398CD47D}"/>
+              </a:ext>
+            </a:extLst>
+          </p:cNvPr>
+          <p:cNvPicPr>
+            <a:picLocks noChangeAspect="1" noChangeArrowheads="1"/>
+          </p:cNvPicPr>
+          <p:nvPr/>
+        </p:nvPicPr>
+        <p:blipFill rotWithShape="1">
+          <a:blip r:embed="rId3">
+            <a:extLst>
+              <a:ext uri="{28A0092B-C50C-407E-A947-70E740481C1C}">
+                <a14:useLocalDpi xmlns:a14="http://schemas.microsoft.com/office/drawing/2010/main" val="0"/>
+              </a:ext>
+            </a:extLst>
+          </a:blip>
+          <a:srcRect l="23549" t="7953" r="9516" b="20094"/>
+          <a:stretch>
+            <a:fillRect/>
+          </a:stretch>
+        </p:blipFill>
+        <p:spPr bwMode="auto">
+          <a:xfrm>
+            <a:off x="2072640" y="3014619"/>
+            <a:ext cx="3041904" cy="2179982"/>
+          </a:xfrm>
+          <a:prstGeom prst="rect">
+            <a:avLst/>
+          </a:prstGeom>
+          <a:noFill/>
+          <a:effectLst>
+            <a:outerShdw blurRad="50800" dist="38100" dir="2700000" algn="tl" rotWithShape="0">
+              <a:prstClr val="black">
+                <a:alpha val="40000"/>
+              </a:prstClr>
+            </a:outerShdw>
+          </a:effectLst>
+          <a:extLst>
+            <a:ext uri="{909E8E84-426E-40DD-AFC4-6F175D3DCCD1}">
+              <a14:hiddenFill xmlns:a14="http://schemas.microsoft.com/office/drawing/2010/main">
+                <a:solidFill>
+                  <a:srgbClr val="FFFFFF"/>
+                </a:solidFill>
+              </a14:hiddenFill>
+            </a:ext>
+          </a:extLst>
+        </p:spPr>
+      </p:pic>
+      <p:pic>
+        <p:nvPicPr>
+          <p:cNvPr id="2052" name="Picture 4">
+            <a:extLst>
+              <a:ext uri="{FF2B5EF4-FFF2-40B4-BE49-F238E27FC236}">
+                <a16:creationId xmlns:a16="http://schemas.microsoft.com/office/drawing/2014/main" id="{49773C69-F791-4C9D-B91C-448428DCB4E2}"/>
+              </a:ext>
+            </a:extLst>
+          </p:cNvPr>
+          <p:cNvPicPr>
+            <a:picLocks noChangeAspect="1" noChangeArrowheads="1"/>
+          </p:cNvPicPr>
+          <p:nvPr/>
+        </p:nvPicPr>
+        <p:blipFill rotWithShape="1">
+          <a:blip r:embed="rId5">
+            <a:extLst>
+              <a:ext uri="{28A0092B-C50C-407E-A947-70E740481C1C}">
+                <a14:useLocalDpi xmlns:a14="http://schemas.microsoft.com/office/drawing/2010/main" val="0"/>
+              </a:ext>
+            </a:extLst>
+          </a:blip>
+          <a:srcRect r="25984" b="11750"/>
+          <a:stretch>
+            <a:fillRect/>
+          </a:stretch>
+        </p:blipFill>
+        <p:spPr bwMode="auto">
+          <a:xfrm>
+            <a:off x="2321006" y="3429001"/>
+            <a:ext cx="1910597" cy="1203070"/>
+          </a:xfrm>
+          <a:prstGeom prst="rect">
+            <a:avLst/>
+          </a:prstGeom>
+          <a:noFill/>
+          <a:effectLst>
+            <a:outerShdw blurRad="50800" dist="38100" dir="2700000" algn="tl" rotWithShape="0">
+              <a:prstClr val="black">
+                <a:alpha val="40000"/>
+              </a:prstClr>
+            </a:outerShdw>
+          </a:effectLst>
+          <a:extLst>
+            <a:ext uri="{909E8E84-426E-40DD-AFC4-6F175D3DCCD1}">
+              <a14:hiddenFill xmlns:a14="http://schemas.microsoft.com/office/drawing/2010/main">
+                <a:solidFill>
+                  <a:srgbClr val="FFFFFF"/>
+                </a:solidFill>
+              </a14:hiddenFill>
+            </a:ext>
+          </a:extLst>
+        </p:spPr>
+      </p:pic>
+    </p:spTree>
+    <p:extLst>
+      <p:ext uri="{BB962C8B-B14F-4D97-AF65-F5344CB8AC3E}">
+        <p14:creationId xmlns:p14="http://schemas.microsoft.com/office/powerpoint/2010/main" val="589167829"/>
+      </p:ext>
+    </p:extLst>
+  </p:cSld>
+  <p:clrMapOvr>
+    <a:masterClrMapping/>
+  </p:clrMapOvr>
+</p:sld>
+</file>
+
+<file path=ppt/slides/slide6.xml><?xml version="1.0" encoding="utf-8"?>
+<p:sld xmlns:a="http://schemas.openxmlformats.org/drawingml/2006/main" xmlns:r="http://schemas.openxmlformats.org/officeDocument/2006/relationships" xmlns:p="http://schemas.openxmlformats.org/presentationml/2006/main">
+  <p:cSld>
+    <p:spTree>
+      <p:nvGrpSpPr>
+        <p:cNvPr id="1" name=""/>
+        <p:cNvGrpSpPr/>
+        <p:nvPr/>
+      </p:nvGrpSpPr>
+      <p:grpSpPr>
+        <a:xfrm>
+          <a:off x="0" y="0"/>
+          <a:ext cx="0" cy="0"/>
+          <a:chOff x="0" y="0"/>
+          <a:chExt cx="0" cy="0"/>
+        </a:xfrm>
+      </p:grpSpPr>
+      <p:sp>
+        <p:nvSpPr>
+          <p:cNvPr id="6" name="Title 5">
+            <a:extLst>
+              <a:ext uri="{FF2B5EF4-FFF2-40B4-BE49-F238E27FC236}">
+                <a16:creationId xmlns:a16="http://schemas.microsoft.com/office/drawing/2014/main" id="{CADF7019-D4EC-476A-82E9-651767FA4E37}"/>
+              </a:ext>
+            </a:extLst>
+          </p:cNvPr>
+          <p:cNvSpPr>
+            <a:spLocks noGrp="1"/>
+          </p:cNvSpPr>
+          <p:nvPr>
+            <p:ph type="title"/>
+          </p:nvPr>
+        </p:nvSpPr>
+        <p:spPr/>
+        <p:txBody>
+          <a:bodyPr/>
+          <a:lstStyle/>
+          <a:p>
+            <a:r>
+              <a:rPr lang="en-GB" sz="2000" dirty="0"/>
+              <a:t>What is shiny?</a:t>
+            </a:r>
+            <a:br>
+              <a:rPr lang="en-GB" dirty="0"/>
+            </a:br>
+            <a:r>
+              <a:rPr lang="en-GB" dirty="0"/>
+              <a:t>A FRAMEWORK</a:t>
+            </a:r>
+            <a:endParaRPr lang="en-NL" dirty="0"/>
+          </a:p>
+        </p:txBody>
+      </p:sp>
+      <p:sp>
+        <p:nvSpPr>
+          <p:cNvPr id="7" name="Content Placeholder 6">
+            <a:extLst>
+              <a:ext uri="{FF2B5EF4-FFF2-40B4-BE49-F238E27FC236}">
+                <a16:creationId xmlns:a16="http://schemas.microsoft.com/office/drawing/2014/main" id="{22176F0C-35AA-47F3-B84A-7B833AF80BCF}"/>
+              </a:ext>
+            </a:extLst>
+          </p:cNvPr>
+          <p:cNvSpPr>
+            <a:spLocks noGrp="1"/>
+          </p:cNvSpPr>
+          <p:nvPr>
+            <p:ph sz="half" idx="1"/>
+          </p:nvPr>
+        </p:nvSpPr>
+        <p:spPr>
+          <a:xfrm>
+            <a:off x="1265583" y="1825625"/>
+            <a:ext cx="10515600" cy="4351338"/>
+          </a:xfrm>
+        </p:spPr>
+        <p:txBody>
+          <a:bodyPr/>
+          <a:lstStyle/>
+          <a:p>
+            <a:pPr marL="0" indent="0">
+              <a:buNone/>
+            </a:pPr>
+            <a:endParaRPr lang="en-GB" dirty="0"/>
+          </a:p>
+          <a:p>
+            <a:pPr marL="0" indent="0">
+              <a:buNone/>
+            </a:pPr>
+            <a:r>
+              <a:rPr lang="en-GB" dirty="0"/>
+              <a:t>Shiny apps are hosted by a computer running R</a:t>
+            </a:r>
+          </a:p>
+          <a:p>
+            <a:pPr marL="0" indent="0">
+              <a:buNone/>
+            </a:pPr>
+            <a:endParaRPr lang="en-GB" dirty="0"/>
+          </a:p>
+        </p:txBody>
+      </p:sp>
+      <p:pic>
+        <p:nvPicPr>
+          <p:cNvPr id="2052" name="Picture 4">
+            <a:extLst>
+              <a:ext uri="{FF2B5EF4-FFF2-40B4-BE49-F238E27FC236}">
+                <a16:creationId xmlns:a16="http://schemas.microsoft.com/office/drawing/2014/main" id="{49773C69-F791-4C9D-B91C-448428DCB4E2}"/>
+              </a:ext>
+            </a:extLst>
+          </p:cNvPr>
+          <p:cNvPicPr>
+            <a:picLocks noChangeAspect="1" noChangeArrowheads="1"/>
+          </p:cNvPicPr>
+          <p:nvPr/>
+        </p:nvPicPr>
+        <p:blipFill>
+          <a:blip r:embed="rId3">
             <a:extLst>
               <a:ext uri="{28A0092B-C50C-407E-A947-70E740481C1C}">
                 <a14:useLocalDpi xmlns:a14="http://schemas.microsoft.com/office/drawing/2010/main" val="0"/>
@@ -14678,7 +18811,7 @@
           <p:nvPr/>
         </p:nvPicPr>
         <p:blipFill>
-          <a:blip r:embed="rId3">
+          <a:blip r:embed="rId4">
             <a:extLst>
               <a:ext uri="{28A0092B-C50C-407E-A947-70E740481C1C}">
                 <a14:useLocalDpi xmlns:a14="http://schemas.microsoft.com/office/drawing/2010/main" val="0"/>
@@ -14686,14 +18819,12 @@
             </a:extLst>
           </a:blip>
           <a:srcRect/>
-          <a:stretch>
-            <a:fillRect/>
-          </a:stretch>
+          <a:stretch/>
         </p:blipFill>
         <p:spPr bwMode="auto">
           <a:xfrm>
-            <a:off x="7448905" y="3014619"/>
-            <a:ext cx="3269973" cy="2179982"/>
+            <a:off x="7448905" y="3015300"/>
+            <a:ext cx="2904825" cy="2178619"/>
           </a:xfrm>
           <a:prstGeom prst="rect">
             <a:avLst/>
@@ -14846,7 +18977,7 @@
                   </a:schemeClr>
                 </a:solidFill>
               </a:rPr>
-              <a:t>https://pix4free.org/assets/library/2021-01-12/originals/laptop_notepad_pen_cafe_coffee.jpg</a:t>
+              <a:t>https://www.flickr.com/photos/rudolf_schuba/153225000</a:t>
             </a:r>
             <a:endParaRPr lang="en-NL" sz="500" dirty="0">
               <a:solidFill>
@@ -14859,10 +18990,39 @@
           </a:p>
         </p:txBody>
       </p:sp>
+      <p:sp>
+        <p:nvSpPr>
+          <p:cNvPr id="3" name="Footer Placeholder 2">
+            <a:extLst>
+              <a:ext uri="{FF2B5EF4-FFF2-40B4-BE49-F238E27FC236}">
+                <a16:creationId xmlns:a16="http://schemas.microsoft.com/office/drawing/2014/main" id="{C8AF7CDA-FD77-7FE5-C93A-B44AE2C722B2}"/>
+              </a:ext>
+            </a:extLst>
+          </p:cNvPr>
+          <p:cNvSpPr>
+            <a:spLocks noGrp="1"/>
+          </p:cNvSpPr>
+          <p:nvPr>
+            <p:ph type="ftr" sz="quarter" idx="11"/>
+          </p:nvPr>
+        </p:nvSpPr>
+        <p:spPr/>
+        <p:txBody>
+          <a:bodyPr/>
+          <a:lstStyle/>
+          <a:p>
+            <a:r>
+              <a:rPr lang="en-GB"/>
+              <a:t>2025-10-20, Karel Kroeze, BDSi. Shiny Workshop.</a:t>
+            </a:r>
+            <a:endParaRPr lang="en-NL" dirty="0"/>
+          </a:p>
+        </p:txBody>
+      </p:sp>
     </p:spTree>
     <p:extLst>
       <p:ext uri="{BB962C8B-B14F-4D97-AF65-F5344CB8AC3E}">
-        <p14:creationId xmlns:p14="http://schemas.microsoft.com/office/powerpoint/2010/main" val="589167829"/>
+        <p14:creationId xmlns:p14="http://schemas.microsoft.com/office/powerpoint/2010/main" val="5492045"/>
       </p:ext>
     </p:extLst>
   </p:cSld>
@@ -14872,7 +19032,7 @@
 </p:sld>
 </file>
 
-<file path=ppt/slides/slide6.xml><?xml version="1.0" encoding="utf-8"?>
+<file path=ppt/slides/slide7.xml><?xml version="1.0" encoding="utf-8"?>
 <p:sld xmlns:a="http://schemas.openxmlformats.org/drawingml/2006/main" xmlns:r="http://schemas.openxmlformats.org/officeDocument/2006/relationships" xmlns:p="http://schemas.openxmlformats.org/presentationml/2006/main">
   <p:cSld>
     <p:spTree>
@@ -14988,7 +19148,7 @@
           <p:nvPr/>
         </p:nvPicPr>
         <p:blipFill>
-          <a:blip r:embed="rId2">
+          <a:blip r:embed="rId3">
             <a:extLst>
               <a:ext uri="{28A0092B-C50C-407E-A947-70E740481C1C}">
                 <a14:useLocalDpi xmlns:a14="http://schemas.microsoft.com/office/drawing/2010/main" val="0"/>
@@ -15042,369 +19202,7 @@
           <p:nvPr/>
         </p:nvPicPr>
         <p:blipFill>
-          <a:blip r:embed="rId3">
-            <a:extLst>
-              <a:ext uri="{28A0092B-C50C-407E-A947-70E740481C1C}">
-                <a14:useLocalDpi xmlns:a14="http://schemas.microsoft.com/office/drawing/2010/main" val="0"/>
-              </a:ext>
-            </a:extLst>
-          </a:blip>
-          <a:srcRect/>
-          <a:stretch/>
-        </p:blipFill>
-        <p:spPr bwMode="auto">
-          <a:xfrm>
-            <a:off x="7448905" y="3015300"/>
-            <a:ext cx="2904825" cy="2178619"/>
-          </a:xfrm>
-          <a:prstGeom prst="rect">
-            <a:avLst/>
-          </a:prstGeom>
-          <a:noFill/>
-          <a:effectLst>
-            <a:outerShdw blurRad="50800" dist="38100" dir="2700000" algn="tl" rotWithShape="0">
-              <a:prstClr val="black">
-                <a:alpha val="40000"/>
-              </a:prstClr>
-            </a:outerShdw>
-          </a:effectLst>
-          <a:extLst>
-            <a:ext uri="{909E8E84-426E-40DD-AFC4-6F175D3DCCD1}">
-              <a14:hiddenFill xmlns:a14="http://schemas.microsoft.com/office/drawing/2010/main">
-                <a:solidFill>
-                  <a:srgbClr val="FFFFFF"/>
-                </a:solidFill>
-              </a14:hiddenFill>
-            </a:ext>
-          </a:extLst>
-        </p:spPr>
-      </p:pic>
-      <p:sp>
-        <p:nvSpPr>
-          <p:cNvPr id="2" name="Arrow: Right 1">
-            <a:extLst>
-              <a:ext uri="{FF2B5EF4-FFF2-40B4-BE49-F238E27FC236}">
-                <a16:creationId xmlns:a16="http://schemas.microsoft.com/office/drawing/2014/main" id="{652711FA-C3FB-4BBF-8A5A-0B2800E95D10}"/>
-              </a:ext>
-            </a:extLst>
-          </p:cNvPr>
-          <p:cNvSpPr/>
-          <p:nvPr/>
-        </p:nvSpPr>
-        <p:spPr>
-          <a:xfrm>
-            <a:off x="5735764" y="3783931"/>
-            <a:ext cx="1371600" cy="264695"/>
-          </a:xfrm>
-          <a:prstGeom prst="rightArrow">
-            <a:avLst/>
-          </a:prstGeom>
-        </p:spPr>
-        <p:style>
-          <a:lnRef idx="2">
-            <a:schemeClr val="accent1">
-              <a:shade val="50000"/>
-            </a:schemeClr>
-          </a:lnRef>
-          <a:fillRef idx="1">
-            <a:schemeClr val="accent1"/>
-          </a:fillRef>
-          <a:effectRef idx="0">
-            <a:schemeClr val="accent1"/>
-          </a:effectRef>
-          <a:fontRef idx="minor">
-            <a:schemeClr val="lt1"/>
-          </a:fontRef>
-        </p:style>
-        <p:txBody>
-          <a:bodyPr rtlCol="0" anchor="ctr"/>
-          <a:lstStyle/>
-          <a:p>
-            <a:pPr algn="ctr"/>
-            <a:endParaRPr lang="en-NL"/>
-          </a:p>
-        </p:txBody>
-      </p:sp>
-      <p:sp>
-        <p:nvSpPr>
-          <p:cNvPr id="9" name="Arrow: Right 8">
-            <a:extLst>
-              <a:ext uri="{FF2B5EF4-FFF2-40B4-BE49-F238E27FC236}">
-                <a16:creationId xmlns:a16="http://schemas.microsoft.com/office/drawing/2014/main" id="{EB5746F9-2DB0-45CE-BF64-ABC17CB73551}"/>
-              </a:ext>
-            </a:extLst>
-          </p:cNvPr>
-          <p:cNvSpPr/>
-          <p:nvPr/>
-        </p:nvSpPr>
-        <p:spPr>
-          <a:xfrm rot="10800000">
-            <a:off x="5532106" y="4051215"/>
-            <a:ext cx="1371600" cy="264695"/>
-          </a:xfrm>
-          <a:prstGeom prst="rightArrow">
-            <a:avLst/>
-          </a:prstGeom>
-        </p:spPr>
-        <p:style>
-          <a:lnRef idx="2">
-            <a:schemeClr val="accent1">
-              <a:shade val="50000"/>
-            </a:schemeClr>
-          </a:lnRef>
-          <a:fillRef idx="1">
-            <a:schemeClr val="accent1"/>
-          </a:fillRef>
-          <a:effectRef idx="0">
-            <a:schemeClr val="accent1"/>
-          </a:effectRef>
-          <a:fontRef idx="minor">
-            <a:schemeClr val="lt1"/>
-          </a:fontRef>
-        </p:style>
-        <p:txBody>
-          <a:bodyPr rtlCol="0" anchor="ctr"/>
-          <a:lstStyle/>
-          <a:p>
-            <a:pPr algn="ctr"/>
-            <a:endParaRPr lang="en-NL"/>
-          </a:p>
-        </p:txBody>
-      </p:sp>
-      <p:sp>
-        <p:nvSpPr>
-          <p:cNvPr id="11" name="TextBox 10">
-            <a:extLst>
-              <a:ext uri="{FF2B5EF4-FFF2-40B4-BE49-F238E27FC236}">
-                <a16:creationId xmlns:a16="http://schemas.microsoft.com/office/drawing/2014/main" id="{B7F48168-80CE-441D-AE4A-51DEBD7BCFE2}"/>
-              </a:ext>
-            </a:extLst>
-          </p:cNvPr>
-          <p:cNvSpPr txBox="1"/>
-          <p:nvPr/>
-        </p:nvSpPr>
-        <p:spPr>
-          <a:xfrm>
-            <a:off x="7368602" y="5194601"/>
-            <a:ext cx="4412581" cy="169277"/>
-          </a:xfrm>
-          <a:prstGeom prst="rect">
-            <a:avLst/>
-          </a:prstGeom>
-          <a:noFill/>
-        </p:spPr>
-        <p:txBody>
-          <a:bodyPr wrap="square">
-            <a:spAutoFit/>
-          </a:bodyPr>
-          <a:lstStyle/>
-          <a:p>
-            <a:r>
-              <a:rPr lang="nl-NL" sz="500" dirty="0">
-                <a:solidFill>
-                  <a:schemeClr val="tx1">
-                    <a:lumMod val="65000"/>
-                    <a:lumOff val="35000"/>
-                  </a:schemeClr>
-                </a:solidFill>
-              </a:rPr>
-              <a:t>https://www.flickr.com/photos/rudolf_schuba/153225000</a:t>
-            </a:r>
-            <a:endParaRPr lang="en-NL" sz="500" dirty="0">
-              <a:solidFill>
-                <a:schemeClr val="tx1">
-                  <a:lumMod val="65000"/>
-                  <a:lumOff val="35000"/>
-                </a:schemeClr>
-              </a:solidFill>
-            </a:endParaRPr>
-          </a:p>
-        </p:txBody>
-      </p:sp>
-    </p:spTree>
-    <p:extLst>
-      <p:ext uri="{BB962C8B-B14F-4D97-AF65-F5344CB8AC3E}">
-        <p14:creationId xmlns:p14="http://schemas.microsoft.com/office/powerpoint/2010/main" val="5492045"/>
-      </p:ext>
-    </p:extLst>
-  </p:cSld>
-  <p:clrMapOvr>
-    <a:masterClrMapping/>
-  </p:clrMapOvr>
-</p:sld>
-</file>
-
-<file path=ppt/slides/slide7.xml><?xml version="1.0" encoding="utf-8"?>
-<p:sld xmlns:a="http://schemas.openxmlformats.org/drawingml/2006/main" xmlns:r="http://schemas.openxmlformats.org/officeDocument/2006/relationships" xmlns:p="http://schemas.openxmlformats.org/presentationml/2006/main">
-  <p:cSld>
-    <p:spTree>
-      <p:nvGrpSpPr>
-        <p:cNvPr id="1" name=""/>
-        <p:cNvGrpSpPr/>
-        <p:nvPr/>
-      </p:nvGrpSpPr>
-      <p:grpSpPr>
-        <a:xfrm>
-          <a:off x="0" y="0"/>
-          <a:ext cx="0" cy="0"/>
-          <a:chOff x="0" y="0"/>
-          <a:chExt cx="0" cy="0"/>
-        </a:xfrm>
-      </p:grpSpPr>
-      <p:sp>
-        <p:nvSpPr>
-          <p:cNvPr id="6" name="Title 5">
-            <a:extLst>
-              <a:ext uri="{FF2B5EF4-FFF2-40B4-BE49-F238E27FC236}">
-                <a16:creationId xmlns:a16="http://schemas.microsoft.com/office/drawing/2014/main" id="{CADF7019-D4EC-476A-82E9-651767FA4E37}"/>
-              </a:ext>
-            </a:extLst>
-          </p:cNvPr>
-          <p:cNvSpPr>
-            <a:spLocks noGrp="1"/>
-          </p:cNvSpPr>
-          <p:nvPr>
-            <p:ph type="title"/>
-          </p:nvPr>
-        </p:nvSpPr>
-        <p:spPr/>
-        <p:txBody>
-          <a:bodyPr/>
-          <a:lstStyle/>
-          <a:p>
-            <a:r>
-              <a:rPr lang="en-GB" sz="2000" dirty="0"/>
-              <a:t>What is shiny?</a:t>
-            </a:r>
-            <a:br>
-              <a:rPr lang="en-GB" dirty="0"/>
-            </a:br>
-            <a:r>
-              <a:rPr lang="en-GB" dirty="0"/>
-              <a:t>A FRAMEWORK</a:t>
-            </a:r>
-            <a:endParaRPr lang="en-NL" dirty="0"/>
-          </a:p>
-        </p:txBody>
-      </p:sp>
-      <p:sp>
-        <p:nvSpPr>
-          <p:cNvPr id="7" name="Content Placeholder 6">
-            <a:extLst>
-              <a:ext uri="{FF2B5EF4-FFF2-40B4-BE49-F238E27FC236}">
-                <a16:creationId xmlns:a16="http://schemas.microsoft.com/office/drawing/2014/main" id="{22176F0C-35AA-47F3-B84A-7B833AF80BCF}"/>
-              </a:ext>
-            </a:extLst>
-          </p:cNvPr>
-          <p:cNvSpPr>
-            <a:spLocks noGrp="1"/>
-          </p:cNvSpPr>
-          <p:nvPr>
-            <p:ph sz="half" idx="1"/>
-          </p:nvPr>
-        </p:nvSpPr>
-        <p:spPr>
-          <a:xfrm>
-            <a:off x="1265583" y="1825625"/>
-            <a:ext cx="10515600" cy="4351338"/>
-          </a:xfrm>
-        </p:spPr>
-        <p:txBody>
-          <a:bodyPr/>
-          <a:lstStyle/>
-          <a:p>
-            <a:pPr marL="0" indent="0">
-              <a:buNone/>
-            </a:pPr>
-            <a:endParaRPr lang="en-GB" dirty="0"/>
-          </a:p>
-          <a:p>
-            <a:pPr marL="0" indent="0">
-              <a:buNone/>
-            </a:pPr>
-            <a:r>
-              <a:rPr lang="en-GB" dirty="0"/>
-              <a:t>Shiny apps are hosted by a computer running R</a:t>
-            </a:r>
-          </a:p>
-          <a:p>
-            <a:pPr marL="0" indent="0">
-              <a:buNone/>
-            </a:pPr>
-            <a:endParaRPr lang="en-GB" dirty="0"/>
-          </a:p>
-        </p:txBody>
-      </p:sp>
-      <p:pic>
-        <p:nvPicPr>
-          <p:cNvPr id="2052" name="Picture 4">
-            <a:extLst>
-              <a:ext uri="{FF2B5EF4-FFF2-40B4-BE49-F238E27FC236}">
-                <a16:creationId xmlns:a16="http://schemas.microsoft.com/office/drawing/2014/main" id="{49773C69-F791-4C9D-B91C-448428DCB4E2}"/>
-              </a:ext>
-            </a:extLst>
-          </p:cNvPr>
-          <p:cNvPicPr>
-            <a:picLocks noChangeAspect="1" noChangeArrowheads="1"/>
-          </p:cNvPicPr>
-          <p:nvPr/>
-        </p:nvPicPr>
-        <p:blipFill>
-          <a:blip r:embed="rId2">
-            <a:extLst>
-              <a:ext uri="{28A0092B-C50C-407E-A947-70E740481C1C}">
-                <a14:useLocalDpi xmlns:a14="http://schemas.microsoft.com/office/drawing/2010/main" val="0"/>
-              </a:ext>
-            </a:extLst>
-          </a:blip>
-          <a:srcRect/>
-          <a:stretch>
-            <a:fillRect/>
-          </a:stretch>
-        </p:blipFill>
-        <p:spPr bwMode="auto">
-          <a:xfrm>
-            <a:off x="1405886" y="3105219"/>
-            <a:ext cx="3784679" cy="1998783"/>
-          </a:xfrm>
-          <a:prstGeom prst="rect">
-            <a:avLst/>
-          </a:prstGeom>
-          <a:noFill/>
-          <a:effectLst>
-            <a:outerShdw blurRad="50800" dist="38100" dir="2700000" algn="tl" rotWithShape="0">
-              <a:prstClr val="black">
-                <a:alpha val="40000"/>
-              </a:prstClr>
-            </a:outerShdw>
-          </a:effectLst>
-          <a:extLst>
-            <a:ext uri="{909E8E84-426E-40DD-AFC4-6F175D3DCCD1}">
-              <a14:hiddenFill xmlns:a14="http://schemas.microsoft.com/office/drawing/2010/main">
-                <a:solidFill>
-                  <a:srgbClr val="FFFFFF"/>
-                </a:solidFill>
-              </a14:hiddenFill>
-            </a:ext>
-          </a:extLst>
-        </p:spPr>
-      </p:pic>
-      <p:pic>
-        <p:nvPicPr>
-          <p:cNvPr id="2054" name="Picture 6">
-            <a:extLst>
-              <a:ext uri="{FF2B5EF4-FFF2-40B4-BE49-F238E27FC236}">
-                <a16:creationId xmlns:a16="http://schemas.microsoft.com/office/drawing/2014/main" id="{9B62433B-6397-4389-99FC-B3CA56D6974F}"/>
-              </a:ext>
-            </a:extLst>
-          </p:cNvPr>
-          <p:cNvPicPr>
-            <a:picLocks noChangeAspect="1" noChangeArrowheads="1"/>
-          </p:cNvPicPr>
-          <p:nvPr/>
-        </p:nvPicPr>
-        <p:blipFill>
-          <a:blip r:embed="rId3">
+          <a:blip r:embed="rId4">
             <a:extLst>
               <a:ext uri="{28A0092B-C50C-407E-A947-70E740481C1C}">
                 <a14:useLocalDpi xmlns:a14="http://schemas.microsoft.com/office/drawing/2010/main" val="0"/>
@@ -15648,7 +19446,7 @@
           <p:nvPr/>
         </p:nvPicPr>
         <p:blipFill>
-          <a:blip r:embed="rId4">
+          <a:blip r:embed="rId5">
             <a:extLst>
               <a:ext uri="{28A0092B-C50C-407E-A947-70E740481C1C}">
                 <a14:useLocalDpi xmlns:a14="http://schemas.microsoft.com/office/drawing/2010/main" val="0"/>
@@ -15668,6 +19466,35 @@
           </a:prstGeom>
         </p:spPr>
       </p:pic>
+      <p:sp>
+        <p:nvSpPr>
+          <p:cNvPr id="3" name="Footer Placeholder 2">
+            <a:extLst>
+              <a:ext uri="{FF2B5EF4-FFF2-40B4-BE49-F238E27FC236}">
+                <a16:creationId xmlns:a16="http://schemas.microsoft.com/office/drawing/2014/main" id="{08179F77-A9E2-0FB6-B6CE-F1712364FF57}"/>
+              </a:ext>
+            </a:extLst>
+          </p:cNvPr>
+          <p:cNvSpPr>
+            <a:spLocks noGrp="1"/>
+          </p:cNvSpPr>
+          <p:nvPr>
+            <p:ph type="ftr" sz="quarter" idx="11"/>
+          </p:nvPr>
+        </p:nvSpPr>
+        <p:spPr/>
+        <p:txBody>
+          <a:bodyPr/>
+          <a:lstStyle/>
+          <a:p>
+            <a:r>
+              <a:rPr lang="en-GB"/>
+              <a:t>2025-10-20, Karel Kroeze, BDSi. Shiny Workshop.</a:t>
+            </a:r>
+            <a:endParaRPr lang="en-NL" dirty="0"/>
+          </a:p>
+        </p:txBody>
+      </p:sp>
     </p:spTree>
     <p:extLst>
       <p:ext uri="{BB962C8B-B14F-4D97-AF65-F5344CB8AC3E}">
@@ -15808,7 +19635,7 @@
             <p:nvPr/>
           </p:nvPicPr>
           <p:blipFill>
-            <a:blip r:embed="rId2">
+            <a:blip r:embed="rId3">
               <a:extLst>
                 <a:ext uri="{28A0092B-C50C-407E-A947-70E740481C1C}">
                   <a14:useLocalDpi xmlns:a14="http://schemas.microsoft.com/office/drawing/2010/main" val="0"/>
@@ -15882,7 +19709,7 @@
               <p:nvPr/>
             </p:nvPicPr>
             <p:blipFill>
-              <a:blip r:embed="rId3">
+              <a:blip r:embed="rId4">
                 <a:extLst>
                   <a:ext uri="{28A0092B-C50C-407E-A947-70E740481C1C}">
                     <a14:useLocalDpi xmlns:a14="http://schemas.microsoft.com/office/drawing/2010/main" val="0"/>
@@ -16147,7 +19974,7 @@
               <p:nvPr/>
             </p:nvPicPr>
             <p:blipFill>
-              <a:blip r:embed="rId4">
+              <a:blip r:embed="rId5">
                 <a:extLst>
                   <a:ext uri="{28A0092B-C50C-407E-A947-70E740481C1C}">
                     <a14:useLocalDpi xmlns:a14="http://schemas.microsoft.com/office/drawing/2010/main" val="0"/>
@@ -16204,7 +20031,7 @@
             <p:nvPr/>
           </p:nvPicPr>
           <p:blipFill>
-            <a:blip r:embed="rId5">
+            <a:blip r:embed="rId6">
               <a:extLst>
                 <a:ext uri="{28A0092B-C50C-407E-A947-70E740481C1C}">
                   <a14:useLocalDpi xmlns:a14="http://schemas.microsoft.com/office/drawing/2010/main" val="0"/>
@@ -16240,7 +20067,7 @@
             <p:nvPr/>
           </p:nvPicPr>
           <p:blipFill>
-            <a:blip r:embed="rId6">
+            <a:blip r:embed="rId7">
               <a:extLst>
                 <a:ext uri="{28A0092B-C50C-407E-A947-70E740481C1C}">
                   <a14:useLocalDpi xmlns:a14="http://schemas.microsoft.com/office/drawing/2010/main" val="0"/>
@@ -16276,7 +20103,7 @@
             <p:nvPr/>
           </p:nvPicPr>
           <p:blipFill>
-            <a:blip r:embed="rId7">
+            <a:blip r:embed="rId8">
               <a:extLst>
                 <a:ext uri="{28A0092B-C50C-407E-A947-70E740481C1C}">
                   <a14:useLocalDpi xmlns:a14="http://schemas.microsoft.com/office/drawing/2010/main" val="0"/>
@@ -16298,6 +20125,35 @@
           </p:spPr>
         </p:pic>
       </p:grpSp>
+      <p:sp>
+        <p:nvSpPr>
+          <p:cNvPr id="10" name="Footer Placeholder 9">
+            <a:extLst>
+              <a:ext uri="{FF2B5EF4-FFF2-40B4-BE49-F238E27FC236}">
+                <a16:creationId xmlns:a16="http://schemas.microsoft.com/office/drawing/2014/main" id="{FCA72399-FB9E-47FC-B6A3-940ECC3B161E}"/>
+              </a:ext>
+            </a:extLst>
+          </p:cNvPr>
+          <p:cNvSpPr>
+            <a:spLocks noGrp="1"/>
+          </p:cNvSpPr>
+          <p:nvPr>
+            <p:ph type="ftr" sz="quarter" idx="11"/>
+          </p:nvPr>
+        </p:nvSpPr>
+        <p:spPr/>
+        <p:txBody>
+          <a:bodyPr/>
+          <a:lstStyle/>
+          <a:p>
+            <a:r>
+              <a:rPr lang="en-GB"/>
+              <a:t>2025-10-20, Karel Kroeze, BDSi. Shiny Workshop.</a:t>
+            </a:r>
+            <a:endParaRPr lang="en-NL" dirty="0"/>
+          </a:p>
+        </p:txBody>
+      </p:sp>
     </p:spTree>
     <p:extLst>
       <p:ext uri="{BB962C8B-B14F-4D97-AF65-F5344CB8AC3E}">
@@ -16438,7 +20294,7 @@
             <p:nvPr/>
           </p:nvPicPr>
           <p:blipFill>
-            <a:blip r:embed="rId2">
+            <a:blip r:embed="rId3">
               <a:extLst>
                 <a:ext uri="{28A0092B-C50C-407E-A947-70E740481C1C}">
                   <a14:useLocalDpi xmlns:a14="http://schemas.microsoft.com/office/drawing/2010/main" val="0"/>
@@ -16512,7 +20368,7 @@
               <p:nvPr/>
             </p:nvPicPr>
             <p:blipFill>
-              <a:blip r:embed="rId3">
+              <a:blip r:embed="rId4">
                 <a:extLst>
                   <a:ext uri="{28A0092B-C50C-407E-A947-70E740481C1C}">
                     <a14:useLocalDpi xmlns:a14="http://schemas.microsoft.com/office/drawing/2010/main" val="0"/>
@@ -16777,7 +20633,7 @@
               <p:nvPr/>
             </p:nvPicPr>
             <p:blipFill>
-              <a:blip r:embed="rId4">
+              <a:blip r:embed="rId5">
                 <a:extLst>
                   <a:ext uri="{28A0092B-C50C-407E-A947-70E740481C1C}">
                     <a14:useLocalDpi xmlns:a14="http://schemas.microsoft.com/office/drawing/2010/main" val="0"/>
@@ -16834,7 +20690,7 @@
             <p:nvPr/>
           </p:nvPicPr>
           <p:blipFill>
-            <a:blip r:embed="rId5">
+            <a:blip r:embed="rId6">
               <a:extLst>
                 <a:ext uri="{28A0092B-C50C-407E-A947-70E740481C1C}">
                   <a14:useLocalDpi xmlns:a14="http://schemas.microsoft.com/office/drawing/2010/main" val="0"/>
@@ -16870,7 +20726,7 @@
             <p:nvPr/>
           </p:nvPicPr>
           <p:blipFill>
-            <a:blip r:embed="rId6">
+            <a:blip r:embed="rId7">
               <a:extLst>
                 <a:ext uri="{28A0092B-C50C-407E-A947-70E740481C1C}">
                   <a14:useLocalDpi xmlns:a14="http://schemas.microsoft.com/office/drawing/2010/main" val="0"/>
@@ -16906,7 +20762,7 @@
             <p:nvPr/>
           </p:nvPicPr>
           <p:blipFill>
-            <a:blip r:embed="rId7">
+            <a:blip r:embed="rId8">
               <a:extLst>
                 <a:ext uri="{28A0092B-C50C-407E-A947-70E740481C1C}">
                   <a14:useLocalDpi xmlns:a14="http://schemas.microsoft.com/office/drawing/2010/main" val="0"/>
@@ -16942,7 +20798,7 @@
             <p:nvPr/>
           </p:nvPicPr>
           <p:blipFill>
-            <a:blip r:embed="rId8">
+            <a:blip r:embed="rId9">
               <a:extLst>
                 <a:ext uri="{28A0092B-C50C-407E-A947-70E740481C1C}">
                   <a14:useLocalDpi xmlns:a14="http://schemas.microsoft.com/office/drawing/2010/main" val="0"/>
@@ -16978,7 +20834,7 @@
             <p:nvPr/>
           </p:nvPicPr>
           <p:blipFill>
-            <a:blip r:embed="rId9">
+            <a:blip r:embed="rId10">
               <a:extLst>
                 <a:ext uri="{28A0092B-C50C-407E-A947-70E740481C1C}">
                   <a14:useLocalDpi xmlns:a14="http://schemas.microsoft.com/office/drawing/2010/main" val="0"/>
@@ -17000,6 +20856,35 @@
           </p:spPr>
         </p:pic>
       </p:grpSp>
+      <p:sp>
+        <p:nvSpPr>
+          <p:cNvPr id="10" name="Footer Placeholder 9">
+            <a:extLst>
+              <a:ext uri="{FF2B5EF4-FFF2-40B4-BE49-F238E27FC236}">
+                <a16:creationId xmlns:a16="http://schemas.microsoft.com/office/drawing/2014/main" id="{DD32A374-C266-E5A9-029C-B4CB3FFCB467}"/>
+              </a:ext>
+            </a:extLst>
+          </p:cNvPr>
+          <p:cNvSpPr>
+            <a:spLocks noGrp="1"/>
+          </p:cNvSpPr>
+          <p:nvPr>
+            <p:ph type="ftr" sz="quarter" idx="11"/>
+          </p:nvPr>
+        </p:nvSpPr>
+        <p:spPr/>
+        <p:txBody>
+          <a:bodyPr/>
+          <a:lstStyle/>
+          <a:p>
+            <a:r>
+              <a:rPr lang="en-GB"/>
+              <a:t>2025-10-20, Karel Kroeze, BDSi. Shiny Workshop.</a:t>
+            </a:r>
+            <a:endParaRPr lang="en-NL" dirty="0"/>
+          </a:p>
+        </p:txBody>
+      </p:sp>
     </p:spTree>
     <p:extLst>
       <p:ext uri="{BB962C8B-B14F-4D97-AF65-F5344CB8AC3E}">
@@ -17711,12 +21596,9 @@
 </file>
 
 <file path=customXml/item1.xml><?xml version="1.0" encoding="utf-8"?>
-<?mso-contentType ?>
-<FormTemplates xmlns="http://schemas.microsoft.com/sharepoint/v3/contenttype/forms">
-  <Display>DocumentLibraryForm</Display>
-  <Edit>DocumentLibraryForm</Edit>
-  <New>DocumentLibraryForm</New>
-</FormTemplates>
+<p:properties xmlns:p="http://schemas.microsoft.com/office/2006/metadata/properties" xmlns:xsi="http://www.w3.org/2001/XMLSchema-instance" xmlns:pc="http://schemas.microsoft.com/office/infopath/2007/PartnerControls">
+  <documentManagement/>
+</p:properties>
 </file>
 
 <file path=customXml/item2.xml><?xml version="1.0" encoding="utf-8"?>
@@ -17925,15 +21807,27 @@
 </file>
 
 <file path=customXml/item3.xml><?xml version="1.0" encoding="utf-8"?>
-<p:properties xmlns:p="http://schemas.microsoft.com/office/2006/metadata/properties" xmlns:xsi="http://www.w3.org/2001/XMLSchema-instance" xmlns:pc="http://schemas.microsoft.com/office/infopath/2007/PartnerControls">
-  <documentManagement/>
-</p:properties>
+<?mso-contentType ?>
+<FormTemplates xmlns="http://schemas.microsoft.com/sharepoint/v3/contenttype/forms">
+  <Display>DocumentLibraryForm</Display>
+  <Edit>DocumentLibraryForm</Edit>
+  <New>DocumentLibraryForm</New>
+</FormTemplates>
 </file>
 
 <file path=customXml/itemProps1.xml><?xml version="1.0" encoding="utf-8"?>
-<ds:datastoreItem xmlns:ds="http://schemas.openxmlformats.org/officeDocument/2006/customXml" ds:itemID="{08B165A8-AC64-4E2D-94ED-9DAA48721EFC}">
+<ds:datastoreItem xmlns:ds="http://schemas.openxmlformats.org/officeDocument/2006/customXml" ds:itemID="{93B6845E-C4E0-4387-B9A2-29465BA01C1A}">
   <ds:schemaRefs>
-    <ds:schemaRef ds:uri="http://schemas.microsoft.com/sharepoint/v3/contenttype/forms"/>
+    <ds:schemaRef ds:uri="http://purl.org/dc/terms/"/>
+    <ds:schemaRef ds:uri="http://www.w3.org/XML/1998/namespace"/>
+    <ds:schemaRef ds:uri="http://purl.org/dc/dcmitype/"/>
+    <ds:schemaRef ds:uri="http://schemas.microsoft.com/office/infopath/2007/PartnerControls"/>
+    <ds:schemaRef ds:uri="http://schemas.microsoft.com/office/2006/metadata/properties"/>
+    <ds:schemaRef ds:uri="2624be63-ebf9-4739-94ef-32159122bcb8"/>
+    <ds:schemaRef ds:uri="http://purl.org/dc/elements/1.1/"/>
+    <ds:schemaRef ds:uri="http://schemas.openxmlformats.org/package/2006/metadata/core-properties"/>
+    <ds:schemaRef ds:uri="http://schemas.microsoft.com/office/2006/documentManagement/types"/>
+    <ds:schemaRef ds:uri="b06909d7-6895-4fb7-bf6a-f9b4b7585c62"/>
   </ds:schemaRefs>
 </ds:datastoreItem>
 </file>
@@ -17958,18 +21852,9 @@
 </file>
 
 <file path=customXml/itemProps3.xml><?xml version="1.0" encoding="utf-8"?>
-<ds:datastoreItem xmlns:ds="http://schemas.openxmlformats.org/officeDocument/2006/customXml" ds:itemID="{93B6845E-C4E0-4387-B9A2-29465BA01C1A}">
+<ds:datastoreItem xmlns:ds="http://schemas.openxmlformats.org/officeDocument/2006/customXml" ds:itemID="{08B165A8-AC64-4E2D-94ED-9DAA48721EFC}">
   <ds:schemaRefs>
-    <ds:schemaRef ds:uri="http://purl.org/dc/terms/"/>
-    <ds:schemaRef ds:uri="http://www.w3.org/XML/1998/namespace"/>
-    <ds:schemaRef ds:uri="http://purl.org/dc/dcmitype/"/>
-    <ds:schemaRef ds:uri="http://schemas.microsoft.com/office/infopath/2007/PartnerControls"/>
-    <ds:schemaRef ds:uri="http://schemas.microsoft.com/office/2006/metadata/properties"/>
-    <ds:schemaRef ds:uri="2624be63-ebf9-4739-94ef-32159122bcb8"/>
-    <ds:schemaRef ds:uri="http://purl.org/dc/elements/1.1/"/>
-    <ds:schemaRef ds:uri="http://schemas.openxmlformats.org/package/2006/metadata/core-properties"/>
-    <ds:schemaRef ds:uri="http://schemas.microsoft.com/office/2006/documentManagement/types"/>
-    <ds:schemaRef ds:uri="b06909d7-6895-4fb7-bf6a-f9b4b7585c62"/>
+    <ds:schemaRef ds:uri="http://schemas.microsoft.com/sharepoint/v3/contenttype/forms"/>
   </ds:schemaRefs>
 </ds:datastoreItem>
 </file>